--- a/slides/Tag-3_4-Deployment-Strategien.pptx
+++ b/slides/Tag-3_4-Deployment-Strategien.pptx
@@ -6,14 +6,17 @@
     <p:sldMasterId id="2147483649" r:id="rId2"/>
   </p:sldMasterIdLst>
   <p:notesMasterIdLst>
-    <p:notesMasterId r:id="rId5"/>
+    <p:notesMasterId r:id="rId8"/>
   </p:notesMasterIdLst>
   <p:handoutMasterIdLst>
-    <p:handoutMasterId r:id="rId6"/>
+    <p:handoutMasterId r:id="rId9"/>
   </p:handoutMasterIdLst>
   <p:sldIdLst>
     <p:sldId id="288" r:id="rId3"/>
     <p:sldId id="290" r:id="rId4"/>
+    <p:sldId id="291" r:id="rId5"/>
+    <p:sldId id="292" r:id="rId6"/>
+    <p:sldId id="293" r:id="rId7"/>
   </p:sldIdLst>
   <p:sldSz cx="9144000" cy="6858000" type="screen4x3"/>
   <p:notesSz cx="6784975" cy="9921875"/>
@@ -143,6 +146,19 @@
     </a:lvl9pPr>
   </p:defaultTextStyle>
   <p:extLst>
+    <p:ext uri="{521415D9-36F7-43E2-AB2F-B90AF26B5E84}">
+      <p14:sectionLst xmlns:p14="http://schemas.microsoft.com/office/powerpoint/2010/main">
+        <p14:section name="Standardabschnitt" id="{FFC3889D-14DA-4267-82BF-30AEBFDBA907}">
+          <p14:sldIdLst>
+            <p14:sldId id="288"/>
+            <p14:sldId id="290"/>
+            <p14:sldId id="291"/>
+            <p14:sldId id="292"/>
+            <p14:sldId id="293"/>
+          </p14:sldIdLst>
+        </p14:section>
+      </p14:sectionLst>
+    </p:ext>
     <p:ext uri="{EFAFB233-063F-42B5-8137-9DF3F51BA10A}">
       <p15:sldGuideLst xmlns:p15="http://schemas.microsoft.com/office/powerpoint/2012/main">
         <p15:guide id="1" orient="horz" pos="2160">
@@ -1270,7 +1286,7 @@
               <a:pPr algn="ctr">
                 <a:defRPr/>
               </a:pPr>
-              <a:t>28.05.2024</a:t>
+              <a:t>29.05.2024</a:t>
             </a:fld>
             <a:endParaRPr lang="de-DE" sz="1000">
               <a:solidFill>
@@ -3368,7 +3384,7 @@
         <p:spPr>
           <a:xfrm>
             <a:off x="303213" y="1916832"/>
-            <a:ext cx="8516937" cy="4464918"/>
+            <a:ext cx="8516937" cy="1944216"/>
           </a:xfrm>
         </p:spPr>
         <p:txBody>
@@ -3381,15 +3397,7 @@
             </a:pPr>
             <a:r>
               <a:rPr lang="de-DE" altLang="de-DE" dirty="0"/>
-              <a:t>Verschiedene </a:t>
-            </a:r>
-            <a:r>
-              <a:rPr lang="de-DE" altLang="de-DE" dirty="0" err="1"/>
-              <a:t>Deploymentstrategien</a:t>
-            </a:r>
-            <a:r>
-              <a:rPr lang="de-DE" altLang="de-DE" dirty="0"/>
-              <a:t>?</a:t>
+              <a:t>Sehr Flexibel</a:t>
             </a:r>
           </a:p>
           <a:p>
@@ -3399,7 +3407,30 @@
             </a:pPr>
             <a:r>
               <a:rPr lang="de-DE" altLang="de-DE" dirty="0"/>
-              <a:t>Vor und Nachteile?</a:t>
+              <a:t>Verschiedene </a:t>
+            </a:r>
+            <a:r>
+              <a:rPr lang="de-DE" altLang="de-DE" dirty="0" err="1"/>
+              <a:t>Deployments</a:t>
+            </a:r>
+            <a:r>
+              <a:rPr lang="de-DE" altLang="de-DE" dirty="0"/>
+              <a:t> für Verschiedene </a:t>
+            </a:r>
+            <a:r>
+              <a:rPr lang="de-DE" altLang="de-DE" dirty="0" err="1"/>
+              <a:t>Branches</a:t>
+            </a:r>
+            <a:endParaRPr lang="de-DE" altLang="de-DE" dirty="0"/>
+          </a:p>
+          <a:p>
+            <a:pPr>
+              <a:buFont typeface="Arial" panose="020B0604020202020204" pitchFamily="34" charset="0"/>
+              <a:buChar char="•"/>
+            </a:pPr>
+            <a:r>
+              <a:rPr lang="de-DE" altLang="de-DE" dirty="0"/>
+              <a:t>Testumgebungen</a:t>
             </a:r>
           </a:p>
         </p:txBody>
@@ -3470,6 +3501,474 @@
         </p:txBody>
       </p:sp>
     </p:spTree>
+  </p:cSld>
+  <p:clrMapOvr>
+    <a:masterClrMapping/>
+  </p:clrMapOvr>
+</p:sld>
+</file>
+
+<file path=ppt/slides/slide3.xml><?xml version="1.0" encoding="utf-8"?>
+<p:sld xmlns:a="http://schemas.openxmlformats.org/drawingml/2006/main" xmlns:r="http://schemas.openxmlformats.org/officeDocument/2006/relationships" xmlns:p="http://schemas.openxmlformats.org/presentationml/2006/main">
+  <p:cSld>
+    <p:spTree>
+      <p:nvGrpSpPr>
+        <p:cNvPr id="1" name=""/>
+        <p:cNvGrpSpPr/>
+        <p:nvPr/>
+      </p:nvGrpSpPr>
+      <p:grpSpPr>
+        <a:xfrm>
+          <a:off x="0" y="0"/>
+          <a:ext cx="0" cy="0"/>
+          <a:chOff x="0" y="0"/>
+          <a:chExt cx="0" cy="0"/>
+        </a:xfrm>
+      </p:grpSpPr>
+      <p:sp>
+        <p:nvSpPr>
+          <p:cNvPr id="2" name="Titel 1">
+            <a:extLst>
+              <a:ext uri="{FF2B5EF4-FFF2-40B4-BE49-F238E27FC236}">
+                <a16:creationId xmlns:a16="http://schemas.microsoft.com/office/drawing/2014/main" id="{9895324C-54B4-81DA-0700-D01C36DA46F9}"/>
+              </a:ext>
+            </a:extLst>
+          </p:cNvPr>
+          <p:cNvSpPr>
+            <a:spLocks noGrp="1"/>
+          </p:cNvSpPr>
+          <p:nvPr>
+            <p:ph type="title"/>
+          </p:nvPr>
+        </p:nvSpPr>
+        <p:spPr/>
+        <p:txBody>
+          <a:bodyPr/>
+          <a:lstStyle/>
+          <a:p>
+            <a:r>
+              <a:rPr lang="en-US" altLang="de-DE" dirty="0" err="1"/>
+              <a:t>Deplo</a:t>
+            </a:r>
+            <a:r>
+              <a:rPr lang="de-DE" altLang="de-DE" dirty="0" err="1"/>
+              <a:t>yment</a:t>
+            </a:r>
+            <a:endParaRPr lang="de-DE" dirty="0"/>
+          </a:p>
+        </p:txBody>
+      </p:sp>
+      <p:sp>
+        <p:nvSpPr>
+          <p:cNvPr id="3" name="Inhaltsplatzhalter 2">
+            <a:extLst>
+              <a:ext uri="{FF2B5EF4-FFF2-40B4-BE49-F238E27FC236}">
+                <a16:creationId xmlns:a16="http://schemas.microsoft.com/office/drawing/2014/main" id="{6A78C27E-7706-2141-7DA0-41B3E5DB1E32}"/>
+              </a:ext>
+            </a:extLst>
+          </p:cNvPr>
+          <p:cNvSpPr>
+            <a:spLocks noGrp="1"/>
+          </p:cNvSpPr>
+          <p:nvPr>
+            <p:ph idx="1"/>
+          </p:nvPr>
+        </p:nvSpPr>
+        <p:spPr>
+          <a:xfrm>
+            <a:off x="303213" y="1887487"/>
+            <a:ext cx="8516937" cy="4494263"/>
+          </a:xfrm>
+        </p:spPr>
+        <p:txBody>
+          <a:bodyPr/>
+          <a:lstStyle/>
+          <a:p>
+            <a:pPr>
+              <a:buFont typeface="Arial" panose="020B0604020202020204" pitchFamily="34" charset="0"/>
+              <a:buChar char="•"/>
+            </a:pPr>
+            <a:r>
+              <a:rPr lang="de-DE" dirty="0" err="1"/>
+              <a:t>Recreate</a:t>
+            </a:r>
+            <a:r>
+              <a:rPr lang="de-DE" dirty="0"/>
+              <a:t> Deploy</a:t>
+            </a:r>
+          </a:p>
+          <a:p>
+            <a:pPr>
+              <a:buFont typeface="Arial" panose="020B0604020202020204" pitchFamily="34" charset="0"/>
+              <a:buChar char="•"/>
+            </a:pPr>
+            <a:r>
+              <a:rPr lang="de-DE" dirty="0"/>
+              <a:t>Blue-Green Deploy</a:t>
+            </a:r>
+          </a:p>
+          <a:p>
+            <a:pPr>
+              <a:buFont typeface="Arial" panose="020B0604020202020204" pitchFamily="34" charset="0"/>
+              <a:buChar char="•"/>
+            </a:pPr>
+            <a:r>
+              <a:rPr lang="de-DE" dirty="0"/>
+              <a:t>Canary Deploy</a:t>
+            </a:r>
+          </a:p>
+        </p:txBody>
+      </p:sp>
+      <p:sp>
+        <p:nvSpPr>
+          <p:cNvPr id="4" name="Textfeld 3">
+            <a:extLst>
+              <a:ext uri="{FF2B5EF4-FFF2-40B4-BE49-F238E27FC236}">
+                <a16:creationId xmlns:a16="http://schemas.microsoft.com/office/drawing/2014/main" id="{CDC265E2-64EC-6E98-0426-B7D891263531}"/>
+              </a:ext>
+            </a:extLst>
+          </p:cNvPr>
+          <p:cNvSpPr txBox="1"/>
+          <p:nvPr/>
+        </p:nvSpPr>
+        <p:spPr bwMode="auto">
+          <a:xfrm>
+            <a:off x="330324" y="1079972"/>
+            <a:ext cx="8462714" cy="584775"/>
+          </a:xfrm>
+          <a:prstGeom prst="rect">
+            <a:avLst/>
+          </a:prstGeom>
+          <a:noFill/>
+          <a:ln w="9525">
+            <a:noFill/>
+            <a:miter lim="800000"/>
+            <a:headEnd/>
+            <a:tailEnd/>
+          </a:ln>
+        </p:spPr>
+        <p:txBody>
+          <a:bodyPr wrap="square" rtlCol="0" anchor="ctr">
+            <a:spAutoFit/>
+          </a:bodyPr>
+          <a:lstStyle/>
+          <a:p>
+            <a:pPr algn="ctr" eaLnBrk="1" hangingPunct="1"/>
+            <a:r>
+              <a:rPr lang="de-DE" sz="3200" dirty="0">
+                <a:latin typeface="+mj-lt"/>
+              </a:rPr>
+              <a:t>Verschiedene </a:t>
+            </a:r>
+            <a:r>
+              <a:rPr lang="de-DE" sz="3200" dirty="0" err="1">
+                <a:latin typeface="+mj-lt"/>
+              </a:rPr>
+              <a:t>Deployment</a:t>
+            </a:r>
+            <a:r>
+              <a:rPr lang="de-DE" sz="3200" dirty="0">
+                <a:latin typeface="+mj-lt"/>
+              </a:rPr>
+              <a:t> Strategien</a:t>
+            </a:r>
+          </a:p>
+        </p:txBody>
+      </p:sp>
+    </p:spTree>
+    <p:extLst>
+      <p:ext uri="{BB962C8B-B14F-4D97-AF65-F5344CB8AC3E}">
+        <p14:creationId xmlns:p14="http://schemas.microsoft.com/office/powerpoint/2010/main" val="3197951138"/>
+      </p:ext>
+    </p:extLst>
+  </p:cSld>
+  <p:clrMapOvr>
+    <a:masterClrMapping/>
+  </p:clrMapOvr>
+</p:sld>
+</file>
+
+<file path=ppt/slides/slide4.xml><?xml version="1.0" encoding="utf-8"?>
+<p:sld xmlns:a="http://schemas.openxmlformats.org/drawingml/2006/main" xmlns:r="http://schemas.openxmlformats.org/officeDocument/2006/relationships" xmlns:p="http://schemas.openxmlformats.org/presentationml/2006/main">
+  <p:cSld>
+    <p:spTree>
+      <p:nvGrpSpPr>
+        <p:cNvPr id="1" name=""/>
+        <p:cNvGrpSpPr/>
+        <p:nvPr/>
+      </p:nvGrpSpPr>
+      <p:grpSpPr>
+        <a:xfrm>
+          <a:off x="0" y="0"/>
+          <a:ext cx="0" cy="0"/>
+          <a:chOff x="0" y="0"/>
+          <a:chExt cx="0" cy="0"/>
+        </a:xfrm>
+      </p:grpSpPr>
+      <p:sp>
+        <p:nvSpPr>
+          <p:cNvPr id="2" name="Titel 1">
+            <a:extLst>
+              <a:ext uri="{FF2B5EF4-FFF2-40B4-BE49-F238E27FC236}">
+                <a16:creationId xmlns:a16="http://schemas.microsoft.com/office/drawing/2014/main" id="{29D286B2-C35C-4BC6-9254-B3D2AE464CA4}"/>
+              </a:ext>
+            </a:extLst>
+          </p:cNvPr>
+          <p:cNvSpPr>
+            <a:spLocks noGrp="1"/>
+          </p:cNvSpPr>
+          <p:nvPr>
+            <p:ph type="title"/>
+          </p:nvPr>
+        </p:nvSpPr>
+        <p:spPr/>
+        <p:txBody>
+          <a:bodyPr/>
+          <a:lstStyle/>
+          <a:p>
+            <a:r>
+              <a:rPr lang="en-US" altLang="de-DE" dirty="0" err="1"/>
+              <a:t>Deplo</a:t>
+            </a:r>
+            <a:r>
+              <a:rPr lang="de-DE" altLang="de-DE" dirty="0" err="1"/>
+              <a:t>yment</a:t>
+            </a:r>
+            <a:endParaRPr lang="de-DE" dirty="0"/>
+          </a:p>
+        </p:txBody>
+      </p:sp>
+      <p:sp>
+        <p:nvSpPr>
+          <p:cNvPr id="3" name="Inhaltsplatzhalter 2">
+            <a:extLst>
+              <a:ext uri="{FF2B5EF4-FFF2-40B4-BE49-F238E27FC236}">
+                <a16:creationId xmlns:a16="http://schemas.microsoft.com/office/drawing/2014/main" id="{5841B00E-A256-2C3F-B12E-C474E3991C93}"/>
+              </a:ext>
+            </a:extLst>
+          </p:cNvPr>
+          <p:cNvSpPr>
+            <a:spLocks noGrp="1"/>
+          </p:cNvSpPr>
+          <p:nvPr>
+            <p:ph idx="1"/>
+          </p:nvPr>
+        </p:nvSpPr>
+        <p:spPr>
+          <a:xfrm>
+            <a:off x="303213" y="1844824"/>
+            <a:ext cx="8516937" cy="1080120"/>
+          </a:xfrm>
+        </p:spPr>
+        <p:txBody>
+          <a:bodyPr/>
+          <a:lstStyle/>
+          <a:p>
+            <a:pPr>
+              <a:buFont typeface="Arial" panose="020B0604020202020204" pitchFamily="34" charset="0"/>
+              <a:buChar char="•"/>
+            </a:pPr>
+            <a:r>
+              <a:rPr lang="de-DE" dirty="0"/>
+              <a:t>Altsystem wird offline genommen</a:t>
+            </a:r>
+          </a:p>
+          <a:p>
+            <a:pPr>
+              <a:buFont typeface="Arial" panose="020B0604020202020204" pitchFamily="34" charset="0"/>
+              <a:buChar char="•"/>
+            </a:pPr>
+            <a:r>
+              <a:rPr lang="de-DE" dirty="0"/>
+              <a:t>Neusystem wird danach </a:t>
+            </a:r>
+            <a:r>
+              <a:rPr lang="de-DE" dirty="0" err="1"/>
+              <a:t>deployed</a:t>
+            </a:r>
+            <a:r>
+              <a:rPr lang="de-DE" dirty="0"/>
+              <a:t> und gestartet</a:t>
+            </a:r>
+          </a:p>
+          <a:p>
+            <a:pPr>
+              <a:buFont typeface="Arial" panose="020B0604020202020204" pitchFamily="34" charset="0"/>
+              <a:buChar char="•"/>
+            </a:pPr>
+            <a:endParaRPr lang="de-DE" dirty="0"/>
+          </a:p>
+        </p:txBody>
+      </p:sp>
+      <p:sp>
+        <p:nvSpPr>
+          <p:cNvPr id="5" name="Textfeld 4">
+            <a:extLst>
+              <a:ext uri="{FF2B5EF4-FFF2-40B4-BE49-F238E27FC236}">
+                <a16:creationId xmlns:a16="http://schemas.microsoft.com/office/drawing/2014/main" id="{2329921C-13DB-F6B8-C326-D9583581E977}"/>
+              </a:ext>
+            </a:extLst>
+          </p:cNvPr>
+          <p:cNvSpPr txBox="1"/>
+          <p:nvPr/>
+        </p:nvSpPr>
+        <p:spPr bwMode="auto">
+          <a:xfrm>
+            <a:off x="330324" y="1079972"/>
+            <a:ext cx="8462714" cy="584775"/>
+          </a:xfrm>
+          <a:prstGeom prst="rect">
+            <a:avLst/>
+          </a:prstGeom>
+          <a:noFill/>
+          <a:ln w="9525">
+            <a:noFill/>
+            <a:miter lim="800000"/>
+            <a:headEnd/>
+            <a:tailEnd/>
+          </a:ln>
+        </p:spPr>
+        <p:txBody>
+          <a:bodyPr wrap="square" rtlCol="0" anchor="ctr">
+            <a:spAutoFit/>
+          </a:bodyPr>
+          <a:lstStyle/>
+          <a:p>
+            <a:pPr algn="ctr" eaLnBrk="1" hangingPunct="1"/>
+            <a:r>
+              <a:rPr lang="de-DE" sz="3200" dirty="0" err="1">
+                <a:latin typeface="+mj-lt"/>
+              </a:rPr>
+              <a:t>Recreate</a:t>
+            </a:r>
+            <a:r>
+              <a:rPr lang="de-DE" sz="3200" dirty="0">
+                <a:latin typeface="+mj-lt"/>
+              </a:rPr>
+              <a:t> Deploy</a:t>
+            </a:r>
+          </a:p>
+        </p:txBody>
+      </p:sp>
+    </p:spTree>
+    <p:extLst>
+      <p:ext uri="{BB962C8B-B14F-4D97-AF65-F5344CB8AC3E}">
+        <p14:creationId xmlns:p14="http://schemas.microsoft.com/office/powerpoint/2010/main" val="1268055666"/>
+      </p:ext>
+    </p:extLst>
+  </p:cSld>
+  <p:clrMapOvr>
+    <a:masterClrMapping/>
+  </p:clrMapOvr>
+</p:sld>
+</file>
+
+<file path=ppt/slides/slide5.xml><?xml version="1.0" encoding="utf-8"?>
+<p:sld xmlns:a="http://schemas.openxmlformats.org/drawingml/2006/main" xmlns:r="http://schemas.openxmlformats.org/officeDocument/2006/relationships" xmlns:p="http://schemas.openxmlformats.org/presentationml/2006/main">
+  <p:cSld>
+    <p:spTree>
+      <p:nvGrpSpPr>
+        <p:cNvPr id="1" name=""/>
+        <p:cNvGrpSpPr/>
+        <p:nvPr/>
+      </p:nvGrpSpPr>
+      <p:grpSpPr>
+        <a:xfrm>
+          <a:off x="0" y="0"/>
+          <a:ext cx="0" cy="0"/>
+          <a:chOff x="0" y="0"/>
+          <a:chExt cx="0" cy="0"/>
+        </a:xfrm>
+      </p:grpSpPr>
+      <p:sp>
+        <p:nvSpPr>
+          <p:cNvPr id="2" name="Titel 1">
+            <a:extLst>
+              <a:ext uri="{FF2B5EF4-FFF2-40B4-BE49-F238E27FC236}">
+                <a16:creationId xmlns:a16="http://schemas.microsoft.com/office/drawing/2014/main" id="{D99BAD01-A920-7F80-9D35-9B44F14A75EF}"/>
+              </a:ext>
+            </a:extLst>
+          </p:cNvPr>
+          <p:cNvSpPr>
+            <a:spLocks noGrp="1"/>
+          </p:cNvSpPr>
+          <p:nvPr>
+            <p:ph type="title"/>
+          </p:nvPr>
+        </p:nvSpPr>
+        <p:spPr/>
+        <p:txBody>
+          <a:bodyPr/>
+          <a:lstStyle/>
+          <a:p>
+            <a:r>
+              <a:rPr lang="en-US" altLang="de-DE" dirty="0" err="1"/>
+              <a:t>Deplo</a:t>
+            </a:r>
+            <a:r>
+              <a:rPr lang="de-DE" altLang="de-DE" dirty="0" err="1"/>
+              <a:t>yment</a:t>
+            </a:r>
+            <a:endParaRPr lang="de-DE" dirty="0"/>
+          </a:p>
+        </p:txBody>
+      </p:sp>
+      <p:sp>
+        <p:nvSpPr>
+          <p:cNvPr id="5" name="Textfeld 4">
+            <a:extLst>
+              <a:ext uri="{FF2B5EF4-FFF2-40B4-BE49-F238E27FC236}">
+                <a16:creationId xmlns:a16="http://schemas.microsoft.com/office/drawing/2014/main" id="{B391B747-BBA4-21F1-3683-E6C2DC8AA3C6}"/>
+              </a:ext>
+            </a:extLst>
+          </p:cNvPr>
+          <p:cNvSpPr txBox="1"/>
+          <p:nvPr/>
+        </p:nvSpPr>
+        <p:spPr bwMode="auto">
+          <a:xfrm>
+            <a:off x="330324" y="1079972"/>
+            <a:ext cx="8462714" cy="584775"/>
+          </a:xfrm>
+          <a:prstGeom prst="rect">
+            <a:avLst/>
+          </a:prstGeom>
+          <a:noFill/>
+          <a:ln w="9525">
+            <a:noFill/>
+            <a:miter lim="800000"/>
+            <a:headEnd/>
+            <a:tailEnd/>
+          </a:ln>
+        </p:spPr>
+        <p:txBody>
+          <a:bodyPr wrap="square" rtlCol="0" anchor="ctr">
+            <a:spAutoFit/>
+          </a:bodyPr>
+          <a:lstStyle/>
+          <a:p>
+            <a:pPr algn="ctr" eaLnBrk="1" hangingPunct="1"/>
+            <a:r>
+              <a:rPr lang="de-DE" sz="3200" dirty="0" err="1">
+                <a:latin typeface="+mj-lt"/>
+              </a:rPr>
+              <a:t>Recreate</a:t>
+            </a:r>
+            <a:r>
+              <a:rPr lang="de-DE" sz="3200" dirty="0">
+                <a:latin typeface="+mj-lt"/>
+              </a:rPr>
+              <a:t> Deploy</a:t>
+            </a:r>
+          </a:p>
+        </p:txBody>
+      </p:sp>
+    </p:spTree>
+    <p:extLst>
+      <p:ext uri="{BB962C8B-B14F-4D97-AF65-F5344CB8AC3E}">
+        <p14:creationId xmlns:p14="http://schemas.microsoft.com/office/powerpoint/2010/main" val="424821774"/>
+      </p:ext>
+    </p:extLst>
   </p:cSld>
   <p:clrMapOvr>
     <a:masterClrMapping/>

--- a/slides/Tag-3_4-Deployment-Strategien.pptx
+++ b/slides/Tag-3_4-Deployment-Strategien.pptx
@@ -6,10 +6,10 @@
     <p:sldMasterId id="2147483649" r:id="rId2"/>
   </p:sldMasterIdLst>
   <p:notesMasterIdLst>
-    <p:notesMasterId r:id="rId8"/>
+    <p:notesMasterId r:id="rId12"/>
   </p:notesMasterIdLst>
   <p:handoutMasterIdLst>
-    <p:handoutMasterId r:id="rId9"/>
+    <p:handoutMasterId r:id="rId13"/>
   </p:handoutMasterIdLst>
   <p:sldIdLst>
     <p:sldId id="288" r:id="rId3"/>
@@ -17,6 +17,10 @@
     <p:sldId id="291" r:id="rId5"/>
     <p:sldId id="292" r:id="rId6"/>
     <p:sldId id="293" r:id="rId7"/>
+    <p:sldId id="294" r:id="rId8"/>
+    <p:sldId id="295" r:id="rId9"/>
+    <p:sldId id="296" r:id="rId10"/>
+    <p:sldId id="297" r:id="rId11"/>
   </p:sldIdLst>
   <p:sldSz cx="9144000" cy="6858000" type="screen4x3"/>
   <p:notesSz cx="6784975" cy="9921875"/>
@@ -155,6 +159,10 @@
             <p14:sldId id="291"/>
             <p14:sldId id="292"/>
             <p14:sldId id="293"/>
+            <p14:sldId id="294"/>
+            <p14:sldId id="295"/>
+            <p14:sldId id="296"/>
+            <p14:sldId id="297"/>
           </p14:sldIdLst>
         </p14:section>
       </p14:sectionLst>
@@ -1286,7 +1294,7 @@
               <a:pPr algn="ctr">
                 <a:defRPr/>
               </a:pPr>
-              <a:t>29.05.2024</a:t>
+              <a:t>31.05.2024</a:t>
             </a:fld>
             <a:endParaRPr lang="de-DE" sz="1000">
               <a:solidFill>
@@ -3850,6 +3858,636 @@
           </a:p>
         </p:txBody>
       </p:sp>
+      <p:sp>
+        <p:nvSpPr>
+          <p:cNvPr id="4" name="Rechteck 3">
+            <a:extLst>
+              <a:ext uri="{FF2B5EF4-FFF2-40B4-BE49-F238E27FC236}">
+                <a16:creationId xmlns:a16="http://schemas.microsoft.com/office/drawing/2014/main" id="{FA755066-6C98-E30C-CE89-56DE710B4056}"/>
+              </a:ext>
+            </a:extLst>
+          </p:cNvPr>
+          <p:cNvSpPr/>
+          <p:nvPr/>
+        </p:nvSpPr>
+        <p:spPr bwMode="auto">
+          <a:xfrm>
+            <a:off x="611560" y="3429000"/>
+            <a:ext cx="2160240" cy="2160240"/>
+          </a:xfrm>
+          <a:prstGeom prst="rect">
+            <a:avLst/>
+          </a:prstGeom>
+          <a:solidFill>
+            <a:schemeClr val="bg1"/>
+          </a:solidFill>
+          <a:ln w="12700" cap="flat" cmpd="sng" algn="ctr">
+            <a:solidFill>
+              <a:schemeClr val="tx1"/>
+            </a:solidFill>
+            <a:prstDash val="solid"/>
+            <a:round/>
+            <a:headEnd type="none" w="sm" len="sm"/>
+            <a:tailEnd type="none" w="sm" len="sm"/>
+          </a:ln>
+          <a:effectLst/>
+        </p:spPr>
+        <p:txBody>
+          <a:bodyPr vert="horz" wrap="square" lIns="91440" tIns="45720" rIns="91440" bIns="45720" numCol="1" rtlCol="0" anchor="b" anchorCtr="0" compatLnSpc="1">
+            <a:prstTxWarp prst="textNoShape">
+              <a:avLst/>
+            </a:prstTxWarp>
+          </a:bodyPr>
+          <a:lstStyle/>
+          <a:p>
+            <a:pPr marL="0" marR="0" indent="0" algn="l" defTabSz="914400" rtl="0" eaLnBrk="0" fontAlgn="base" latinLnBrk="0" hangingPunct="0">
+              <a:lnSpc>
+                <a:spcPct val="100000"/>
+              </a:lnSpc>
+              <a:spcBef>
+                <a:spcPct val="0"/>
+              </a:spcBef>
+              <a:spcAft>
+                <a:spcPct val="0"/>
+              </a:spcAft>
+              <a:buClrTx/>
+              <a:buSzTx/>
+              <a:buFontTx/>
+              <a:buNone/>
+              <a:tabLst/>
+            </a:pPr>
+            <a:r>
+              <a:rPr kumimoji="0" lang="de-DE" sz="2400" b="0" i="0" u="none" strike="noStrike" cap="none" normalizeH="0" baseline="0" dirty="0">
+                <a:ln>
+                  <a:noFill/>
+                </a:ln>
+                <a:solidFill>
+                  <a:schemeClr val="tx1"/>
+                </a:solidFill>
+                <a:effectLst/>
+                <a:latin typeface="+mn-lt"/>
+              </a:rPr>
+              <a:t>Produktion</a:t>
+            </a:r>
+          </a:p>
+        </p:txBody>
+      </p:sp>
+      <p:sp>
+        <p:nvSpPr>
+          <p:cNvPr id="9" name="Würfel 8">
+            <a:extLst>
+              <a:ext uri="{FF2B5EF4-FFF2-40B4-BE49-F238E27FC236}">
+                <a16:creationId xmlns:a16="http://schemas.microsoft.com/office/drawing/2014/main" id="{53D65E1B-9281-5F31-C06F-1287D911E879}"/>
+              </a:ext>
+            </a:extLst>
+          </p:cNvPr>
+          <p:cNvSpPr/>
+          <p:nvPr/>
+        </p:nvSpPr>
+        <p:spPr bwMode="auto">
+          <a:xfrm>
+            <a:off x="827584" y="4293096"/>
+            <a:ext cx="1728192" cy="720080"/>
+          </a:xfrm>
+          <a:prstGeom prst="cube">
+            <a:avLst/>
+          </a:prstGeom>
+          <a:solidFill>
+            <a:schemeClr val="accent1"/>
+          </a:solidFill>
+          <a:ln w="12700" cap="flat" cmpd="sng" algn="ctr">
+            <a:solidFill>
+              <a:schemeClr val="tx1"/>
+            </a:solidFill>
+            <a:prstDash val="solid"/>
+            <a:round/>
+            <a:headEnd type="none" w="sm" len="sm"/>
+            <a:tailEnd type="none" w="sm" len="sm"/>
+          </a:ln>
+          <a:effectLst/>
+        </p:spPr>
+        <p:txBody>
+          <a:bodyPr vert="horz" wrap="square" lIns="91440" tIns="45720" rIns="91440" bIns="45720" numCol="1" rtlCol="0" anchor="t" anchorCtr="0" compatLnSpc="1">
+            <a:prstTxWarp prst="textNoShape">
+              <a:avLst/>
+            </a:prstTxWarp>
+          </a:bodyPr>
+          <a:lstStyle/>
+          <a:p>
+            <a:r>
+              <a:rPr lang="de-DE" dirty="0">
+                <a:latin typeface="+mn-lt"/>
+              </a:rPr>
+              <a:t>App B v1</a:t>
+            </a:r>
+            <a:endParaRPr kumimoji="0" lang="de-DE" sz="2400" b="0" i="0" u="none" strike="noStrike" cap="none" normalizeH="0" baseline="0" dirty="0">
+              <a:ln>
+                <a:noFill/>
+              </a:ln>
+              <a:solidFill>
+                <a:schemeClr val="tx1"/>
+              </a:solidFill>
+              <a:effectLst/>
+              <a:latin typeface="+mn-lt"/>
+            </a:endParaRPr>
+          </a:p>
+          <a:p>
+            <a:pPr marL="0" marR="0" indent="0" algn="l" defTabSz="914400" rtl="0" eaLnBrk="0" fontAlgn="base" latinLnBrk="0" hangingPunct="0">
+              <a:lnSpc>
+                <a:spcPct val="100000"/>
+              </a:lnSpc>
+              <a:spcBef>
+                <a:spcPct val="0"/>
+              </a:spcBef>
+              <a:spcAft>
+                <a:spcPct val="0"/>
+              </a:spcAft>
+              <a:buClrTx/>
+              <a:buSzTx/>
+              <a:buFontTx/>
+              <a:buNone/>
+              <a:tabLst/>
+            </a:pPr>
+            <a:endParaRPr kumimoji="0" lang="de-DE" sz="2400" b="0" i="0" u="none" strike="noStrike" cap="none" normalizeH="0" baseline="0" dirty="0">
+              <a:ln>
+                <a:noFill/>
+              </a:ln>
+              <a:solidFill>
+                <a:schemeClr val="tx1"/>
+              </a:solidFill>
+              <a:effectLst/>
+              <a:latin typeface="Times New Roman" pitchFamily="18" charset="0"/>
+            </a:endParaRPr>
+          </a:p>
+        </p:txBody>
+      </p:sp>
+      <p:sp>
+        <p:nvSpPr>
+          <p:cNvPr id="10" name="Würfel 9">
+            <a:extLst>
+              <a:ext uri="{FF2B5EF4-FFF2-40B4-BE49-F238E27FC236}">
+                <a16:creationId xmlns:a16="http://schemas.microsoft.com/office/drawing/2014/main" id="{99D24241-1C09-6D36-74C6-82EA90C30B5F}"/>
+              </a:ext>
+            </a:extLst>
+          </p:cNvPr>
+          <p:cNvSpPr/>
+          <p:nvPr/>
+        </p:nvSpPr>
+        <p:spPr bwMode="auto">
+          <a:xfrm>
+            <a:off x="827584" y="3717032"/>
+            <a:ext cx="1728192" cy="720080"/>
+          </a:xfrm>
+          <a:prstGeom prst="cube">
+            <a:avLst/>
+          </a:prstGeom>
+          <a:solidFill>
+            <a:schemeClr val="accent1"/>
+          </a:solidFill>
+          <a:ln w="12700" cap="flat" cmpd="sng" algn="ctr">
+            <a:solidFill>
+              <a:schemeClr val="tx1"/>
+            </a:solidFill>
+            <a:prstDash val="solid"/>
+            <a:round/>
+            <a:headEnd type="none" w="sm" len="sm"/>
+            <a:tailEnd type="none" w="sm" len="sm"/>
+          </a:ln>
+          <a:effectLst/>
+        </p:spPr>
+        <p:txBody>
+          <a:bodyPr vert="horz" wrap="square" lIns="91440" tIns="45720" rIns="91440" bIns="45720" numCol="1" rtlCol="0" anchor="t" anchorCtr="0" compatLnSpc="1">
+            <a:prstTxWarp prst="textNoShape">
+              <a:avLst/>
+            </a:prstTxWarp>
+          </a:bodyPr>
+          <a:lstStyle/>
+          <a:p>
+            <a:pPr marL="0" marR="0" indent="0" algn="l" defTabSz="914400" rtl="0" eaLnBrk="0" fontAlgn="base" latinLnBrk="0" hangingPunct="0">
+              <a:lnSpc>
+                <a:spcPct val="100000"/>
+              </a:lnSpc>
+              <a:spcBef>
+                <a:spcPct val="0"/>
+              </a:spcBef>
+              <a:spcAft>
+                <a:spcPct val="0"/>
+              </a:spcAft>
+              <a:buClrTx/>
+              <a:buSzTx/>
+              <a:buFontTx/>
+              <a:buNone/>
+              <a:tabLst/>
+            </a:pPr>
+            <a:r>
+              <a:rPr lang="de-DE" dirty="0">
+                <a:latin typeface="+mn-lt"/>
+              </a:rPr>
+              <a:t>App A v1</a:t>
+            </a:r>
+            <a:endParaRPr kumimoji="0" lang="de-DE" sz="2400" b="0" i="0" u="none" strike="noStrike" cap="none" normalizeH="0" baseline="0" dirty="0">
+              <a:ln>
+                <a:noFill/>
+              </a:ln>
+              <a:solidFill>
+                <a:schemeClr val="tx1"/>
+              </a:solidFill>
+              <a:effectLst/>
+              <a:latin typeface="+mn-lt"/>
+            </a:endParaRPr>
+          </a:p>
+        </p:txBody>
+      </p:sp>
+      <p:sp>
+        <p:nvSpPr>
+          <p:cNvPr id="11" name="Rechteck 10">
+            <a:extLst>
+              <a:ext uri="{FF2B5EF4-FFF2-40B4-BE49-F238E27FC236}">
+                <a16:creationId xmlns:a16="http://schemas.microsoft.com/office/drawing/2014/main" id="{F7C58936-56AE-A538-8E2E-128FDF4F962E}"/>
+              </a:ext>
+            </a:extLst>
+          </p:cNvPr>
+          <p:cNvSpPr/>
+          <p:nvPr/>
+        </p:nvSpPr>
+        <p:spPr bwMode="auto">
+          <a:xfrm>
+            <a:off x="3481561" y="3429000"/>
+            <a:ext cx="2160240" cy="2160240"/>
+          </a:xfrm>
+          <a:prstGeom prst="rect">
+            <a:avLst/>
+          </a:prstGeom>
+          <a:solidFill>
+            <a:schemeClr val="bg1"/>
+          </a:solidFill>
+          <a:ln w="12700" cap="flat" cmpd="sng" algn="ctr">
+            <a:solidFill>
+              <a:schemeClr val="tx1"/>
+            </a:solidFill>
+            <a:prstDash val="solid"/>
+            <a:round/>
+            <a:headEnd type="none" w="sm" len="sm"/>
+            <a:tailEnd type="none" w="sm" len="sm"/>
+          </a:ln>
+          <a:effectLst/>
+        </p:spPr>
+        <p:txBody>
+          <a:bodyPr vert="horz" wrap="square" lIns="91440" tIns="45720" rIns="91440" bIns="45720" numCol="1" rtlCol="0" anchor="b" anchorCtr="0" compatLnSpc="1">
+            <a:prstTxWarp prst="textNoShape">
+              <a:avLst/>
+            </a:prstTxWarp>
+          </a:bodyPr>
+          <a:lstStyle/>
+          <a:p>
+            <a:pPr marL="0" marR="0" indent="0" algn="l" defTabSz="914400" rtl="0" eaLnBrk="0" fontAlgn="base" latinLnBrk="0" hangingPunct="0">
+              <a:lnSpc>
+                <a:spcPct val="100000"/>
+              </a:lnSpc>
+              <a:spcBef>
+                <a:spcPct val="0"/>
+              </a:spcBef>
+              <a:spcAft>
+                <a:spcPct val="0"/>
+              </a:spcAft>
+              <a:buClrTx/>
+              <a:buSzTx/>
+              <a:buFontTx/>
+              <a:buNone/>
+              <a:tabLst/>
+            </a:pPr>
+            <a:r>
+              <a:rPr kumimoji="0" lang="de-DE" sz="2400" b="0" i="0" u="none" strike="noStrike" cap="none" normalizeH="0" baseline="0" dirty="0">
+                <a:ln>
+                  <a:noFill/>
+                </a:ln>
+                <a:solidFill>
+                  <a:schemeClr val="tx1"/>
+                </a:solidFill>
+                <a:effectLst/>
+                <a:latin typeface="+mn-lt"/>
+              </a:rPr>
+              <a:t>Produktion</a:t>
+            </a:r>
+          </a:p>
+        </p:txBody>
+      </p:sp>
+      <p:sp>
+        <p:nvSpPr>
+          <p:cNvPr id="15" name="Rechteck 14">
+            <a:extLst>
+              <a:ext uri="{FF2B5EF4-FFF2-40B4-BE49-F238E27FC236}">
+                <a16:creationId xmlns:a16="http://schemas.microsoft.com/office/drawing/2014/main" id="{01E609B8-BA19-DFFC-AB2C-57619B412D9B}"/>
+              </a:ext>
+            </a:extLst>
+          </p:cNvPr>
+          <p:cNvSpPr/>
+          <p:nvPr/>
+        </p:nvSpPr>
+        <p:spPr bwMode="auto">
+          <a:xfrm>
+            <a:off x="6351562" y="3429000"/>
+            <a:ext cx="2160240" cy="2160240"/>
+          </a:xfrm>
+          <a:prstGeom prst="rect">
+            <a:avLst/>
+          </a:prstGeom>
+          <a:solidFill>
+            <a:schemeClr val="bg1"/>
+          </a:solidFill>
+          <a:ln w="12700" cap="flat" cmpd="sng" algn="ctr">
+            <a:solidFill>
+              <a:schemeClr val="tx1"/>
+            </a:solidFill>
+            <a:prstDash val="solid"/>
+            <a:round/>
+            <a:headEnd type="none" w="sm" len="sm"/>
+            <a:tailEnd type="none" w="sm" len="sm"/>
+          </a:ln>
+          <a:effectLst/>
+        </p:spPr>
+        <p:txBody>
+          <a:bodyPr vert="horz" wrap="square" lIns="91440" tIns="45720" rIns="91440" bIns="45720" numCol="1" rtlCol="0" anchor="b" anchorCtr="0" compatLnSpc="1">
+            <a:prstTxWarp prst="textNoShape">
+              <a:avLst/>
+            </a:prstTxWarp>
+          </a:bodyPr>
+          <a:lstStyle/>
+          <a:p>
+            <a:pPr marL="0" marR="0" indent="0" algn="l" defTabSz="914400" rtl="0" eaLnBrk="0" fontAlgn="base" latinLnBrk="0" hangingPunct="0">
+              <a:lnSpc>
+                <a:spcPct val="100000"/>
+              </a:lnSpc>
+              <a:spcBef>
+                <a:spcPct val="0"/>
+              </a:spcBef>
+              <a:spcAft>
+                <a:spcPct val="0"/>
+              </a:spcAft>
+              <a:buClrTx/>
+              <a:buSzTx/>
+              <a:buFontTx/>
+              <a:buNone/>
+              <a:tabLst/>
+            </a:pPr>
+            <a:r>
+              <a:rPr kumimoji="0" lang="de-DE" sz="2400" b="0" i="0" u="none" strike="noStrike" cap="none" normalizeH="0" baseline="0" dirty="0">
+                <a:ln>
+                  <a:noFill/>
+                </a:ln>
+                <a:solidFill>
+                  <a:schemeClr val="tx1"/>
+                </a:solidFill>
+                <a:effectLst/>
+                <a:latin typeface="+mn-lt"/>
+              </a:rPr>
+              <a:t>Produktion</a:t>
+            </a:r>
+          </a:p>
+        </p:txBody>
+      </p:sp>
+      <p:sp>
+        <p:nvSpPr>
+          <p:cNvPr id="16" name="Würfel 15">
+            <a:extLst>
+              <a:ext uri="{FF2B5EF4-FFF2-40B4-BE49-F238E27FC236}">
+                <a16:creationId xmlns:a16="http://schemas.microsoft.com/office/drawing/2014/main" id="{22C2B540-F97B-CC7C-F6D5-D9B73A41A05C}"/>
+              </a:ext>
+            </a:extLst>
+          </p:cNvPr>
+          <p:cNvSpPr/>
+          <p:nvPr/>
+        </p:nvSpPr>
+        <p:spPr bwMode="auto">
+          <a:xfrm>
+            <a:off x="6567586" y="4293096"/>
+            <a:ext cx="1728192" cy="720080"/>
+          </a:xfrm>
+          <a:prstGeom prst="cube">
+            <a:avLst/>
+          </a:prstGeom>
+          <a:solidFill>
+            <a:schemeClr val="accent1"/>
+          </a:solidFill>
+          <a:ln w="12700" cap="flat" cmpd="sng" algn="ctr">
+            <a:solidFill>
+              <a:schemeClr val="tx1"/>
+            </a:solidFill>
+            <a:prstDash val="solid"/>
+            <a:round/>
+            <a:headEnd type="none" w="sm" len="sm"/>
+            <a:tailEnd type="none" w="sm" len="sm"/>
+          </a:ln>
+          <a:effectLst/>
+        </p:spPr>
+        <p:txBody>
+          <a:bodyPr vert="horz" wrap="square" lIns="91440" tIns="45720" rIns="91440" bIns="45720" numCol="1" rtlCol="0" anchor="t" anchorCtr="0" compatLnSpc="1">
+            <a:prstTxWarp prst="textNoShape">
+              <a:avLst/>
+            </a:prstTxWarp>
+          </a:bodyPr>
+          <a:lstStyle/>
+          <a:p>
+            <a:r>
+              <a:rPr lang="de-DE" dirty="0">
+                <a:latin typeface="+mn-lt"/>
+              </a:rPr>
+              <a:t>App B v2</a:t>
+            </a:r>
+            <a:endParaRPr kumimoji="0" lang="de-DE" sz="2400" b="0" i="0" u="none" strike="noStrike" cap="none" normalizeH="0" baseline="0" dirty="0">
+              <a:ln>
+                <a:noFill/>
+              </a:ln>
+              <a:solidFill>
+                <a:schemeClr val="tx1"/>
+              </a:solidFill>
+              <a:effectLst/>
+              <a:latin typeface="+mn-lt"/>
+            </a:endParaRPr>
+          </a:p>
+          <a:p>
+            <a:pPr marL="0" marR="0" indent="0" algn="l" defTabSz="914400" rtl="0" eaLnBrk="0" fontAlgn="base" latinLnBrk="0" hangingPunct="0">
+              <a:lnSpc>
+                <a:spcPct val="100000"/>
+              </a:lnSpc>
+              <a:spcBef>
+                <a:spcPct val="0"/>
+              </a:spcBef>
+              <a:spcAft>
+                <a:spcPct val="0"/>
+              </a:spcAft>
+              <a:buClrTx/>
+              <a:buSzTx/>
+              <a:buFontTx/>
+              <a:buNone/>
+              <a:tabLst/>
+            </a:pPr>
+            <a:endParaRPr kumimoji="0" lang="de-DE" sz="2400" b="0" i="0" u="none" strike="noStrike" cap="none" normalizeH="0" baseline="0" dirty="0">
+              <a:ln>
+                <a:noFill/>
+              </a:ln>
+              <a:solidFill>
+                <a:schemeClr val="tx1"/>
+              </a:solidFill>
+              <a:effectLst/>
+              <a:latin typeface="Times New Roman" pitchFamily="18" charset="0"/>
+            </a:endParaRPr>
+          </a:p>
+        </p:txBody>
+      </p:sp>
+      <p:sp>
+        <p:nvSpPr>
+          <p:cNvPr id="17" name="Würfel 16">
+            <a:extLst>
+              <a:ext uri="{FF2B5EF4-FFF2-40B4-BE49-F238E27FC236}">
+                <a16:creationId xmlns:a16="http://schemas.microsoft.com/office/drawing/2014/main" id="{0EB42D42-A65D-6F58-04FA-CCEFDFA050A2}"/>
+              </a:ext>
+            </a:extLst>
+          </p:cNvPr>
+          <p:cNvSpPr/>
+          <p:nvPr/>
+        </p:nvSpPr>
+        <p:spPr bwMode="auto">
+          <a:xfrm>
+            <a:off x="6567586" y="3717032"/>
+            <a:ext cx="1728192" cy="720080"/>
+          </a:xfrm>
+          <a:prstGeom prst="cube">
+            <a:avLst/>
+          </a:prstGeom>
+          <a:solidFill>
+            <a:schemeClr val="accent1"/>
+          </a:solidFill>
+          <a:ln w="12700" cap="flat" cmpd="sng" algn="ctr">
+            <a:solidFill>
+              <a:schemeClr val="tx1"/>
+            </a:solidFill>
+            <a:prstDash val="solid"/>
+            <a:round/>
+            <a:headEnd type="none" w="sm" len="sm"/>
+            <a:tailEnd type="none" w="sm" len="sm"/>
+          </a:ln>
+          <a:effectLst/>
+        </p:spPr>
+        <p:txBody>
+          <a:bodyPr vert="horz" wrap="square" lIns="91440" tIns="45720" rIns="91440" bIns="45720" numCol="1" rtlCol="0" anchor="t" anchorCtr="0" compatLnSpc="1">
+            <a:prstTxWarp prst="textNoShape">
+              <a:avLst/>
+            </a:prstTxWarp>
+          </a:bodyPr>
+          <a:lstStyle/>
+          <a:p>
+            <a:pPr marL="0" marR="0" indent="0" algn="l" defTabSz="914400" rtl="0" eaLnBrk="0" fontAlgn="base" latinLnBrk="0" hangingPunct="0">
+              <a:lnSpc>
+                <a:spcPct val="100000"/>
+              </a:lnSpc>
+              <a:spcBef>
+                <a:spcPct val="0"/>
+              </a:spcBef>
+              <a:spcAft>
+                <a:spcPct val="0"/>
+              </a:spcAft>
+              <a:buClrTx/>
+              <a:buSzTx/>
+              <a:buFontTx/>
+              <a:buNone/>
+              <a:tabLst/>
+            </a:pPr>
+            <a:r>
+              <a:rPr lang="de-DE" dirty="0">
+                <a:latin typeface="+mn-lt"/>
+              </a:rPr>
+              <a:t>App A v2</a:t>
+            </a:r>
+            <a:endParaRPr kumimoji="0" lang="de-DE" sz="2400" b="0" i="0" u="none" strike="noStrike" cap="none" normalizeH="0" baseline="0" dirty="0">
+              <a:ln>
+                <a:noFill/>
+              </a:ln>
+              <a:solidFill>
+                <a:schemeClr val="tx1"/>
+              </a:solidFill>
+              <a:effectLst/>
+              <a:latin typeface="+mn-lt"/>
+            </a:endParaRPr>
+          </a:p>
+        </p:txBody>
+      </p:sp>
+      <p:cxnSp>
+        <p:nvCxnSpPr>
+          <p:cNvPr id="19" name="Gerade Verbindung mit Pfeil 18">
+            <a:extLst>
+              <a:ext uri="{FF2B5EF4-FFF2-40B4-BE49-F238E27FC236}">
+                <a16:creationId xmlns:a16="http://schemas.microsoft.com/office/drawing/2014/main" id="{92293F7D-B555-7998-D78F-60C0F30E1AB0}"/>
+              </a:ext>
+            </a:extLst>
+          </p:cNvPr>
+          <p:cNvCxnSpPr>
+            <a:stCxn id="4" idx="3"/>
+            <a:endCxn id="11" idx="1"/>
+          </p:cNvCxnSpPr>
+          <p:nvPr/>
+        </p:nvCxnSpPr>
+        <p:spPr bwMode="auto">
+          <a:xfrm>
+            <a:off x="2771800" y="4509120"/>
+            <a:ext cx="709761" cy="0"/>
+          </a:xfrm>
+          <a:prstGeom prst="straightConnector1">
+            <a:avLst/>
+          </a:prstGeom>
+          <a:solidFill>
+            <a:schemeClr val="accent1"/>
+          </a:solidFill>
+          <a:ln w="12700" cap="flat" cmpd="sng" algn="ctr">
+            <a:solidFill>
+              <a:schemeClr val="tx1"/>
+            </a:solidFill>
+            <a:prstDash val="solid"/>
+            <a:round/>
+            <a:headEnd type="none" w="sm" len="sm"/>
+            <a:tailEnd type="triangle"/>
+          </a:ln>
+          <a:effectLst/>
+        </p:spPr>
+      </p:cxnSp>
+      <p:cxnSp>
+        <p:nvCxnSpPr>
+          <p:cNvPr id="21" name="Gerade Verbindung mit Pfeil 20">
+            <a:extLst>
+              <a:ext uri="{FF2B5EF4-FFF2-40B4-BE49-F238E27FC236}">
+                <a16:creationId xmlns:a16="http://schemas.microsoft.com/office/drawing/2014/main" id="{739DFD12-8941-47D3-4354-42CE78AE6798}"/>
+              </a:ext>
+            </a:extLst>
+          </p:cNvPr>
+          <p:cNvCxnSpPr>
+            <a:stCxn id="11" idx="3"/>
+            <a:endCxn id="15" idx="1"/>
+          </p:cNvCxnSpPr>
+          <p:nvPr/>
+        </p:nvCxnSpPr>
+        <p:spPr bwMode="auto">
+          <a:xfrm>
+            <a:off x="5641801" y="4509120"/>
+            <a:ext cx="709761" cy="0"/>
+          </a:xfrm>
+          <a:prstGeom prst="straightConnector1">
+            <a:avLst/>
+          </a:prstGeom>
+          <a:solidFill>
+            <a:schemeClr val="accent1"/>
+          </a:solidFill>
+          <a:ln w="12700" cap="flat" cmpd="sng" algn="ctr">
+            <a:solidFill>
+              <a:schemeClr val="tx1"/>
+            </a:solidFill>
+            <a:prstDash val="solid"/>
+            <a:round/>
+            <a:headEnd type="none" w="sm" len="sm"/>
+            <a:tailEnd type="triangle"/>
+          </a:ln>
+          <a:effectLst/>
+        </p:spPr>
+      </p:cxnSp>
     </p:spTree>
     <p:extLst>
       <p:ext uri="{BB962C8B-B14F-4D97-AF65-F5344CB8AC3E}">
@@ -3949,16 +4587,316 @@
           <a:p>
             <a:pPr algn="ctr" eaLnBrk="1" hangingPunct="1"/>
             <a:r>
-              <a:rPr lang="de-DE" sz="3200" dirty="0" err="1">
-                <a:latin typeface="+mj-lt"/>
-              </a:rPr>
-              <a:t>Recreate</a:t>
-            </a:r>
-            <a:r>
               <a:rPr lang="de-DE" sz="3200" dirty="0">
                 <a:latin typeface="+mj-lt"/>
               </a:rPr>
-              <a:t> Deploy</a:t>
+              <a:t>Vor und Nachteile</a:t>
+            </a:r>
+          </a:p>
+        </p:txBody>
+      </p:sp>
+      <p:sp>
+        <p:nvSpPr>
+          <p:cNvPr id="3" name="Inhaltsplatzhalter 2">
+            <a:extLst>
+              <a:ext uri="{FF2B5EF4-FFF2-40B4-BE49-F238E27FC236}">
+                <a16:creationId xmlns:a16="http://schemas.microsoft.com/office/drawing/2014/main" id="{B3231207-F7BC-F792-92B9-48E8C8E01816}"/>
+              </a:ext>
+            </a:extLst>
+          </p:cNvPr>
+          <p:cNvSpPr>
+            <a:spLocks noGrp="1"/>
+          </p:cNvSpPr>
+          <p:nvPr>
+            <p:ph idx="1"/>
+          </p:nvPr>
+        </p:nvSpPr>
+        <p:spPr>
+          <a:xfrm>
+            <a:off x="683568" y="1988840"/>
+            <a:ext cx="3764731" cy="3960440"/>
+          </a:xfrm>
+        </p:spPr>
+        <p:txBody>
+          <a:bodyPr/>
+          <a:lstStyle/>
+          <a:p>
+            <a:pPr>
+              <a:buFont typeface="Arial" panose="020B0604020202020204" pitchFamily="34" charset="0"/>
+              <a:buChar char="•"/>
+            </a:pPr>
+            <a:r>
+              <a:rPr lang="de-DE" altLang="de-DE" dirty="0"/>
+              <a:t>Einfache Implementierung</a:t>
+            </a:r>
+          </a:p>
+          <a:p>
+            <a:pPr>
+              <a:buFont typeface="Arial" panose="020B0604020202020204" pitchFamily="34" charset="0"/>
+              <a:buChar char="•"/>
+            </a:pPr>
+            <a:r>
+              <a:rPr lang="de-DE" altLang="de-DE" dirty="0"/>
+              <a:t>Günstig</a:t>
+            </a:r>
+          </a:p>
+        </p:txBody>
+      </p:sp>
+      <p:sp>
+        <p:nvSpPr>
+          <p:cNvPr id="4" name="Inhaltsplatzhalter 2">
+            <a:extLst>
+              <a:ext uri="{FF2B5EF4-FFF2-40B4-BE49-F238E27FC236}">
+                <a16:creationId xmlns:a16="http://schemas.microsoft.com/office/drawing/2014/main" id="{0EDA6666-E721-7B60-2CB5-59117D00AFAA}"/>
+              </a:ext>
+            </a:extLst>
+          </p:cNvPr>
+          <p:cNvSpPr txBox="1">
+            <a:spLocks/>
+          </p:cNvSpPr>
+          <p:nvPr/>
+        </p:nvSpPr>
+        <p:spPr bwMode="auto">
+          <a:xfrm>
+            <a:off x="4693773" y="1988840"/>
+            <a:ext cx="3764731" cy="3960440"/>
+          </a:xfrm>
+          <a:prstGeom prst="rect">
+            <a:avLst/>
+          </a:prstGeom>
+          <a:noFill/>
+          <a:ln>
+            <a:noFill/>
+          </a:ln>
+          <a:extLst>
+            <a:ext uri="{909E8E84-426E-40DD-AFC4-6F175D3DCCD1}">
+              <a14:hiddenFill xmlns:a14="http://schemas.microsoft.com/office/drawing/2010/main">
+                <a:solidFill>
+                  <a:srgbClr val="FFFFFF"/>
+                </a:solidFill>
+              </a14:hiddenFill>
+            </a:ext>
+            <a:ext uri="{91240B29-F687-4F45-9708-019B960494DF}">
+              <a14:hiddenLine xmlns:a14="http://schemas.microsoft.com/office/drawing/2010/main" w="9525">
+                <a:solidFill>
+                  <a:srgbClr val="000000"/>
+                </a:solidFill>
+                <a:miter lim="800000"/>
+                <a:headEnd/>
+                <a:tailEnd/>
+              </a14:hiddenLine>
+            </a:ext>
+          </a:extLst>
+        </p:spPr>
+        <p:txBody>
+          <a:bodyPr vert="horz" wrap="square" lIns="92075" tIns="46038" rIns="92075" bIns="46038" numCol="1" anchor="t" anchorCtr="0" compatLnSpc="1">
+            <a:prstTxWarp prst="textNoShape">
+              <a:avLst/>
+            </a:prstTxWarp>
+          </a:bodyPr>
+          <a:lstStyle>
+            <a:lvl1pPr marL="342900" indent="-342900" algn="l" rtl="0" eaLnBrk="1" fontAlgn="base" hangingPunct="1">
+              <a:spcBef>
+                <a:spcPct val="20000"/>
+              </a:spcBef>
+              <a:spcAft>
+                <a:spcPct val="0"/>
+              </a:spcAft>
+              <a:buClr>
+                <a:srgbClr val="008C5A"/>
+              </a:buClr>
+              <a:buFont typeface="Monotype Sorts" pitchFamily="2" charset="2"/>
+              <a:buChar char="l"/>
+              <a:defRPr sz="2400">
+                <a:solidFill>
+                  <a:schemeClr val="tx1"/>
+                </a:solidFill>
+                <a:latin typeface="+mn-lt"/>
+                <a:ea typeface="+mn-ea"/>
+                <a:cs typeface="+mn-cs"/>
+              </a:defRPr>
+            </a:lvl1pPr>
+            <a:lvl2pPr marL="742950" indent="-285750" algn="l" rtl="0" eaLnBrk="1" fontAlgn="base" hangingPunct="1">
+              <a:spcBef>
+                <a:spcPct val="20000"/>
+              </a:spcBef>
+              <a:spcAft>
+                <a:spcPct val="0"/>
+              </a:spcAft>
+              <a:buClr>
+                <a:srgbClr val="008C5A"/>
+              </a:buClr>
+              <a:buFont typeface="Monotype Sorts" pitchFamily="2" charset="2"/>
+              <a:buChar char="l"/>
+              <a:defRPr sz="2000">
+                <a:solidFill>
+                  <a:schemeClr val="tx1"/>
+                </a:solidFill>
+                <a:latin typeface="+mn-lt"/>
+              </a:defRPr>
+            </a:lvl2pPr>
+            <a:lvl3pPr marL="1143000" indent="-228600" algn="l" rtl="0" eaLnBrk="1" fontAlgn="base" hangingPunct="1">
+              <a:spcBef>
+                <a:spcPct val="20000"/>
+              </a:spcBef>
+              <a:spcAft>
+                <a:spcPct val="0"/>
+              </a:spcAft>
+              <a:buClr>
+                <a:srgbClr val="008C5A"/>
+              </a:buClr>
+              <a:buFont typeface="Monotype Sorts" pitchFamily="2" charset="2"/>
+              <a:buChar char="l"/>
+              <a:defRPr sz="2400">
+                <a:solidFill>
+                  <a:schemeClr val="tx1"/>
+                </a:solidFill>
+                <a:latin typeface="+mn-lt"/>
+              </a:defRPr>
+            </a:lvl3pPr>
+            <a:lvl4pPr marL="1562100" indent="-228600" algn="l" rtl="0" eaLnBrk="1" fontAlgn="base" hangingPunct="1">
+              <a:spcBef>
+                <a:spcPct val="20000"/>
+              </a:spcBef>
+              <a:spcAft>
+                <a:spcPct val="0"/>
+              </a:spcAft>
+              <a:buClr>
+                <a:srgbClr val="008C5A"/>
+              </a:buClr>
+              <a:buFont typeface="Monotype Sorts" pitchFamily="2" charset="2"/>
+              <a:buChar char="l"/>
+              <a:defRPr sz="1600">
+                <a:solidFill>
+                  <a:schemeClr val="tx1"/>
+                </a:solidFill>
+                <a:latin typeface="+mn-lt"/>
+              </a:defRPr>
+            </a:lvl4pPr>
+            <a:lvl5pPr marL="1981200" indent="-228600" algn="l" rtl="0" eaLnBrk="1" fontAlgn="base" hangingPunct="1">
+              <a:spcBef>
+                <a:spcPct val="20000"/>
+              </a:spcBef>
+              <a:spcAft>
+                <a:spcPct val="0"/>
+              </a:spcAft>
+              <a:buClr>
+                <a:srgbClr val="008C5A"/>
+              </a:buClr>
+              <a:buFont typeface="Monotype Sorts" pitchFamily="2" charset="2"/>
+              <a:buChar char="l"/>
+              <a:defRPr sz="1600">
+                <a:solidFill>
+                  <a:schemeClr val="tx1"/>
+                </a:solidFill>
+                <a:latin typeface="+mn-lt"/>
+              </a:defRPr>
+            </a:lvl5pPr>
+            <a:lvl6pPr marL="2438400" indent="-228600" algn="l" rtl="0" eaLnBrk="1" fontAlgn="base" hangingPunct="1">
+              <a:spcBef>
+                <a:spcPct val="20000"/>
+              </a:spcBef>
+              <a:spcAft>
+                <a:spcPct val="0"/>
+              </a:spcAft>
+              <a:buClr>
+                <a:srgbClr val="008C5A"/>
+              </a:buClr>
+              <a:buFont typeface="Monotype Sorts" pitchFamily="2" charset="2"/>
+              <a:buChar char="l"/>
+              <a:defRPr sz="1600">
+                <a:solidFill>
+                  <a:schemeClr val="tx1"/>
+                </a:solidFill>
+                <a:latin typeface="+mn-lt"/>
+              </a:defRPr>
+            </a:lvl6pPr>
+            <a:lvl7pPr marL="2895600" indent="-228600" algn="l" rtl="0" eaLnBrk="1" fontAlgn="base" hangingPunct="1">
+              <a:spcBef>
+                <a:spcPct val="20000"/>
+              </a:spcBef>
+              <a:spcAft>
+                <a:spcPct val="0"/>
+              </a:spcAft>
+              <a:buClr>
+                <a:srgbClr val="008C5A"/>
+              </a:buClr>
+              <a:buFont typeface="Monotype Sorts" pitchFamily="2" charset="2"/>
+              <a:buChar char="l"/>
+              <a:defRPr sz="1600">
+                <a:solidFill>
+                  <a:schemeClr val="tx1"/>
+                </a:solidFill>
+                <a:latin typeface="+mn-lt"/>
+              </a:defRPr>
+            </a:lvl7pPr>
+            <a:lvl8pPr marL="3352800" indent="-228600" algn="l" rtl="0" eaLnBrk="1" fontAlgn="base" hangingPunct="1">
+              <a:spcBef>
+                <a:spcPct val="20000"/>
+              </a:spcBef>
+              <a:spcAft>
+                <a:spcPct val="0"/>
+              </a:spcAft>
+              <a:buClr>
+                <a:srgbClr val="008C5A"/>
+              </a:buClr>
+              <a:buFont typeface="Monotype Sorts" pitchFamily="2" charset="2"/>
+              <a:buChar char="l"/>
+              <a:defRPr sz="1600">
+                <a:solidFill>
+                  <a:schemeClr val="tx1"/>
+                </a:solidFill>
+                <a:latin typeface="+mn-lt"/>
+              </a:defRPr>
+            </a:lvl8pPr>
+            <a:lvl9pPr marL="3810000" indent="-228600" algn="l" rtl="0" eaLnBrk="1" fontAlgn="base" hangingPunct="1">
+              <a:spcBef>
+                <a:spcPct val="20000"/>
+              </a:spcBef>
+              <a:spcAft>
+                <a:spcPct val="0"/>
+              </a:spcAft>
+              <a:buClr>
+                <a:srgbClr val="008C5A"/>
+              </a:buClr>
+              <a:buFont typeface="Monotype Sorts" pitchFamily="2" charset="2"/>
+              <a:buChar char="l"/>
+              <a:defRPr sz="1600">
+                <a:solidFill>
+                  <a:schemeClr val="tx1"/>
+                </a:solidFill>
+                <a:latin typeface="+mn-lt"/>
+              </a:defRPr>
+            </a:lvl9pPr>
+          </a:lstStyle>
+          <a:p>
+            <a:pPr>
+              <a:buFont typeface="Arial" panose="020B0604020202020204" pitchFamily="34" charset="0"/>
+              <a:buChar char="•"/>
+            </a:pPr>
+            <a:r>
+              <a:rPr lang="de-DE" altLang="de-DE" kern="0" dirty="0"/>
+              <a:t>Downtime</a:t>
+            </a:r>
+          </a:p>
+          <a:p>
+            <a:pPr>
+              <a:buFont typeface="Arial" panose="020B0604020202020204" pitchFamily="34" charset="0"/>
+              <a:buChar char="•"/>
+            </a:pPr>
+            <a:r>
+              <a:rPr lang="de-DE" altLang="de-DE" kern="0" dirty="0"/>
+              <a:t>Aufwändiges Rollback</a:t>
+            </a:r>
+          </a:p>
+          <a:p>
+            <a:pPr>
+              <a:buFont typeface="Arial" panose="020B0604020202020204" pitchFamily="34" charset="0"/>
+              <a:buChar char="•"/>
+            </a:pPr>
+            <a:r>
+              <a:rPr lang="de-DE" altLang="de-DE" kern="0" dirty="0"/>
+              <a:t>Kein partieller deploy möglich</a:t>
             </a:r>
           </a:p>
         </p:txBody>
@@ -3967,6 +4905,2275 @@
     <p:extLst>
       <p:ext uri="{BB962C8B-B14F-4D97-AF65-F5344CB8AC3E}">
         <p14:creationId xmlns:p14="http://schemas.microsoft.com/office/powerpoint/2010/main" val="424821774"/>
+      </p:ext>
+    </p:extLst>
+  </p:cSld>
+  <p:clrMapOvr>
+    <a:masterClrMapping/>
+  </p:clrMapOvr>
+</p:sld>
+</file>
+
+<file path=ppt/slides/slide6.xml><?xml version="1.0" encoding="utf-8"?>
+<p:sld xmlns:a="http://schemas.openxmlformats.org/drawingml/2006/main" xmlns:r="http://schemas.openxmlformats.org/officeDocument/2006/relationships" xmlns:p="http://schemas.openxmlformats.org/presentationml/2006/main">
+  <p:cSld>
+    <p:spTree>
+      <p:nvGrpSpPr>
+        <p:cNvPr id="1" name=""/>
+        <p:cNvGrpSpPr/>
+        <p:nvPr/>
+      </p:nvGrpSpPr>
+      <p:grpSpPr>
+        <a:xfrm>
+          <a:off x="0" y="0"/>
+          <a:ext cx="0" cy="0"/>
+          <a:chOff x="0" y="0"/>
+          <a:chExt cx="0" cy="0"/>
+        </a:xfrm>
+      </p:grpSpPr>
+      <p:sp>
+        <p:nvSpPr>
+          <p:cNvPr id="2" name="Titel 1">
+            <a:extLst>
+              <a:ext uri="{FF2B5EF4-FFF2-40B4-BE49-F238E27FC236}">
+                <a16:creationId xmlns:a16="http://schemas.microsoft.com/office/drawing/2014/main" id="{29D286B2-C35C-4BC6-9254-B3D2AE464CA4}"/>
+              </a:ext>
+            </a:extLst>
+          </p:cNvPr>
+          <p:cNvSpPr>
+            <a:spLocks noGrp="1"/>
+          </p:cNvSpPr>
+          <p:nvPr>
+            <p:ph type="title"/>
+          </p:nvPr>
+        </p:nvSpPr>
+        <p:spPr/>
+        <p:txBody>
+          <a:bodyPr/>
+          <a:lstStyle/>
+          <a:p>
+            <a:r>
+              <a:rPr lang="en-US" altLang="de-DE" dirty="0" err="1"/>
+              <a:t>Deplo</a:t>
+            </a:r>
+            <a:r>
+              <a:rPr lang="de-DE" altLang="de-DE" dirty="0" err="1"/>
+              <a:t>yment</a:t>
+            </a:r>
+            <a:endParaRPr lang="de-DE" dirty="0"/>
+          </a:p>
+        </p:txBody>
+      </p:sp>
+      <p:sp>
+        <p:nvSpPr>
+          <p:cNvPr id="3" name="Inhaltsplatzhalter 2">
+            <a:extLst>
+              <a:ext uri="{FF2B5EF4-FFF2-40B4-BE49-F238E27FC236}">
+                <a16:creationId xmlns:a16="http://schemas.microsoft.com/office/drawing/2014/main" id="{5841B00E-A256-2C3F-B12E-C474E3991C93}"/>
+              </a:ext>
+            </a:extLst>
+          </p:cNvPr>
+          <p:cNvSpPr>
+            <a:spLocks noGrp="1"/>
+          </p:cNvSpPr>
+          <p:nvPr>
+            <p:ph idx="1"/>
+          </p:nvPr>
+        </p:nvSpPr>
+        <p:spPr>
+          <a:xfrm>
+            <a:off x="303213" y="1844823"/>
+            <a:ext cx="8516937" cy="1296135"/>
+          </a:xfrm>
+        </p:spPr>
+        <p:txBody>
+          <a:bodyPr/>
+          <a:lstStyle/>
+          <a:p>
+            <a:pPr>
+              <a:buFont typeface="Arial" panose="020B0604020202020204" pitchFamily="34" charset="0"/>
+              <a:buChar char="•"/>
+            </a:pPr>
+            <a:r>
+              <a:rPr lang="de-DE" dirty="0"/>
+              <a:t>Alt und Neu werden parallel gehostet</a:t>
+            </a:r>
+          </a:p>
+          <a:p>
+            <a:pPr>
+              <a:buFont typeface="Arial" panose="020B0604020202020204" pitchFamily="34" charset="0"/>
+              <a:buChar char="•"/>
+            </a:pPr>
+            <a:r>
+              <a:rPr lang="de-DE" dirty="0"/>
+              <a:t>Anfragen gehen erst nur teilweise aufs neue System</a:t>
+            </a:r>
+          </a:p>
+          <a:p>
+            <a:pPr>
+              <a:buFont typeface="Arial" panose="020B0604020202020204" pitchFamily="34" charset="0"/>
+              <a:buChar char="•"/>
+            </a:pPr>
+            <a:r>
+              <a:rPr lang="de-DE" dirty="0"/>
+              <a:t>Alt System für Rollback und weitere Updates nutzen</a:t>
+            </a:r>
+          </a:p>
+          <a:p>
+            <a:pPr>
+              <a:buFont typeface="Arial" panose="020B0604020202020204" pitchFamily="34" charset="0"/>
+              <a:buChar char="•"/>
+            </a:pPr>
+            <a:endParaRPr lang="de-DE" dirty="0"/>
+          </a:p>
+        </p:txBody>
+      </p:sp>
+      <p:sp>
+        <p:nvSpPr>
+          <p:cNvPr id="5" name="Textfeld 4">
+            <a:extLst>
+              <a:ext uri="{FF2B5EF4-FFF2-40B4-BE49-F238E27FC236}">
+                <a16:creationId xmlns:a16="http://schemas.microsoft.com/office/drawing/2014/main" id="{2329921C-13DB-F6B8-C326-D9583581E977}"/>
+              </a:ext>
+            </a:extLst>
+          </p:cNvPr>
+          <p:cNvSpPr txBox="1"/>
+          <p:nvPr/>
+        </p:nvSpPr>
+        <p:spPr bwMode="auto">
+          <a:xfrm>
+            <a:off x="330324" y="1079972"/>
+            <a:ext cx="8462714" cy="584775"/>
+          </a:xfrm>
+          <a:prstGeom prst="rect">
+            <a:avLst/>
+          </a:prstGeom>
+          <a:noFill/>
+          <a:ln w="9525">
+            <a:noFill/>
+            <a:miter lim="800000"/>
+            <a:headEnd/>
+            <a:tailEnd/>
+          </a:ln>
+        </p:spPr>
+        <p:txBody>
+          <a:bodyPr wrap="square" rtlCol="0" anchor="ctr">
+            <a:spAutoFit/>
+          </a:bodyPr>
+          <a:lstStyle/>
+          <a:p>
+            <a:pPr algn="ctr" eaLnBrk="1" hangingPunct="1"/>
+            <a:r>
+              <a:rPr lang="de-DE" sz="3200" dirty="0">
+                <a:latin typeface="+mj-lt"/>
+              </a:rPr>
+              <a:t>Blue-Green Deploy</a:t>
+            </a:r>
+          </a:p>
+        </p:txBody>
+      </p:sp>
+      <p:sp>
+        <p:nvSpPr>
+          <p:cNvPr id="7" name="Rechteck 6">
+            <a:extLst>
+              <a:ext uri="{FF2B5EF4-FFF2-40B4-BE49-F238E27FC236}">
+                <a16:creationId xmlns:a16="http://schemas.microsoft.com/office/drawing/2014/main" id="{D9A42B7E-356B-9AFB-BEC4-C71BCE179FEF}"/>
+              </a:ext>
+            </a:extLst>
+          </p:cNvPr>
+          <p:cNvSpPr/>
+          <p:nvPr/>
+        </p:nvSpPr>
+        <p:spPr bwMode="auto">
+          <a:xfrm>
+            <a:off x="611560" y="3645024"/>
+            <a:ext cx="2160240" cy="2160240"/>
+          </a:xfrm>
+          <a:prstGeom prst="rect">
+            <a:avLst/>
+          </a:prstGeom>
+          <a:solidFill>
+            <a:schemeClr val="bg1"/>
+          </a:solidFill>
+          <a:ln w="12700" cap="flat" cmpd="sng" algn="ctr">
+            <a:solidFill>
+              <a:schemeClr val="tx1"/>
+            </a:solidFill>
+            <a:prstDash val="solid"/>
+            <a:round/>
+            <a:headEnd type="none" w="sm" len="sm"/>
+            <a:tailEnd type="none" w="sm" len="sm"/>
+          </a:ln>
+          <a:effectLst/>
+        </p:spPr>
+        <p:txBody>
+          <a:bodyPr vert="horz" wrap="square" lIns="91440" tIns="45720" rIns="91440" bIns="45720" numCol="1" rtlCol="0" anchor="b" anchorCtr="0" compatLnSpc="1">
+            <a:prstTxWarp prst="textNoShape">
+              <a:avLst/>
+            </a:prstTxWarp>
+          </a:bodyPr>
+          <a:lstStyle/>
+          <a:p>
+            <a:pPr marL="0" marR="0" indent="0" algn="l" defTabSz="914400" rtl="0" eaLnBrk="0" fontAlgn="base" latinLnBrk="0" hangingPunct="0">
+              <a:lnSpc>
+                <a:spcPct val="100000"/>
+              </a:lnSpc>
+              <a:spcBef>
+                <a:spcPct val="0"/>
+              </a:spcBef>
+              <a:spcAft>
+                <a:spcPct val="0"/>
+              </a:spcAft>
+              <a:buClrTx/>
+              <a:buSzTx/>
+              <a:buFontTx/>
+              <a:buNone/>
+              <a:tabLst/>
+            </a:pPr>
+            <a:endParaRPr kumimoji="0" lang="de-DE" sz="2400" b="0" i="0" u="none" strike="noStrike" cap="none" normalizeH="0" baseline="0" dirty="0">
+              <a:ln>
+                <a:noFill/>
+              </a:ln>
+              <a:solidFill>
+                <a:schemeClr val="tx1"/>
+              </a:solidFill>
+              <a:effectLst/>
+              <a:latin typeface="+mn-lt"/>
+            </a:endParaRPr>
+          </a:p>
+        </p:txBody>
+      </p:sp>
+      <p:cxnSp>
+        <p:nvCxnSpPr>
+          <p:cNvPr id="22" name="Gerade Verbindung mit Pfeil 21">
+            <a:extLst>
+              <a:ext uri="{FF2B5EF4-FFF2-40B4-BE49-F238E27FC236}">
+                <a16:creationId xmlns:a16="http://schemas.microsoft.com/office/drawing/2014/main" id="{3D801ADB-E612-D46E-1DDE-06F9BB633025}"/>
+              </a:ext>
+            </a:extLst>
+          </p:cNvPr>
+          <p:cNvCxnSpPr>
+            <a:cxnSpLocks/>
+            <a:stCxn id="7" idx="3"/>
+          </p:cNvCxnSpPr>
+          <p:nvPr/>
+        </p:nvCxnSpPr>
+        <p:spPr bwMode="auto">
+          <a:xfrm>
+            <a:off x="2771800" y="4725144"/>
+            <a:ext cx="709761" cy="0"/>
+          </a:xfrm>
+          <a:prstGeom prst="straightConnector1">
+            <a:avLst/>
+          </a:prstGeom>
+          <a:solidFill>
+            <a:schemeClr val="accent1"/>
+          </a:solidFill>
+          <a:ln w="12700" cap="flat" cmpd="sng" algn="ctr">
+            <a:solidFill>
+              <a:schemeClr val="tx1"/>
+            </a:solidFill>
+            <a:prstDash val="solid"/>
+            <a:round/>
+            <a:headEnd type="none" w="sm" len="sm"/>
+            <a:tailEnd type="triangle"/>
+          </a:ln>
+          <a:effectLst/>
+        </p:spPr>
+      </p:cxnSp>
+      <p:cxnSp>
+        <p:nvCxnSpPr>
+          <p:cNvPr id="23" name="Gerade Verbindung mit Pfeil 22">
+            <a:extLst>
+              <a:ext uri="{FF2B5EF4-FFF2-40B4-BE49-F238E27FC236}">
+                <a16:creationId xmlns:a16="http://schemas.microsoft.com/office/drawing/2014/main" id="{580503DD-CA46-B4A0-4BBE-D21934A5E720}"/>
+              </a:ext>
+            </a:extLst>
+          </p:cNvPr>
+          <p:cNvCxnSpPr>
+            <a:cxnSpLocks/>
+          </p:cNvCxnSpPr>
+          <p:nvPr/>
+        </p:nvCxnSpPr>
+        <p:spPr bwMode="auto">
+          <a:xfrm>
+            <a:off x="5641801" y="4725144"/>
+            <a:ext cx="709761" cy="0"/>
+          </a:xfrm>
+          <a:prstGeom prst="straightConnector1">
+            <a:avLst/>
+          </a:prstGeom>
+          <a:solidFill>
+            <a:schemeClr val="accent1"/>
+          </a:solidFill>
+          <a:ln w="12700" cap="flat" cmpd="sng" algn="ctr">
+            <a:solidFill>
+              <a:schemeClr val="tx1"/>
+            </a:solidFill>
+            <a:prstDash val="solid"/>
+            <a:round/>
+            <a:headEnd type="none" w="sm" len="sm"/>
+            <a:tailEnd type="triangle"/>
+          </a:ln>
+          <a:effectLst/>
+        </p:spPr>
+      </p:cxnSp>
+      <p:sp>
+        <p:nvSpPr>
+          <p:cNvPr id="25" name="Würfel 24">
+            <a:extLst>
+              <a:ext uri="{FF2B5EF4-FFF2-40B4-BE49-F238E27FC236}">
+                <a16:creationId xmlns:a16="http://schemas.microsoft.com/office/drawing/2014/main" id="{BD850A33-5E52-B6F7-5FBE-BB523848B265}"/>
+              </a:ext>
+            </a:extLst>
+          </p:cNvPr>
+          <p:cNvSpPr/>
+          <p:nvPr/>
+        </p:nvSpPr>
+        <p:spPr bwMode="auto">
+          <a:xfrm>
+            <a:off x="899592" y="4365104"/>
+            <a:ext cx="843458" cy="1296135"/>
+          </a:xfrm>
+          <a:prstGeom prst="cube">
+            <a:avLst/>
+          </a:prstGeom>
+          <a:solidFill>
+            <a:schemeClr val="accent1"/>
+          </a:solidFill>
+          <a:ln w="12700" cap="flat" cmpd="sng" algn="ctr">
+            <a:solidFill>
+              <a:schemeClr val="tx1"/>
+            </a:solidFill>
+            <a:prstDash val="solid"/>
+            <a:round/>
+            <a:headEnd type="none" w="sm" len="sm"/>
+            <a:tailEnd type="none" w="sm" len="sm"/>
+          </a:ln>
+          <a:effectLst/>
+        </p:spPr>
+        <p:txBody>
+          <a:bodyPr vert="horz" wrap="square" lIns="91440" tIns="45720" rIns="91440" bIns="45720" numCol="1" rtlCol="0" anchor="ctr" anchorCtr="1" compatLnSpc="1">
+            <a:prstTxWarp prst="textNoShape">
+              <a:avLst/>
+            </a:prstTxWarp>
+          </a:bodyPr>
+          <a:lstStyle/>
+          <a:p>
+            <a:pPr marL="0" marR="0" indent="0" algn="l" defTabSz="914400" rtl="0" eaLnBrk="0" fontAlgn="base" latinLnBrk="0" hangingPunct="0">
+              <a:lnSpc>
+                <a:spcPct val="100000"/>
+              </a:lnSpc>
+              <a:spcBef>
+                <a:spcPct val="0"/>
+              </a:spcBef>
+              <a:spcAft>
+                <a:spcPct val="0"/>
+              </a:spcAft>
+              <a:buClrTx/>
+              <a:buSzTx/>
+              <a:buFontTx/>
+              <a:buNone/>
+              <a:tabLst/>
+            </a:pPr>
+            <a:r>
+              <a:rPr kumimoji="0" lang="de-DE" sz="2400" b="0" i="0" u="none" strike="noStrike" cap="none" normalizeH="0" baseline="0" dirty="0">
+                <a:ln>
+                  <a:noFill/>
+                </a:ln>
+                <a:solidFill>
+                  <a:schemeClr val="tx1"/>
+                </a:solidFill>
+                <a:effectLst/>
+                <a:latin typeface="+mn-lt"/>
+              </a:rPr>
+              <a:t>v1</a:t>
+            </a:r>
+          </a:p>
+        </p:txBody>
+      </p:sp>
+      <p:sp>
+        <p:nvSpPr>
+          <p:cNvPr id="26" name="Würfel 25">
+            <a:extLst>
+              <a:ext uri="{FF2B5EF4-FFF2-40B4-BE49-F238E27FC236}">
+                <a16:creationId xmlns:a16="http://schemas.microsoft.com/office/drawing/2014/main" id="{6F16EBCD-4845-0242-4317-280F3ABB2C7F}"/>
+              </a:ext>
+            </a:extLst>
+          </p:cNvPr>
+          <p:cNvSpPr/>
+          <p:nvPr/>
+        </p:nvSpPr>
+        <p:spPr bwMode="auto">
+          <a:xfrm>
+            <a:off x="1619672" y="4356729"/>
+            <a:ext cx="843458" cy="1296135"/>
+          </a:xfrm>
+          <a:prstGeom prst="cube">
+            <a:avLst/>
+          </a:prstGeom>
+          <a:solidFill>
+            <a:schemeClr val="accent6"/>
+          </a:solidFill>
+          <a:ln w="12700" cap="flat" cmpd="sng" algn="ctr">
+            <a:solidFill>
+              <a:schemeClr val="tx1"/>
+            </a:solidFill>
+            <a:prstDash val="solid"/>
+            <a:round/>
+            <a:headEnd type="none" w="sm" len="sm"/>
+            <a:tailEnd type="none" w="sm" len="sm"/>
+          </a:ln>
+          <a:effectLst/>
+        </p:spPr>
+        <p:txBody>
+          <a:bodyPr vert="horz" wrap="square" lIns="91440" tIns="45720" rIns="91440" bIns="45720" numCol="1" rtlCol="0" anchor="ctr" anchorCtr="1" compatLnSpc="1">
+            <a:prstTxWarp prst="textNoShape">
+              <a:avLst/>
+            </a:prstTxWarp>
+          </a:bodyPr>
+          <a:lstStyle/>
+          <a:p>
+            <a:pPr marL="0" marR="0" indent="0" algn="l" defTabSz="914400" rtl="0" eaLnBrk="0" fontAlgn="base" latinLnBrk="0" hangingPunct="0">
+              <a:lnSpc>
+                <a:spcPct val="100000"/>
+              </a:lnSpc>
+              <a:spcBef>
+                <a:spcPct val="0"/>
+              </a:spcBef>
+              <a:spcAft>
+                <a:spcPct val="0"/>
+              </a:spcAft>
+              <a:buClrTx/>
+              <a:buSzTx/>
+              <a:buFontTx/>
+              <a:buNone/>
+              <a:tabLst/>
+            </a:pPr>
+            <a:r>
+              <a:rPr lang="de-DE" dirty="0">
+                <a:latin typeface="+mn-lt"/>
+              </a:rPr>
+              <a:t>v0</a:t>
+            </a:r>
+            <a:endParaRPr kumimoji="0" lang="de-DE" sz="2400" b="0" i="0" u="none" strike="noStrike" cap="none" normalizeH="0" baseline="0" dirty="0">
+              <a:ln>
+                <a:noFill/>
+              </a:ln>
+              <a:solidFill>
+                <a:schemeClr val="tx1"/>
+              </a:solidFill>
+              <a:effectLst/>
+              <a:latin typeface="+mn-lt"/>
+            </a:endParaRPr>
+          </a:p>
+        </p:txBody>
+      </p:sp>
+      <p:sp>
+        <p:nvSpPr>
+          <p:cNvPr id="27" name="Würfel 26">
+            <a:extLst>
+              <a:ext uri="{FF2B5EF4-FFF2-40B4-BE49-F238E27FC236}">
+                <a16:creationId xmlns:a16="http://schemas.microsoft.com/office/drawing/2014/main" id="{0341CFDE-6963-0AAB-C2B9-976A7DD781D0}"/>
+              </a:ext>
+            </a:extLst>
+          </p:cNvPr>
+          <p:cNvSpPr/>
+          <p:nvPr/>
+        </p:nvSpPr>
+        <p:spPr bwMode="auto">
+          <a:xfrm>
+            <a:off x="899592" y="3717032"/>
+            <a:ext cx="1552952" cy="574896"/>
+          </a:xfrm>
+          <a:prstGeom prst="cube">
+            <a:avLst/>
+          </a:prstGeom>
+          <a:solidFill>
+            <a:schemeClr val="bg1"/>
+          </a:solidFill>
+          <a:ln w="12700" cap="flat" cmpd="sng" algn="ctr">
+            <a:solidFill>
+              <a:schemeClr val="tx1"/>
+            </a:solidFill>
+            <a:prstDash val="solid"/>
+            <a:round/>
+            <a:headEnd type="none" w="sm" len="sm"/>
+            <a:tailEnd type="none" w="sm" len="sm"/>
+          </a:ln>
+          <a:effectLst/>
+        </p:spPr>
+        <p:txBody>
+          <a:bodyPr vert="horz" wrap="square" lIns="91440" tIns="45720" rIns="91440" bIns="45720" numCol="1" rtlCol="0" anchor="t" anchorCtr="0" compatLnSpc="1">
+            <a:prstTxWarp prst="textNoShape">
+              <a:avLst/>
+            </a:prstTxWarp>
+          </a:bodyPr>
+          <a:lstStyle/>
+          <a:p>
+            <a:pPr marL="0" marR="0" indent="0" algn="l" defTabSz="914400" rtl="0" eaLnBrk="0" fontAlgn="base" latinLnBrk="0" hangingPunct="0">
+              <a:lnSpc>
+                <a:spcPct val="100000"/>
+              </a:lnSpc>
+              <a:spcBef>
+                <a:spcPct val="0"/>
+              </a:spcBef>
+              <a:spcAft>
+                <a:spcPct val="0"/>
+              </a:spcAft>
+              <a:buClrTx/>
+              <a:buSzTx/>
+              <a:buFontTx/>
+              <a:buNone/>
+              <a:tabLst/>
+            </a:pPr>
+            <a:r>
+              <a:rPr lang="de-DE" dirty="0">
+                <a:latin typeface="+mn-lt"/>
+              </a:rPr>
+              <a:t>Balancer</a:t>
+            </a:r>
+            <a:endParaRPr kumimoji="0" lang="de-DE" sz="2400" b="0" i="0" u="none" strike="noStrike" cap="none" normalizeH="0" baseline="0" dirty="0">
+              <a:ln>
+                <a:noFill/>
+              </a:ln>
+              <a:solidFill>
+                <a:schemeClr val="tx1"/>
+              </a:solidFill>
+              <a:effectLst/>
+              <a:latin typeface="+mn-lt"/>
+            </a:endParaRPr>
+          </a:p>
+        </p:txBody>
+      </p:sp>
+      <p:cxnSp>
+        <p:nvCxnSpPr>
+          <p:cNvPr id="29" name="Gerade Verbindung mit Pfeil 28">
+            <a:extLst>
+              <a:ext uri="{FF2B5EF4-FFF2-40B4-BE49-F238E27FC236}">
+                <a16:creationId xmlns:a16="http://schemas.microsoft.com/office/drawing/2014/main" id="{2E4BD116-5653-36B1-14AE-187A07726657}"/>
+              </a:ext>
+            </a:extLst>
+          </p:cNvPr>
+          <p:cNvCxnSpPr>
+            <a:cxnSpLocks/>
+            <a:stCxn id="27" idx="3"/>
+            <a:endCxn id="25" idx="1"/>
+          </p:cNvCxnSpPr>
+          <p:nvPr/>
+        </p:nvCxnSpPr>
+        <p:spPr bwMode="auto">
+          <a:xfrm flipH="1">
+            <a:off x="1215889" y="4291928"/>
+            <a:ext cx="388317" cy="284041"/>
+          </a:xfrm>
+          <a:prstGeom prst="straightConnector1">
+            <a:avLst/>
+          </a:prstGeom>
+          <a:solidFill>
+            <a:schemeClr val="accent1"/>
+          </a:solidFill>
+          <a:ln w="12700" cap="flat" cmpd="sng" algn="ctr">
+            <a:solidFill>
+              <a:schemeClr val="tx1"/>
+            </a:solidFill>
+            <a:prstDash val="solid"/>
+            <a:round/>
+            <a:headEnd type="none" w="sm" len="sm"/>
+            <a:tailEnd type="triangle"/>
+          </a:ln>
+          <a:effectLst/>
+        </p:spPr>
+      </p:cxnSp>
+      <p:sp>
+        <p:nvSpPr>
+          <p:cNvPr id="32" name="Rechteck 31">
+            <a:extLst>
+              <a:ext uri="{FF2B5EF4-FFF2-40B4-BE49-F238E27FC236}">
+                <a16:creationId xmlns:a16="http://schemas.microsoft.com/office/drawing/2014/main" id="{0EE688AC-ACC9-E35D-B162-E98089E72BC7}"/>
+              </a:ext>
+            </a:extLst>
+          </p:cNvPr>
+          <p:cNvSpPr/>
+          <p:nvPr/>
+        </p:nvSpPr>
+        <p:spPr bwMode="auto">
+          <a:xfrm>
+            <a:off x="3481561" y="3642352"/>
+            <a:ext cx="2160240" cy="2160240"/>
+          </a:xfrm>
+          <a:prstGeom prst="rect">
+            <a:avLst/>
+          </a:prstGeom>
+          <a:solidFill>
+            <a:schemeClr val="bg1"/>
+          </a:solidFill>
+          <a:ln w="12700" cap="flat" cmpd="sng" algn="ctr">
+            <a:solidFill>
+              <a:schemeClr val="tx1"/>
+            </a:solidFill>
+            <a:prstDash val="solid"/>
+            <a:round/>
+            <a:headEnd type="none" w="sm" len="sm"/>
+            <a:tailEnd type="none" w="sm" len="sm"/>
+          </a:ln>
+          <a:effectLst/>
+        </p:spPr>
+        <p:txBody>
+          <a:bodyPr vert="horz" wrap="square" lIns="91440" tIns="45720" rIns="91440" bIns="45720" numCol="1" rtlCol="0" anchor="b" anchorCtr="0" compatLnSpc="1">
+            <a:prstTxWarp prst="textNoShape">
+              <a:avLst/>
+            </a:prstTxWarp>
+          </a:bodyPr>
+          <a:lstStyle/>
+          <a:p>
+            <a:pPr marL="0" marR="0" indent="0" algn="l" defTabSz="914400" rtl="0" eaLnBrk="0" fontAlgn="base" latinLnBrk="0" hangingPunct="0">
+              <a:lnSpc>
+                <a:spcPct val="100000"/>
+              </a:lnSpc>
+              <a:spcBef>
+                <a:spcPct val="0"/>
+              </a:spcBef>
+              <a:spcAft>
+                <a:spcPct val="0"/>
+              </a:spcAft>
+              <a:buClrTx/>
+              <a:buSzTx/>
+              <a:buFontTx/>
+              <a:buNone/>
+              <a:tabLst/>
+            </a:pPr>
+            <a:endParaRPr kumimoji="0" lang="de-DE" sz="2400" b="0" i="0" u="none" strike="noStrike" cap="none" normalizeH="0" baseline="0" dirty="0">
+              <a:ln>
+                <a:noFill/>
+              </a:ln>
+              <a:solidFill>
+                <a:schemeClr val="tx1"/>
+              </a:solidFill>
+              <a:effectLst/>
+              <a:latin typeface="+mn-lt"/>
+            </a:endParaRPr>
+          </a:p>
+        </p:txBody>
+      </p:sp>
+      <p:sp>
+        <p:nvSpPr>
+          <p:cNvPr id="33" name="Würfel 32">
+            <a:extLst>
+              <a:ext uri="{FF2B5EF4-FFF2-40B4-BE49-F238E27FC236}">
+                <a16:creationId xmlns:a16="http://schemas.microsoft.com/office/drawing/2014/main" id="{5F2B0679-030D-E48D-0C3D-69A94589EB2B}"/>
+              </a:ext>
+            </a:extLst>
+          </p:cNvPr>
+          <p:cNvSpPr/>
+          <p:nvPr/>
+        </p:nvSpPr>
+        <p:spPr bwMode="auto">
+          <a:xfrm>
+            <a:off x="3769593" y="4362432"/>
+            <a:ext cx="843458" cy="1296135"/>
+          </a:xfrm>
+          <a:prstGeom prst="cube">
+            <a:avLst/>
+          </a:prstGeom>
+          <a:solidFill>
+            <a:schemeClr val="accent1"/>
+          </a:solidFill>
+          <a:ln w="12700" cap="flat" cmpd="sng" algn="ctr">
+            <a:solidFill>
+              <a:schemeClr val="tx1"/>
+            </a:solidFill>
+            <a:prstDash val="solid"/>
+            <a:round/>
+            <a:headEnd type="none" w="sm" len="sm"/>
+            <a:tailEnd type="none" w="sm" len="sm"/>
+          </a:ln>
+          <a:effectLst/>
+        </p:spPr>
+        <p:txBody>
+          <a:bodyPr vert="horz" wrap="square" lIns="91440" tIns="45720" rIns="91440" bIns="45720" numCol="1" rtlCol="0" anchor="ctr" anchorCtr="1" compatLnSpc="1">
+            <a:prstTxWarp prst="textNoShape">
+              <a:avLst/>
+            </a:prstTxWarp>
+          </a:bodyPr>
+          <a:lstStyle/>
+          <a:p>
+            <a:pPr marL="0" marR="0" indent="0" algn="l" defTabSz="914400" rtl="0" eaLnBrk="0" fontAlgn="base" latinLnBrk="0" hangingPunct="0">
+              <a:lnSpc>
+                <a:spcPct val="100000"/>
+              </a:lnSpc>
+              <a:spcBef>
+                <a:spcPct val="0"/>
+              </a:spcBef>
+              <a:spcAft>
+                <a:spcPct val="0"/>
+              </a:spcAft>
+              <a:buClrTx/>
+              <a:buSzTx/>
+              <a:buFontTx/>
+              <a:buNone/>
+              <a:tabLst/>
+            </a:pPr>
+            <a:r>
+              <a:rPr kumimoji="0" lang="de-DE" sz="2400" b="0" i="0" u="none" strike="noStrike" cap="none" normalizeH="0" baseline="0" dirty="0">
+                <a:ln>
+                  <a:noFill/>
+                </a:ln>
+                <a:solidFill>
+                  <a:schemeClr val="tx1"/>
+                </a:solidFill>
+                <a:effectLst/>
+                <a:latin typeface="+mn-lt"/>
+              </a:rPr>
+              <a:t>v1</a:t>
+            </a:r>
+          </a:p>
+        </p:txBody>
+      </p:sp>
+      <p:sp>
+        <p:nvSpPr>
+          <p:cNvPr id="34" name="Würfel 33">
+            <a:extLst>
+              <a:ext uri="{FF2B5EF4-FFF2-40B4-BE49-F238E27FC236}">
+                <a16:creationId xmlns:a16="http://schemas.microsoft.com/office/drawing/2014/main" id="{C5878FD4-F864-5C52-5AAD-53F7209DB3F9}"/>
+              </a:ext>
+            </a:extLst>
+          </p:cNvPr>
+          <p:cNvSpPr/>
+          <p:nvPr/>
+        </p:nvSpPr>
+        <p:spPr bwMode="auto">
+          <a:xfrm>
+            <a:off x="4489673" y="4354057"/>
+            <a:ext cx="843458" cy="1296135"/>
+          </a:xfrm>
+          <a:prstGeom prst="cube">
+            <a:avLst/>
+          </a:prstGeom>
+          <a:solidFill>
+            <a:schemeClr val="accent6"/>
+          </a:solidFill>
+          <a:ln w="12700" cap="flat" cmpd="sng" algn="ctr">
+            <a:solidFill>
+              <a:schemeClr val="tx1"/>
+            </a:solidFill>
+            <a:prstDash val="solid"/>
+            <a:round/>
+            <a:headEnd type="none" w="sm" len="sm"/>
+            <a:tailEnd type="none" w="sm" len="sm"/>
+          </a:ln>
+          <a:effectLst/>
+        </p:spPr>
+        <p:txBody>
+          <a:bodyPr vert="horz" wrap="square" lIns="91440" tIns="45720" rIns="91440" bIns="45720" numCol="1" rtlCol="0" anchor="ctr" anchorCtr="1" compatLnSpc="1">
+            <a:prstTxWarp prst="textNoShape">
+              <a:avLst/>
+            </a:prstTxWarp>
+          </a:bodyPr>
+          <a:lstStyle/>
+          <a:p>
+            <a:pPr marL="0" marR="0" indent="0" algn="l" defTabSz="914400" rtl="0" eaLnBrk="0" fontAlgn="base" latinLnBrk="0" hangingPunct="0">
+              <a:lnSpc>
+                <a:spcPct val="100000"/>
+              </a:lnSpc>
+              <a:spcBef>
+                <a:spcPct val="0"/>
+              </a:spcBef>
+              <a:spcAft>
+                <a:spcPct val="0"/>
+              </a:spcAft>
+              <a:buClrTx/>
+              <a:buSzTx/>
+              <a:buFontTx/>
+              <a:buNone/>
+              <a:tabLst/>
+            </a:pPr>
+            <a:r>
+              <a:rPr lang="de-DE" dirty="0">
+                <a:latin typeface="+mn-lt"/>
+              </a:rPr>
+              <a:t>v2</a:t>
+            </a:r>
+            <a:endParaRPr kumimoji="0" lang="de-DE" sz="2400" b="0" i="0" u="none" strike="noStrike" cap="none" normalizeH="0" baseline="0" dirty="0">
+              <a:ln>
+                <a:noFill/>
+              </a:ln>
+              <a:solidFill>
+                <a:schemeClr val="tx1"/>
+              </a:solidFill>
+              <a:effectLst/>
+              <a:latin typeface="+mn-lt"/>
+            </a:endParaRPr>
+          </a:p>
+        </p:txBody>
+      </p:sp>
+      <p:sp>
+        <p:nvSpPr>
+          <p:cNvPr id="35" name="Würfel 34">
+            <a:extLst>
+              <a:ext uri="{FF2B5EF4-FFF2-40B4-BE49-F238E27FC236}">
+                <a16:creationId xmlns:a16="http://schemas.microsoft.com/office/drawing/2014/main" id="{24C43D68-B69D-5E39-90CC-68B572C56C7F}"/>
+              </a:ext>
+            </a:extLst>
+          </p:cNvPr>
+          <p:cNvSpPr/>
+          <p:nvPr/>
+        </p:nvSpPr>
+        <p:spPr bwMode="auto">
+          <a:xfrm>
+            <a:off x="3769593" y="3714360"/>
+            <a:ext cx="1552952" cy="574896"/>
+          </a:xfrm>
+          <a:prstGeom prst="cube">
+            <a:avLst/>
+          </a:prstGeom>
+          <a:solidFill>
+            <a:schemeClr val="bg1"/>
+          </a:solidFill>
+          <a:ln w="12700" cap="flat" cmpd="sng" algn="ctr">
+            <a:solidFill>
+              <a:schemeClr val="tx1"/>
+            </a:solidFill>
+            <a:prstDash val="solid"/>
+            <a:round/>
+            <a:headEnd type="none" w="sm" len="sm"/>
+            <a:tailEnd type="none" w="sm" len="sm"/>
+          </a:ln>
+          <a:effectLst/>
+        </p:spPr>
+        <p:txBody>
+          <a:bodyPr vert="horz" wrap="square" lIns="91440" tIns="45720" rIns="91440" bIns="45720" numCol="1" rtlCol="0" anchor="t" anchorCtr="0" compatLnSpc="1">
+            <a:prstTxWarp prst="textNoShape">
+              <a:avLst/>
+            </a:prstTxWarp>
+          </a:bodyPr>
+          <a:lstStyle/>
+          <a:p>
+            <a:pPr marL="0" marR="0" indent="0" algn="l" defTabSz="914400" rtl="0" eaLnBrk="0" fontAlgn="base" latinLnBrk="0" hangingPunct="0">
+              <a:lnSpc>
+                <a:spcPct val="100000"/>
+              </a:lnSpc>
+              <a:spcBef>
+                <a:spcPct val="0"/>
+              </a:spcBef>
+              <a:spcAft>
+                <a:spcPct val="0"/>
+              </a:spcAft>
+              <a:buClrTx/>
+              <a:buSzTx/>
+              <a:buFontTx/>
+              <a:buNone/>
+              <a:tabLst/>
+            </a:pPr>
+            <a:r>
+              <a:rPr lang="de-DE" dirty="0">
+                <a:latin typeface="+mn-lt"/>
+              </a:rPr>
+              <a:t>Balancer</a:t>
+            </a:r>
+            <a:endParaRPr kumimoji="0" lang="de-DE" sz="2400" b="0" i="0" u="none" strike="noStrike" cap="none" normalizeH="0" baseline="0" dirty="0">
+              <a:ln>
+                <a:noFill/>
+              </a:ln>
+              <a:solidFill>
+                <a:schemeClr val="tx1"/>
+              </a:solidFill>
+              <a:effectLst/>
+              <a:latin typeface="+mn-lt"/>
+            </a:endParaRPr>
+          </a:p>
+        </p:txBody>
+      </p:sp>
+      <p:cxnSp>
+        <p:nvCxnSpPr>
+          <p:cNvPr id="36" name="Gerade Verbindung mit Pfeil 35">
+            <a:extLst>
+              <a:ext uri="{FF2B5EF4-FFF2-40B4-BE49-F238E27FC236}">
+                <a16:creationId xmlns:a16="http://schemas.microsoft.com/office/drawing/2014/main" id="{B9D49564-6AF5-B2E4-DE9B-07DF49117430}"/>
+              </a:ext>
+            </a:extLst>
+          </p:cNvPr>
+          <p:cNvCxnSpPr>
+            <a:cxnSpLocks/>
+            <a:stCxn id="35" idx="3"/>
+            <a:endCxn id="33" idx="1"/>
+          </p:cNvCxnSpPr>
+          <p:nvPr/>
+        </p:nvCxnSpPr>
+        <p:spPr bwMode="auto">
+          <a:xfrm flipH="1">
+            <a:off x="4085890" y="4289256"/>
+            <a:ext cx="388317" cy="284041"/>
+          </a:xfrm>
+          <a:prstGeom prst="straightConnector1">
+            <a:avLst/>
+          </a:prstGeom>
+          <a:solidFill>
+            <a:schemeClr val="accent1"/>
+          </a:solidFill>
+          <a:ln w="12700" cap="flat" cmpd="sng" algn="ctr">
+            <a:solidFill>
+              <a:schemeClr val="tx1"/>
+            </a:solidFill>
+            <a:prstDash val="solid"/>
+            <a:round/>
+            <a:headEnd type="none" w="sm" len="sm"/>
+            <a:tailEnd type="triangle"/>
+          </a:ln>
+          <a:effectLst/>
+        </p:spPr>
+      </p:cxnSp>
+      <p:sp>
+        <p:nvSpPr>
+          <p:cNvPr id="37" name="Rechteck 36">
+            <a:extLst>
+              <a:ext uri="{FF2B5EF4-FFF2-40B4-BE49-F238E27FC236}">
+                <a16:creationId xmlns:a16="http://schemas.microsoft.com/office/drawing/2014/main" id="{C1F0E66E-C8D6-65A4-D7DE-D7FE8C1E9649}"/>
+              </a:ext>
+            </a:extLst>
+          </p:cNvPr>
+          <p:cNvSpPr/>
+          <p:nvPr/>
+        </p:nvSpPr>
+        <p:spPr bwMode="auto">
+          <a:xfrm>
+            <a:off x="6351562" y="3627488"/>
+            <a:ext cx="2160240" cy="2160240"/>
+          </a:xfrm>
+          <a:prstGeom prst="rect">
+            <a:avLst/>
+          </a:prstGeom>
+          <a:solidFill>
+            <a:schemeClr val="bg1"/>
+          </a:solidFill>
+          <a:ln w="12700" cap="flat" cmpd="sng" algn="ctr">
+            <a:solidFill>
+              <a:schemeClr val="tx1"/>
+            </a:solidFill>
+            <a:prstDash val="solid"/>
+            <a:round/>
+            <a:headEnd type="none" w="sm" len="sm"/>
+            <a:tailEnd type="none" w="sm" len="sm"/>
+          </a:ln>
+          <a:effectLst/>
+        </p:spPr>
+        <p:txBody>
+          <a:bodyPr vert="horz" wrap="square" lIns="91440" tIns="45720" rIns="91440" bIns="45720" numCol="1" rtlCol="0" anchor="b" anchorCtr="0" compatLnSpc="1">
+            <a:prstTxWarp prst="textNoShape">
+              <a:avLst/>
+            </a:prstTxWarp>
+          </a:bodyPr>
+          <a:lstStyle/>
+          <a:p>
+            <a:pPr marL="0" marR="0" indent="0" algn="l" defTabSz="914400" rtl="0" eaLnBrk="0" fontAlgn="base" latinLnBrk="0" hangingPunct="0">
+              <a:lnSpc>
+                <a:spcPct val="100000"/>
+              </a:lnSpc>
+              <a:spcBef>
+                <a:spcPct val="0"/>
+              </a:spcBef>
+              <a:spcAft>
+                <a:spcPct val="0"/>
+              </a:spcAft>
+              <a:buClrTx/>
+              <a:buSzTx/>
+              <a:buFontTx/>
+              <a:buNone/>
+              <a:tabLst/>
+            </a:pPr>
+            <a:endParaRPr kumimoji="0" lang="de-DE" sz="2400" b="0" i="0" u="none" strike="noStrike" cap="none" normalizeH="0" baseline="0" dirty="0">
+              <a:ln>
+                <a:noFill/>
+              </a:ln>
+              <a:solidFill>
+                <a:schemeClr val="tx1"/>
+              </a:solidFill>
+              <a:effectLst/>
+              <a:latin typeface="+mn-lt"/>
+            </a:endParaRPr>
+          </a:p>
+        </p:txBody>
+      </p:sp>
+      <p:sp>
+        <p:nvSpPr>
+          <p:cNvPr id="38" name="Würfel 37">
+            <a:extLst>
+              <a:ext uri="{FF2B5EF4-FFF2-40B4-BE49-F238E27FC236}">
+                <a16:creationId xmlns:a16="http://schemas.microsoft.com/office/drawing/2014/main" id="{2AD0A73B-4B6B-E0A2-F779-1BAD8CCE3BF4}"/>
+              </a:ext>
+            </a:extLst>
+          </p:cNvPr>
+          <p:cNvSpPr/>
+          <p:nvPr/>
+        </p:nvSpPr>
+        <p:spPr bwMode="auto">
+          <a:xfrm>
+            <a:off x="6639594" y="4347568"/>
+            <a:ext cx="843458" cy="1296135"/>
+          </a:xfrm>
+          <a:prstGeom prst="cube">
+            <a:avLst/>
+          </a:prstGeom>
+          <a:solidFill>
+            <a:schemeClr val="accent1"/>
+          </a:solidFill>
+          <a:ln w="12700" cap="flat" cmpd="sng" algn="ctr">
+            <a:solidFill>
+              <a:schemeClr val="tx1"/>
+            </a:solidFill>
+            <a:prstDash val="solid"/>
+            <a:round/>
+            <a:headEnd type="none" w="sm" len="sm"/>
+            <a:tailEnd type="none" w="sm" len="sm"/>
+          </a:ln>
+          <a:effectLst/>
+        </p:spPr>
+        <p:txBody>
+          <a:bodyPr vert="horz" wrap="square" lIns="91440" tIns="45720" rIns="91440" bIns="45720" numCol="1" rtlCol="0" anchor="ctr" anchorCtr="1" compatLnSpc="1">
+            <a:prstTxWarp prst="textNoShape">
+              <a:avLst/>
+            </a:prstTxWarp>
+          </a:bodyPr>
+          <a:lstStyle/>
+          <a:p>
+            <a:pPr marL="0" marR="0" indent="0" algn="l" defTabSz="914400" rtl="0" eaLnBrk="0" fontAlgn="base" latinLnBrk="0" hangingPunct="0">
+              <a:lnSpc>
+                <a:spcPct val="100000"/>
+              </a:lnSpc>
+              <a:spcBef>
+                <a:spcPct val="0"/>
+              </a:spcBef>
+              <a:spcAft>
+                <a:spcPct val="0"/>
+              </a:spcAft>
+              <a:buClrTx/>
+              <a:buSzTx/>
+              <a:buFontTx/>
+              <a:buNone/>
+              <a:tabLst/>
+            </a:pPr>
+            <a:r>
+              <a:rPr kumimoji="0" lang="de-DE" sz="2400" b="0" i="0" u="none" strike="noStrike" cap="none" normalizeH="0" baseline="0" dirty="0">
+                <a:ln>
+                  <a:noFill/>
+                </a:ln>
+                <a:solidFill>
+                  <a:schemeClr val="tx1"/>
+                </a:solidFill>
+                <a:effectLst/>
+                <a:latin typeface="+mn-lt"/>
+              </a:rPr>
+              <a:t>v1</a:t>
+            </a:r>
+          </a:p>
+        </p:txBody>
+      </p:sp>
+      <p:sp>
+        <p:nvSpPr>
+          <p:cNvPr id="39" name="Würfel 38">
+            <a:extLst>
+              <a:ext uri="{FF2B5EF4-FFF2-40B4-BE49-F238E27FC236}">
+                <a16:creationId xmlns:a16="http://schemas.microsoft.com/office/drawing/2014/main" id="{E9A84FF0-6B30-67A0-DB8E-466F36A38154}"/>
+              </a:ext>
+            </a:extLst>
+          </p:cNvPr>
+          <p:cNvSpPr/>
+          <p:nvPr/>
+        </p:nvSpPr>
+        <p:spPr bwMode="auto">
+          <a:xfrm>
+            <a:off x="7359674" y="4339193"/>
+            <a:ext cx="843458" cy="1296135"/>
+          </a:xfrm>
+          <a:prstGeom prst="cube">
+            <a:avLst/>
+          </a:prstGeom>
+          <a:solidFill>
+            <a:schemeClr val="accent6"/>
+          </a:solidFill>
+          <a:ln w="12700" cap="flat" cmpd="sng" algn="ctr">
+            <a:solidFill>
+              <a:schemeClr val="tx1"/>
+            </a:solidFill>
+            <a:prstDash val="solid"/>
+            <a:round/>
+            <a:headEnd type="none" w="sm" len="sm"/>
+            <a:tailEnd type="none" w="sm" len="sm"/>
+          </a:ln>
+          <a:effectLst/>
+        </p:spPr>
+        <p:txBody>
+          <a:bodyPr vert="horz" wrap="square" lIns="91440" tIns="45720" rIns="91440" bIns="45720" numCol="1" rtlCol="0" anchor="ctr" anchorCtr="1" compatLnSpc="1">
+            <a:prstTxWarp prst="textNoShape">
+              <a:avLst/>
+            </a:prstTxWarp>
+          </a:bodyPr>
+          <a:lstStyle/>
+          <a:p>
+            <a:pPr marL="0" marR="0" indent="0" algn="l" defTabSz="914400" rtl="0" eaLnBrk="0" fontAlgn="base" latinLnBrk="0" hangingPunct="0">
+              <a:lnSpc>
+                <a:spcPct val="100000"/>
+              </a:lnSpc>
+              <a:spcBef>
+                <a:spcPct val="0"/>
+              </a:spcBef>
+              <a:spcAft>
+                <a:spcPct val="0"/>
+              </a:spcAft>
+              <a:buClrTx/>
+              <a:buSzTx/>
+              <a:buFontTx/>
+              <a:buNone/>
+              <a:tabLst/>
+            </a:pPr>
+            <a:r>
+              <a:rPr lang="de-DE" dirty="0">
+                <a:latin typeface="+mn-lt"/>
+              </a:rPr>
+              <a:t>v2</a:t>
+            </a:r>
+            <a:endParaRPr kumimoji="0" lang="de-DE" sz="2400" b="0" i="0" u="none" strike="noStrike" cap="none" normalizeH="0" baseline="0" dirty="0">
+              <a:ln>
+                <a:noFill/>
+              </a:ln>
+              <a:solidFill>
+                <a:schemeClr val="tx1"/>
+              </a:solidFill>
+              <a:effectLst/>
+              <a:latin typeface="+mn-lt"/>
+            </a:endParaRPr>
+          </a:p>
+        </p:txBody>
+      </p:sp>
+      <p:sp>
+        <p:nvSpPr>
+          <p:cNvPr id="40" name="Würfel 39">
+            <a:extLst>
+              <a:ext uri="{FF2B5EF4-FFF2-40B4-BE49-F238E27FC236}">
+                <a16:creationId xmlns:a16="http://schemas.microsoft.com/office/drawing/2014/main" id="{302B8E49-5E28-90CB-BCB2-FB0385874CC6}"/>
+              </a:ext>
+            </a:extLst>
+          </p:cNvPr>
+          <p:cNvSpPr/>
+          <p:nvPr/>
+        </p:nvSpPr>
+        <p:spPr bwMode="auto">
+          <a:xfrm>
+            <a:off x="6639594" y="3699496"/>
+            <a:ext cx="1552952" cy="574896"/>
+          </a:xfrm>
+          <a:prstGeom prst="cube">
+            <a:avLst/>
+          </a:prstGeom>
+          <a:solidFill>
+            <a:schemeClr val="bg1"/>
+          </a:solidFill>
+          <a:ln w="12700" cap="flat" cmpd="sng" algn="ctr">
+            <a:solidFill>
+              <a:schemeClr val="tx1"/>
+            </a:solidFill>
+            <a:prstDash val="solid"/>
+            <a:round/>
+            <a:headEnd type="none" w="sm" len="sm"/>
+            <a:tailEnd type="none" w="sm" len="sm"/>
+          </a:ln>
+          <a:effectLst/>
+        </p:spPr>
+        <p:txBody>
+          <a:bodyPr vert="horz" wrap="square" lIns="91440" tIns="45720" rIns="91440" bIns="45720" numCol="1" rtlCol="0" anchor="t" anchorCtr="0" compatLnSpc="1">
+            <a:prstTxWarp prst="textNoShape">
+              <a:avLst/>
+            </a:prstTxWarp>
+          </a:bodyPr>
+          <a:lstStyle/>
+          <a:p>
+            <a:pPr marL="0" marR="0" indent="0" algn="l" defTabSz="914400" rtl="0" eaLnBrk="0" fontAlgn="base" latinLnBrk="0" hangingPunct="0">
+              <a:lnSpc>
+                <a:spcPct val="100000"/>
+              </a:lnSpc>
+              <a:spcBef>
+                <a:spcPct val="0"/>
+              </a:spcBef>
+              <a:spcAft>
+                <a:spcPct val="0"/>
+              </a:spcAft>
+              <a:buClrTx/>
+              <a:buSzTx/>
+              <a:buFontTx/>
+              <a:buNone/>
+              <a:tabLst/>
+            </a:pPr>
+            <a:r>
+              <a:rPr lang="de-DE" dirty="0">
+                <a:latin typeface="+mn-lt"/>
+              </a:rPr>
+              <a:t>Balancer</a:t>
+            </a:r>
+            <a:endParaRPr kumimoji="0" lang="de-DE" sz="2400" b="0" i="0" u="none" strike="noStrike" cap="none" normalizeH="0" baseline="0" dirty="0">
+              <a:ln>
+                <a:noFill/>
+              </a:ln>
+              <a:solidFill>
+                <a:schemeClr val="tx1"/>
+              </a:solidFill>
+              <a:effectLst/>
+              <a:latin typeface="+mn-lt"/>
+            </a:endParaRPr>
+          </a:p>
+        </p:txBody>
+      </p:sp>
+      <p:cxnSp>
+        <p:nvCxnSpPr>
+          <p:cNvPr id="41" name="Gerade Verbindung mit Pfeil 40">
+            <a:extLst>
+              <a:ext uri="{FF2B5EF4-FFF2-40B4-BE49-F238E27FC236}">
+                <a16:creationId xmlns:a16="http://schemas.microsoft.com/office/drawing/2014/main" id="{7E10CAC2-B54F-BBE2-BE39-E0349FAF7087}"/>
+              </a:ext>
+            </a:extLst>
+          </p:cNvPr>
+          <p:cNvCxnSpPr>
+            <a:cxnSpLocks/>
+            <a:stCxn id="40" idx="3"/>
+            <a:endCxn id="39" idx="1"/>
+          </p:cNvCxnSpPr>
+          <p:nvPr/>
+        </p:nvCxnSpPr>
+        <p:spPr bwMode="auto">
+          <a:xfrm>
+            <a:off x="7344208" y="4274392"/>
+            <a:ext cx="331763" cy="275666"/>
+          </a:xfrm>
+          <a:prstGeom prst="straightConnector1">
+            <a:avLst/>
+          </a:prstGeom>
+          <a:solidFill>
+            <a:schemeClr val="accent1"/>
+          </a:solidFill>
+          <a:ln w="12700" cap="flat" cmpd="sng" algn="ctr">
+            <a:solidFill>
+              <a:schemeClr val="tx1"/>
+            </a:solidFill>
+            <a:prstDash val="solid"/>
+            <a:round/>
+            <a:headEnd type="none" w="sm" len="sm"/>
+            <a:tailEnd type="triangle"/>
+          </a:ln>
+          <a:effectLst/>
+        </p:spPr>
+      </p:cxnSp>
+    </p:spTree>
+    <p:extLst>
+      <p:ext uri="{BB962C8B-B14F-4D97-AF65-F5344CB8AC3E}">
+        <p14:creationId xmlns:p14="http://schemas.microsoft.com/office/powerpoint/2010/main" val="1956305352"/>
+      </p:ext>
+    </p:extLst>
+  </p:cSld>
+  <p:clrMapOvr>
+    <a:masterClrMapping/>
+  </p:clrMapOvr>
+</p:sld>
+</file>
+
+<file path=ppt/slides/slide7.xml><?xml version="1.0" encoding="utf-8"?>
+<p:sld xmlns:a="http://schemas.openxmlformats.org/drawingml/2006/main" xmlns:r="http://schemas.openxmlformats.org/officeDocument/2006/relationships" xmlns:p="http://schemas.openxmlformats.org/presentationml/2006/main">
+  <p:cSld>
+    <p:spTree>
+      <p:nvGrpSpPr>
+        <p:cNvPr id="1" name=""/>
+        <p:cNvGrpSpPr/>
+        <p:nvPr/>
+      </p:nvGrpSpPr>
+      <p:grpSpPr>
+        <a:xfrm>
+          <a:off x="0" y="0"/>
+          <a:ext cx="0" cy="0"/>
+          <a:chOff x="0" y="0"/>
+          <a:chExt cx="0" cy="0"/>
+        </a:xfrm>
+      </p:grpSpPr>
+      <p:sp>
+        <p:nvSpPr>
+          <p:cNvPr id="2" name="Titel 1">
+            <a:extLst>
+              <a:ext uri="{FF2B5EF4-FFF2-40B4-BE49-F238E27FC236}">
+                <a16:creationId xmlns:a16="http://schemas.microsoft.com/office/drawing/2014/main" id="{D99BAD01-A920-7F80-9D35-9B44F14A75EF}"/>
+              </a:ext>
+            </a:extLst>
+          </p:cNvPr>
+          <p:cNvSpPr>
+            <a:spLocks noGrp="1"/>
+          </p:cNvSpPr>
+          <p:nvPr>
+            <p:ph type="title"/>
+          </p:nvPr>
+        </p:nvSpPr>
+        <p:spPr/>
+        <p:txBody>
+          <a:bodyPr/>
+          <a:lstStyle/>
+          <a:p>
+            <a:r>
+              <a:rPr lang="en-US" altLang="de-DE" dirty="0" err="1"/>
+              <a:t>Deplo</a:t>
+            </a:r>
+            <a:r>
+              <a:rPr lang="de-DE" altLang="de-DE" dirty="0" err="1"/>
+              <a:t>yment</a:t>
+            </a:r>
+            <a:endParaRPr lang="de-DE" dirty="0"/>
+          </a:p>
+        </p:txBody>
+      </p:sp>
+      <p:sp>
+        <p:nvSpPr>
+          <p:cNvPr id="5" name="Textfeld 4">
+            <a:extLst>
+              <a:ext uri="{FF2B5EF4-FFF2-40B4-BE49-F238E27FC236}">
+                <a16:creationId xmlns:a16="http://schemas.microsoft.com/office/drawing/2014/main" id="{B391B747-BBA4-21F1-3683-E6C2DC8AA3C6}"/>
+              </a:ext>
+            </a:extLst>
+          </p:cNvPr>
+          <p:cNvSpPr txBox="1"/>
+          <p:nvPr/>
+        </p:nvSpPr>
+        <p:spPr bwMode="auto">
+          <a:xfrm>
+            <a:off x="330324" y="1079972"/>
+            <a:ext cx="8462714" cy="584775"/>
+          </a:xfrm>
+          <a:prstGeom prst="rect">
+            <a:avLst/>
+          </a:prstGeom>
+          <a:noFill/>
+          <a:ln w="9525">
+            <a:noFill/>
+            <a:miter lim="800000"/>
+            <a:headEnd/>
+            <a:tailEnd/>
+          </a:ln>
+        </p:spPr>
+        <p:txBody>
+          <a:bodyPr wrap="square" rtlCol="0" anchor="ctr">
+            <a:spAutoFit/>
+          </a:bodyPr>
+          <a:lstStyle/>
+          <a:p>
+            <a:pPr algn="ctr" eaLnBrk="1" hangingPunct="1"/>
+            <a:r>
+              <a:rPr lang="de-DE" sz="3200" dirty="0">
+                <a:latin typeface="+mj-lt"/>
+              </a:rPr>
+              <a:t>Vor und Nachteile</a:t>
+            </a:r>
+          </a:p>
+        </p:txBody>
+      </p:sp>
+      <p:sp>
+        <p:nvSpPr>
+          <p:cNvPr id="3" name="Inhaltsplatzhalter 2">
+            <a:extLst>
+              <a:ext uri="{FF2B5EF4-FFF2-40B4-BE49-F238E27FC236}">
+                <a16:creationId xmlns:a16="http://schemas.microsoft.com/office/drawing/2014/main" id="{B3231207-F7BC-F792-92B9-48E8C8E01816}"/>
+              </a:ext>
+            </a:extLst>
+          </p:cNvPr>
+          <p:cNvSpPr>
+            <a:spLocks noGrp="1"/>
+          </p:cNvSpPr>
+          <p:nvPr>
+            <p:ph idx="1"/>
+          </p:nvPr>
+        </p:nvSpPr>
+        <p:spPr>
+          <a:xfrm>
+            <a:off x="683568" y="1988840"/>
+            <a:ext cx="3764731" cy="3960440"/>
+          </a:xfrm>
+        </p:spPr>
+        <p:txBody>
+          <a:bodyPr/>
+          <a:lstStyle/>
+          <a:p>
+            <a:pPr>
+              <a:buFont typeface="Arial" panose="020B0604020202020204" pitchFamily="34" charset="0"/>
+              <a:buChar char="•"/>
+            </a:pPr>
+            <a:r>
+              <a:rPr lang="de-DE" altLang="de-DE" dirty="0"/>
+              <a:t>Keine Downtime</a:t>
+            </a:r>
+          </a:p>
+          <a:p>
+            <a:pPr>
+              <a:buFont typeface="Arial" panose="020B0604020202020204" pitchFamily="34" charset="0"/>
+              <a:buChar char="•"/>
+            </a:pPr>
+            <a:r>
+              <a:rPr lang="de-DE" altLang="de-DE" dirty="0"/>
+              <a:t>Einfaches Rollback</a:t>
+            </a:r>
+          </a:p>
+          <a:p>
+            <a:pPr>
+              <a:buFont typeface="Arial" panose="020B0604020202020204" pitchFamily="34" charset="0"/>
+              <a:buChar char="•"/>
+            </a:pPr>
+            <a:r>
+              <a:rPr lang="de-DE" altLang="de-DE" dirty="0"/>
+              <a:t>Partieller Deploy</a:t>
+            </a:r>
+          </a:p>
+          <a:p>
+            <a:pPr>
+              <a:buFont typeface="Arial" panose="020B0604020202020204" pitchFamily="34" charset="0"/>
+              <a:buChar char="•"/>
+            </a:pPr>
+            <a:endParaRPr lang="de-DE" altLang="de-DE" dirty="0"/>
+          </a:p>
+        </p:txBody>
+      </p:sp>
+      <p:sp>
+        <p:nvSpPr>
+          <p:cNvPr id="4" name="Inhaltsplatzhalter 2">
+            <a:extLst>
+              <a:ext uri="{FF2B5EF4-FFF2-40B4-BE49-F238E27FC236}">
+                <a16:creationId xmlns:a16="http://schemas.microsoft.com/office/drawing/2014/main" id="{0EDA6666-E721-7B60-2CB5-59117D00AFAA}"/>
+              </a:ext>
+            </a:extLst>
+          </p:cNvPr>
+          <p:cNvSpPr txBox="1">
+            <a:spLocks/>
+          </p:cNvSpPr>
+          <p:nvPr/>
+        </p:nvSpPr>
+        <p:spPr bwMode="auto">
+          <a:xfrm>
+            <a:off x="4693773" y="1988840"/>
+            <a:ext cx="3764731" cy="3960440"/>
+          </a:xfrm>
+          <a:prstGeom prst="rect">
+            <a:avLst/>
+          </a:prstGeom>
+          <a:noFill/>
+          <a:ln>
+            <a:noFill/>
+          </a:ln>
+          <a:extLst>
+            <a:ext uri="{909E8E84-426E-40DD-AFC4-6F175D3DCCD1}">
+              <a14:hiddenFill xmlns:a14="http://schemas.microsoft.com/office/drawing/2010/main">
+                <a:solidFill>
+                  <a:srgbClr val="FFFFFF"/>
+                </a:solidFill>
+              </a14:hiddenFill>
+            </a:ext>
+            <a:ext uri="{91240B29-F687-4F45-9708-019B960494DF}">
+              <a14:hiddenLine xmlns:a14="http://schemas.microsoft.com/office/drawing/2010/main" w="9525">
+                <a:solidFill>
+                  <a:srgbClr val="000000"/>
+                </a:solidFill>
+                <a:miter lim="800000"/>
+                <a:headEnd/>
+                <a:tailEnd/>
+              </a14:hiddenLine>
+            </a:ext>
+          </a:extLst>
+        </p:spPr>
+        <p:txBody>
+          <a:bodyPr vert="horz" wrap="square" lIns="92075" tIns="46038" rIns="92075" bIns="46038" numCol="1" anchor="t" anchorCtr="0" compatLnSpc="1">
+            <a:prstTxWarp prst="textNoShape">
+              <a:avLst/>
+            </a:prstTxWarp>
+          </a:bodyPr>
+          <a:lstStyle>
+            <a:lvl1pPr marL="342900" indent="-342900" algn="l" rtl="0" eaLnBrk="1" fontAlgn="base" hangingPunct="1">
+              <a:spcBef>
+                <a:spcPct val="20000"/>
+              </a:spcBef>
+              <a:spcAft>
+                <a:spcPct val="0"/>
+              </a:spcAft>
+              <a:buClr>
+                <a:srgbClr val="008C5A"/>
+              </a:buClr>
+              <a:buFont typeface="Monotype Sorts" pitchFamily="2" charset="2"/>
+              <a:buChar char="l"/>
+              <a:defRPr sz="2400">
+                <a:solidFill>
+                  <a:schemeClr val="tx1"/>
+                </a:solidFill>
+                <a:latin typeface="+mn-lt"/>
+                <a:ea typeface="+mn-ea"/>
+                <a:cs typeface="+mn-cs"/>
+              </a:defRPr>
+            </a:lvl1pPr>
+            <a:lvl2pPr marL="742950" indent="-285750" algn="l" rtl="0" eaLnBrk="1" fontAlgn="base" hangingPunct="1">
+              <a:spcBef>
+                <a:spcPct val="20000"/>
+              </a:spcBef>
+              <a:spcAft>
+                <a:spcPct val="0"/>
+              </a:spcAft>
+              <a:buClr>
+                <a:srgbClr val="008C5A"/>
+              </a:buClr>
+              <a:buFont typeface="Monotype Sorts" pitchFamily="2" charset="2"/>
+              <a:buChar char="l"/>
+              <a:defRPr sz="2000">
+                <a:solidFill>
+                  <a:schemeClr val="tx1"/>
+                </a:solidFill>
+                <a:latin typeface="+mn-lt"/>
+              </a:defRPr>
+            </a:lvl2pPr>
+            <a:lvl3pPr marL="1143000" indent="-228600" algn="l" rtl="0" eaLnBrk="1" fontAlgn="base" hangingPunct="1">
+              <a:spcBef>
+                <a:spcPct val="20000"/>
+              </a:spcBef>
+              <a:spcAft>
+                <a:spcPct val="0"/>
+              </a:spcAft>
+              <a:buClr>
+                <a:srgbClr val="008C5A"/>
+              </a:buClr>
+              <a:buFont typeface="Monotype Sorts" pitchFamily="2" charset="2"/>
+              <a:buChar char="l"/>
+              <a:defRPr sz="2400">
+                <a:solidFill>
+                  <a:schemeClr val="tx1"/>
+                </a:solidFill>
+                <a:latin typeface="+mn-lt"/>
+              </a:defRPr>
+            </a:lvl3pPr>
+            <a:lvl4pPr marL="1562100" indent="-228600" algn="l" rtl="0" eaLnBrk="1" fontAlgn="base" hangingPunct="1">
+              <a:spcBef>
+                <a:spcPct val="20000"/>
+              </a:spcBef>
+              <a:spcAft>
+                <a:spcPct val="0"/>
+              </a:spcAft>
+              <a:buClr>
+                <a:srgbClr val="008C5A"/>
+              </a:buClr>
+              <a:buFont typeface="Monotype Sorts" pitchFamily="2" charset="2"/>
+              <a:buChar char="l"/>
+              <a:defRPr sz="1600">
+                <a:solidFill>
+                  <a:schemeClr val="tx1"/>
+                </a:solidFill>
+                <a:latin typeface="+mn-lt"/>
+              </a:defRPr>
+            </a:lvl4pPr>
+            <a:lvl5pPr marL="1981200" indent="-228600" algn="l" rtl="0" eaLnBrk="1" fontAlgn="base" hangingPunct="1">
+              <a:spcBef>
+                <a:spcPct val="20000"/>
+              </a:spcBef>
+              <a:spcAft>
+                <a:spcPct val="0"/>
+              </a:spcAft>
+              <a:buClr>
+                <a:srgbClr val="008C5A"/>
+              </a:buClr>
+              <a:buFont typeface="Monotype Sorts" pitchFamily="2" charset="2"/>
+              <a:buChar char="l"/>
+              <a:defRPr sz="1600">
+                <a:solidFill>
+                  <a:schemeClr val="tx1"/>
+                </a:solidFill>
+                <a:latin typeface="+mn-lt"/>
+              </a:defRPr>
+            </a:lvl5pPr>
+            <a:lvl6pPr marL="2438400" indent="-228600" algn="l" rtl="0" eaLnBrk="1" fontAlgn="base" hangingPunct="1">
+              <a:spcBef>
+                <a:spcPct val="20000"/>
+              </a:spcBef>
+              <a:spcAft>
+                <a:spcPct val="0"/>
+              </a:spcAft>
+              <a:buClr>
+                <a:srgbClr val="008C5A"/>
+              </a:buClr>
+              <a:buFont typeface="Monotype Sorts" pitchFamily="2" charset="2"/>
+              <a:buChar char="l"/>
+              <a:defRPr sz="1600">
+                <a:solidFill>
+                  <a:schemeClr val="tx1"/>
+                </a:solidFill>
+                <a:latin typeface="+mn-lt"/>
+              </a:defRPr>
+            </a:lvl6pPr>
+            <a:lvl7pPr marL="2895600" indent="-228600" algn="l" rtl="0" eaLnBrk="1" fontAlgn="base" hangingPunct="1">
+              <a:spcBef>
+                <a:spcPct val="20000"/>
+              </a:spcBef>
+              <a:spcAft>
+                <a:spcPct val="0"/>
+              </a:spcAft>
+              <a:buClr>
+                <a:srgbClr val="008C5A"/>
+              </a:buClr>
+              <a:buFont typeface="Monotype Sorts" pitchFamily="2" charset="2"/>
+              <a:buChar char="l"/>
+              <a:defRPr sz="1600">
+                <a:solidFill>
+                  <a:schemeClr val="tx1"/>
+                </a:solidFill>
+                <a:latin typeface="+mn-lt"/>
+              </a:defRPr>
+            </a:lvl7pPr>
+            <a:lvl8pPr marL="3352800" indent="-228600" algn="l" rtl="0" eaLnBrk="1" fontAlgn="base" hangingPunct="1">
+              <a:spcBef>
+                <a:spcPct val="20000"/>
+              </a:spcBef>
+              <a:spcAft>
+                <a:spcPct val="0"/>
+              </a:spcAft>
+              <a:buClr>
+                <a:srgbClr val="008C5A"/>
+              </a:buClr>
+              <a:buFont typeface="Monotype Sorts" pitchFamily="2" charset="2"/>
+              <a:buChar char="l"/>
+              <a:defRPr sz="1600">
+                <a:solidFill>
+                  <a:schemeClr val="tx1"/>
+                </a:solidFill>
+                <a:latin typeface="+mn-lt"/>
+              </a:defRPr>
+            </a:lvl8pPr>
+            <a:lvl9pPr marL="3810000" indent="-228600" algn="l" rtl="0" eaLnBrk="1" fontAlgn="base" hangingPunct="1">
+              <a:spcBef>
+                <a:spcPct val="20000"/>
+              </a:spcBef>
+              <a:spcAft>
+                <a:spcPct val="0"/>
+              </a:spcAft>
+              <a:buClr>
+                <a:srgbClr val="008C5A"/>
+              </a:buClr>
+              <a:buFont typeface="Monotype Sorts" pitchFamily="2" charset="2"/>
+              <a:buChar char="l"/>
+              <a:defRPr sz="1600">
+                <a:solidFill>
+                  <a:schemeClr val="tx1"/>
+                </a:solidFill>
+                <a:latin typeface="+mn-lt"/>
+              </a:defRPr>
+            </a:lvl9pPr>
+          </a:lstStyle>
+          <a:p>
+            <a:pPr>
+              <a:buFont typeface="Arial" panose="020B0604020202020204" pitchFamily="34" charset="0"/>
+              <a:buChar char="•"/>
+            </a:pPr>
+            <a:r>
+              <a:rPr lang="de-DE" altLang="de-DE" kern="0" dirty="0"/>
+              <a:t>Aufwändige Implementierung</a:t>
+            </a:r>
+          </a:p>
+          <a:p>
+            <a:pPr>
+              <a:buFont typeface="Arial" panose="020B0604020202020204" pitchFamily="34" charset="0"/>
+              <a:buChar char="•"/>
+            </a:pPr>
+            <a:r>
+              <a:rPr lang="de-DE" altLang="de-DE" kern="0" dirty="0"/>
+              <a:t>Zufällige Zuweisung zu neuem System</a:t>
+            </a:r>
+          </a:p>
+          <a:p>
+            <a:pPr>
+              <a:buFont typeface="Arial" panose="020B0604020202020204" pitchFamily="34" charset="0"/>
+              <a:buChar char="•"/>
+            </a:pPr>
+            <a:r>
+              <a:rPr lang="de-DE" altLang="de-DE" kern="0" dirty="0"/>
+              <a:t>Teuer</a:t>
+            </a:r>
+          </a:p>
+        </p:txBody>
+      </p:sp>
+    </p:spTree>
+    <p:extLst>
+      <p:ext uri="{BB962C8B-B14F-4D97-AF65-F5344CB8AC3E}">
+        <p14:creationId xmlns:p14="http://schemas.microsoft.com/office/powerpoint/2010/main" val="1902602858"/>
+      </p:ext>
+    </p:extLst>
+  </p:cSld>
+  <p:clrMapOvr>
+    <a:masterClrMapping/>
+  </p:clrMapOvr>
+</p:sld>
+</file>
+
+<file path=ppt/slides/slide8.xml><?xml version="1.0" encoding="utf-8"?>
+<p:sld xmlns:a="http://schemas.openxmlformats.org/drawingml/2006/main" xmlns:r="http://schemas.openxmlformats.org/officeDocument/2006/relationships" xmlns:p="http://schemas.openxmlformats.org/presentationml/2006/main">
+  <p:cSld>
+    <p:spTree>
+      <p:nvGrpSpPr>
+        <p:cNvPr id="1" name=""/>
+        <p:cNvGrpSpPr/>
+        <p:nvPr/>
+      </p:nvGrpSpPr>
+      <p:grpSpPr>
+        <a:xfrm>
+          <a:off x="0" y="0"/>
+          <a:ext cx="0" cy="0"/>
+          <a:chOff x="0" y="0"/>
+          <a:chExt cx="0" cy="0"/>
+        </a:xfrm>
+      </p:grpSpPr>
+      <p:sp>
+        <p:nvSpPr>
+          <p:cNvPr id="2" name="Titel 1">
+            <a:extLst>
+              <a:ext uri="{FF2B5EF4-FFF2-40B4-BE49-F238E27FC236}">
+                <a16:creationId xmlns:a16="http://schemas.microsoft.com/office/drawing/2014/main" id="{29D286B2-C35C-4BC6-9254-B3D2AE464CA4}"/>
+              </a:ext>
+            </a:extLst>
+          </p:cNvPr>
+          <p:cNvSpPr>
+            <a:spLocks noGrp="1"/>
+          </p:cNvSpPr>
+          <p:nvPr>
+            <p:ph type="title"/>
+          </p:nvPr>
+        </p:nvSpPr>
+        <p:spPr/>
+        <p:txBody>
+          <a:bodyPr/>
+          <a:lstStyle/>
+          <a:p>
+            <a:r>
+              <a:rPr lang="en-US" altLang="de-DE" dirty="0" err="1"/>
+              <a:t>Deplo</a:t>
+            </a:r>
+            <a:r>
+              <a:rPr lang="de-DE" altLang="de-DE" dirty="0" err="1"/>
+              <a:t>yment</a:t>
+            </a:r>
+            <a:endParaRPr lang="de-DE" dirty="0"/>
+          </a:p>
+        </p:txBody>
+      </p:sp>
+      <p:sp>
+        <p:nvSpPr>
+          <p:cNvPr id="3" name="Inhaltsplatzhalter 2">
+            <a:extLst>
+              <a:ext uri="{FF2B5EF4-FFF2-40B4-BE49-F238E27FC236}">
+                <a16:creationId xmlns:a16="http://schemas.microsoft.com/office/drawing/2014/main" id="{5841B00E-A256-2C3F-B12E-C474E3991C93}"/>
+              </a:ext>
+            </a:extLst>
+          </p:cNvPr>
+          <p:cNvSpPr>
+            <a:spLocks noGrp="1"/>
+          </p:cNvSpPr>
+          <p:nvPr>
+            <p:ph idx="1"/>
+          </p:nvPr>
+        </p:nvSpPr>
+        <p:spPr>
+          <a:xfrm>
+            <a:off x="303213" y="1844823"/>
+            <a:ext cx="8516937" cy="1584177"/>
+          </a:xfrm>
+        </p:spPr>
+        <p:txBody>
+          <a:bodyPr/>
+          <a:lstStyle/>
+          <a:p>
+            <a:pPr>
+              <a:buFont typeface="Arial" panose="020B0604020202020204" pitchFamily="34" charset="0"/>
+              <a:buChar char="•"/>
+            </a:pPr>
+            <a:r>
+              <a:rPr lang="de-DE" dirty="0"/>
+              <a:t>Neue Version für bestimmten Teil der User </a:t>
+            </a:r>
+            <a:r>
+              <a:rPr lang="de-DE" dirty="0" err="1"/>
+              <a:t>deployed</a:t>
+            </a:r>
+            <a:endParaRPr lang="de-DE" dirty="0"/>
+          </a:p>
+        </p:txBody>
+      </p:sp>
+      <p:sp>
+        <p:nvSpPr>
+          <p:cNvPr id="5" name="Textfeld 4">
+            <a:extLst>
+              <a:ext uri="{FF2B5EF4-FFF2-40B4-BE49-F238E27FC236}">
+                <a16:creationId xmlns:a16="http://schemas.microsoft.com/office/drawing/2014/main" id="{2329921C-13DB-F6B8-C326-D9583581E977}"/>
+              </a:ext>
+            </a:extLst>
+          </p:cNvPr>
+          <p:cNvSpPr txBox="1"/>
+          <p:nvPr/>
+        </p:nvSpPr>
+        <p:spPr bwMode="auto">
+          <a:xfrm>
+            <a:off x="330324" y="1079972"/>
+            <a:ext cx="8462714" cy="584775"/>
+          </a:xfrm>
+          <a:prstGeom prst="rect">
+            <a:avLst/>
+          </a:prstGeom>
+          <a:noFill/>
+          <a:ln w="9525">
+            <a:noFill/>
+            <a:miter lim="800000"/>
+            <a:headEnd/>
+            <a:tailEnd/>
+          </a:ln>
+        </p:spPr>
+        <p:txBody>
+          <a:bodyPr wrap="square" rtlCol="0" anchor="ctr">
+            <a:spAutoFit/>
+          </a:bodyPr>
+          <a:lstStyle/>
+          <a:p>
+            <a:pPr algn="ctr" eaLnBrk="1" hangingPunct="1"/>
+            <a:r>
+              <a:rPr lang="de-DE" sz="3200" dirty="0">
+                <a:latin typeface="+mj-lt"/>
+              </a:rPr>
+              <a:t>Canary Deploy</a:t>
+            </a:r>
+          </a:p>
+        </p:txBody>
+      </p:sp>
+    </p:spTree>
+    <p:extLst>
+      <p:ext uri="{BB962C8B-B14F-4D97-AF65-F5344CB8AC3E}">
+        <p14:creationId xmlns:p14="http://schemas.microsoft.com/office/powerpoint/2010/main" val="2422806362"/>
+      </p:ext>
+    </p:extLst>
+  </p:cSld>
+  <p:clrMapOvr>
+    <a:masterClrMapping/>
+  </p:clrMapOvr>
+</p:sld>
+</file>
+
+<file path=ppt/slides/slide9.xml><?xml version="1.0" encoding="utf-8"?>
+<p:sld xmlns:a="http://schemas.openxmlformats.org/drawingml/2006/main" xmlns:r="http://schemas.openxmlformats.org/officeDocument/2006/relationships" xmlns:p="http://schemas.openxmlformats.org/presentationml/2006/main">
+  <p:cSld>
+    <p:spTree>
+      <p:nvGrpSpPr>
+        <p:cNvPr id="1" name=""/>
+        <p:cNvGrpSpPr/>
+        <p:nvPr/>
+      </p:nvGrpSpPr>
+      <p:grpSpPr>
+        <a:xfrm>
+          <a:off x="0" y="0"/>
+          <a:ext cx="0" cy="0"/>
+          <a:chOff x="0" y="0"/>
+          <a:chExt cx="0" cy="0"/>
+        </a:xfrm>
+      </p:grpSpPr>
+      <p:sp>
+        <p:nvSpPr>
+          <p:cNvPr id="2" name="Titel 1">
+            <a:extLst>
+              <a:ext uri="{FF2B5EF4-FFF2-40B4-BE49-F238E27FC236}">
+                <a16:creationId xmlns:a16="http://schemas.microsoft.com/office/drawing/2014/main" id="{D99BAD01-A920-7F80-9D35-9B44F14A75EF}"/>
+              </a:ext>
+            </a:extLst>
+          </p:cNvPr>
+          <p:cNvSpPr>
+            <a:spLocks noGrp="1"/>
+          </p:cNvSpPr>
+          <p:nvPr>
+            <p:ph type="title"/>
+          </p:nvPr>
+        </p:nvSpPr>
+        <p:spPr/>
+        <p:txBody>
+          <a:bodyPr/>
+          <a:lstStyle/>
+          <a:p>
+            <a:r>
+              <a:rPr lang="en-US" altLang="de-DE" dirty="0" err="1"/>
+              <a:t>Deplo</a:t>
+            </a:r>
+            <a:r>
+              <a:rPr lang="de-DE" altLang="de-DE" dirty="0" err="1"/>
+              <a:t>yment</a:t>
+            </a:r>
+            <a:endParaRPr lang="de-DE" dirty="0"/>
+          </a:p>
+        </p:txBody>
+      </p:sp>
+      <p:sp>
+        <p:nvSpPr>
+          <p:cNvPr id="5" name="Textfeld 4">
+            <a:extLst>
+              <a:ext uri="{FF2B5EF4-FFF2-40B4-BE49-F238E27FC236}">
+                <a16:creationId xmlns:a16="http://schemas.microsoft.com/office/drawing/2014/main" id="{B391B747-BBA4-21F1-3683-E6C2DC8AA3C6}"/>
+              </a:ext>
+            </a:extLst>
+          </p:cNvPr>
+          <p:cNvSpPr txBox="1"/>
+          <p:nvPr/>
+        </p:nvSpPr>
+        <p:spPr bwMode="auto">
+          <a:xfrm>
+            <a:off x="330324" y="1079972"/>
+            <a:ext cx="8462714" cy="584775"/>
+          </a:xfrm>
+          <a:prstGeom prst="rect">
+            <a:avLst/>
+          </a:prstGeom>
+          <a:noFill/>
+          <a:ln w="9525">
+            <a:noFill/>
+            <a:miter lim="800000"/>
+            <a:headEnd/>
+            <a:tailEnd/>
+          </a:ln>
+        </p:spPr>
+        <p:txBody>
+          <a:bodyPr wrap="square" rtlCol="0" anchor="ctr">
+            <a:spAutoFit/>
+          </a:bodyPr>
+          <a:lstStyle/>
+          <a:p>
+            <a:pPr algn="ctr" eaLnBrk="1" hangingPunct="1"/>
+            <a:r>
+              <a:rPr lang="de-DE" sz="3200" dirty="0">
+                <a:latin typeface="+mj-lt"/>
+              </a:rPr>
+              <a:t>Vor und Nachteile</a:t>
+            </a:r>
+          </a:p>
+        </p:txBody>
+      </p:sp>
+      <p:sp>
+        <p:nvSpPr>
+          <p:cNvPr id="3" name="Inhaltsplatzhalter 2">
+            <a:extLst>
+              <a:ext uri="{FF2B5EF4-FFF2-40B4-BE49-F238E27FC236}">
+                <a16:creationId xmlns:a16="http://schemas.microsoft.com/office/drawing/2014/main" id="{B3231207-F7BC-F792-92B9-48E8C8E01816}"/>
+              </a:ext>
+            </a:extLst>
+          </p:cNvPr>
+          <p:cNvSpPr>
+            <a:spLocks noGrp="1"/>
+          </p:cNvSpPr>
+          <p:nvPr>
+            <p:ph idx="1"/>
+          </p:nvPr>
+        </p:nvSpPr>
+        <p:spPr>
+          <a:xfrm>
+            <a:off x="683568" y="1988840"/>
+            <a:ext cx="3764731" cy="3960440"/>
+          </a:xfrm>
+        </p:spPr>
+        <p:txBody>
+          <a:bodyPr/>
+          <a:lstStyle/>
+          <a:p>
+            <a:pPr>
+              <a:buFont typeface="Arial" panose="020B0604020202020204" pitchFamily="34" charset="0"/>
+              <a:buChar char="•"/>
+            </a:pPr>
+            <a:r>
+              <a:rPr lang="de-DE" altLang="de-DE" dirty="0"/>
+              <a:t>Keine Downtime</a:t>
+            </a:r>
+          </a:p>
+          <a:p>
+            <a:pPr>
+              <a:buFont typeface="Arial" panose="020B0604020202020204" pitchFamily="34" charset="0"/>
+              <a:buChar char="•"/>
+            </a:pPr>
+            <a:r>
+              <a:rPr lang="de-DE" altLang="de-DE" dirty="0"/>
+              <a:t>Einfaches Rollback</a:t>
+            </a:r>
+          </a:p>
+          <a:p>
+            <a:pPr>
+              <a:buFont typeface="Arial" panose="020B0604020202020204" pitchFamily="34" charset="0"/>
+              <a:buChar char="•"/>
+            </a:pPr>
+            <a:r>
+              <a:rPr lang="de-DE" altLang="de-DE" dirty="0"/>
+              <a:t>Partieller Deploy</a:t>
+            </a:r>
+          </a:p>
+          <a:p>
+            <a:pPr>
+              <a:buFont typeface="Arial" panose="020B0604020202020204" pitchFamily="34" charset="0"/>
+              <a:buChar char="•"/>
+            </a:pPr>
+            <a:endParaRPr lang="de-DE" altLang="de-DE" dirty="0"/>
+          </a:p>
+        </p:txBody>
+      </p:sp>
+      <p:sp>
+        <p:nvSpPr>
+          <p:cNvPr id="4" name="Inhaltsplatzhalter 2">
+            <a:extLst>
+              <a:ext uri="{FF2B5EF4-FFF2-40B4-BE49-F238E27FC236}">
+                <a16:creationId xmlns:a16="http://schemas.microsoft.com/office/drawing/2014/main" id="{0EDA6666-E721-7B60-2CB5-59117D00AFAA}"/>
+              </a:ext>
+            </a:extLst>
+          </p:cNvPr>
+          <p:cNvSpPr txBox="1">
+            <a:spLocks/>
+          </p:cNvSpPr>
+          <p:nvPr/>
+        </p:nvSpPr>
+        <p:spPr bwMode="auto">
+          <a:xfrm>
+            <a:off x="4693773" y="1988840"/>
+            <a:ext cx="3764731" cy="3960440"/>
+          </a:xfrm>
+          <a:prstGeom prst="rect">
+            <a:avLst/>
+          </a:prstGeom>
+          <a:noFill/>
+          <a:ln>
+            <a:noFill/>
+          </a:ln>
+          <a:extLst>
+            <a:ext uri="{909E8E84-426E-40DD-AFC4-6F175D3DCCD1}">
+              <a14:hiddenFill xmlns:a14="http://schemas.microsoft.com/office/drawing/2010/main">
+                <a:solidFill>
+                  <a:srgbClr val="FFFFFF"/>
+                </a:solidFill>
+              </a14:hiddenFill>
+            </a:ext>
+            <a:ext uri="{91240B29-F687-4F45-9708-019B960494DF}">
+              <a14:hiddenLine xmlns:a14="http://schemas.microsoft.com/office/drawing/2010/main" w="9525">
+                <a:solidFill>
+                  <a:srgbClr val="000000"/>
+                </a:solidFill>
+                <a:miter lim="800000"/>
+                <a:headEnd/>
+                <a:tailEnd/>
+              </a14:hiddenLine>
+            </a:ext>
+          </a:extLst>
+        </p:spPr>
+        <p:txBody>
+          <a:bodyPr vert="horz" wrap="square" lIns="92075" tIns="46038" rIns="92075" bIns="46038" numCol="1" anchor="t" anchorCtr="0" compatLnSpc="1">
+            <a:prstTxWarp prst="textNoShape">
+              <a:avLst/>
+            </a:prstTxWarp>
+          </a:bodyPr>
+          <a:lstStyle>
+            <a:lvl1pPr marL="342900" indent="-342900" algn="l" rtl="0" eaLnBrk="1" fontAlgn="base" hangingPunct="1">
+              <a:spcBef>
+                <a:spcPct val="20000"/>
+              </a:spcBef>
+              <a:spcAft>
+                <a:spcPct val="0"/>
+              </a:spcAft>
+              <a:buClr>
+                <a:srgbClr val="008C5A"/>
+              </a:buClr>
+              <a:buFont typeface="Monotype Sorts" pitchFamily="2" charset="2"/>
+              <a:buChar char="l"/>
+              <a:defRPr sz="2400">
+                <a:solidFill>
+                  <a:schemeClr val="tx1"/>
+                </a:solidFill>
+                <a:latin typeface="+mn-lt"/>
+                <a:ea typeface="+mn-ea"/>
+                <a:cs typeface="+mn-cs"/>
+              </a:defRPr>
+            </a:lvl1pPr>
+            <a:lvl2pPr marL="742950" indent="-285750" algn="l" rtl="0" eaLnBrk="1" fontAlgn="base" hangingPunct="1">
+              <a:spcBef>
+                <a:spcPct val="20000"/>
+              </a:spcBef>
+              <a:spcAft>
+                <a:spcPct val="0"/>
+              </a:spcAft>
+              <a:buClr>
+                <a:srgbClr val="008C5A"/>
+              </a:buClr>
+              <a:buFont typeface="Monotype Sorts" pitchFamily="2" charset="2"/>
+              <a:buChar char="l"/>
+              <a:defRPr sz="2000">
+                <a:solidFill>
+                  <a:schemeClr val="tx1"/>
+                </a:solidFill>
+                <a:latin typeface="+mn-lt"/>
+              </a:defRPr>
+            </a:lvl2pPr>
+            <a:lvl3pPr marL="1143000" indent="-228600" algn="l" rtl="0" eaLnBrk="1" fontAlgn="base" hangingPunct="1">
+              <a:spcBef>
+                <a:spcPct val="20000"/>
+              </a:spcBef>
+              <a:spcAft>
+                <a:spcPct val="0"/>
+              </a:spcAft>
+              <a:buClr>
+                <a:srgbClr val="008C5A"/>
+              </a:buClr>
+              <a:buFont typeface="Monotype Sorts" pitchFamily="2" charset="2"/>
+              <a:buChar char="l"/>
+              <a:defRPr sz="2400">
+                <a:solidFill>
+                  <a:schemeClr val="tx1"/>
+                </a:solidFill>
+                <a:latin typeface="+mn-lt"/>
+              </a:defRPr>
+            </a:lvl3pPr>
+            <a:lvl4pPr marL="1562100" indent="-228600" algn="l" rtl="0" eaLnBrk="1" fontAlgn="base" hangingPunct="1">
+              <a:spcBef>
+                <a:spcPct val="20000"/>
+              </a:spcBef>
+              <a:spcAft>
+                <a:spcPct val="0"/>
+              </a:spcAft>
+              <a:buClr>
+                <a:srgbClr val="008C5A"/>
+              </a:buClr>
+              <a:buFont typeface="Monotype Sorts" pitchFamily="2" charset="2"/>
+              <a:buChar char="l"/>
+              <a:defRPr sz="1600">
+                <a:solidFill>
+                  <a:schemeClr val="tx1"/>
+                </a:solidFill>
+                <a:latin typeface="+mn-lt"/>
+              </a:defRPr>
+            </a:lvl4pPr>
+            <a:lvl5pPr marL="1981200" indent="-228600" algn="l" rtl="0" eaLnBrk="1" fontAlgn="base" hangingPunct="1">
+              <a:spcBef>
+                <a:spcPct val="20000"/>
+              </a:spcBef>
+              <a:spcAft>
+                <a:spcPct val="0"/>
+              </a:spcAft>
+              <a:buClr>
+                <a:srgbClr val="008C5A"/>
+              </a:buClr>
+              <a:buFont typeface="Monotype Sorts" pitchFamily="2" charset="2"/>
+              <a:buChar char="l"/>
+              <a:defRPr sz="1600">
+                <a:solidFill>
+                  <a:schemeClr val="tx1"/>
+                </a:solidFill>
+                <a:latin typeface="+mn-lt"/>
+              </a:defRPr>
+            </a:lvl5pPr>
+            <a:lvl6pPr marL="2438400" indent="-228600" algn="l" rtl="0" eaLnBrk="1" fontAlgn="base" hangingPunct="1">
+              <a:spcBef>
+                <a:spcPct val="20000"/>
+              </a:spcBef>
+              <a:spcAft>
+                <a:spcPct val="0"/>
+              </a:spcAft>
+              <a:buClr>
+                <a:srgbClr val="008C5A"/>
+              </a:buClr>
+              <a:buFont typeface="Monotype Sorts" pitchFamily="2" charset="2"/>
+              <a:buChar char="l"/>
+              <a:defRPr sz="1600">
+                <a:solidFill>
+                  <a:schemeClr val="tx1"/>
+                </a:solidFill>
+                <a:latin typeface="+mn-lt"/>
+              </a:defRPr>
+            </a:lvl6pPr>
+            <a:lvl7pPr marL="2895600" indent="-228600" algn="l" rtl="0" eaLnBrk="1" fontAlgn="base" hangingPunct="1">
+              <a:spcBef>
+                <a:spcPct val="20000"/>
+              </a:spcBef>
+              <a:spcAft>
+                <a:spcPct val="0"/>
+              </a:spcAft>
+              <a:buClr>
+                <a:srgbClr val="008C5A"/>
+              </a:buClr>
+              <a:buFont typeface="Monotype Sorts" pitchFamily="2" charset="2"/>
+              <a:buChar char="l"/>
+              <a:defRPr sz="1600">
+                <a:solidFill>
+                  <a:schemeClr val="tx1"/>
+                </a:solidFill>
+                <a:latin typeface="+mn-lt"/>
+              </a:defRPr>
+            </a:lvl7pPr>
+            <a:lvl8pPr marL="3352800" indent="-228600" algn="l" rtl="0" eaLnBrk="1" fontAlgn="base" hangingPunct="1">
+              <a:spcBef>
+                <a:spcPct val="20000"/>
+              </a:spcBef>
+              <a:spcAft>
+                <a:spcPct val="0"/>
+              </a:spcAft>
+              <a:buClr>
+                <a:srgbClr val="008C5A"/>
+              </a:buClr>
+              <a:buFont typeface="Monotype Sorts" pitchFamily="2" charset="2"/>
+              <a:buChar char="l"/>
+              <a:defRPr sz="1600">
+                <a:solidFill>
+                  <a:schemeClr val="tx1"/>
+                </a:solidFill>
+                <a:latin typeface="+mn-lt"/>
+              </a:defRPr>
+            </a:lvl8pPr>
+            <a:lvl9pPr marL="3810000" indent="-228600" algn="l" rtl="0" eaLnBrk="1" fontAlgn="base" hangingPunct="1">
+              <a:spcBef>
+                <a:spcPct val="20000"/>
+              </a:spcBef>
+              <a:spcAft>
+                <a:spcPct val="0"/>
+              </a:spcAft>
+              <a:buClr>
+                <a:srgbClr val="008C5A"/>
+              </a:buClr>
+              <a:buFont typeface="Monotype Sorts" pitchFamily="2" charset="2"/>
+              <a:buChar char="l"/>
+              <a:defRPr sz="1600">
+                <a:solidFill>
+                  <a:schemeClr val="tx1"/>
+                </a:solidFill>
+                <a:latin typeface="+mn-lt"/>
+              </a:defRPr>
+            </a:lvl9pPr>
+          </a:lstStyle>
+          <a:p>
+            <a:pPr>
+              <a:buFont typeface="Arial" panose="020B0604020202020204" pitchFamily="34" charset="0"/>
+              <a:buChar char="•"/>
+            </a:pPr>
+            <a:r>
+              <a:rPr lang="de-DE" altLang="de-DE" kern="0" dirty="0"/>
+              <a:t>Aufwändige Implementierung</a:t>
+            </a:r>
+          </a:p>
+          <a:p>
+            <a:pPr>
+              <a:buFont typeface="Arial" panose="020B0604020202020204" pitchFamily="34" charset="0"/>
+              <a:buChar char="•"/>
+            </a:pPr>
+            <a:r>
+              <a:rPr lang="de-DE" altLang="de-DE" kern="0" dirty="0"/>
+              <a:t>Zufällige Zuweisung zu neuem System</a:t>
+            </a:r>
+          </a:p>
+          <a:p>
+            <a:pPr>
+              <a:buFont typeface="Arial" panose="020B0604020202020204" pitchFamily="34" charset="0"/>
+              <a:buChar char="•"/>
+            </a:pPr>
+            <a:r>
+              <a:rPr lang="de-DE" altLang="de-DE" kern="0" dirty="0"/>
+              <a:t>Teuer</a:t>
+            </a:r>
+          </a:p>
+        </p:txBody>
+      </p:sp>
+    </p:spTree>
+    <p:extLst>
+      <p:ext uri="{BB962C8B-B14F-4D97-AF65-F5344CB8AC3E}">
+        <p14:creationId xmlns:p14="http://schemas.microsoft.com/office/powerpoint/2010/main" val="2441999377"/>
       </p:ext>
     </p:extLst>
   </p:cSld>

--- a/slides/Tag-3_4-Deployment-Strategien.pptx
+++ b/slides/Tag-3_4-Deployment-Strategien.pptx
@@ -6,10 +6,10 @@
     <p:sldMasterId id="2147483649" r:id="rId2"/>
   </p:sldMasterIdLst>
   <p:notesMasterIdLst>
-    <p:notesMasterId r:id="rId12"/>
+    <p:notesMasterId r:id="rId15"/>
   </p:notesMasterIdLst>
   <p:handoutMasterIdLst>
-    <p:handoutMasterId r:id="rId13"/>
+    <p:handoutMasterId r:id="rId16"/>
   </p:handoutMasterIdLst>
   <p:sldIdLst>
     <p:sldId id="288" r:id="rId3"/>
@@ -18,9 +18,12 @@
     <p:sldId id="292" r:id="rId6"/>
     <p:sldId id="293" r:id="rId7"/>
     <p:sldId id="294" r:id="rId8"/>
-    <p:sldId id="295" r:id="rId9"/>
-    <p:sldId id="296" r:id="rId10"/>
-    <p:sldId id="297" r:id="rId11"/>
+    <p:sldId id="297" r:id="rId9"/>
+    <p:sldId id="298" r:id="rId10"/>
+    <p:sldId id="296" r:id="rId11"/>
+    <p:sldId id="295" r:id="rId12"/>
+    <p:sldId id="299" r:id="rId13"/>
+    <p:sldId id="300" r:id="rId14"/>
   </p:sldIdLst>
   <p:sldSz cx="9144000" cy="6858000" type="screen4x3"/>
   <p:notesSz cx="6784975" cy="9921875"/>
@@ -160,9 +163,12 @@
             <p14:sldId id="292"/>
             <p14:sldId id="293"/>
             <p14:sldId id="294"/>
+            <p14:sldId id="297"/>
+            <p14:sldId id="298"/>
+            <p14:sldId id="296"/>
             <p14:sldId id="295"/>
-            <p14:sldId id="296"/>
-            <p14:sldId id="297"/>
+            <p14:sldId id="299"/>
+            <p14:sldId id="300"/>
           </p14:sldIdLst>
         </p14:section>
       </p14:sectionLst>
@@ -1294,7 +1300,7 @@
               <a:pPr algn="ctr">
                 <a:defRPr/>
               </a:pPr>
-              <a:t>31.05.2024</a:t>
+              <a:t>04.06.2024</a:t>
             </a:fld>
             <a:endParaRPr lang="de-DE" sz="1000">
               <a:solidFill>
@@ -3318,6 +3324,2171 @@
 </p:sld>
 </file>
 
+<file path=ppt/slides/slide10.xml><?xml version="1.0" encoding="utf-8"?>
+<p:sld xmlns:a="http://schemas.openxmlformats.org/drawingml/2006/main" xmlns:r="http://schemas.openxmlformats.org/officeDocument/2006/relationships" xmlns:p="http://schemas.openxmlformats.org/presentationml/2006/main">
+  <p:cSld>
+    <p:spTree>
+      <p:nvGrpSpPr>
+        <p:cNvPr id="1" name=""/>
+        <p:cNvGrpSpPr/>
+        <p:nvPr/>
+      </p:nvGrpSpPr>
+      <p:grpSpPr>
+        <a:xfrm>
+          <a:off x="0" y="0"/>
+          <a:ext cx="0" cy="0"/>
+          <a:chOff x="0" y="0"/>
+          <a:chExt cx="0" cy="0"/>
+        </a:xfrm>
+      </p:grpSpPr>
+      <p:sp>
+        <p:nvSpPr>
+          <p:cNvPr id="2" name="Titel 1">
+            <a:extLst>
+              <a:ext uri="{FF2B5EF4-FFF2-40B4-BE49-F238E27FC236}">
+                <a16:creationId xmlns:a16="http://schemas.microsoft.com/office/drawing/2014/main" id="{D99BAD01-A920-7F80-9D35-9B44F14A75EF}"/>
+              </a:ext>
+            </a:extLst>
+          </p:cNvPr>
+          <p:cNvSpPr>
+            <a:spLocks noGrp="1"/>
+          </p:cNvSpPr>
+          <p:nvPr>
+            <p:ph type="title"/>
+          </p:nvPr>
+        </p:nvSpPr>
+        <p:spPr/>
+        <p:txBody>
+          <a:bodyPr/>
+          <a:lstStyle/>
+          <a:p>
+            <a:r>
+              <a:rPr lang="en-US" altLang="de-DE" dirty="0" err="1"/>
+              <a:t>Deplo</a:t>
+            </a:r>
+            <a:r>
+              <a:rPr lang="de-DE" altLang="de-DE" dirty="0" err="1"/>
+              <a:t>yment</a:t>
+            </a:r>
+            <a:endParaRPr lang="de-DE" dirty="0"/>
+          </a:p>
+        </p:txBody>
+      </p:sp>
+      <p:sp>
+        <p:nvSpPr>
+          <p:cNvPr id="5" name="Textfeld 4">
+            <a:extLst>
+              <a:ext uri="{FF2B5EF4-FFF2-40B4-BE49-F238E27FC236}">
+                <a16:creationId xmlns:a16="http://schemas.microsoft.com/office/drawing/2014/main" id="{B391B747-BBA4-21F1-3683-E6C2DC8AA3C6}"/>
+              </a:ext>
+            </a:extLst>
+          </p:cNvPr>
+          <p:cNvSpPr txBox="1"/>
+          <p:nvPr/>
+        </p:nvSpPr>
+        <p:spPr bwMode="auto">
+          <a:xfrm>
+            <a:off x="330324" y="1079972"/>
+            <a:ext cx="8462714" cy="584775"/>
+          </a:xfrm>
+          <a:prstGeom prst="rect">
+            <a:avLst/>
+          </a:prstGeom>
+          <a:noFill/>
+          <a:ln w="9525">
+            <a:noFill/>
+            <a:miter lim="800000"/>
+            <a:headEnd/>
+            <a:tailEnd/>
+          </a:ln>
+        </p:spPr>
+        <p:txBody>
+          <a:bodyPr wrap="square" rtlCol="0" anchor="ctr">
+            <a:spAutoFit/>
+          </a:bodyPr>
+          <a:lstStyle/>
+          <a:p>
+            <a:pPr algn="ctr" eaLnBrk="1" hangingPunct="1"/>
+            <a:r>
+              <a:rPr lang="de-DE" sz="3200" dirty="0">
+                <a:latin typeface="+mj-lt"/>
+              </a:rPr>
+              <a:t>Vor und Nachteile</a:t>
+            </a:r>
+          </a:p>
+        </p:txBody>
+      </p:sp>
+      <p:sp>
+        <p:nvSpPr>
+          <p:cNvPr id="3" name="Inhaltsplatzhalter 2">
+            <a:extLst>
+              <a:ext uri="{FF2B5EF4-FFF2-40B4-BE49-F238E27FC236}">
+                <a16:creationId xmlns:a16="http://schemas.microsoft.com/office/drawing/2014/main" id="{B3231207-F7BC-F792-92B9-48E8C8E01816}"/>
+              </a:ext>
+            </a:extLst>
+          </p:cNvPr>
+          <p:cNvSpPr>
+            <a:spLocks noGrp="1"/>
+          </p:cNvSpPr>
+          <p:nvPr>
+            <p:ph idx="1"/>
+          </p:nvPr>
+        </p:nvSpPr>
+        <p:spPr>
+          <a:xfrm>
+            <a:off x="683568" y="1988840"/>
+            <a:ext cx="3764731" cy="3960440"/>
+          </a:xfrm>
+        </p:spPr>
+        <p:txBody>
+          <a:bodyPr/>
+          <a:lstStyle/>
+          <a:p>
+            <a:pPr>
+              <a:buFont typeface="Arial" panose="020B0604020202020204" pitchFamily="34" charset="0"/>
+              <a:buChar char="•"/>
+            </a:pPr>
+            <a:r>
+              <a:rPr lang="de-DE" altLang="de-DE" dirty="0"/>
+              <a:t>Keine Downtime</a:t>
+            </a:r>
+          </a:p>
+          <a:p>
+            <a:pPr>
+              <a:buFont typeface="Arial" panose="020B0604020202020204" pitchFamily="34" charset="0"/>
+              <a:buChar char="•"/>
+            </a:pPr>
+            <a:r>
+              <a:rPr lang="de-DE" altLang="de-DE" dirty="0"/>
+              <a:t>Partieller Deploy</a:t>
+            </a:r>
+          </a:p>
+          <a:p>
+            <a:pPr>
+              <a:buFont typeface="Arial" panose="020B0604020202020204" pitchFamily="34" charset="0"/>
+              <a:buChar char="•"/>
+            </a:pPr>
+            <a:r>
+              <a:rPr lang="de-DE" altLang="de-DE" dirty="0"/>
+              <a:t>Gezielte Testgruppe</a:t>
+            </a:r>
+          </a:p>
+          <a:p>
+            <a:pPr>
+              <a:buFont typeface="Arial" panose="020B0604020202020204" pitchFamily="34" charset="0"/>
+              <a:buChar char="•"/>
+            </a:pPr>
+            <a:endParaRPr lang="de-DE" altLang="de-DE" dirty="0"/>
+          </a:p>
+        </p:txBody>
+      </p:sp>
+      <p:sp>
+        <p:nvSpPr>
+          <p:cNvPr id="4" name="Inhaltsplatzhalter 2">
+            <a:extLst>
+              <a:ext uri="{FF2B5EF4-FFF2-40B4-BE49-F238E27FC236}">
+                <a16:creationId xmlns:a16="http://schemas.microsoft.com/office/drawing/2014/main" id="{0EDA6666-E721-7B60-2CB5-59117D00AFAA}"/>
+              </a:ext>
+            </a:extLst>
+          </p:cNvPr>
+          <p:cNvSpPr txBox="1">
+            <a:spLocks/>
+          </p:cNvSpPr>
+          <p:nvPr/>
+        </p:nvSpPr>
+        <p:spPr bwMode="auto">
+          <a:xfrm>
+            <a:off x="4693773" y="1988840"/>
+            <a:ext cx="3764731" cy="3960440"/>
+          </a:xfrm>
+          <a:prstGeom prst="rect">
+            <a:avLst/>
+          </a:prstGeom>
+          <a:noFill/>
+          <a:ln>
+            <a:noFill/>
+          </a:ln>
+          <a:extLst>
+            <a:ext uri="{909E8E84-426E-40DD-AFC4-6F175D3DCCD1}">
+              <a14:hiddenFill xmlns:a14="http://schemas.microsoft.com/office/drawing/2010/main">
+                <a:solidFill>
+                  <a:srgbClr val="FFFFFF"/>
+                </a:solidFill>
+              </a14:hiddenFill>
+            </a:ext>
+            <a:ext uri="{91240B29-F687-4F45-9708-019B960494DF}">
+              <a14:hiddenLine xmlns:a14="http://schemas.microsoft.com/office/drawing/2010/main" w="9525">
+                <a:solidFill>
+                  <a:srgbClr val="000000"/>
+                </a:solidFill>
+                <a:miter lim="800000"/>
+                <a:headEnd/>
+                <a:tailEnd/>
+              </a14:hiddenLine>
+            </a:ext>
+          </a:extLst>
+        </p:spPr>
+        <p:txBody>
+          <a:bodyPr vert="horz" wrap="square" lIns="92075" tIns="46038" rIns="92075" bIns="46038" numCol="1" anchor="t" anchorCtr="0" compatLnSpc="1">
+            <a:prstTxWarp prst="textNoShape">
+              <a:avLst/>
+            </a:prstTxWarp>
+          </a:bodyPr>
+          <a:lstStyle>
+            <a:lvl1pPr marL="342900" indent="-342900" algn="l" rtl="0" eaLnBrk="1" fontAlgn="base" hangingPunct="1">
+              <a:spcBef>
+                <a:spcPct val="20000"/>
+              </a:spcBef>
+              <a:spcAft>
+                <a:spcPct val="0"/>
+              </a:spcAft>
+              <a:buClr>
+                <a:srgbClr val="008C5A"/>
+              </a:buClr>
+              <a:buFont typeface="Monotype Sorts" pitchFamily="2" charset="2"/>
+              <a:buChar char="l"/>
+              <a:defRPr sz="2400">
+                <a:solidFill>
+                  <a:schemeClr val="tx1"/>
+                </a:solidFill>
+                <a:latin typeface="+mn-lt"/>
+                <a:ea typeface="+mn-ea"/>
+                <a:cs typeface="+mn-cs"/>
+              </a:defRPr>
+            </a:lvl1pPr>
+            <a:lvl2pPr marL="742950" indent="-285750" algn="l" rtl="0" eaLnBrk="1" fontAlgn="base" hangingPunct="1">
+              <a:spcBef>
+                <a:spcPct val="20000"/>
+              </a:spcBef>
+              <a:spcAft>
+                <a:spcPct val="0"/>
+              </a:spcAft>
+              <a:buClr>
+                <a:srgbClr val="008C5A"/>
+              </a:buClr>
+              <a:buFont typeface="Monotype Sorts" pitchFamily="2" charset="2"/>
+              <a:buChar char="l"/>
+              <a:defRPr sz="2000">
+                <a:solidFill>
+                  <a:schemeClr val="tx1"/>
+                </a:solidFill>
+                <a:latin typeface="+mn-lt"/>
+              </a:defRPr>
+            </a:lvl2pPr>
+            <a:lvl3pPr marL="1143000" indent="-228600" algn="l" rtl="0" eaLnBrk="1" fontAlgn="base" hangingPunct="1">
+              <a:spcBef>
+                <a:spcPct val="20000"/>
+              </a:spcBef>
+              <a:spcAft>
+                <a:spcPct val="0"/>
+              </a:spcAft>
+              <a:buClr>
+                <a:srgbClr val="008C5A"/>
+              </a:buClr>
+              <a:buFont typeface="Monotype Sorts" pitchFamily="2" charset="2"/>
+              <a:buChar char="l"/>
+              <a:defRPr sz="2400">
+                <a:solidFill>
+                  <a:schemeClr val="tx1"/>
+                </a:solidFill>
+                <a:latin typeface="+mn-lt"/>
+              </a:defRPr>
+            </a:lvl3pPr>
+            <a:lvl4pPr marL="1562100" indent="-228600" algn="l" rtl="0" eaLnBrk="1" fontAlgn="base" hangingPunct="1">
+              <a:spcBef>
+                <a:spcPct val="20000"/>
+              </a:spcBef>
+              <a:spcAft>
+                <a:spcPct val="0"/>
+              </a:spcAft>
+              <a:buClr>
+                <a:srgbClr val="008C5A"/>
+              </a:buClr>
+              <a:buFont typeface="Monotype Sorts" pitchFamily="2" charset="2"/>
+              <a:buChar char="l"/>
+              <a:defRPr sz="1600">
+                <a:solidFill>
+                  <a:schemeClr val="tx1"/>
+                </a:solidFill>
+                <a:latin typeface="+mn-lt"/>
+              </a:defRPr>
+            </a:lvl4pPr>
+            <a:lvl5pPr marL="1981200" indent="-228600" algn="l" rtl="0" eaLnBrk="1" fontAlgn="base" hangingPunct="1">
+              <a:spcBef>
+                <a:spcPct val="20000"/>
+              </a:spcBef>
+              <a:spcAft>
+                <a:spcPct val="0"/>
+              </a:spcAft>
+              <a:buClr>
+                <a:srgbClr val="008C5A"/>
+              </a:buClr>
+              <a:buFont typeface="Monotype Sorts" pitchFamily="2" charset="2"/>
+              <a:buChar char="l"/>
+              <a:defRPr sz="1600">
+                <a:solidFill>
+                  <a:schemeClr val="tx1"/>
+                </a:solidFill>
+                <a:latin typeface="+mn-lt"/>
+              </a:defRPr>
+            </a:lvl5pPr>
+            <a:lvl6pPr marL="2438400" indent="-228600" algn="l" rtl="0" eaLnBrk="1" fontAlgn="base" hangingPunct="1">
+              <a:spcBef>
+                <a:spcPct val="20000"/>
+              </a:spcBef>
+              <a:spcAft>
+                <a:spcPct val="0"/>
+              </a:spcAft>
+              <a:buClr>
+                <a:srgbClr val="008C5A"/>
+              </a:buClr>
+              <a:buFont typeface="Monotype Sorts" pitchFamily="2" charset="2"/>
+              <a:buChar char="l"/>
+              <a:defRPr sz="1600">
+                <a:solidFill>
+                  <a:schemeClr val="tx1"/>
+                </a:solidFill>
+                <a:latin typeface="+mn-lt"/>
+              </a:defRPr>
+            </a:lvl6pPr>
+            <a:lvl7pPr marL="2895600" indent="-228600" algn="l" rtl="0" eaLnBrk="1" fontAlgn="base" hangingPunct="1">
+              <a:spcBef>
+                <a:spcPct val="20000"/>
+              </a:spcBef>
+              <a:spcAft>
+                <a:spcPct val="0"/>
+              </a:spcAft>
+              <a:buClr>
+                <a:srgbClr val="008C5A"/>
+              </a:buClr>
+              <a:buFont typeface="Monotype Sorts" pitchFamily="2" charset="2"/>
+              <a:buChar char="l"/>
+              <a:defRPr sz="1600">
+                <a:solidFill>
+                  <a:schemeClr val="tx1"/>
+                </a:solidFill>
+                <a:latin typeface="+mn-lt"/>
+              </a:defRPr>
+            </a:lvl7pPr>
+            <a:lvl8pPr marL="3352800" indent="-228600" algn="l" rtl="0" eaLnBrk="1" fontAlgn="base" hangingPunct="1">
+              <a:spcBef>
+                <a:spcPct val="20000"/>
+              </a:spcBef>
+              <a:spcAft>
+                <a:spcPct val="0"/>
+              </a:spcAft>
+              <a:buClr>
+                <a:srgbClr val="008C5A"/>
+              </a:buClr>
+              <a:buFont typeface="Monotype Sorts" pitchFamily="2" charset="2"/>
+              <a:buChar char="l"/>
+              <a:defRPr sz="1600">
+                <a:solidFill>
+                  <a:schemeClr val="tx1"/>
+                </a:solidFill>
+                <a:latin typeface="+mn-lt"/>
+              </a:defRPr>
+            </a:lvl8pPr>
+            <a:lvl9pPr marL="3810000" indent="-228600" algn="l" rtl="0" eaLnBrk="1" fontAlgn="base" hangingPunct="1">
+              <a:spcBef>
+                <a:spcPct val="20000"/>
+              </a:spcBef>
+              <a:spcAft>
+                <a:spcPct val="0"/>
+              </a:spcAft>
+              <a:buClr>
+                <a:srgbClr val="008C5A"/>
+              </a:buClr>
+              <a:buFont typeface="Monotype Sorts" pitchFamily="2" charset="2"/>
+              <a:buChar char="l"/>
+              <a:defRPr sz="1600">
+                <a:solidFill>
+                  <a:schemeClr val="tx1"/>
+                </a:solidFill>
+                <a:latin typeface="+mn-lt"/>
+              </a:defRPr>
+            </a:lvl9pPr>
+          </a:lstStyle>
+          <a:p>
+            <a:pPr>
+              <a:buFont typeface="Arial" panose="020B0604020202020204" pitchFamily="34" charset="0"/>
+              <a:buChar char="•"/>
+            </a:pPr>
+            <a:r>
+              <a:rPr lang="de-DE" altLang="de-DE" kern="0" dirty="0"/>
+              <a:t>Aufwändige Implementierung</a:t>
+            </a:r>
+          </a:p>
+          <a:p>
+            <a:pPr>
+              <a:buFont typeface="Arial" panose="020B0604020202020204" pitchFamily="34" charset="0"/>
+              <a:buChar char="•"/>
+            </a:pPr>
+            <a:r>
+              <a:rPr lang="de-DE" altLang="de-DE" kern="0" dirty="0"/>
+              <a:t>Teuer</a:t>
+            </a:r>
+          </a:p>
+        </p:txBody>
+      </p:sp>
+    </p:spTree>
+    <p:extLst>
+      <p:ext uri="{BB962C8B-B14F-4D97-AF65-F5344CB8AC3E}">
+        <p14:creationId xmlns:p14="http://schemas.microsoft.com/office/powerpoint/2010/main" val="1902602858"/>
+      </p:ext>
+    </p:extLst>
+  </p:cSld>
+  <p:clrMapOvr>
+    <a:masterClrMapping/>
+  </p:clrMapOvr>
+</p:sld>
+</file>
+
+<file path=ppt/slides/slide11.xml><?xml version="1.0" encoding="utf-8"?>
+<p:sld xmlns:a="http://schemas.openxmlformats.org/drawingml/2006/main" xmlns:r="http://schemas.openxmlformats.org/officeDocument/2006/relationships" xmlns:p="http://schemas.openxmlformats.org/presentationml/2006/main">
+  <p:cSld>
+    <p:spTree>
+      <p:nvGrpSpPr>
+        <p:cNvPr id="1" name=""/>
+        <p:cNvGrpSpPr/>
+        <p:nvPr/>
+      </p:nvGrpSpPr>
+      <p:grpSpPr>
+        <a:xfrm>
+          <a:off x="0" y="0"/>
+          <a:ext cx="0" cy="0"/>
+          <a:chOff x="0" y="0"/>
+          <a:chExt cx="0" cy="0"/>
+        </a:xfrm>
+      </p:grpSpPr>
+      <p:sp>
+        <p:nvSpPr>
+          <p:cNvPr id="2" name="Titel 1">
+            <a:extLst>
+              <a:ext uri="{FF2B5EF4-FFF2-40B4-BE49-F238E27FC236}">
+                <a16:creationId xmlns:a16="http://schemas.microsoft.com/office/drawing/2014/main" id="{29D286B2-C35C-4BC6-9254-B3D2AE464CA4}"/>
+              </a:ext>
+            </a:extLst>
+          </p:cNvPr>
+          <p:cNvSpPr>
+            <a:spLocks noGrp="1"/>
+          </p:cNvSpPr>
+          <p:nvPr>
+            <p:ph type="title"/>
+          </p:nvPr>
+        </p:nvSpPr>
+        <p:spPr/>
+        <p:txBody>
+          <a:bodyPr/>
+          <a:lstStyle/>
+          <a:p>
+            <a:r>
+              <a:rPr lang="en-US" altLang="de-DE" dirty="0" err="1"/>
+              <a:t>Deplo</a:t>
+            </a:r>
+            <a:r>
+              <a:rPr lang="de-DE" altLang="de-DE" dirty="0" err="1"/>
+              <a:t>yment</a:t>
+            </a:r>
+            <a:endParaRPr lang="de-DE" dirty="0"/>
+          </a:p>
+        </p:txBody>
+      </p:sp>
+      <p:sp>
+        <p:nvSpPr>
+          <p:cNvPr id="3" name="Inhaltsplatzhalter 2">
+            <a:extLst>
+              <a:ext uri="{FF2B5EF4-FFF2-40B4-BE49-F238E27FC236}">
+                <a16:creationId xmlns:a16="http://schemas.microsoft.com/office/drawing/2014/main" id="{5841B00E-A256-2C3F-B12E-C474E3991C93}"/>
+              </a:ext>
+            </a:extLst>
+          </p:cNvPr>
+          <p:cNvSpPr>
+            <a:spLocks noGrp="1"/>
+          </p:cNvSpPr>
+          <p:nvPr>
+            <p:ph idx="1"/>
+          </p:nvPr>
+        </p:nvSpPr>
+        <p:spPr>
+          <a:xfrm>
+            <a:off x="303213" y="1844823"/>
+            <a:ext cx="8516937" cy="1296135"/>
+          </a:xfrm>
+        </p:spPr>
+        <p:txBody>
+          <a:bodyPr/>
+          <a:lstStyle/>
+          <a:p>
+            <a:pPr>
+              <a:buFont typeface="Arial" panose="020B0604020202020204" pitchFamily="34" charset="0"/>
+              <a:buChar char="•"/>
+            </a:pPr>
+            <a:r>
+              <a:rPr lang="de-DE" dirty="0"/>
+              <a:t>Neusystem wird parallel zu Altsystem </a:t>
+            </a:r>
+            <a:r>
+              <a:rPr lang="de-DE" dirty="0" err="1"/>
+              <a:t>gehosted</a:t>
+            </a:r>
+            <a:endParaRPr lang="de-DE" dirty="0"/>
+          </a:p>
+          <a:p>
+            <a:pPr>
+              <a:buFont typeface="Arial" panose="020B0604020202020204" pitchFamily="34" charset="0"/>
+              <a:buChar char="•"/>
+            </a:pPr>
+            <a:r>
+              <a:rPr lang="de-DE" dirty="0"/>
+              <a:t>Anfragen werden vom Altsystem bearbeitet</a:t>
+            </a:r>
+          </a:p>
+          <a:p>
+            <a:pPr>
+              <a:buFont typeface="Arial" panose="020B0604020202020204" pitchFamily="34" charset="0"/>
+              <a:buChar char="•"/>
+            </a:pPr>
+            <a:r>
+              <a:rPr lang="de-DE" dirty="0"/>
+              <a:t>Anfragen werden zum Neusystem gespiegelt</a:t>
+            </a:r>
+          </a:p>
+          <a:p>
+            <a:pPr>
+              <a:buFont typeface="Arial" panose="020B0604020202020204" pitchFamily="34" charset="0"/>
+              <a:buChar char="•"/>
+            </a:pPr>
+            <a:endParaRPr lang="de-DE" dirty="0"/>
+          </a:p>
+        </p:txBody>
+      </p:sp>
+      <p:sp>
+        <p:nvSpPr>
+          <p:cNvPr id="5" name="Textfeld 4">
+            <a:extLst>
+              <a:ext uri="{FF2B5EF4-FFF2-40B4-BE49-F238E27FC236}">
+                <a16:creationId xmlns:a16="http://schemas.microsoft.com/office/drawing/2014/main" id="{2329921C-13DB-F6B8-C326-D9583581E977}"/>
+              </a:ext>
+            </a:extLst>
+          </p:cNvPr>
+          <p:cNvSpPr txBox="1"/>
+          <p:nvPr/>
+        </p:nvSpPr>
+        <p:spPr bwMode="auto">
+          <a:xfrm>
+            <a:off x="330324" y="1079972"/>
+            <a:ext cx="8462714" cy="584775"/>
+          </a:xfrm>
+          <a:prstGeom prst="rect">
+            <a:avLst/>
+          </a:prstGeom>
+          <a:noFill/>
+          <a:ln w="9525">
+            <a:noFill/>
+            <a:miter lim="800000"/>
+            <a:headEnd/>
+            <a:tailEnd/>
+          </a:ln>
+        </p:spPr>
+        <p:txBody>
+          <a:bodyPr wrap="square" rtlCol="0" anchor="ctr">
+            <a:spAutoFit/>
+          </a:bodyPr>
+          <a:lstStyle/>
+          <a:p>
+            <a:pPr algn="ctr" eaLnBrk="1" hangingPunct="1"/>
+            <a:r>
+              <a:rPr lang="de-DE" sz="3200" dirty="0">
+                <a:latin typeface="+mj-lt"/>
+              </a:rPr>
+              <a:t>Shadow </a:t>
+            </a:r>
+            <a:r>
+              <a:rPr lang="de-DE" sz="3200" dirty="0" err="1">
+                <a:latin typeface="+mj-lt"/>
+              </a:rPr>
+              <a:t>Deploment</a:t>
+            </a:r>
+            <a:endParaRPr lang="de-DE" sz="3200" dirty="0">
+              <a:latin typeface="+mj-lt"/>
+            </a:endParaRPr>
+          </a:p>
+        </p:txBody>
+      </p:sp>
+      <p:sp>
+        <p:nvSpPr>
+          <p:cNvPr id="7" name="Rechteck 6">
+            <a:extLst>
+              <a:ext uri="{FF2B5EF4-FFF2-40B4-BE49-F238E27FC236}">
+                <a16:creationId xmlns:a16="http://schemas.microsoft.com/office/drawing/2014/main" id="{D9A42B7E-356B-9AFB-BEC4-C71BCE179FEF}"/>
+              </a:ext>
+            </a:extLst>
+          </p:cNvPr>
+          <p:cNvSpPr/>
+          <p:nvPr/>
+        </p:nvSpPr>
+        <p:spPr bwMode="auto">
+          <a:xfrm>
+            <a:off x="611560" y="3645024"/>
+            <a:ext cx="2160240" cy="2160240"/>
+          </a:xfrm>
+          <a:prstGeom prst="rect">
+            <a:avLst/>
+          </a:prstGeom>
+          <a:solidFill>
+            <a:schemeClr val="bg1"/>
+          </a:solidFill>
+          <a:ln w="12700" cap="flat" cmpd="sng" algn="ctr">
+            <a:solidFill>
+              <a:schemeClr val="tx1"/>
+            </a:solidFill>
+            <a:prstDash val="solid"/>
+            <a:round/>
+            <a:headEnd type="none" w="sm" len="sm"/>
+            <a:tailEnd type="none" w="sm" len="sm"/>
+          </a:ln>
+          <a:effectLst/>
+        </p:spPr>
+        <p:txBody>
+          <a:bodyPr vert="horz" wrap="square" lIns="91440" tIns="45720" rIns="91440" bIns="45720" numCol="1" rtlCol="0" anchor="b" anchorCtr="0" compatLnSpc="1">
+            <a:prstTxWarp prst="textNoShape">
+              <a:avLst/>
+            </a:prstTxWarp>
+          </a:bodyPr>
+          <a:lstStyle/>
+          <a:p>
+            <a:pPr marL="0" marR="0" indent="0" algn="l" defTabSz="914400" rtl="0" eaLnBrk="0" fontAlgn="base" latinLnBrk="0" hangingPunct="0">
+              <a:lnSpc>
+                <a:spcPct val="100000"/>
+              </a:lnSpc>
+              <a:spcBef>
+                <a:spcPct val="0"/>
+              </a:spcBef>
+              <a:spcAft>
+                <a:spcPct val="0"/>
+              </a:spcAft>
+              <a:buClrTx/>
+              <a:buSzTx/>
+              <a:buFontTx/>
+              <a:buNone/>
+              <a:tabLst/>
+            </a:pPr>
+            <a:endParaRPr kumimoji="0" lang="de-DE" sz="2400" b="0" i="0" u="none" strike="noStrike" cap="none" normalizeH="0" baseline="0" dirty="0">
+              <a:ln>
+                <a:noFill/>
+              </a:ln>
+              <a:solidFill>
+                <a:schemeClr val="tx1"/>
+              </a:solidFill>
+              <a:effectLst/>
+              <a:latin typeface="+mn-lt"/>
+            </a:endParaRPr>
+          </a:p>
+        </p:txBody>
+      </p:sp>
+      <p:cxnSp>
+        <p:nvCxnSpPr>
+          <p:cNvPr id="22" name="Gerade Verbindung mit Pfeil 21">
+            <a:extLst>
+              <a:ext uri="{FF2B5EF4-FFF2-40B4-BE49-F238E27FC236}">
+                <a16:creationId xmlns:a16="http://schemas.microsoft.com/office/drawing/2014/main" id="{3D801ADB-E612-D46E-1DDE-06F9BB633025}"/>
+              </a:ext>
+            </a:extLst>
+          </p:cNvPr>
+          <p:cNvCxnSpPr>
+            <a:cxnSpLocks/>
+            <a:stCxn id="7" idx="3"/>
+          </p:cNvCxnSpPr>
+          <p:nvPr/>
+        </p:nvCxnSpPr>
+        <p:spPr bwMode="auto">
+          <a:xfrm>
+            <a:off x="2771800" y="4725144"/>
+            <a:ext cx="709761" cy="0"/>
+          </a:xfrm>
+          <a:prstGeom prst="straightConnector1">
+            <a:avLst/>
+          </a:prstGeom>
+          <a:solidFill>
+            <a:schemeClr val="accent1"/>
+          </a:solidFill>
+          <a:ln w="12700" cap="flat" cmpd="sng" algn="ctr">
+            <a:solidFill>
+              <a:schemeClr val="tx1"/>
+            </a:solidFill>
+            <a:prstDash val="solid"/>
+            <a:round/>
+            <a:headEnd type="none" w="sm" len="sm"/>
+            <a:tailEnd type="triangle"/>
+          </a:ln>
+          <a:effectLst/>
+        </p:spPr>
+      </p:cxnSp>
+      <p:cxnSp>
+        <p:nvCxnSpPr>
+          <p:cNvPr id="23" name="Gerade Verbindung mit Pfeil 22">
+            <a:extLst>
+              <a:ext uri="{FF2B5EF4-FFF2-40B4-BE49-F238E27FC236}">
+                <a16:creationId xmlns:a16="http://schemas.microsoft.com/office/drawing/2014/main" id="{580503DD-CA46-B4A0-4BBE-D21934A5E720}"/>
+              </a:ext>
+            </a:extLst>
+          </p:cNvPr>
+          <p:cNvCxnSpPr>
+            <a:cxnSpLocks/>
+          </p:cNvCxnSpPr>
+          <p:nvPr/>
+        </p:nvCxnSpPr>
+        <p:spPr bwMode="auto">
+          <a:xfrm>
+            <a:off x="5641801" y="4725144"/>
+            <a:ext cx="709761" cy="0"/>
+          </a:xfrm>
+          <a:prstGeom prst="straightConnector1">
+            <a:avLst/>
+          </a:prstGeom>
+          <a:solidFill>
+            <a:schemeClr val="accent1"/>
+          </a:solidFill>
+          <a:ln w="12700" cap="flat" cmpd="sng" algn="ctr">
+            <a:solidFill>
+              <a:schemeClr val="tx1"/>
+            </a:solidFill>
+            <a:prstDash val="solid"/>
+            <a:round/>
+            <a:headEnd type="none" w="sm" len="sm"/>
+            <a:tailEnd type="triangle"/>
+          </a:ln>
+          <a:effectLst/>
+        </p:spPr>
+      </p:cxnSp>
+      <p:sp>
+        <p:nvSpPr>
+          <p:cNvPr id="25" name="Würfel 24">
+            <a:extLst>
+              <a:ext uri="{FF2B5EF4-FFF2-40B4-BE49-F238E27FC236}">
+                <a16:creationId xmlns:a16="http://schemas.microsoft.com/office/drawing/2014/main" id="{BD850A33-5E52-B6F7-5FBE-BB523848B265}"/>
+              </a:ext>
+            </a:extLst>
+          </p:cNvPr>
+          <p:cNvSpPr/>
+          <p:nvPr/>
+        </p:nvSpPr>
+        <p:spPr bwMode="auto">
+          <a:xfrm>
+            <a:off x="899592" y="4365104"/>
+            <a:ext cx="843458" cy="1296135"/>
+          </a:xfrm>
+          <a:prstGeom prst="cube">
+            <a:avLst/>
+          </a:prstGeom>
+          <a:solidFill>
+            <a:schemeClr val="bg1"/>
+          </a:solidFill>
+          <a:ln w="12700" cap="flat" cmpd="sng" algn="ctr">
+            <a:solidFill>
+              <a:schemeClr val="tx1"/>
+            </a:solidFill>
+            <a:prstDash val="solid"/>
+            <a:round/>
+            <a:headEnd type="none" w="sm" len="sm"/>
+            <a:tailEnd type="none" w="sm" len="sm"/>
+          </a:ln>
+          <a:effectLst/>
+        </p:spPr>
+        <p:txBody>
+          <a:bodyPr vert="horz" wrap="square" lIns="91440" tIns="45720" rIns="91440" bIns="45720" numCol="1" rtlCol="0" anchor="ctr" anchorCtr="1" compatLnSpc="1">
+            <a:prstTxWarp prst="textNoShape">
+              <a:avLst/>
+            </a:prstTxWarp>
+          </a:bodyPr>
+          <a:lstStyle/>
+          <a:p>
+            <a:pPr marL="0" marR="0" indent="0" algn="l" defTabSz="914400" rtl="0" eaLnBrk="0" fontAlgn="base" latinLnBrk="0" hangingPunct="0">
+              <a:lnSpc>
+                <a:spcPct val="100000"/>
+              </a:lnSpc>
+              <a:spcBef>
+                <a:spcPct val="0"/>
+              </a:spcBef>
+              <a:spcAft>
+                <a:spcPct val="0"/>
+              </a:spcAft>
+              <a:buClrTx/>
+              <a:buSzTx/>
+              <a:buFontTx/>
+              <a:buNone/>
+              <a:tabLst/>
+            </a:pPr>
+            <a:r>
+              <a:rPr kumimoji="0" lang="de-DE" sz="2400" b="0" i="0" u="none" strike="noStrike" cap="none" normalizeH="0" baseline="0" dirty="0">
+                <a:ln>
+                  <a:noFill/>
+                </a:ln>
+                <a:solidFill>
+                  <a:schemeClr val="tx1"/>
+                </a:solidFill>
+                <a:effectLst/>
+                <a:latin typeface="+mn-lt"/>
+              </a:rPr>
+              <a:t>v1</a:t>
+            </a:r>
+          </a:p>
+        </p:txBody>
+      </p:sp>
+      <p:sp>
+        <p:nvSpPr>
+          <p:cNvPr id="26" name="Würfel 25">
+            <a:extLst>
+              <a:ext uri="{FF2B5EF4-FFF2-40B4-BE49-F238E27FC236}">
+                <a16:creationId xmlns:a16="http://schemas.microsoft.com/office/drawing/2014/main" id="{6F16EBCD-4845-0242-4317-280F3ABB2C7F}"/>
+              </a:ext>
+            </a:extLst>
+          </p:cNvPr>
+          <p:cNvSpPr/>
+          <p:nvPr/>
+        </p:nvSpPr>
+        <p:spPr bwMode="auto">
+          <a:xfrm>
+            <a:off x="1619672" y="4356729"/>
+            <a:ext cx="843458" cy="1296135"/>
+          </a:xfrm>
+          <a:prstGeom prst="cube">
+            <a:avLst/>
+          </a:prstGeom>
+          <a:solidFill>
+            <a:schemeClr val="accent4">
+              <a:lumMod val="50000"/>
+              <a:lumOff val="50000"/>
+            </a:schemeClr>
+          </a:solidFill>
+          <a:ln w="12700" cap="flat" cmpd="sng" algn="ctr">
+            <a:solidFill>
+              <a:schemeClr val="tx1"/>
+            </a:solidFill>
+            <a:prstDash val="solid"/>
+            <a:round/>
+            <a:headEnd type="none" w="sm" len="sm"/>
+            <a:tailEnd type="none" w="sm" len="sm"/>
+          </a:ln>
+          <a:effectLst/>
+        </p:spPr>
+        <p:txBody>
+          <a:bodyPr vert="horz" wrap="square" lIns="91440" tIns="45720" rIns="91440" bIns="45720" numCol="1" rtlCol="0" anchor="ctr" anchorCtr="1" compatLnSpc="1">
+            <a:prstTxWarp prst="textNoShape">
+              <a:avLst/>
+            </a:prstTxWarp>
+          </a:bodyPr>
+          <a:lstStyle/>
+          <a:p>
+            <a:pPr marL="0" marR="0" indent="0" algn="l" defTabSz="914400" rtl="0" eaLnBrk="0" fontAlgn="base" latinLnBrk="0" hangingPunct="0">
+              <a:lnSpc>
+                <a:spcPct val="100000"/>
+              </a:lnSpc>
+              <a:spcBef>
+                <a:spcPct val="0"/>
+              </a:spcBef>
+              <a:spcAft>
+                <a:spcPct val="0"/>
+              </a:spcAft>
+              <a:buClrTx/>
+              <a:buSzTx/>
+              <a:buFontTx/>
+              <a:buNone/>
+              <a:tabLst/>
+            </a:pPr>
+            <a:r>
+              <a:rPr lang="de-DE" dirty="0">
+                <a:latin typeface="+mn-lt"/>
+              </a:rPr>
+              <a:t>v0</a:t>
+            </a:r>
+            <a:endParaRPr kumimoji="0" lang="de-DE" sz="2400" b="0" i="0" u="none" strike="noStrike" cap="none" normalizeH="0" baseline="0" dirty="0">
+              <a:ln>
+                <a:noFill/>
+              </a:ln>
+              <a:solidFill>
+                <a:schemeClr val="tx1"/>
+              </a:solidFill>
+              <a:effectLst/>
+              <a:latin typeface="+mn-lt"/>
+            </a:endParaRPr>
+          </a:p>
+        </p:txBody>
+      </p:sp>
+      <p:sp>
+        <p:nvSpPr>
+          <p:cNvPr id="27" name="Würfel 26">
+            <a:extLst>
+              <a:ext uri="{FF2B5EF4-FFF2-40B4-BE49-F238E27FC236}">
+                <a16:creationId xmlns:a16="http://schemas.microsoft.com/office/drawing/2014/main" id="{0341CFDE-6963-0AAB-C2B9-976A7DD781D0}"/>
+              </a:ext>
+            </a:extLst>
+          </p:cNvPr>
+          <p:cNvSpPr/>
+          <p:nvPr/>
+        </p:nvSpPr>
+        <p:spPr bwMode="auto">
+          <a:xfrm>
+            <a:off x="899592" y="3717032"/>
+            <a:ext cx="1552952" cy="574896"/>
+          </a:xfrm>
+          <a:prstGeom prst="cube">
+            <a:avLst/>
+          </a:prstGeom>
+          <a:solidFill>
+            <a:schemeClr val="bg1"/>
+          </a:solidFill>
+          <a:ln w="12700" cap="flat" cmpd="sng" algn="ctr">
+            <a:solidFill>
+              <a:schemeClr val="tx1"/>
+            </a:solidFill>
+            <a:prstDash val="solid"/>
+            <a:round/>
+            <a:headEnd type="none" w="sm" len="sm"/>
+            <a:tailEnd type="none" w="sm" len="sm"/>
+          </a:ln>
+          <a:effectLst/>
+        </p:spPr>
+        <p:txBody>
+          <a:bodyPr vert="horz" wrap="square" lIns="91440" tIns="45720" rIns="91440" bIns="45720" numCol="1" rtlCol="0" anchor="t" anchorCtr="0" compatLnSpc="1">
+            <a:prstTxWarp prst="textNoShape">
+              <a:avLst/>
+            </a:prstTxWarp>
+          </a:bodyPr>
+          <a:lstStyle/>
+          <a:p>
+            <a:pPr marL="0" marR="0" indent="0" algn="l" defTabSz="914400" rtl="0" eaLnBrk="0" fontAlgn="base" latinLnBrk="0" hangingPunct="0">
+              <a:lnSpc>
+                <a:spcPct val="100000"/>
+              </a:lnSpc>
+              <a:spcBef>
+                <a:spcPct val="0"/>
+              </a:spcBef>
+              <a:spcAft>
+                <a:spcPct val="0"/>
+              </a:spcAft>
+              <a:buClrTx/>
+              <a:buSzTx/>
+              <a:buFontTx/>
+              <a:buNone/>
+              <a:tabLst/>
+            </a:pPr>
+            <a:r>
+              <a:rPr lang="de-DE" dirty="0">
+                <a:latin typeface="+mn-lt"/>
+              </a:rPr>
+              <a:t>Balancer</a:t>
+            </a:r>
+            <a:endParaRPr kumimoji="0" lang="de-DE" sz="2400" b="0" i="0" u="none" strike="noStrike" cap="none" normalizeH="0" baseline="0" dirty="0">
+              <a:ln>
+                <a:noFill/>
+              </a:ln>
+              <a:solidFill>
+                <a:schemeClr val="tx1"/>
+              </a:solidFill>
+              <a:effectLst/>
+              <a:latin typeface="+mn-lt"/>
+            </a:endParaRPr>
+          </a:p>
+        </p:txBody>
+      </p:sp>
+      <p:cxnSp>
+        <p:nvCxnSpPr>
+          <p:cNvPr id="29" name="Gerade Verbindung mit Pfeil 28">
+            <a:extLst>
+              <a:ext uri="{FF2B5EF4-FFF2-40B4-BE49-F238E27FC236}">
+                <a16:creationId xmlns:a16="http://schemas.microsoft.com/office/drawing/2014/main" id="{2E4BD116-5653-36B1-14AE-187A07726657}"/>
+              </a:ext>
+            </a:extLst>
+          </p:cNvPr>
+          <p:cNvCxnSpPr>
+            <a:cxnSpLocks/>
+            <a:stCxn id="27" idx="3"/>
+            <a:endCxn id="25" idx="1"/>
+          </p:cNvCxnSpPr>
+          <p:nvPr/>
+        </p:nvCxnSpPr>
+        <p:spPr bwMode="auto">
+          <a:xfrm flipH="1">
+            <a:off x="1215889" y="4291928"/>
+            <a:ext cx="388317" cy="284041"/>
+          </a:xfrm>
+          <a:prstGeom prst="straightConnector1">
+            <a:avLst/>
+          </a:prstGeom>
+          <a:solidFill>
+            <a:schemeClr val="accent1"/>
+          </a:solidFill>
+          <a:ln w="12700" cap="flat" cmpd="sng" algn="ctr">
+            <a:solidFill>
+              <a:schemeClr val="tx1"/>
+            </a:solidFill>
+            <a:prstDash val="solid"/>
+            <a:round/>
+            <a:headEnd type="none" w="sm" len="sm"/>
+            <a:tailEnd type="triangle"/>
+          </a:ln>
+          <a:effectLst/>
+        </p:spPr>
+      </p:cxnSp>
+      <p:sp>
+        <p:nvSpPr>
+          <p:cNvPr id="32" name="Rechteck 31">
+            <a:extLst>
+              <a:ext uri="{FF2B5EF4-FFF2-40B4-BE49-F238E27FC236}">
+                <a16:creationId xmlns:a16="http://schemas.microsoft.com/office/drawing/2014/main" id="{0EE688AC-ACC9-E35D-B162-E98089E72BC7}"/>
+              </a:ext>
+            </a:extLst>
+          </p:cNvPr>
+          <p:cNvSpPr/>
+          <p:nvPr/>
+        </p:nvSpPr>
+        <p:spPr bwMode="auto">
+          <a:xfrm>
+            <a:off x="3481561" y="3642352"/>
+            <a:ext cx="2160240" cy="2160240"/>
+          </a:xfrm>
+          <a:prstGeom prst="rect">
+            <a:avLst/>
+          </a:prstGeom>
+          <a:solidFill>
+            <a:schemeClr val="bg1"/>
+          </a:solidFill>
+          <a:ln w="12700" cap="flat" cmpd="sng" algn="ctr">
+            <a:solidFill>
+              <a:schemeClr val="tx1"/>
+            </a:solidFill>
+            <a:prstDash val="solid"/>
+            <a:round/>
+            <a:headEnd type="none" w="sm" len="sm"/>
+            <a:tailEnd type="none" w="sm" len="sm"/>
+          </a:ln>
+          <a:effectLst/>
+        </p:spPr>
+        <p:txBody>
+          <a:bodyPr vert="horz" wrap="square" lIns="91440" tIns="45720" rIns="91440" bIns="45720" numCol="1" rtlCol="0" anchor="b" anchorCtr="0" compatLnSpc="1">
+            <a:prstTxWarp prst="textNoShape">
+              <a:avLst/>
+            </a:prstTxWarp>
+          </a:bodyPr>
+          <a:lstStyle/>
+          <a:p>
+            <a:pPr marL="0" marR="0" indent="0" algn="l" defTabSz="914400" rtl="0" eaLnBrk="0" fontAlgn="base" latinLnBrk="0" hangingPunct="0">
+              <a:lnSpc>
+                <a:spcPct val="100000"/>
+              </a:lnSpc>
+              <a:spcBef>
+                <a:spcPct val="0"/>
+              </a:spcBef>
+              <a:spcAft>
+                <a:spcPct val="0"/>
+              </a:spcAft>
+              <a:buClrTx/>
+              <a:buSzTx/>
+              <a:buFontTx/>
+              <a:buNone/>
+              <a:tabLst/>
+            </a:pPr>
+            <a:endParaRPr kumimoji="0" lang="de-DE" sz="2400" b="0" i="0" u="none" strike="noStrike" cap="none" normalizeH="0" baseline="0" dirty="0">
+              <a:ln>
+                <a:noFill/>
+              </a:ln>
+              <a:solidFill>
+                <a:schemeClr val="tx1"/>
+              </a:solidFill>
+              <a:effectLst/>
+              <a:latin typeface="+mn-lt"/>
+            </a:endParaRPr>
+          </a:p>
+        </p:txBody>
+      </p:sp>
+      <p:sp>
+        <p:nvSpPr>
+          <p:cNvPr id="33" name="Würfel 32">
+            <a:extLst>
+              <a:ext uri="{FF2B5EF4-FFF2-40B4-BE49-F238E27FC236}">
+                <a16:creationId xmlns:a16="http://schemas.microsoft.com/office/drawing/2014/main" id="{5F2B0679-030D-E48D-0C3D-69A94589EB2B}"/>
+              </a:ext>
+            </a:extLst>
+          </p:cNvPr>
+          <p:cNvSpPr/>
+          <p:nvPr/>
+        </p:nvSpPr>
+        <p:spPr bwMode="auto">
+          <a:xfrm>
+            <a:off x="3769593" y="4362432"/>
+            <a:ext cx="843458" cy="1296135"/>
+          </a:xfrm>
+          <a:prstGeom prst="cube">
+            <a:avLst/>
+          </a:prstGeom>
+          <a:solidFill>
+            <a:schemeClr val="bg1"/>
+          </a:solidFill>
+          <a:ln w="12700" cap="flat" cmpd="sng" algn="ctr">
+            <a:solidFill>
+              <a:schemeClr val="tx1"/>
+            </a:solidFill>
+            <a:prstDash val="solid"/>
+            <a:round/>
+            <a:headEnd type="none" w="sm" len="sm"/>
+            <a:tailEnd type="none" w="sm" len="sm"/>
+          </a:ln>
+          <a:effectLst/>
+        </p:spPr>
+        <p:txBody>
+          <a:bodyPr vert="horz" wrap="square" lIns="91440" tIns="45720" rIns="91440" bIns="45720" numCol="1" rtlCol="0" anchor="ctr" anchorCtr="1" compatLnSpc="1">
+            <a:prstTxWarp prst="textNoShape">
+              <a:avLst/>
+            </a:prstTxWarp>
+          </a:bodyPr>
+          <a:lstStyle/>
+          <a:p>
+            <a:pPr marL="0" marR="0" indent="0" algn="l" defTabSz="914400" rtl="0" eaLnBrk="0" fontAlgn="base" latinLnBrk="0" hangingPunct="0">
+              <a:lnSpc>
+                <a:spcPct val="100000"/>
+              </a:lnSpc>
+              <a:spcBef>
+                <a:spcPct val="0"/>
+              </a:spcBef>
+              <a:spcAft>
+                <a:spcPct val="0"/>
+              </a:spcAft>
+              <a:buClrTx/>
+              <a:buSzTx/>
+              <a:buFontTx/>
+              <a:buNone/>
+              <a:tabLst/>
+            </a:pPr>
+            <a:r>
+              <a:rPr kumimoji="0" lang="de-DE" sz="2400" b="0" i="0" u="none" strike="noStrike" cap="none" normalizeH="0" baseline="0" dirty="0">
+                <a:ln>
+                  <a:noFill/>
+                </a:ln>
+                <a:solidFill>
+                  <a:schemeClr val="tx1"/>
+                </a:solidFill>
+                <a:effectLst/>
+                <a:latin typeface="+mn-lt"/>
+              </a:rPr>
+              <a:t>v1</a:t>
+            </a:r>
+          </a:p>
+        </p:txBody>
+      </p:sp>
+      <p:sp>
+        <p:nvSpPr>
+          <p:cNvPr id="34" name="Würfel 33">
+            <a:extLst>
+              <a:ext uri="{FF2B5EF4-FFF2-40B4-BE49-F238E27FC236}">
+                <a16:creationId xmlns:a16="http://schemas.microsoft.com/office/drawing/2014/main" id="{C5878FD4-F864-5C52-5AAD-53F7209DB3F9}"/>
+              </a:ext>
+            </a:extLst>
+          </p:cNvPr>
+          <p:cNvSpPr/>
+          <p:nvPr/>
+        </p:nvSpPr>
+        <p:spPr bwMode="auto">
+          <a:xfrm>
+            <a:off x="4489673" y="4354057"/>
+            <a:ext cx="843458" cy="1296135"/>
+          </a:xfrm>
+          <a:prstGeom prst="cube">
+            <a:avLst/>
+          </a:prstGeom>
+          <a:solidFill>
+            <a:schemeClr val="accent4">
+              <a:lumMod val="50000"/>
+              <a:lumOff val="50000"/>
+            </a:schemeClr>
+          </a:solidFill>
+          <a:ln w="12700" cap="flat" cmpd="sng" algn="ctr">
+            <a:solidFill>
+              <a:schemeClr val="tx1"/>
+            </a:solidFill>
+            <a:prstDash val="solid"/>
+            <a:round/>
+            <a:headEnd type="none" w="sm" len="sm"/>
+            <a:tailEnd type="none" w="sm" len="sm"/>
+          </a:ln>
+          <a:effectLst/>
+        </p:spPr>
+        <p:txBody>
+          <a:bodyPr vert="horz" wrap="square" lIns="91440" tIns="45720" rIns="91440" bIns="45720" numCol="1" rtlCol="0" anchor="ctr" anchorCtr="1" compatLnSpc="1">
+            <a:prstTxWarp prst="textNoShape">
+              <a:avLst/>
+            </a:prstTxWarp>
+          </a:bodyPr>
+          <a:lstStyle/>
+          <a:p>
+            <a:pPr marL="0" marR="0" indent="0" algn="l" defTabSz="914400" rtl="0" eaLnBrk="0" fontAlgn="base" latinLnBrk="0" hangingPunct="0">
+              <a:lnSpc>
+                <a:spcPct val="100000"/>
+              </a:lnSpc>
+              <a:spcBef>
+                <a:spcPct val="0"/>
+              </a:spcBef>
+              <a:spcAft>
+                <a:spcPct val="0"/>
+              </a:spcAft>
+              <a:buClrTx/>
+              <a:buSzTx/>
+              <a:buFontTx/>
+              <a:buNone/>
+              <a:tabLst/>
+            </a:pPr>
+            <a:r>
+              <a:rPr lang="de-DE" dirty="0">
+                <a:latin typeface="+mn-lt"/>
+              </a:rPr>
+              <a:t>v2</a:t>
+            </a:r>
+            <a:endParaRPr kumimoji="0" lang="de-DE" sz="2400" b="0" i="0" u="none" strike="noStrike" cap="none" normalizeH="0" baseline="0" dirty="0">
+              <a:ln>
+                <a:noFill/>
+              </a:ln>
+              <a:solidFill>
+                <a:schemeClr val="tx1"/>
+              </a:solidFill>
+              <a:effectLst/>
+              <a:latin typeface="+mn-lt"/>
+            </a:endParaRPr>
+          </a:p>
+        </p:txBody>
+      </p:sp>
+      <p:sp>
+        <p:nvSpPr>
+          <p:cNvPr id="35" name="Würfel 34">
+            <a:extLst>
+              <a:ext uri="{FF2B5EF4-FFF2-40B4-BE49-F238E27FC236}">
+                <a16:creationId xmlns:a16="http://schemas.microsoft.com/office/drawing/2014/main" id="{24C43D68-B69D-5E39-90CC-68B572C56C7F}"/>
+              </a:ext>
+            </a:extLst>
+          </p:cNvPr>
+          <p:cNvSpPr/>
+          <p:nvPr/>
+        </p:nvSpPr>
+        <p:spPr bwMode="auto">
+          <a:xfrm>
+            <a:off x="3769593" y="3714360"/>
+            <a:ext cx="1552952" cy="574896"/>
+          </a:xfrm>
+          <a:prstGeom prst="cube">
+            <a:avLst/>
+          </a:prstGeom>
+          <a:solidFill>
+            <a:schemeClr val="bg1"/>
+          </a:solidFill>
+          <a:ln w="12700" cap="flat" cmpd="sng" algn="ctr">
+            <a:solidFill>
+              <a:schemeClr val="tx1"/>
+            </a:solidFill>
+            <a:prstDash val="solid"/>
+            <a:round/>
+            <a:headEnd type="none" w="sm" len="sm"/>
+            <a:tailEnd type="none" w="sm" len="sm"/>
+          </a:ln>
+          <a:effectLst/>
+        </p:spPr>
+        <p:txBody>
+          <a:bodyPr vert="horz" wrap="square" lIns="91440" tIns="45720" rIns="91440" bIns="45720" numCol="1" rtlCol="0" anchor="t" anchorCtr="0" compatLnSpc="1">
+            <a:prstTxWarp prst="textNoShape">
+              <a:avLst/>
+            </a:prstTxWarp>
+          </a:bodyPr>
+          <a:lstStyle/>
+          <a:p>
+            <a:pPr marL="0" marR="0" indent="0" algn="l" defTabSz="914400" rtl="0" eaLnBrk="0" fontAlgn="base" latinLnBrk="0" hangingPunct="0">
+              <a:lnSpc>
+                <a:spcPct val="100000"/>
+              </a:lnSpc>
+              <a:spcBef>
+                <a:spcPct val="0"/>
+              </a:spcBef>
+              <a:spcAft>
+                <a:spcPct val="0"/>
+              </a:spcAft>
+              <a:buClrTx/>
+              <a:buSzTx/>
+              <a:buFontTx/>
+              <a:buNone/>
+              <a:tabLst/>
+            </a:pPr>
+            <a:r>
+              <a:rPr lang="de-DE" dirty="0">
+                <a:latin typeface="+mn-lt"/>
+              </a:rPr>
+              <a:t>Balancer</a:t>
+            </a:r>
+            <a:endParaRPr kumimoji="0" lang="de-DE" sz="2400" b="0" i="0" u="none" strike="noStrike" cap="none" normalizeH="0" baseline="0" dirty="0">
+              <a:ln>
+                <a:noFill/>
+              </a:ln>
+              <a:solidFill>
+                <a:schemeClr val="tx1"/>
+              </a:solidFill>
+              <a:effectLst/>
+              <a:latin typeface="+mn-lt"/>
+            </a:endParaRPr>
+          </a:p>
+        </p:txBody>
+      </p:sp>
+      <p:cxnSp>
+        <p:nvCxnSpPr>
+          <p:cNvPr id="36" name="Gerade Verbindung mit Pfeil 35">
+            <a:extLst>
+              <a:ext uri="{FF2B5EF4-FFF2-40B4-BE49-F238E27FC236}">
+                <a16:creationId xmlns:a16="http://schemas.microsoft.com/office/drawing/2014/main" id="{B9D49564-6AF5-B2E4-DE9B-07DF49117430}"/>
+              </a:ext>
+            </a:extLst>
+          </p:cNvPr>
+          <p:cNvCxnSpPr>
+            <a:cxnSpLocks/>
+            <a:stCxn id="35" idx="3"/>
+            <a:endCxn id="33" idx="1"/>
+          </p:cNvCxnSpPr>
+          <p:nvPr/>
+        </p:nvCxnSpPr>
+        <p:spPr bwMode="auto">
+          <a:xfrm flipH="1">
+            <a:off x="4085890" y="4289256"/>
+            <a:ext cx="388317" cy="284041"/>
+          </a:xfrm>
+          <a:prstGeom prst="straightConnector1">
+            <a:avLst/>
+          </a:prstGeom>
+          <a:solidFill>
+            <a:schemeClr val="accent1"/>
+          </a:solidFill>
+          <a:ln w="12700" cap="flat" cmpd="sng" algn="ctr">
+            <a:solidFill>
+              <a:schemeClr val="tx1"/>
+            </a:solidFill>
+            <a:prstDash val="solid"/>
+            <a:round/>
+            <a:headEnd type="none" w="sm" len="sm"/>
+            <a:tailEnd type="triangle"/>
+          </a:ln>
+          <a:effectLst/>
+        </p:spPr>
+      </p:cxnSp>
+      <p:sp>
+        <p:nvSpPr>
+          <p:cNvPr id="37" name="Rechteck 36">
+            <a:extLst>
+              <a:ext uri="{FF2B5EF4-FFF2-40B4-BE49-F238E27FC236}">
+                <a16:creationId xmlns:a16="http://schemas.microsoft.com/office/drawing/2014/main" id="{C1F0E66E-C8D6-65A4-D7DE-D7FE8C1E9649}"/>
+              </a:ext>
+            </a:extLst>
+          </p:cNvPr>
+          <p:cNvSpPr/>
+          <p:nvPr/>
+        </p:nvSpPr>
+        <p:spPr bwMode="auto">
+          <a:xfrm>
+            <a:off x="6351562" y="3627488"/>
+            <a:ext cx="2160240" cy="2160240"/>
+          </a:xfrm>
+          <a:prstGeom prst="rect">
+            <a:avLst/>
+          </a:prstGeom>
+          <a:solidFill>
+            <a:schemeClr val="bg1"/>
+          </a:solidFill>
+          <a:ln w="12700" cap="flat" cmpd="sng" algn="ctr">
+            <a:solidFill>
+              <a:schemeClr val="tx1"/>
+            </a:solidFill>
+            <a:prstDash val="solid"/>
+            <a:round/>
+            <a:headEnd type="none" w="sm" len="sm"/>
+            <a:tailEnd type="none" w="sm" len="sm"/>
+          </a:ln>
+          <a:effectLst/>
+        </p:spPr>
+        <p:txBody>
+          <a:bodyPr vert="horz" wrap="square" lIns="91440" tIns="45720" rIns="91440" bIns="45720" numCol="1" rtlCol="0" anchor="b" anchorCtr="0" compatLnSpc="1">
+            <a:prstTxWarp prst="textNoShape">
+              <a:avLst/>
+            </a:prstTxWarp>
+          </a:bodyPr>
+          <a:lstStyle/>
+          <a:p>
+            <a:pPr marL="0" marR="0" indent="0" algn="l" defTabSz="914400" rtl="0" eaLnBrk="0" fontAlgn="base" latinLnBrk="0" hangingPunct="0">
+              <a:lnSpc>
+                <a:spcPct val="100000"/>
+              </a:lnSpc>
+              <a:spcBef>
+                <a:spcPct val="0"/>
+              </a:spcBef>
+              <a:spcAft>
+                <a:spcPct val="0"/>
+              </a:spcAft>
+              <a:buClrTx/>
+              <a:buSzTx/>
+              <a:buFontTx/>
+              <a:buNone/>
+              <a:tabLst/>
+            </a:pPr>
+            <a:endParaRPr kumimoji="0" lang="de-DE" sz="2400" b="0" i="0" u="none" strike="noStrike" cap="none" normalizeH="0" baseline="0" dirty="0">
+              <a:ln>
+                <a:noFill/>
+              </a:ln>
+              <a:solidFill>
+                <a:schemeClr val="tx1"/>
+              </a:solidFill>
+              <a:effectLst/>
+              <a:latin typeface="+mn-lt"/>
+            </a:endParaRPr>
+          </a:p>
+        </p:txBody>
+      </p:sp>
+      <p:sp>
+        <p:nvSpPr>
+          <p:cNvPr id="38" name="Würfel 37">
+            <a:extLst>
+              <a:ext uri="{FF2B5EF4-FFF2-40B4-BE49-F238E27FC236}">
+                <a16:creationId xmlns:a16="http://schemas.microsoft.com/office/drawing/2014/main" id="{2AD0A73B-4B6B-E0A2-F779-1BAD8CCE3BF4}"/>
+              </a:ext>
+            </a:extLst>
+          </p:cNvPr>
+          <p:cNvSpPr/>
+          <p:nvPr/>
+        </p:nvSpPr>
+        <p:spPr bwMode="auto">
+          <a:xfrm>
+            <a:off x="6639594" y="4347568"/>
+            <a:ext cx="843458" cy="1296135"/>
+          </a:xfrm>
+          <a:prstGeom prst="cube">
+            <a:avLst/>
+          </a:prstGeom>
+          <a:solidFill>
+            <a:schemeClr val="bg1"/>
+          </a:solidFill>
+          <a:ln w="12700" cap="flat" cmpd="sng" algn="ctr">
+            <a:solidFill>
+              <a:schemeClr val="tx1"/>
+            </a:solidFill>
+            <a:prstDash val="solid"/>
+            <a:round/>
+            <a:headEnd type="none" w="sm" len="sm"/>
+            <a:tailEnd type="none" w="sm" len="sm"/>
+          </a:ln>
+          <a:effectLst/>
+        </p:spPr>
+        <p:txBody>
+          <a:bodyPr vert="horz" wrap="square" lIns="91440" tIns="45720" rIns="91440" bIns="45720" numCol="1" rtlCol="0" anchor="ctr" anchorCtr="1" compatLnSpc="1">
+            <a:prstTxWarp prst="textNoShape">
+              <a:avLst/>
+            </a:prstTxWarp>
+          </a:bodyPr>
+          <a:lstStyle/>
+          <a:p>
+            <a:pPr marL="0" marR="0" indent="0" algn="l" defTabSz="914400" rtl="0" eaLnBrk="0" fontAlgn="base" latinLnBrk="0" hangingPunct="0">
+              <a:lnSpc>
+                <a:spcPct val="100000"/>
+              </a:lnSpc>
+              <a:spcBef>
+                <a:spcPct val="0"/>
+              </a:spcBef>
+              <a:spcAft>
+                <a:spcPct val="0"/>
+              </a:spcAft>
+              <a:buClrTx/>
+              <a:buSzTx/>
+              <a:buFontTx/>
+              <a:buNone/>
+              <a:tabLst/>
+            </a:pPr>
+            <a:r>
+              <a:rPr kumimoji="0" lang="de-DE" sz="2400" b="0" i="0" u="none" strike="noStrike" cap="none" normalizeH="0" baseline="0" dirty="0">
+                <a:ln>
+                  <a:noFill/>
+                </a:ln>
+                <a:solidFill>
+                  <a:schemeClr val="tx1"/>
+                </a:solidFill>
+                <a:effectLst/>
+                <a:latin typeface="+mn-lt"/>
+              </a:rPr>
+              <a:t>v1</a:t>
+            </a:r>
+          </a:p>
+        </p:txBody>
+      </p:sp>
+      <p:sp>
+        <p:nvSpPr>
+          <p:cNvPr id="39" name="Würfel 38">
+            <a:extLst>
+              <a:ext uri="{FF2B5EF4-FFF2-40B4-BE49-F238E27FC236}">
+                <a16:creationId xmlns:a16="http://schemas.microsoft.com/office/drawing/2014/main" id="{E9A84FF0-6B30-67A0-DB8E-466F36A38154}"/>
+              </a:ext>
+            </a:extLst>
+          </p:cNvPr>
+          <p:cNvSpPr/>
+          <p:nvPr/>
+        </p:nvSpPr>
+        <p:spPr bwMode="auto">
+          <a:xfrm>
+            <a:off x="7359674" y="4339193"/>
+            <a:ext cx="843458" cy="1296135"/>
+          </a:xfrm>
+          <a:prstGeom prst="cube">
+            <a:avLst/>
+          </a:prstGeom>
+          <a:solidFill>
+            <a:schemeClr val="accent4">
+              <a:lumMod val="50000"/>
+              <a:lumOff val="50000"/>
+            </a:schemeClr>
+          </a:solidFill>
+          <a:ln w="12700" cap="flat" cmpd="sng" algn="ctr">
+            <a:solidFill>
+              <a:schemeClr val="tx1"/>
+            </a:solidFill>
+            <a:prstDash val="solid"/>
+            <a:round/>
+            <a:headEnd type="none" w="sm" len="sm"/>
+            <a:tailEnd type="none" w="sm" len="sm"/>
+          </a:ln>
+          <a:effectLst/>
+        </p:spPr>
+        <p:txBody>
+          <a:bodyPr vert="horz" wrap="square" lIns="91440" tIns="45720" rIns="91440" bIns="45720" numCol="1" rtlCol="0" anchor="ctr" anchorCtr="1" compatLnSpc="1">
+            <a:prstTxWarp prst="textNoShape">
+              <a:avLst/>
+            </a:prstTxWarp>
+          </a:bodyPr>
+          <a:lstStyle/>
+          <a:p>
+            <a:pPr marL="0" marR="0" indent="0" algn="l" defTabSz="914400" rtl="0" eaLnBrk="0" fontAlgn="base" latinLnBrk="0" hangingPunct="0">
+              <a:lnSpc>
+                <a:spcPct val="100000"/>
+              </a:lnSpc>
+              <a:spcBef>
+                <a:spcPct val="0"/>
+              </a:spcBef>
+              <a:spcAft>
+                <a:spcPct val="0"/>
+              </a:spcAft>
+              <a:buClrTx/>
+              <a:buSzTx/>
+              <a:buFontTx/>
+              <a:buNone/>
+              <a:tabLst/>
+            </a:pPr>
+            <a:r>
+              <a:rPr lang="de-DE" dirty="0">
+                <a:latin typeface="+mn-lt"/>
+              </a:rPr>
+              <a:t>v2</a:t>
+            </a:r>
+            <a:endParaRPr kumimoji="0" lang="de-DE" sz="2400" b="0" i="0" u="none" strike="noStrike" cap="none" normalizeH="0" baseline="0" dirty="0">
+              <a:ln>
+                <a:noFill/>
+              </a:ln>
+              <a:solidFill>
+                <a:schemeClr val="tx1"/>
+              </a:solidFill>
+              <a:effectLst/>
+              <a:latin typeface="+mn-lt"/>
+            </a:endParaRPr>
+          </a:p>
+        </p:txBody>
+      </p:sp>
+      <p:sp>
+        <p:nvSpPr>
+          <p:cNvPr id="40" name="Würfel 39">
+            <a:extLst>
+              <a:ext uri="{FF2B5EF4-FFF2-40B4-BE49-F238E27FC236}">
+                <a16:creationId xmlns:a16="http://schemas.microsoft.com/office/drawing/2014/main" id="{302B8E49-5E28-90CB-BCB2-FB0385874CC6}"/>
+              </a:ext>
+            </a:extLst>
+          </p:cNvPr>
+          <p:cNvSpPr/>
+          <p:nvPr/>
+        </p:nvSpPr>
+        <p:spPr bwMode="auto">
+          <a:xfrm>
+            <a:off x="6639594" y="3699496"/>
+            <a:ext cx="1552952" cy="574896"/>
+          </a:xfrm>
+          <a:prstGeom prst="cube">
+            <a:avLst/>
+          </a:prstGeom>
+          <a:solidFill>
+            <a:schemeClr val="bg1"/>
+          </a:solidFill>
+          <a:ln w="12700" cap="flat" cmpd="sng" algn="ctr">
+            <a:solidFill>
+              <a:schemeClr val="tx1"/>
+            </a:solidFill>
+            <a:prstDash val="solid"/>
+            <a:round/>
+            <a:headEnd type="none" w="sm" len="sm"/>
+            <a:tailEnd type="none" w="sm" len="sm"/>
+          </a:ln>
+          <a:effectLst/>
+        </p:spPr>
+        <p:txBody>
+          <a:bodyPr vert="horz" wrap="square" lIns="91440" tIns="45720" rIns="91440" bIns="45720" numCol="1" rtlCol="0" anchor="t" anchorCtr="0" compatLnSpc="1">
+            <a:prstTxWarp prst="textNoShape">
+              <a:avLst/>
+            </a:prstTxWarp>
+          </a:bodyPr>
+          <a:lstStyle/>
+          <a:p>
+            <a:pPr marL="0" marR="0" indent="0" algn="l" defTabSz="914400" rtl="0" eaLnBrk="0" fontAlgn="base" latinLnBrk="0" hangingPunct="0">
+              <a:lnSpc>
+                <a:spcPct val="100000"/>
+              </a:lnSpc>
+              <a:spcBef>
+                <a:spcPct val="0"/>
+              </a:spcBef>
+              <a:spcAft>
+                <a:spcPct val="0"/>
+              </a:spcAft>
+              <a:buClrTx/>
+              <a:buSzTx/>
+              <a:buFontTx/>
+              <a:buNone/>
+              <a:tabLst/>
+            </a:pPr>
+            <a:r>
+              <a:rPr lang="de-DE" dirty="0">
+                <a:latin typeface="+mn-lt"/>
+              </a:rPr>
+              <a:t>Balancer</a:t>
+            </a:r>
+            <a:endParaRPr kumimoji="0" lang="de-DE" sz="2400" b="0" i="0" u="none" strike="noStrike" cap="none" normalizeH="0" baseline="0" dirty="0">
+              <a:ln>
+                <a:noFill/>
+              </a:ln>
+              <a:solidFill>
+                <a:schemeClr val="tx1"/>
+              </a:solidFill>
+              <a:effectLst/>
+              <a:latin typeface="+mn-lt"/>
+            </a:endParaRPr>
+          </a:p>
+        </p:txBody>
+      </p:sp>
+      <p:cxnSp>
+        <p:nvCxnSpPr>
+          <p:cNvPr id="41" name="Gerade Verbindung mit Pfeil 40">
+            <a:extLst>
+              <a:ext uri="{FF2B5EF4-FFF2-40B4-BE49-F238E27FC236}">
+                <a16:creationId xmlns:a16="http://schemas.microsoft.com/office/drawing/2014/main" id="{7E10CAC2-B54F-BBE2-BE39-E0349FAF7087}"/>
+              </a:ext>
+            </a:extLst>
+          </p:cNvPr>
+          <p:cNvCxnSpPr>
+            <a:cxnSpLocks/>
+            <a:stCxn id="40" idx="3"/>
+            <a:endCxn id="38" idx="1"/>
+          </p:cNvCxnSpPr>
+          <p:nvPr/>
+        </p:nvCxnSpPr>
+        <p:spPr bwMode="auto">
+          <a:xfrm flipH="1">
+            <a:off x="6955891" y="4274392"/>
+            <a:ext cx="388317" cy="284041"/>
+          </a:xfrm>
+          <a:prstGeom prst="straightConnector1">
+            <a:avLst/>
+          </a:prstGeom>
+          <a:solidFill>
+            <a:schemeClr val="accent1"/>
+          </a:solidFill>
+          <a:ln w="12700" cap="flat" cmpd="sng" algn="ctr">
+            <a:solidFill>
+              <a:schemeClr val="tx1"/>
+            </a:solidFill>
+            <a:prstDash val="solid"/>
+            <a:round/>
+            <a:headEnd type="none" w="sm" len="sm"/>
+            <a:tailEnd type="triangle"/>
+          </a:ln>
+          <a:effectLst/>
+        </p:spPr>
+      </p:cxnSp>
+      <p:cxnSp>
+        <p:nvCxnSpPr>
+          <p:cNvPr id="8" name="Gerade Verbindung mit Pfeil 7">
+            <a:extLst>
+              <a:ext uri="{FF2B5EF4-FFF2-40B4-BE49-F238E27FC236}">
+                <a16:creationId xmlns:a16="http://schemas.microsoft.com/office/drawing/2014/main" id="{089D9445-653F-ED31-094F-D5C4DF0B86C9}"/>
+              </a:ext>
+            </a:extLst>
+          </p:cNvPr>
+          <p:cNvCxnSpPr>
+            <a:cxnSpLocks/>
+            <a:stCxn id="40" idx="3"/>
+            <a:endCxn id="39" idx="1"/>
+          </p:cNvCxnSpPr>
+          <p:nvPr/>
+        </p:nvCxnSpPr>
+        <p:spPr bwMode="auto">
+          <a:xfrm>
+            <a:off x="7344208" y="4274392"/>
+            <a:ext cx="331763" cy="275666"/>
+          </a:xfrm>
+          <a:prstGeom prst="straightConnector1">
+            <a:avLst/>
+          </a:prstGeom>
+          <a:solidFill>
+            <a:schemeClr val="accent1"/>
+          </a:solidFill>
+          <a:ln w="12700" cap="flat" cmpd="sng" algn="ctr">
+            <a:solidFill>
+              <a:schemeClr val="tx1"/>
+            </a:solidFill>
+            <a:prstDash val="lgDash"/>
+            <a:round/>
+            <a:headEnd type="none" w="sm" len="sm"/>
+            <a:tailEnd type="triangle"/>
+          </a:ln>
+          <a:effectLst/>
+        </p:spPr>
+      </p:cxnSp>
+    </p:spTree>
+    <p:extLst>
+      <p:ext uri="{BB962C8B-B14F-4D97-AF65-F5344CB8AC3E}">
+        <p14:creationId xmlns:p14="http://schemas.microsoft.com/office/powerpoint/2010/main" val="3964005556"/>
+      </p:ext>
+    </p:extLst>
+  </p:cSld>
+  <p:clrMapOvr>
+    <a:masterClrMapping/>
+  </p:clrMapOvr>
+</p:sld>
+</file>
+
+<file path=ppt/slides/slide12.xml><?xml version="1.0" encoding="utf-8"?>
+<p:sld xmlns:a="http://schemas.openxmlformats.org/drawingml/2006/main" xmlns:r="http://schemas.openxmlformats.org/officeDocument/2006/relationships" xmlns:p="http://schemas.openxmlformats.org/presentationml/2006/main">
+  <p:cSld>
+    <p:spTree>
+      <p:nvGrpSpPr>
+        <p:cNvPr id="1" name=""/>
+        <p:cNvGrpSpPr/>
+        <p:nvPr/>
+      </p:nvGrpSpPr>
+      <p:grpSpPr>
+        <a:xfrm>
+          <a:off x="0" y="0"/>
+          <a:ext cx="0" cy="0"/>
+          <a:chOff x="0" y="0"/>
+          <a:chExt cx="0" cy="0"/>
+        </a:xfrm>
+      </p:grpSpPr>
+      <p:sp>
+        <p:nvSpPr>
+          <p:cNvPr id="2" name="Titel 1">
+            <a:extLst>
+              <a:ext uri="{FF2B5EF4-FFF2-40B4-BE49-F238E27FC236}">
+                <a16:creationId xmlns:a16="http://schemas.microsoft.com/office/drawing/2014/main" id="{D99BAD01-A920-7F80-9D35-9B44F14A75EF}"/>
+              </a:ext>
+            </a:extLst>
+          </p:cNvPr>
+          <p:cNvSpPr>
+            <a:spLocks noGrp="1"/>
+          </p:cNvSpPr>
+          <p:nvPr>
+            <p:ph type="title"/>
+          </p:nvPr>
+        </p:nvSpPr>
+        <p:spPr/>
+        <p:txBody>
+          <a:bodyPr/>
+          <a:lstStyle/>
+          <a:p>
+            <a:r>
+              <a:rPr lang="en-US" altLang="de-DE" dirty="0" err="1"/>
+              <a:t>Deplo</a:t>
+            </a:r>
+            <a:r>
+              <a:rPr lang="de-DE" altLang="de-DE" dirty="0" err="1"/>
+              <a:t>yment</a:t>
+            </a:r>
+            <a:endParaRPr lang="de-DE" dirty="0"/>
+          </a:p>
+        </p:txBody>
+      </p:sp>
+      <p:sp>
+        <p:nvSpPr>
+          <p:cNvPr id="5" name="Textfeld 4">
+            <a:extLst>
+              <a:ext uri="{FF2B5EF4-FFF2-40B4-BE49-F238E27FC236}">
+                <a16:creationId xmlns:a16="http://schemas.microsoft.com/office/drawing/2014/main" id="{B391B747-BBA4-21F1-3683-E6C2DC8AA3C6}"/>
+              </a:ext>
+            </a:extLst>
+          </p:cNvPr>
+          <p:cNvSpPr txBox="1"/>
+          <p:nvPr/>
+        </p:nvSpPr>
+        <p:spPr bwMode="auto">
+          <a:xfrm>
+            <a:off x="330324" y="1079972"/>
+            <a:ext cx="8462714" cy="584775"/>
+          </a:xfrm>
+          <a:prstGeom prst="rect">
+            <a:avLst/>
+          </a:prstGeom>
+          <a:noFill/>
+          <a:ln w="9525">
+            <a:noFill/>
+            <a:miter lim="800000"/>
+            <a:headEnd/>
+            <a:tailEnd/>
+          </a:ln>
+        </p:spPr>
+        <p:txBody>
+          <a:bodyPr wrap="square" rtlCol="0" anchor="ctr">
+            <a:spAutoFit/>
+          </a:bodyPr>
+          <a:lstStyle/>
+          <a:p>
+            <a:pPr algn="ctr" eaLnBrk="1" hangingPunct="1"/>
+            <a:r>
+              <a:rPr lang="de-DE" sz="3200" dirty="0">
+                <a:latin typeface="+mj-lt"/>
+              </a:rPr>
+              <a:t>Vor und Nachteile</a:t>
+            </a:r>
+          </a:p>
+        </p:txBody>
+      </p:sp>
+      <p:sp>
+        <p:nvSpPr>
+          <p:cNvPr id="3" name="Inhaltsplatzhalter 2">
+            <a:extLst>
+              <a:ext uri="{FF2B5EF4-FFF2-40B4-BE49-F238E27FC236}">
+                <a16:creationId xmlns:a16="http://schemas.microsoft.com/office/drawing/2014/main" id="{B3231207-F7BC-F792-92B9-48E8C8E01816}"/>
+              </a:ext>
+            </a:extLst>
+          </p:cNvPr>
+          <p:cNvSpPr>
+            <a:spLocks noGrp="1"/>
+          </p:cNvSpPr>
+          <p:nvPr>
+            <p:ph idx="1"/>
+          </p:nvPr>
+        </p:nvSpPr>
+        <p:spPr>
+          <a:xfrm>
+            <a:off x="683568" y="1988840"/>
+            <a:ext cx="3764731" cy="3960440"/>
+          </a:xfrm>
+        </p:spPr>
+        <p:txBody>
+          <a:bodyPr/>
+          <a:lstStyle/>
+          <a:p>
+            <a:pPr>
+              <a:buFont typeface="Arial" panose="020B0604020202020204" pitchFamily="34" charset="0"/>
+              <a:buChar char="•"/>
+            </a:pPr>
+            <a:r>
+              <a:rPr lang="de-DE" altLang="de-DE" dirty="0"/>
+              <a:t>Keine Downtime</a:t>
+            </a:r>
+          </a:p>
+          <a:p>
+            <a:pPr>
+              <a:buFont typeface="Arial" panose="020B0604020202020204" pitchFamily="34" charset="0"/>
+              <a:buChar char="•"/>
+            </a:pPr>
+            <a:r>
+              <a:rPr lang="de-DE" altLang="de-DE" dirty="0"/>
+              <a:t>Kein Rollback nötig</a:t>
+            </a:r>
+          </a:p>
+          <a:p>
+            <a:pPr>
+              <a:buFont typeface="Arial" panose="020B0604020202020204" pitchFamily="34" charset="0"/>
+              <a:buChar char="•"/>
+            </a:pPr>
+            <a:r>
+              <a:rPr lang="de-DE" altLang="de-DE" dirty="0"/>
+              <a:t>Test unter Volllast</a:t>
+            </a:r>
+          </a:p>
+        </p:txBody>
+      </p:sp>
+      <p:sp>
+        <p:nvSpPr>
+          <p:cNvPr id="4" name="Inhaltsplatzhalter 2">
+            <a:extLst>
+              <a:ext uri="{FF2B5EF4-FFF2-40B4-BE49-F238E27FC236}">
+                <a16:creationId xmlns:a16="http://schemas.microsoft.com/office/drawing/2014/main" id="{0EDA6666-E721-7B60-2CB5-59117D00AFAA}"/>
+              </a:ext>
+            </a:extLst>
+          </p:cNvPr>
+          <p:cNvSpPr txBox="1">
+            <a:spLocks/>
+          </p:cNvSpPr>
+          <p:nvPr/>
+        </p:nvSpPr>
+        <p:spPr bwMode="auto">
+          <a:xfrm>
+            <a:off x="4693773" y="1988840"/>
+            <a:ext cx="3764731" cy="3960440"/>
+          </a:xfrm>
+          <a:prstGeom prst="rect">
+            <a:avLst/>
+          </a:prstGeom>
+          <a:noFill/>
+          <a:ln>
+            <a:noFill/>
+          </a:ln>
+          <a:extLst>
+            <a:ext uri="{909E8E84-426E-40DD-AFC4-6F175D3DCCD1}">
+              <a14:hiddenFill xmlns:a14="http://schemas.microsoft.com/office/drawing/2010/main">
+                <a:solidFill>
+                  <a:srgbClr val="FFFFFF"/>
+                </a:solidFill>
+              </a14:hiddenFill>
+            </a:ext>
+            <a:ext uri="{91240B29-F687-4F45-9708-019B960494DF}">
+              <a14:hiddenLine xmlns:a14="http://schemas.microsoft.com/office/drawing/2010/main" w="9525">
+                <a:solidFill>
+                  <a:srgbClr val="000000"/>
+                </a:solidFill>
+                <a:miter lim="800000"/>
+                <a:headEnd/>
+                <a:tailEnd/>
+              </a14:hiddenLine>
+            </a:ext>
+          </a:extLst>
+        </p:spPr>
+        <p:txBody>
+          <a:bodyPr vert="horz" wrap="square" lIns="92075" tIns="46038" rIns="92075" bIns="46038" numCol="1" anchor="t" anchorCtr="0" compatLnSpc="1">
+            <a:prstTxWarp prst="textNoShape">
+              <a:avLst/>
+            </a:prstTxWarp>
+          </a:bodyPr>
+          <a:lstStyle>
+            <a:lvl1pPr marL="342900" indent="-342900" algn="l" rtl="0" eaLnBrk="1" fontAlgn="base" hangingPunct="1">
+              <a:spcBef>
+                <a:spcPct val="20000"/>
+              </a:spcBef>
+              <a:spcAft>
+                <a:spcPct val="0"/>
+              </a:spcAft>
+              <a:buClr>
+                <a:srgbClr val="008C5A"/>
+              </a:buClr>
+              <a:buFont typeface="Monotype Sorts" pitchFamily="2" charset="2"/>
+              <a:buChar char="l"/>
+              <a:defRPr sz="2400">
+                <a:solidFill>
+                  <a:schemeClr val="tx1"/>
+                </a:solidFill>
+                <a:latin typeface="+mn-lt"/>
+                <a:ea typeface="+mn-ea"/>
+                <a:cs typeface="+mn-cs"/>
+              </a:defRPr>
+            </a:lvl1pPr>
+            <a:lvl2pPr marL="742950" indent="-285750" algn="l" rtl="0" eaLnBrk="1" fontAlgn="base" hangingPunct="1">
+              <a:spcBef>
+                <a:spcPct val="20000"/>
+              </a:spcBef>
+              <a:spcAft>
+                <a:spcPct val="0"/>
+              </a:spcAft>
+              <a:buClr>
+                <a:srgbClr val="008C5A"/>
+              </a:buClr>
+              <a:buFont typeface="Monotype Sorts" pitchFamily="2" charset="2"/>
+              <a:buChar char="l"/>
+              <a:defRPr sz="2000">
+                <a:solidFill>
+                  <a:schemeClr val="tx1"/>
+                </a:solidFill>
+                <a:latin typeface="+mn-lt"/>
+              </a:defRPr>
+            </a:lvl2pPr>
+            <a:lvl3pPr marL="1143000" indent="-228600" algn="l" rtl="0" eaLnBrk="1" fontAlgn="base" hangingPunct="1">
+              <a:spcBef>
+                <a:spcPct val="20000"/>
+              </a:spcBef>
+              <a:spcAft>
+                <a:spcPct val="0"/>
+              </a:spcAft>
+              <a:buClr>
+                <a:srgbClr val="008C5A"/>
+              </a:buClr>
+              <a:buFont typeface="Monotype Sorts" pitchFamily="2" charset="2"/>
+              <a:buChar char="l"/>
+              <a:defRPr sz="2400">
+                <a:solidFill>
+                  <a:schemeClr val="tx1"/>
+                </a:solidFill>
+                <a:latin typeface="+mn-lt"/>
+              </a:defRPr>
+            </a:lvl3pPr>
+            <a:lvl4pPr marL="1562100" indent="-228600" algn="l" rtl="0" eaLnBrk="1" fontAlgn="base" hangingPunct="1">
+              <a:spcBef>
+                <a:spcPct val="20000"/>
+              </a:spcBef>
+              <a:spcAft>
+                <a:spcPct val="0"/>
+              </a:spcAft>
+              <a:buClr>
+                <a:srgbClr val="008C5A"/>
+              </a:buClr>
+              <a:buFont typeface="Monotype Sorts" pitchFamily="2" charset="2"/>
+              <a:buChar char="l"/>
+              <a:defRPr sz="1600">
+                <a:solidFill>
+                  <a:schemeClr val="tx1"/>
+                </a:solidFill>
+                <a:latin typeface="+mn-lt"/>
+              </a:defRPr>
+            </a:lvl4pPr>
+            <a:lvl5pPr marL="1981200" indent="-228600" algn="l" rtl="0" eaLnBrk="1" fontAlgn="base" hangingPunct="1">
+              <a:spcBef>
+                <a:spcPct val="20000"/>
+              </a:spcBef>
+              <a:spcAft>
+                <a:spcPct val="0"/>
+              </a:spcAft>
+              <a:buClr>
+                <a:srgbClr val="008C5A"/>
+              </a:buClr>
+              <a:buFont typeface="Monotype Sorts" pitchFamily="2" charset="2"/>
+              <a:buChar char="l"/>
+              <a:defRPr sz="1600">
+                <a:solidFill>
+                  <a:schemeClr val="tx1"/>
+                </a:solidFill>
+                <a:latin typeface="+mn-lt"/>
+              </a:defRPr>
+            </a:lvl5pPr>
+            <a:lvl6pPr marL="2438400" indent="-228600" algn="l" rtl="0" eaLnBrk="1" fontAlgn="base" hangingPunct="1">
+              <a:spcBef>
+                <a:spcPct val="20000"/>
+              </a:spcBef>
+              <a:spcAft>
+                <a:spcPct val="0"/>
+              </a:spcAft>
+              <a:buClr>
+                <a:srgbClr val="008C5A"/>
+              </a:buClr>
+              <a:buFont typeface="Monotype Sorts" pitchFamily="2" charset="2"/>
+              <a:buChar char="l"/>
+              <a:defRPr sz="1600">
+                <a:solidFill>
+                  <a:schemeClr val="tx1"/>
+                </a:solidFill>
+                <a:latin typeface="+mn-lt"/>
+              </a:defRPr>
+            </a:lvl6pPr>
+            <a:lvl7pPr marL="2895600" indent="-228600" algn="l" rtl="0" eaLnBrk="1" fontAlgn="base" hangingPunct="1">
+              <a:spcBef>
+                <a:spcPct val="20000"/>
+              </a:spcBef>
+              <a:spcAft>
+                <a:spcPct val="0"/>
+              </a:spcAft>
+              <a:buClr>
+                <a:srgbClr val="008C5A"/>
+              </a:buClr>
+              <a:buFont typeface="Monotype Sorts" pitchFamily="2" charset="2"/>
+              <a:buChar char="l"/>
+              <a:defRPr sz="1600">
+                <a:solidFill>
+                  <a:schemeClr val="tx1"/>
+                </a:solidFill>
+                <a:latin typeface="+mn-lt"/>
+              </a:defRPr>
+            </a:lvl7pPr>
+            <a:lvl8pPr marL="3352800" indent="-228600" algn="l" rtl="0" eaLnBrk="1" fontAlgn="base" hangingPunct="1">
+              <a:spcBef>
+                <a:spcPct val="20000"/>
+              </a:spcBef>
+              <a:spcAft>
+                <a:spcPct val="0"/>
+              </a:spcAft>
+              <a:buClr>
+                <a:srgbClr val="008C5A"/>
+              </a:buClr>
+              <a:buFont typeface="Monotype Sorts" pitchFamily="2" charset="2"/>
+              <a:buChar char="l"/>
+              <a:defRPr sz="1600">
+                <a:solidFill>
+                  <a:schemeClr val="tx1"/>
+                </a:solidFill>
+                <a:latin typeface="+mn-lt"/>
+              </a:defRPr>
+            </a:lvl8pPr>
+            <a:lvl9pPr marL="3810000" indent="-228600" algn="l" rtl="0" eaLnBrk="1" fontAlgn="base" hangingPunct="1">
+              <a:spcBef>
+                <a:spcPct val="20000"/>
+              </a:spcBef>
+              <a:spcAft>
+                <a:spcPct val="0"/>
+              </a:spcAft>
+              <a:buClr>
+                <a:srgbClr val="008C5A"/>
+              </a:buClr>
+              <a:buFont typeface="Monotype Sorts" pitchFamily="2" charset="2"/>
+              <a:buChar char="l"/>
+              <a:defRPr sz="1600">
+                <a:solidFill>
+                  <a:schemeClr val="tx1"/>
+                </a:solidFill>
+                <a:latin typeface="+mn-lt"/>
+              </a:defRPr>
+            </a:lvl9pPr>
+          </a:lstStyle>
+          <a:p>
+            <a:pPr>
+              <a:buFont typeface="Arial" panose="020B0604020202020204" pitchFamily="34" charset="0"/>
+              <a:buChar char="•"/>
+            </a:pPr>
+            <a:r>
+              <a:rPr lang="de-DE" altLang="de-DE" kern="0" dirty="0"/>
+              <a:t>Aufwändige Implementierung</a:t>
+            </a:r>
+          </a:p>
+          <a:p>
+            <a:pPr>
+              <a:buFont typeface="Arial" panose="020B0604020202020204" pitchFamily="34" charset="0"/>
+              <a:buChar char="•"/>
+            </a:pPr>
+            <a:r>
+              <a:rPr lang="de-DE" altLang="de-DE" kern="0" dirty="0"/>
+              <a:t>Teuer</a:t>
+            </a:r>
+          </a:p>
+          <a:p>
+            <a:pPr>
+              <a:buFont typeface="Arial" panose="020B0604020202020204" pitchFamily="34" charset="0"/>
+              <a:buChar char="•"/>
+            </a:pPr>
+            <a:r>
+              <a:rPr lang="de-DE" altLang="de-DE" kern="0" dirty="0"/>
+              <a:t>Nur Test kein Update</a:t>
+            </a:r>
+          </a:p>
+        </p:txBody>
+      </p:sp>
+    </p:spTree>
+    <p:extLst>
+      <p:ext uri="{BB962C8B-B14F-4D97-AF65-F5344CB8AC3E}">
+        <p14:creationId xmlns:p14="http://schemas.microsoft.com/office/powerpoint/2010/main" val="118415372"/>
+      </p:ext>
+    </p:extLst>
+  </p:cSld>
+  <p:clrMapOvr>
+    <a:masterClrMapping/>
+  </p:clrMapOvr>
+</p:sld>
+</file>
+
 <file path=ppt/slides/slide2.xml><?xml version="1.0" encoding="utf-8"?>
 <p:sld xmlns:a="http://schemas.openxmlformats.org/drawingml/2006/main" xmlns:r="http://schemas.openxmlformats.org/officeDocument/2006/relationships" xmlns:p="http://schemas.openxmlformats.org/presentationml/2006/main">
   <p:cSld>
@@ -3392,7 +5563,7 @@
         <p:spPr>
           <a:xfrm>
             <a:off x="303213" y="1916832"/>
-            <a:ext cx="8516937" cy="1944216"/>
+            <a:ext cx="8516937" cy="1413470"/>
           </a:xfrm>
         </p:spPr>
         <p:txBody>
@@ -3415,21 +5586,8 @@
             </a:pPr>
             <a:r>
               <a:rPr lang="de-DE" altLang="de-DE" dirty="0"/>
-              <a:t>Verschiedene </a:t>
-            </a:r>
-            <a:r>
-              <a:rPr lang="de-DE" altLang="de-DE" dirty="0" err="1"/>
-              <a:t>Deployments</a:t>
-            </a:r>
-            <a:r>
-              <a:rPr lang="de-DE" altLang="de-DE" dirty="0"/>
-              <a:t> für Verschiedene </a:t>
-            </a:r>
-            <a:r>
-              <a:rPr lang="de-DE" altLang="de-DE" dirty="0" err="1"/>
-              <a:t>Branches</a:t>
-            </a:r>
-            <a:endParaRPr lang="de-DE" altLang="de-DE" dirty="0"/>
+              <a:t>Viele Strategien möglich</a:t>
+            </a:r>
           </a:p>
           <a:p>
             <a:pPr>
@@ -3438,7 +5596,7 @@
             </a:pPr>
             <a:r>
               <a:rPr lang="de-DE" altLang="de-DE" dirty="0"/>
-              <a:t>Testumgebungen</a:t>
+              <a:t>Fast jeder Workflow</a:t>
             </a:r>
           </a:p>
         </p:txBody>
@@ -3508,6 +5666,572 @@
           </a:p>
         </p:txBody>
       </p:sp>
+      <p:pic>
+        <p:nvPicPr>
+          <p:cNvPr id="6" name="Grafik 5" descr="Ein Bild, das orange, Farbigkeit, Grafiken, Design enthält.&#10;&#10;Automatisch generierte Beschreibung">
+            <a:extLst>
+              <a:ext uri="{FF2B5EF4-FFF2-40B4-BE49-F238E27FC236}">
+                <a16:creationId xmlns:a16="http://schemas.microsoft.com/office/drawing/2014/main" id="{09B460AA-8416-EF11-DF58-05447E05C06C}"/>
+              </a:ext>
+            </a:extLst>
+          </p:cNvPr>
+          <p:cNvPicPr>
+            <a:picLocks noChangeAspect="1"/>
+          </p:cNvPicPr>
+          <p:nvPr/>
+        </p:nvPicPr>
+        <p:blipFill>
+          <a:blip r:embed="rId2">
+            <a:extLst>
+              <a:ext uri="{28A0092B-C50C-407E-A947-70E740481C1C}">
+                <a14:useLocalDpi xmlns:a14="http://schemas.microsoft.com/office/drawing/2010/main" val="0"/>
+              </a:ext>
+            </a:extLst>
+          </a:blip>
+          <a:stretch>
+            <a:fillRect/>
+          </a:stretch>
+        </p:blipFill>
+        <p:spPr>
+          <a:xfrm>
+            <a:off x="270423" y="4338413"/>
+            <a:ext cx="2141337" cy="1970908"/>
+          </a:xfrm>
+          <a:prstGeom prst="rect">
+            <a:avLst/>
+          </a:prstGeom>
+        </p:spPr>
+      </p:pic>
+      <p:sp>
+        <p:nvSpPr>
+          <p:cNvPr id="7" name="Rechteck 6">
+            <a:extLst>
+              <a:ext uri="{FF2B5EF4-FFF2-40B4-BE49-F238E27FC236}">
+                <a16:creationId xmlns:a16="http://schemas.microsoft.com/office/drawing/2014/main" id="{D9353851-BD7E-BB38-45C9-46693F661B5D}"/>
+              </a:ext>
+            </a:extLst>
+          </p:cNvPr>
+          <p:cNvSpPr/>
+          <p:nvPr/>
+        </p:nvSpPr>
+        <p:spPr bwMode="auto">
+          <a:xfrm>
+            <a:off x="3851920" y="4149080"/>
+            <a:ext cx="2141337" cy="2160241"/>
+          </a:xfrm>
+          <a:prstGeom prst="rect">
+            <a:avLst/>
+          </a:prstGeom>
+          <a:solidFill>
+            <a:schemeClr val="bg1"/>
+          </a:solidFill>
+          <a:ln w="12700" cap="flat" cmpd="sng" algn="ctr">
+            <a:solidFill>
+              <a:schemeClr val="tx1"/>
+            </a:solidFill>
+            <a:prstDash val="solid"/>
+            <a:round/>
+            <a:headEnd type="none" w="sm" len="sm"/>
+            <a:tailEnd type="none" w="sm" len="sm"/>
+          </a:ln>
+          <a:effectLst/>
+        </p:spPr>
+        <p:txBody>
+          <a:bodyPr vert="horz" wrap="square" lIns="91440" tIns="45720" rIns="91440" bIns="45720" numCol="1" rtlCol="0" anchor="t" anchorCtr="0" compatLnSpc="1">
+            <a:prstTxWarp prst="textNoShape">
+              <a:avLst/>
+            </a:prstTxWarp>
+          </a:bodyPr>
+          <a:lstStyle/>
+          <a:p>
+            <a:pPr marL="0" marR="0" indent="0" algn="l" defTabSz="914400" rtl="0" eaLnBrk="0" fontAlgn="base" latinLnBrk="0" hangingPunct="0">
+              <a:lnSpc>
+                <a:spcPct val="100000"/>
+              </a:lnSpc>
+              <a:spcBef>
+                <a:spcPct val="0"/>
+              </a:spcBef>
+              <a:spcAft>
+                <a:spcPct val="0"/>
+              </a:spcAft>
+              <a:buClrTx/>
+              <a:buSzTx/>
+              <a:buFontTx/>
+              <a:buNone/>
+              <a:tabLst/>
+            </a:pPr>
+            <a:endParaRPr kumimoji="0" lang="de-DE" sz="2400" b="0" i="0" u="none" strike="noStrike" cap="none" normalizeH="0" baseline="0">
+              <a:ln>
+                <a:noFill/>
+              </a:ln>
+              <a:solidFill>
+                <a:schemeClr val="tx1"/>
+              </a:solidFill>
+              <a:effectLst/>
+              <a:latin typeface="Times New Roman" pitchFamily="18" charset="0"/>
+            </a:endParaRPr>
+          </a:p>
+        </p:txBody>
+      </p:sp>
+      <p:sp>
+        <p:nvSpPr>
+          <p:cNvPr id="8" name="Rechteck 7">
+            <a:extLst>
+              <a:ext uri="{FF2B5EF4-FFF2-40B4-BE49-F238E27FC236}">
+                <a16:creationId xmlns:a16="http://schemas.microsoft.com/office/drawing/2014/main" id="{4E7ED0FB-7EC8-6741-99AB-D566CC75B799}"/>
+              </a:ext>
+            </a:extLst>
+          </p:cNvPr>
+          <p:cNvSpPr/>
+          <p:nvPr/>
+        </p:nvSpPr>
+        <p:spPr bwMode="auto">
+          <a:xfrm>
+            <a:off x="3995936" y="4293097"/>
+            <a:ext cx="1844477" cy="864095"/>
+          </a:xfrm>
+          <a:prstGeom prst="rect">
+            <a:avLst/>
+          </a:prstGeom>
+          <a:solidFill>
+            <a:schemeClr val="accent1"/>
+          </a:solidFill>
+          <a:ln w="12700" cap="flat" cmpd="sng" algn="ctr">
+            <a:solidFill>
+              <a:schemeClr val="tx1"/>
+            </a:solidFill>
+            <a:prstDash val="solid"/>
+            <a:round/>
+            <a:headEnd type="none" w="sm" len="sm"/>
+            <a:tailEnd type="none" w="sm" len="sm"/>
+          </a:ln>
+          <a:effectLst/>
+        </p:spPr>
+        <p:txBody>
+          <a:bodyPr vert="horz" wrap="square" lIns="91440" tIns="45720" rIns="91440" bIns="45720" numCol="1" rtlCol="0" anchor="ctr" anchorCtr="1" compatLnSpc="1">
+            <a:prstTxWarp prst="textNoShape">
+              <a:avLst/>
+            </a:prstTxWarp>
+          </a:bodyPr>
+          <a:lstStyle/>
+          <a:p>
+            <a:pPr marL="0" marR="0" indent="0" algn="l" defTabSz="914400" rtl="0" eaLnBrk="0" fontAlgn="base" latinLnBrk="0" hangingPunct="0">
+              <a:lnSpc>
+                <a:spcPct val="100000"/>
+              </a:lnSpc>
+              <a:spcBef>
+                <a:spcPct val="0"/>
+              </a:spcBef>
+              <a:spcAft>
+                <a:spcPct val="0"/>
+              </a:spcAft>
+              <a:buClrTx/>
+              <a:buSzTx/>
+              <a:buFontTx/>
+              <a:buNone/>
+              <a:tabLst/>
+            </a:pPr>
+            <a:r>
+              <a:rPr kumimoji="0" lang="de-DE" sz="2400" b="0" i="0" u="none" strike="noStrike" cap="none" normalizeH="0" baseline="0" dirty="0">
+                <a:ln>
+                  <a:noFill/>
+                </a:ln>
+                <a:solidFill>
+                  <a:schemeClr val="tx1"/>
+                </a:solidFill>
+                <a:effectLst/>
+                <a:latin typeface="+mn-lt"/>
+              </a:rPr>
+              <a:t>Test</a:t>
+            </a:r>
+          </a:p>
+        </p:txBody>
+      </p:sp>
+      <p:sp>
+        <p:nvSpPr>
+          <p:cNvPr id="9" name="Flussdiagramm: Magnetplattenspeicher 8">
+            <a:extLst>
+              <a:ext uri="{FF2B5EF4-FFF2-40B4-BE49-F238E27FC236}">
+                <a16:creationId xmlns:a16="http://schemas.microsoft.com/office/drawing/2014/main" id="{7BEB5C11-BD30-EF05-0ACA-7D65FB2342AD}"/>
+              </a:ext>
+            </a:extLst>
+          </p:cNvPr>
+          <p:cNvSpPr/>
+          <p:nvPr/>
+        </p:nvSpPr>
+        <p:spPr bwMode="auto">
+          <a:xfrm>
+            <a:off x="4499992" y="5445224"/>
+            <a:ext cx="864096" cy="720080"/>
+          </a:xfrm>
+          <a:prstGeom prst="flowChartMagneticDisk">
+            <a:avLst/>
+          </a:prstGeom>
+          <a:solidFill>
+            <a:schemeClr val="accent1"/>
+          </a:solidFill>
+          <a:ln w="12700" cap="flat" cmpd="sng" algn="ctr">
+            <a:solidFill>
+              <a:schemeClr val="tx1"/>
+            </a:solidFill>
+            <a:prstDash val="solid"/>
+            <a:round/>
+            <a:headEnd type="none" w="sm" len="sm"/>
+            <a:tailEnd type="none" w="sm" len="sm"/>
+          </a:ln>
+          <a:effectLst/>
+        </p:spPr>
+        <p:txBody>
+          <a:bodyPr vert="horz" wrap="square" lIns="91440" tIns="45720" rIns="91440" bIns="45720" numCol="1" rtlCol="0" anchor="t" anchorCtr="0" compatLnSpc="1">
+            <a:prstTxWarp prst="textNoShape">
+              <a:avLst/>
+            </a:prstTxWarp>
+          </a:bodyPr>
+          <a:lstStyle/>
+          <a:p>
+            <a:pPr marL="0" marR="0" indent="0" algn="ctr" defTabSz="914400" rtl="0" eaLnBrk="0" fontAlgn="base" latinLnBrk="0" hangingPunct="0">
+              <a:lnSpc>
+                <a:spcPct val="100000"/>
+              </a:lnSpc>
+              <a:spcBef>
+                <a:spcPct val="0"/>
+              </a:spcBef>
+              <a:spcAft>
+                <a:spcPct val="0"/>
+              </a:spcAft>
+              <a:buClrTx/>
+              <a:buSzTx/>
+              <a:buFontTx/>
+              <a:buNone/>
+              <a:tabLst/>
+            </a:pPr>
+            <a:r>
+              <a:rPr kumimoji="0" lang="de-DE" sz="2400" b="0" i="0" u="none" strike="noStrike" cap="none" normalizeH="0" baseline="0" dirty="0">
+                <a:ln>
+                  <a:noFill/>
+                </a:ln>
+                <a:solidFill>
+                  <a:schemeClr val="tx1"/>
+                </a:solidFill>
+                <a:effectLst/>
+                <a:latin typeface="+mn-lt"/>
+              </a:rPr>
+              <a:t>DB</a:t>
+            </a:r>
+          </a:p>
+        </p:txBody>
+      </p:sp>
+      <p:sp>
+        <p:nvSpPr>
+          <p:cNvPr id="10" name="Rechteck 9">
+            <a:extLst>
+              <a:ext uri="{FF2B5EF4-FFF2-40B4-BE49-F238E27FC236}">
+                <a16:creationId xmlns:a16="http://schemas.microsoft.com/office/drawing/2014/main" id="{2F95BFE5-4C2F-CB19-3BC2-81BC3ABAECE2}"/>
+              </a:ext>
+            </a:extLst>
+          </p:cNvPr>
+          <p:cNvSpPr/>
+          <p:nvPr/>
+        </p:nvSpPr>
+        <p:spPr bwMode="auto">
+          <a:xfrm>
+            <a:off x="6751143" y="4149080"/>
+            <a:ext cx="2141337" cy="2160241"/>
+          </a:xfrm>
+          <a:prstGeom prst="rect">
+            <a:avLst/>
+          </a:prstGeom>
+          <a:solidFill>
+            <a:schemeClr val="bg1"/>
+          </a:solidFill>
+          <a:ln w="12700" cap="flat" cmpd="sng" algn="ctr">
+            <a:solidFill>
+              <a:schemeClr val="tx1"/>
+            </a:solidFill>
+            <a:prstDash val="solid"/>
+            <a:round/>
+            <a:headEnd type="none" w="sm" len="sm"/>
+            <a:tailEnd type="none" w="sm" len="sm"/>
+          </a:ln>
+          <a:effectLst/>
+        </p:spPr>
+        <p:txBody>
+          <a:bodyPr vert="horz" wrap="square" lIns="91440" tIns="45720" rIns="91440" bIns="45720" numCol="1" rtlCol="0" anchor="t" anchorCtr="0" compatLnSpc="1">
+            <a:prstTxWarp prst="textNoShape">
+              <a:avLst/>
+            </a:prstTxWarp>
+          </a:bodyPr>
+          <a:lstStyle/>
+          <a:p>
+            <a:pPr marL="0" marR="0" indent="0" algn="l" defTabSz="914400" rtl="0" eaLnBrk="0" fontAlgn="base" latinLnBrk="0" hangingPunct="0">
+              <a:lnSpc>
+                <a:spcPct val="100000"/>
+              </a:lnSpc>
+              <a:spcBef>
+                <a:spcPct val="0"/>
+              </a:spcBef>
+              <a:spcAft>
+                <a:spcPct val="0"/>
+              </a:spcAft>
+              <a:buClrTx/>
+              <a:buSzTx/>
+              <a:buFontTx/>
+              <a:buNone/>
+              <a:tabLst/>
+            </a:pPr>
+            <a:endParaRPr kumimoji="0" lang="de-DE" sz="2400" b="0" i="0" u="none" strike="noStrike" cap="none" normalizeH="0" baseline="0">
+              <a:ln>
+                <a:noFill/>
+              </a:ln>
+              <a:solidFill>
+                <a:schemeClr val="tx1"/>
+              </a:solidFill>
+              <a:effectLst/>
+              <a:latin typeface="Times New Roman" pitchFamily="18" charset="0"/>
+            </a:endParaRPr>
+          </a:p>
+        </p:txBody>
+      </p:sp>
+      <p:sp>
+        <p:nvSpPr>
+          <p:cNvPr id="11" name="Rechteck 10">
+            <a:extLst>
+              <a:ext uri="{FF2B5EF4-FFF2-40B4-BE49-F238E27FC236}">
+                <a16:creationId xmlns:a16="http://schemas.microsoft.com/office/drawing/2014/main" id="{5BDE0849-123D-0EE5-8D3D-BF1B9EED0835}"/>
+              </a:ext>
+            </a:extLst>
+          </p:cNvPr>
+          <p:cNvSpPr/>
+          <p:nvPr/>
+        </p:nvSpPr>
+        <p:spPr bwMode="auto">
+          <a:xfrm>
+            <a:off x="6895159" y="4293097"/>
+            <a:ext cx="1844477" cy="864095"/>
+          </a:xfrm>
+          <a:prstGeom prst="rect">
+            <a:avLst/>
+          </a:prstGeom>
+          <a:solidFill>
+            <a:schemeClr val="accent1"/>
+          </a:solidFill>
+          <a:ln w="12700" cap="flat" cmpd="sng" algn="ctr">
+            <a:solidFill>
+              <a:schemeClr val="tx1"/>
+            </a:solidFill>
+            <a:prstDash val="solid"/>
+            <a:round/>
+            <a:headEnd type="none" w="sm" len="sm"/>
+            <a:tailEnd type="none" w="sm" len="sm"/>
+          </a:ln>
+          <a:effectLst/>
+        </p:spPr>
+        <p:txBody>
+          <a:bodyPr vert="horz" wrap="square" lIns="91440" tIns="45720" rIns="91440" bIns="45720" numCol="1" rtlCol="0" anchor="ctr" anchorCtr="1" compatLnSpc="1">
+            <a:prstTxWarp prst="textNoShape">
+              <a:avLst/>
+            </a:prstTxWarp>
+          </a:bodyPr>
+          <a:lstStyle/>
+          <a:p>
+            <a:pPr marL="0" marR="0" indent="0" algn="l" defTabSz="914400" rtl="0" eaLnBrk="0" fontAlgn="base" latinLnBrk="0" hangingPunct="0">
+              <a:lnSpc>
+                <a:spcPct val="100000"/>
+              </a:lnSpc>
+              <a:spcBef>
+                <a:spcPct val="0"/>
+              </a:spcBef>
+              <a:spcAft>
+                <a:spcPct val="0"/>
+              </a:spcAft>
+              <a:buClrTx/>
+              <a:buSzTx/>
+              <a:buFontTx/>
+              <a:buNone/>
+              <a:tabLst/>
+            </a:pPr>
+            <a:r>
+              <a:rPr kumimoji="0" lang="de-DE" sz="2400" b="0" i="0" u="none" strike="noStrike" cap="none" normalizeH="0" baseline="0" dirty="0" err="1">
+                <a:ln>
+                  <a:noFill/>
+                </a:ln>
+                <a:solidFill>
+                  <a:schemeClr val="tx1"/>
+                </a:solidFill>
+                <a:effectLst/>
+                <a:latin typeface="+mn-lt"/>
+              </a:rPr>
+              <a:t>Production</a:t>
+            </a:r>
+            <a:endParaRPr kumimoji="0" lang="de-DE" sz="2400" b="0" i="0" u="none" strike="noStrike" cap="none" normalizeH="0" baseline="0" dirty="0">
+              <a:ln>
+                <a:noFill/>
+              </a:ln>
+              <a:solidFill>
+                <a:schemeClr val="tx1"/>
+              </a:solidFill>
+              <a:effectLst/>
+              <a:latin typeface="+mn-lt"/>
+            </a:endParaRPr>
+          </a:p>
+        </p:txBody>
+      </p:sp>
+      <p:sp>
+        <p:nvSpPr>
+          <p:cNvPr id="12" name="Flussdiagramm: Magnetplattenspeicher 11">
+            <a:extLst>
+              <a:ext uri="{FF2B5EF4-FFF2-40B4-BE49-F238E27FC236}">
+                <a16:creationId xmlns:a16="http://schemas.microsoft.com/office/drawing/2014/main" id="{7941E2D7-67E2-2439-8DD9-70240E2F8EC9}"/>
+              </a:ext>
+            </a:extLst>
+          </p:cNvPr>
+          <p:cNvSpPr/>
+          <p:nvPr/>
+        </p:nvSpPr>
+        <p:spPr bwMode="auto">
+          <a:xfrm>
+            <a:off x="7399215" y="5445224"/>
+            <a:ext cx="864096" cy="720080"/>
+          </a:xfrm>
+          <a:prstGeom prst="flowChartMagneticDisk">
+            <a:avLst/>
+          </a:prstGeom>
+          <a:solidFill>
+            <a:schemeClr val="accent1"/>
+          </a:solidFill>
+          <a:ln w="12700" cap="flat" cmpd="sng" algn="ctr">
+            <a:solidFill>
+              <a:schemeClr val="tx1"/>
+            </a:solidFill>
+            <a:prstDash val="solid"/>
+            <a:round/>
+            <a:headEnd type="none" w="sm" len="sm"/>
+            <a:tailEnd type="none" w="sm" len="sm"/>
+          </a:ln>
+          <a:effectLst/>
+        </p:spPr>
+        <p:txBody>
+          <a:bodyPr vert="horz" wrap="square" lIns="91440" tIns="45720" rIns="91440" bIns="45720" numCol="1" rtlCol="0" anchor="t" anchorCtr="0" compatLnSpc="1">
+            <a:prstTxWarp prst="textNoShape">
+              <a:avLst/>
+            </a:prstTxWarp>
+          </a:bodyPr>
+          <a:lstStyle/>
+          <a:p>
+            <a:pPr marL="0" marR="0" indent="0" algn="ctr" defTabSz="914400" rtl="0" eaLnBrk="0" fontAlgn="base" latinLnBrk="0" hangingPunct="0">
+              <a:lnSpc>
+                <a:spcPct val="100000"/>
+              </a:lnSpc>
+              <a:spcBef>
+                <a:spcPct val="0"/>
+              </a:spcBef>
+              <a:spcAft>
+                <a:spcPct val="0"/>
+              </a:spcAft>
+              <a:buClrTx/>
+              <a:buSzTx/>
+              <a:buFontTx/>
+              <a:buNone/>
+              <a:tabLst/>
+            </a:pPr>
+            <a:r>
+              <a:rPr kumimoji="0" lang="de-DE" sz="2400" b="0" i="0" u="none" strike="noStrike" cap="none" normalizeH="0" baseline="0" dirty="0">
+                <a:ln>
+                  <a:noFill/>
+                </a:ln>
+                <a:solidFill>
+                  <a:schemeClr val="tx1"/>
+                </a:solidFill>
+                <a:effectLst/>
+                <a:latin typeface="+mn-lt"/>
+              </a:rPr>
+              <a:t>DB</a:t>
+            </a:r>
+          </a:p>
+        </p:txBody>
+      </p:sp>
+      <p:cxnSp>
+        <p:nvCxnSpPr>
+          <p:cNvPr id="14" name="Verbinder: gewinkelt 13">
+            <a:extLst>
+              <a:ext uri="{FF2B5EF4-FFF2-40B4-BE49-F238E27FC236}">
+                <a16:creationId xmlns:a16="http://schemas.microsoft.com/office/drawing/2014/main" id="{DD526FED-D9BD-2F82-32C1-C1DF65D796C9}"/>
+              </a:ext>
+            </a:extLst>
+          </p:cNvPr>
+          <p:cNvCxnSpPr>
+            <a:cxnSpLocks/>
+            <a:stCxn id="6" idx="0"/>
+            <a:endCxn id="7" idx="0"/>
+          </p:cNvCxnSpPr>
+          <p:nvPr/>
+        </p:nvCxnSpPr>
+        <p:spPr bwMode="auto">
+          <a:xfrm rot="5400000" flipH="1" flipV="1">
+            <a:off x="3037174" y="2452999"/>
+            <a:ext cx="189333" cy="3581497"/>
+          </a:xfrm>
+          <a:prstGeom prst="bentConnector3">
+            <a:avLst>
+              <a:gd name="adj1" fmla="val 220740"/>
+            </a:avLst>
+          </a:prstGeom>
+          <a:solidFill>
+            <a:schemeClr val="accent1"/>
+          </a:solidFill>
+          <a:ln w="12700" cap="flat" cmpd="sng" algn="ctr">
+            <a:solidFill>
+              <a:schemeClr val="tx1"/>
+            </a:solidFill>
+            <a:prstDash val="solid"/>
+            <a:round/>
+            <a:headEnd type="none" w="sm" len="sm"/>
+            <a:tailEnd type="triangle"/>
+          </a:ln>
+          <a:effectLst/>
+        </p:spPr>
+      </p:cxnSp>
+      <p:cxnSp>
+        <p:nvCxnSpPr>
+          <p:cNvPr id="19" name="Verbinder: gewinkelt 18">
+            <a:extLst>
+              <a:ext uri="{FF2B5EF4-FFF2-40B4-BE49-F238E27FC236}">
+                <a16:creationId xmlns:a16="http://schemas.microsoft.com/office/drawing/2014/main" id="{B437C0E9-2B4C-7969-0C09-9BB7319E00A9}"/>
+              </a:ext>
+            </a:extLst>
+          </p:cNvPr>
+          <p:cNvCxnSpPr>
+            <a:cxnSpLocks/>
+            <a:stCxn id="6" idx="0"/>
+            <a:endCxn id="10" idx="0"/>
+          </p:cNvCxnSpPr>
+          <p:nvPr/>
+        </p:nvCxnSpPr>
+        <p:spPr bwMode="auto">
+          <a:xfrm rot="5400000" flipH="1" flipV="1">
+            <a:off x="4486786" y="1003387"/>
+            <a:ext cx="189333" cy="6480720"/>
+          </a:xfrm>
+          <a:prstGeom prst="bentConnector3">
+            <a:avLst>
+              <a:gd name="adj1" fmla="val 220739"/>
+            </a:avLst>
+          </a:prstGeom>
+          <a:solidFill>
+            <a:schemeClr val="accent1"/>
+          </a:solidFill>
+          <a:ln w="12700" cap="flat" cmpd="sng" algn="ctr">
+            <a:solidFill>
+              <a:schemeClr val="tx1"/>
+            </a:solidFill>
+            <a:prstDash val="solid"/>
+            <a:round/>
+            <a:headEnd type="none" w="sm" len="sm"/>
+            <a:tailEnd type="triangle"/>
+          </a:ln>
+          <a:effectLst/>
+        </p:spPr>
+      </p:cxnSp>
     </p:spTree>
   </p:cSld>
   <p:clrMapOvr>
@@ -3602,8 +6326,13 @@
             </a:r>
             <a:r>
               <a:rPr lang="de-DE" dirty="0"/>
-              <a:t> Deploy</a:t>
-            </a:r>
+              <a:t> </a:t>
+            </a:r>
+            <a:r>
+              <a:rPr lang="de-DE" dirty="0" err="1"/>
+              <a:t>Deployment</a:t>
+            </a:r>
+            <a:endParaRPr lang="de-DE" dirty="0"/>
           </a:p>
           <a:p>
             <a:pPr>
@@ -3612,8 +6341,13 @@
             </a:pPr>
             <a:r>
               <a:rPr lang="de-DE" dirty="0"/>
-              <a:t>Blue-Green Deploy</a:t>
-            </a:r>
+              <a:t>Blue-Green </a:t>
+            </a:r>
+            <a:r>
+              <a:rPr lang="de-DE" dirty="0" err="1"/>
+              <a:t>Deployment</a:t>
+            </a:r>
+            <a:endParaRPr lang="de-DE" dirty="0"/>
           </a:p>
           <a:p>
             <a:pPr>
@@ -3622,8 +6356,28 @@
             </a:pPr>
             <a:r>
               <a:rPr lang="de-DE" dirty="0"/>
-              <a:t>Canary Deploy</a:t>
-            </a:r>
+              <a:t>Canary </a:t>
+            </a:r>
+            <a:r>
+              <a:rPr lang="de-DE" dirty="0" err="1"/>
+              <a:t>Deployment</a:t>
+            </a:r>
+            <a:endParaRPr lang="de-DE" dirty="0"/>
+          </a:p>
+          <a:p>
+            <a:pPr>
+              <a:buFont typeface="Arial" panose="020B0604020202020204" pitchFamily="34" charset="0"/>
+              <a:buChar char="•"/>
+            </a:pPr>
+            <a:r>
+              <a:rPr lang="de-DE" dirty="0"/>
+              <a:t>Shadow </a:t>
+            </a:r>
+            <a:r>
+              <a:rPr lang="de-DE" dirty="0" err="1"/>
+              <a:t>Deployment</a:t>
+            </a:r>
+            <a:endParaRPr lang="de-DE" dirty="0"/>
           </a:p>
         </p:txBody>
       </p:sp>
@@ -3853,8 +6607,17 @@
               <a:rPr lang="de-DE" sz="3200" dirty="0">
                 <a:latin typeface="+mj-lt"/>
               </a:rPr>
-              <a:t> Deploy</a:t>
-            </a:r>
+              <a:t> </a:t>
+            </a:r>
+            <a:r>
+              <a:rPr lang="de-DE" sz="3200" dirty="0" err="1">
+                <a:latin typeface="+mj-lt"/>
+              </a:rPr>
+              <a:t>Deployment</a:t>
+            </a:r>
+            <a:endParaRPr lang="de-DE" sz="3200" dirty="0">
+              <a:latin typeface="+mj-lt"/>
+            </a:endParaRPr>
           </a:p>
         </p:txBody>
       </p:sp>
@@ -5067,8 +7830,17 @@
               <a:rPr lang="de-DE" sz="3200" dirty="0">
                 <a:latin typeface="+mj-lt"/>
               </a:rPr>
-              <a:t>Blue-Green Deploy</a:t>
-            </a:r>
+              <a:t>Blue-Green </a:t>
+            </a:r>
+            <a:r>
+              <a:rPr lang="de-DE" sz="3200" dirty="0" err="1">
+                <a:latin typeface="+mj-lt"/>
+              </a:rPr>
+              <a:t>Deployment</a:t>
+            </a:r>
+            <a:endParaRPr lang="de-DE" sz="3200" dirty="0">
+              <a:latin typeface="+mj-lt"/>
+            </a:endParaRPr>
           </a:p>
         </p:txBody>
       </p:sp>
@@ -6594,7 +9366,7 @@
     </p:spTree>
     <p:extLst>
       <p:ext uri="{BB962C8B-B14F-4D97-AF65-F5344CB8AC3E}">
-        <p14:creationId xmlns:p14="http://schemas.microsoft.com/office/powerpoint/2010/main" val="1902602858"/>
+        <p14:creationId xmlns:p14="http://schemas.microsoft.com/office/powerpoint/2010/main" val="2441999377"/>
       </p:ext>
     </p:extLst>
   </p:cSld>
@@ -6673,7 +9445,7 @@
         <p:spPr>
           <a:xfrm>
             <a:off x="303213" y="1844823"/>
-            <a:ext cx="8516937" cy="1584177"/>
+            <a:ext cx="8516937" cy="1296135"/>
           </a:xfrm>
         </p:spPr>
         <p:txBody>
@@ -6686,12 +9458,24 @@
             </a:pPr>
             <a:r>
               <a:rPr lang="de-DE" dirty="0"/>
-              <a:t>Neue Version für bestimmten Teil der User </a:t>
-            </a:r>
-            <a:r>
-              <a:rPr lang="de-DE" dirty="0" err="1"/>
-              <a:t>deployed</a:t>
-            </a:r>
+              <a:t>Sehr ähnlich zu Blue-Green</a:t>
+            </a:r>
+          </a:p>
+          <a:p>
+            <a:pPr>
+              <a:buFont typeface="Arial" panose="020B0604020202020204" pitchFamily="34" charset="0"/>
+              <a:buChar char="•"/>
+            </a:pPr>
+            <a:r>
+              <a:rPr lang="de-DE" dirty="0"/>
+              <a:t>Kompletter Wechsel zu Neusystem</a:t>
+            </a:r>
+          </a:p>
+          <a:p>
+            <a:pPr>
+              <a:buFont typeface="Arial" panose="020B0604020202020204" pitchFamily="34" charset="0"/>
+              <a:buChar char="•"/>
+            </a:pPr>
             <a:endParaRPr lang="de-DE" dirty="0"/>
           </a:p>
         </p:txBody>
@@ -6732,18 +9516,1131 @@
           <a:p>
             <a:pPr algn="ctr" eaLnBrk="1" hangingPunct="1"/>
             <a:r>
+              <a:rPr lang="de-DE" sz="3200" dirty="0" err="1">
+                <a:latin typeface="+mj-lt"/>
+              </a:rPr>
+              <a:t>Red</a:t>
+            </a:r>
+            <a:r>
               <a:rPr lang="de-DE" sz="3200" dirty="0">
                 <a:latin typeface="+mj-lt"/>
               </a:rPr>
-              <a:t>Canary Deploy</a:t>
-            </a:r>
+              <a:t>-Black </a:t>
+            </a:r>
+            <a:r>
+              <a:rPr lang="de-DE" sz="3200" dirty="0" err="1">
+                <a:latin typeface="+mj-lt"/>
+              </a:rPr>
+              <a:t>Deployment</a:t>
+            </a:r>
+            <a:endParaRPr lang="de-DE" sz="3200" dirty="0">
+              <a:latin typeface="+mj-lt"/>
+            </a:endParaRPr>
           </a:p>
         </p:txBody>
       </p:sp>
+      <p:sp>
+        <p:nvSpPr>
+          <p:cNvPr id="7" name="Rechteck 6">
+            <a:extLst>
+              <a:ext uri="{FF2B5EF4-FFF2-40B4-BE49-F238E27FC236}">
+                <a16:creationId xmlns:a16="http://schemas.microsoft.com/office/drawing/2014/main" id="{D9A42B7E-356B-9AFB-BEC4-C71BCE179FEF}"/>
+              </a:ext>
+            </a:extLst>
+          </p:cNvPr>
+          <p:cNvSpPr/>
+          <p:nvPr/>
+        </p:nvSpPr>
+        <p:spPr bwMode="auto">
+          <a:xfrm>
+            <a:off x="611560" y="3645024"/>
+            <a:ext cx="2160240" cy="2160240"/>
+          </a:xfrm>
+          <a:prstGeom prst="rect">
+            <a:avLst/>
+          </a:prstGeom>
+          <a:solidFill>
+            <a:schemeClr val="bg1"/>
+          </a:solidFill>
+          <a:ln w="12700" cap="flat" cmpd="sng" algn="ctr">
+            <a:solidFill>
+              <a:schemeClr val="tx1"/>
+            </a:solidFill>
+            <a:prstDash val="solid"/>
+            <a:round/>
+            <a:headEnd type="none" w="sm" len="sm"/>
+            <a:tailEnd type="none" w="sm" len="sm"/>
+          </a:ln>
+          <a:effectLst/>
+        </p:spPr>
+        <p:txBody>
+          <a:bodyPr vert="horz" wrap="square" lIns="91440" tIns="45720" rIns="91440" bIns="45720" numCol="1" rtlCol="0" anchor="b" anchorCtr="0" compatLnSpc="1">
+            <a:prstTxWarp prst="textNoShape">
+              <a:avLst/>
+            </a:prstTxWarp>
+          </a:bodyPr>
+          <a:lstStyle/>
+          <a:p>
+            <a:pPr marL="0" marR="0" indent="0" algn="l" defTabSz="914400" rtl="0" eaLnBrk="0" fontAlgn="base" latinLnBrk="0" hangingPunct="0">
+              <a:lnSpc>
+                <a:spcPct val="100000"/>
+              </a:lnSpc>
+              <a:spcBef>
+                <a:spcPct val="0"/>
+              </a:spcBef>
+              <a:spcAft>
+                <a:spcPct val="0"/>
+              </a:spcAft>
+              <a:buClrTx/>
+              <a:buSzTx/>
+              <a:buFontTx/>
+              <a:buNone/>
+              <a:tabLst/>
+            </a:pPr>
+            <a:endParaRPr kumimoji="0" lang="de-DE" sz="2400" b="0" i="0" u="none" strike="noStrike" cap="none" normalizeH="0" baseline="0" dirty="0">
+              <a:ln>
+                <a:noFill/>
+              </a:ln>
+              <a:solidFill>
+                <a:schemeClr val="tx1"/>
+              </a:solidFill>
+              <a:effectLst/>
+              <a:latin typeface="+mn-lt"/>
+            </a:endParaRPr>
+          </a:p>
+        </p:txBody>
+      </p:sp>
+      <p:cxnSp>
+        <p:nvCxnSpPr>
+          <p:cNvPr id="22" name="Gerade Verbindung mit Pfeil 21">
+            <a:extLst>
+              <a:ext uri="{FF2B5EF4-FFF2-40B4-BE49-F238E27FC236}">
+                <a16:creationId xmlns:a16="http://schemas.microsoft.com/office/drawing/2014/main" id="{3D801ADB-E612-D46E-1DDE-06F9BB633025}"/>
+              </a:ext>
+            </a:extLst>
+          </p:cNvPr>
+          <p:cNvCxnSpPr>
+            <a:cxnSpLocks/>
+            <a:stCxn id="7" idx="3"/>
+          </p:cNvCxnSpPr>
+          <p:nvPr/>
+        </p:nvCxnSpPr>
+        <p:spPr bwMode="auto">
+          <a:xfrm>
+            <a:off x="2771800" y="4725144"/>
+            <a:ext cx="709761" cy="0"/>
+          </a:xfrm>
+          <a:prstGeom prst="straightConnector1">
+            <a:avLst/>
+          </a:prstGeom>
+          <a:solidFill>
+            <a:schemeClr val="accent1"/>
+          </a:solidFill>
+          <a:ln w="12700" cap="flat" cmpd="sng" algn="ctr">
+            <a:solidFill>
+              <a:schemeClr val="tx1"/>
+            </a:solidFill>
+            <a:prstDash val="solid"/>
+            <a:round/>
+            <a:headEnd type="none" w="sm" len="sm"/>
+            <a:tailEnd type="triangle"/>
+          </a:ln>
+          <a:effectLst/>
+        </p:spPr>
+      </p:cxnSp>
+      <p:cxnSp>
+        <p:nvCxnSpPr>
+          <p:cNvPr id="23" name="Gerade Verbindung mit Pfeil 22">
+            <a:extLst>
+              <a:ext uri="{FF2B5EF4-FFF2-40B4-BE49-F238E27FC236}">
+                <a16:creationId xmlns:a16="http://schemas.microsoft.com/office/drawing/2014/main" id="{580503DD-CA46-B4A0-4BBE-D21934A5E720}"/>
+              </a:ext>
+            </a:extLst>
+          </p:cNvPr>
+          <p:cNvCxnSpPr>
+            <a:cxnSpLocks/>
+          </p:cNvCxnSpPr>
+          <p:nvPr/>
+        </p:nvCxnSpPr>
+        <p:spPr bwMode="auto">
+          <a:xfrm>
+            <a:off x="5641801" y="4725144"/>
+            <a:ext cx="709761" cy="0"/>
+          </a:xfrm>
+          <a:prstGeom prst="straightConnector1">
+            <a:avLst/>
+          </a:prstGeom>
+          <a:solidFill>
+            <a:schemeClr val="accent1"/>
+          </a:solidFill>
+          <a:ln w="12700" cap="flat" cmpd="sng" algn="ctr">
+            <a:solidFill>
+              <a:schemeClr val="tx1"/>
+            </a:solidFill>
+            <a:prstDash val="solid"/>
+            <a:round/>
+            <a:headEnd type="none" w="sm" len="sm"/>
+            <a:tailEnd type="triangle"/>
+          </a:ln>
+          <a:effectLst/>
+        </p:spPr>
+      </p:cxnSp>
+      <p:sp>
+        <p:nvSpPr>
+          <p:cNvPr id="25" name="Würfel 24">
+            <a:extLst>
+              <a:ext uri="{FF2B5EF4-FFF2-40B4-BE49-F238E27FC236}">
+                <a16:creationId xmlns:a16="http://schemas.microsoft.com/office/drawing/2014/main" id="{BD850A33-5E52-B6F7-5FBE-BB523848B265}"/>
+              </a:ext>
+            </a:extLst>
+          </p:cNvPr>
+          <p:cNvSpPr/>
+          <p:nvPr/>
+        </p:nvSpPr>
+        <p:spPr bwMode="auto">
+          <a:xfrm>
+            <a:off x="899592" y="4365104"/>
+            <a:ext cx="843458" cy="1296135"/>
+          </a:xfrm>
+          <a:prstGeom prst="cube">
+            <a:avLst/>
+          </a:prstGeom>
+          <a:solidFill>
+            <a:srgbClr val="FF0000"/>
+          </a:solidFill>
+          <a:ln w="12700" cap="flat" cmpd="sng" algn="ctr">
+            <a:solidFill>
+              <a:schemeClr val="tx1"/>
+            </a:solidFill>
+            <a:prstDash val="solid"/>
+            <a:round/>
+            <a:headEnd type="none" w="sm" len="sm"/>
+            <a:tailEnd type="none" w="sm" len="sm"/>
+          </a:ln>
+          <a:effectLst/>
+        </p:spPr>
+        <p:txBody>
+          <a:bodyPr vert="horz" wrap="square" lIns="91440" tIns="45720" rIns="91440" bIns="45720" numCol="1" rtlCol="0" anchor="ctr" anchorCtr="1" compatLnSpc="1">
+            <a:prstTxWarp prst="textNoShape">
+              <a:avLst/>
+            </a:prstTxWarp>
+          </a:bodyPr>
+          <a:lstStyle/>
+          <a:p>
+            <a:pPr marL="0" marR="0" indent="0" algn="l" defTabSz="914400" rtl="0" eaLnBrk="0" fontAlgn="base" latinLnBrk="0" hangingPunct="0">
+              <a:lnSpc>
+                <a:spcPct val="100000"/>
+              </a:lnSpc>
+              <a:spcBef>
+                <a:spcPct val="0"/>
+              </a:spcBef>
+              <a:spcAft>
+                <a:spcPct val="0"/>
+              </a:spcAft>
+              <a:buClrTx/>
+              <a:buSzTx/>
+              <a:buFontTx/>
+              <a:buNone/>
+              <a:tabLst/>
+            </a:pPr>
+            <a:r>
+              <a:rPr kumimoji="0" lang="de-DE" sz="2400" b="0" i="0" u="none" strike="noStrike" cap="none" normalizeH="0" baseline="0" dirty="0">
+                <a:ln>
+                  <a:noFill/>
+                </a:ln>
+                <a:solidFill>
+                  <a:schemeClr val="tx1"/>
+                </a:solidFill>
+                <a:effectLst/>
+                <a:latin typeface="+mn-lt"/>
+              </a:rPr>
+              <a:t>v1</a:t>
+            </a:r>
+          </a:p>
+        </p:txBody>
+      </p:sp>
+      <p:sp>
+        <p:nvSpPr>
+          <p:cNvPr id="26" name="Würfel 25">
+            <a:extLst>
+              <a:ext uri="{FF2B5EF4-FFF2-40B4-BE49-F238E27FC236}">
+                <a16:creationId xmlns:a16="http://schemas.microsoft.com/office/drawing/2014/main" id="{6F16EBCD-4845-0242-4317-280F3ABB2C7F}"/>
+              </a:ext>
+            </a:extLst>
+          </p:cNvPr>
+          <p:cNvSpPr/>
+          <p:nvPr/>
+        </p:nvSpPr>
+        <p:spPr bwMode="auto">
+          <a:xfrm>
+            <a:off x="1619672" y="4356729"/>
+            <a:ext cx="843458" cy="1296135"/>
+          </a:xfrm>
+          <a:prstGeom prst="cube">
+            <a:avLst/>
+          </a:prstGeom>
+          <a:solidFill>
+            <a:schemeClr val="accent4">
+              <a:lumMod val="50000"/>
+              <a:lumOff val="50000"/>
+            </a:schemeClr>
+          </a:solidFill>
+          <a:ln w="12700" cap="flat" cmpd="sng" algn="ctr">
+            <a:solidFill>
+              <a:schemeClr val="tx1"/>
+            </a:solidFill>
+            <a:prstDash val="solid"/>
+            <a:round/>
+            <a:headEnd type="none" w="sm" len="sm"/>
+            <a:tailEnd type="none" w="sm" len="sm"/>
+          </a:ln>
+          <a:effectLst/>
+        </p:spPr>
+        <p:txBody>
+          <a:bodyPr vert="horz" wrap="square" lIns="91440" tIns="45720" rIns="91440" bIns="45720" numCol="1" rtlCol="0" anchor="ctr" anchorCtr="1" compatLnSpc="1">
+            <a:prstTxWarp prst="textNoShape">
+              <a:avLst/>
+            </a:prstTxWarp>
+          </a:bodyPr>
+          <a:lstStyle/>
+          <a:p>
+            <a:pPr marL="0" marR="0" indent="0" algn="l" defTabSz="914400" rtl="0" eaLnBrk="0" fontAlgn="base" latinLnBrk="0" hangingPunct="0">
+              <a:lnSpc>
+                <a:spcPct val="100000"/>
+              </a:lnSpc>
+              <a:spcBef>
+                <a:spcPct val="0"/>
+              </a:spcBef>
+              <a:spcAft>
+                <a:spcPct val="0"/>
+              </a:spcAft>
+              <a:buClrTx/>
+              <a:buSzTx/>
+              <a:buFontTx/>
+              <a:buNone/>
+              <a:tabLst/>
+            </a:pPr>
+            <a:r>
+              <a:rPr lang="de-DE" dirty="0">
+                <a:latin typeface="+mn-lt"/>
+              </a:rPr>
+              <a:t>v0</a:t>
+            </a:r>
+            <a:endParaRPr kumimoji="0" lang="de-DE" sz="2400" b="0" i="0" u="none" strike="noStrike" cap="none" normalizeH="0" baseline="0" dirty="0">
+              <a:ln>
+                <a:noFill/>
+              </a:ln>
+              <a:solidFill>
+                <a:schemeClr val="tx1"/>
+              </a:solidFill>
+              <a:effectLst/>
+              <a:latin typeface="+mn-lt"/>
+            </a:endParaRPr>
+          </a:p>
+        </p:txBody>
+      </p:sp>
+      <p:sp>
+        <p:nvSpPr>
+          <p:cNvPr id="27" name="Würfel 26">
+            <a:extLst>
+              <a:ext uri="{FF2B5EF4-FFF2-40B4-BE49-F238E27FC236}">
+                <a16:creationId xmlns:a16="http://schemas.microsoft.com/office/drawing/2014/main" id="{0341CFDE-6963-0AAB-C2B9-976A7DD781D0}"/>
+              </a:ext>
+            </a:extLst>
+          </p:cNvPr>
+          <p:cNvSpPr/>
+          <p:nvPr/>
+        </p:nvSpPr>
+        <p:spPr bwMode="auto">
+          <a:xfrm>
+            <a:off x="899592" y="3717032"/>
+            <a:ext cx="1552952" cy="574896"/>
+          </a:xfrm>
+          <a:prstGeom prst="cube">
+            <a:avLst/>
+          </a:prstGeom>
+          <a:solidFill>
+            <a:schemeClr val="bg1"/>
+          </a:solidFill>
+          <a:ln w="12700" cap="flat" cmpd="sng" algn="ctr">
+            <a:solidFill>
+              <a:schemeClr val="tx1"/>
+            </a:solidFill>
+            <a:prstDash val="solid"/>
+            <a:round/>
+            <a:headEnd type="none" w="sm" len="sm"/>
+            <a:tailEnd type="none" w="sm" len="sm"/>
+          </a:ln>
+          <a:effectLst/>
+        </p:spPr>
+        <p:txBody>
+          <a:bodyPr vert="horz" wrap="square" lIns="91440" tIns="45720" rIns="91440" bIns="45720" numCol="1" rtlCol="0" anchor="t" anchorCtr="0" compatLnSpc="1">
+            <a:prstTxWarp prst="textNoShape">
+              <a:avLst/>
+            </a:prstTxWarp>
+          </a:bodyPr>
+          <a:lstStyle/>
+          <a:p>
+            <a:pPr marL="0" marR="0" indent="0" algn="l" defTabSz="914400" rtl="0" eaLnBrk="0" fontAlgn="base" latinLnBrk="0" hangingPunct="0">
+              <a:lnSpc>
+                <a:spcPct val="100000"/>
+              </a:lnSpc>
+              <a:spcBef>
+                <a:spcPct val="0"/>
+              </a:spcBef>
+              <a:spcAft>
+                <a:spcPct val="0"/>
+              </a:spcAft>
+              <a:buClrTx/>
+              <a:buSzTx/>
+              <a:buFontTx/>
+              <a:buNone/>
+              <a:tabLst/>
+            </a:pPr>
+            <a:r>
+              <a:rPr lang="de-DE" dirty="0">
+                <a:latin typeface="+mn-lt"/>
+              </a:rPr>
+              <a:t>Balancer</a:t>
+            </a:r>
+            <a:endParaRPr kumimoji="0" lang="de-DE" sz="2400" b="0" i="0" u="none" strike="noStrike" cap="none" normalizeH="0" baseline="0" dirty="0">
+              <a:ln>
+                <a:noFill/>
+              </a:ln>
+              <a:solidFill>
+                <a:schemeClr val="tx1"/>
+              </a:solidFill>
+              <a:effectLst/>
+              <a:latin typeface="+mn-lt"/>
+            </a:endParaRPr>
+          </a:p>
+        </p:txBody>
+      </p:sp>
+      <p:cxnSp>
+        <p:nvCxnSpPr>
+          <p:cNvPr id="29" name="Gerade Verbindung mit Pfeil 28">
+            <a:extLst>
+              <a:ext uri="{FF2B5EF4-FFF2-40B4-BE49-F238E27FC236}">
+                <a16:creationId xmlns:a16="http://schemas.microsoft.com/office/drawing/2014/main" id="{2E4BD116-5653-36B1-14AE-187A07726657}"/>
+              </a:ext>
+            </a:extLst>
+          </p:cNvPr>
+          <p:cNvCxnSpPr>
+            <a:cxnSpLocks/>
+            <a:stCxn id="27" idx="3"/>
+            <a:endCxn id="25" idx="1"/>
+          </p:cNvCxnSpPr>
+          <p:nvPr/>
+        </p:nvCxnSpPr>
+        <p:spPr bwMode="auto">
+          <a:xfrm flipH="1">
+            <a:off x="1215889" y="4291928"/>
+            <a:ext cx="388317" cy="284041"/>
+          </a:xfrm>
+          <a:prstGeom prst="straightConnector1">
+            <a:avLst/>
+          </a:prstGeom>
+          <a:solidFill>
+            <a:schemeClr val="accent1"/>
+          </a:solidFill>
+          <a:ln w="12700" cap="flat" cmpd="sng" algn="ctr">
+            <a:solidFill>
+              <a:schemeClr val="tx1"/>
+            </a:solidFill>
+            <a:prstDash val="solid"/>
+            <a:round/>
+            <a:headEnd type="none" w="sm" len="sm"/>
+            <a:tailEnd type="triangle"/>
+          </a:ln>
+          <a:effectLst/>
+        </p:spPr>
+      </p:cxnSp>
+      <p:sp>
+        <p:nvSpPr>
+          <p:cNvPr id="32" name="Rechteck 31">
+            <a:extLst>
+              <a:ext uri="{FF2B5EF4-FFF2-40B4-BE49-F238E27FC236}">
+                <a16:creationId xmlns:a16="http://schemas.microsoft.com/office/drawing/2014/main" id="{0EE688AC-ACC9-E35D-B162-E98089E72BC7}"/>
+              </a:ext>
+            </a:extLst>
+          </p:cNvPr>
+          <p:cNvSpPr/>
+          <p:nvPr/>
+        </p:nvSpPr>
+        <p:spPr bwMode="auto">
+          <a:xfrm>
+            <a:off x="3481561" y="3642352"/>
+            <a:ext cx="2160240" cy="2160240"/>
+          </a:xfrm>
+          <a:prstGeom prst="rect">
+            <a:avLst/>
+          </a:prstGeom>
+          <a:solidFill>
+            <a:schemeClr val="bg1"/>
+          </a:solidFill>
+          <a:ln w="12700" cap="flat" cmpd="sng" algn="ctr">
+            <a:solidFill>
+              <a:schemeClr val="tx1"/>
+            </a:solidFill>
+            <a:prstDash val="solid"/>
+            <a:round/>
+            <a:headEnd type="none" w="sm" len="sm"/>
+            <a:tailEnd type="none" w="sm" len="sm"/>
+          </a:ln>
+          <a:effectLst/>
+        </p:spPr>
+        <p:txBody>
+          <a:bodyPr vert="horz" wrap="square" lIns="91440" tIns="45720" rIns="91440" bIns="45720" numCol="1" rtlCol="0" anchor="b" anchorCtr="0" compatLnSpc="1">
+            <a:prstTxWarp prst="textNoShape">
+              <a:avLst/>
+            </a:prstTxWarp>
+          </a:bodyPr>
+          <a:lstStyle/>
+          <a:p>
+            <a:pPr marL="0" marR="0" indent="0" algn="l" defTabSz="914400" rtl="0" eaLnBrk="0" fontAlgn="base" latinLnBrk="0" hangingPunct="0">
+              <a:lnSpc>
+                <a:spcPct val="100000"/>
+              </a:lnSpc>
+              <a:spcBef>
+                <a:spcPct val="0"/>
+              </a:spcBef>
+              <a:spcAft>
+                <a:spcPct val="0"/>
+              </a:spcAft>
+              <a:buClrTx/>
+              <a:buSzTx/>
+              <a:buFontTx/>
+              <a:buNone/>
+              <a:tabLst/>
+            </a:pPr>
+            <a:endParaRPr kumimoji="0" lang="de-DE" sz="2400" b="0" i="0" u="none" strike="noStrike" cap="none" normalizeH="0" baseline="0" dirty="0">
+              <a:ln>
+                <a:noFill/>
+              </a:ln>
+              <a:solidFill>
+                <a:schemeClr val="tx1"/>
+              </a:solidFill>
+              <a:effectLst/>
+              <a:latin typeface="+mn-lt"/>
+            </a:endParaRPr>
+          </a:p>
+        </p:txBody>
+      </p:sp>
+      <p:sp>
+        <p:nvSpPr>
+          <p:cNvPr id="33" name="Würfel 32">
+            <a:extLst>
+              <a:ext uri="{FF2B5EF4-FFF2-40B4-BE49-F238E27FC236}">
+                <a16:creationId xmlns:a16="http://schemas.microsoft.com/office/drawing/2014/main" id="{5F2B0679-030D-E48D-0C3D-69A94589EB2B}"/>
+              </a:ext>
+            </a:extLst>
+          </p:cNvPr>
+          <p:cNvSpPr/>
+          <p:nvPr/>
+        </p:nvSpPr>
+        <p:spPr bwMode="auto">
+          <a:xfrm>
+            <a:off x="3769593" y="4362432"/>
+            <a:ext cx="843458" cy="1296135"/>
+          </a:xfrm>
+          <a:prstGeom prst="cube">
+            <a:avLst/>
+          </a:prstGeom>
+          <a:solidFill>
+            <a:srgbClr val="FF0000"/>
+          </a:solidFill>
+          <a:ln w="12700" cap="flat" cmpd="sng" algn="ctr">
+            <a:solidFill>
+              <a:schemeClr val="tx1"/>
+            </a:solidFill>
+            <a:prstDash val="solid"/>
+            <a:round/>
+            <a:headEnd type="none" w="sm" len="sm"/>
+            <a:tailEnd type="none" w="sm" len="sm"/>
+          </a:ln>
+          <a:effectLst/>
+        </p:spPr>
+        <p:txBody>
+          <a:bodyPr vert="horz" wrap="square" lIns="91440" tIns="45720" rIns="91440" bIns="45720" numCol="1" rtlCol="0" anchor="ctr" anchorCtr="1" compatLnSpc="1">
+            <a:prstTxWarp prst="textNoShape">
+              <a:avLst/>
+            </a:prstTxWarp>
+          </a:bodyPr>
+          <a:lstStyle/>
+          <a:p>
+            <a:pPr marL="0" marR="0" indent="0" algn="l" defTabSz="914400" rtl="0" eaLnBrk="0" fontAlgn="base" latinLnBrk="0" hangingPunct="0">
+              <a:lnSpc>
+                <a:spcPct val="100000"/>
+              </a:lnSpc>
+              <a:spcBef>
+                <a:spcPct val="0"/>
+              </a:spcBef>
+              <a:spcAft>
+                <a:spcPct val="0"/>
+              </a:spcAft>
+              <a:buClrTx/>
+              <a:buSzTx/>
+              <a:buFontTx/>
+              <a:buNone/>
+              <a:tabLst/>
+            </a:pPr>
+            <a:r>
+              <a:rPr kumimoji="0" lang="de-DE" sz="2400" b="0" i="0" u="none" strike="noStrike" cap="none" normalizeH="0" baseline="0" dirty="0">
+                <a:ln>
+                  <a:noFill/>
+                </a:ln>
+                <a:solidFill>
+                  <a:schemeClr val="tx1"/>
+                </a:solidFill>
+                <a:effectLst/>
+                <a:latin typeface="+mn-lt"/>
+              </a:rPr>
+              <a:t>v1</a:t>
+            </a:r>
+          </a:p>
+        </p:txBody>
+      </p:sp>
+      <p:sp>
+        <p:nvSpPr>
+          <p:cNvPr id="34" name="Würfel 33">
+            <a:extLst>
+              <a:ext uri="{FF2B5EF4-FFF2-40B4-BE49-F238E27FC236}">
+                <a16:creationId xmlns:a16="http://schemas.microsoft.com/office/drawing/2014/main" id="{C5878FD4-F864-5C52-5AAD-53F7209DB3F9}"/>
+              </a:ext>
+            </a:extLst>
+          </p:cNvPr>
+          <p:cNvSpPr/>
+          <p:nvPr/>
+        </p:nvSpPr>
+        <p:spPr bwMode="auto">
+          <a:xfrm>
+            <a:off x="4489673" y="4354057"/>
+            <a:ext cx="843458" cy="1296135"/>
+          </a:xfrm>
+          <a:prstGeom prst="cube">
+            <a:avLst/>
+          </a:prstGeom>
+          <a:solidFill>
+            <a:schemeClr val="accent4">
+              <a:lumMod val="50000"/>
+              <a:lumOff val="50000"/>
+            </a:schemeClr>
+          </a:solidFill>
+          <a:ln w="12700" cap="flat" cmpd="sng" algn="ctr">
+            <a:solidFill>
+              <a:schemeClr val="tx1"/>
+            </a:solidFill>
+            <a:prstDash val="solid"/>
+            <a:round/>
+            <a:headEnd type="none" w="sm" len="sm"/>
+            <a:tailEnd type="none" w="sm" len="sm"/>
+          </a:ln>
+          <a:effectLst/>
+        </p:spPr>
+        <p:txBody>
+          <a:bodyPr vert="horz" wrap="square" lIns="91440" tIns="45720" rIns="91440" bIns="45720" numCol="1" rtlCol="0" anchor="ctr" anchorCtr="1" compatLnSpc="1">
+            <a:prstTxWarp prst="textNoShape">
+              <a:avLst/>
+            </a:prstTxWarp>
+          </a:bodyPr>
+          <a:lstStyle/>
+          <a:p>
+            <a:pPr marL="0" marR="0" indent="0" algn="l" defTabSz="914400" rtl="0" eaLnBrk="0" fontAlgn="base" latinLnBrk="0" hangingPunct="0">
+              <a:lnSpc>
+                <a:spcPct val="100000"/>
+              </a:lnSpc>
+              <a:spcBef>
+                <a:spcPct val="0"/>
+              </a:spcBef>
+              <a:spcAft>
+                <a:spcPct val="0"/>
+              </a:spcAft>
+              <a:buClrTx/>
+              <a:buSzTx/>
+              <a:buFontTx/>
+              <a:buNone/>
+              <a:tabLst/>
+            </a:pPr>
+            <a:r>
+              <a:rPr lang="de-DE" dirty="0">
+                <a:latin typeface="+mn-lt"/>
+              </a:rPr>
+              <a:t>v2</a:t>
+            </a:r>
+            <a:endParaRPr kumimoji="0" lang="de-DE" sz="2400" b="0" i="0" u="none" strike="noStrike" cap="none" normalizeH="0" baseline="0" dirty="0">
+              <a:ln>
+                <a:noFill/>
+              </a:ln>
+              <a:solidFill>
+                <a:schemeClr val="tx1"/>
+              </a:solidFill>
+              <a:effectLst/>
+              <a:latin typeface="+mn-lt"/>
+            </a:endParaRPr>
+          </a:p>
+        </p:txBody>
+      </p:sp>
+      <p:sp>
+        <p:nvSpPr>
+          <p:cNvPr id="35" name="Würfel 34">
+            <a:extLst>
+              <a:ext uri="{FF2B5EF4-FFF2-40B4-BE49-F238E27FC236}">
+                <a16:creationId xmlns:a16="http://schemas.microsoft.com/office/drawing/2014/main" id="{24C43D68-B69D-5E39-90CC-68B572C56C7F}"/>
+              </a:ext>
+            </a:extLst>
+          </p:cNvPr>
+          <p:cNvSpPr/>
+          <p:nvPr/>
+        </p:nvSpPr>
+        <p:spPr bwMode="auto">
+          <a:xfrm>
+            <a:off x="3769593" y="3714360"/>
+            <a:ext cx="1552952" cy="574896"/>
+          </a:xfrm>
+          <a:prstGeom prst="cube">
+            <a:avLst/>
+          </a:prstGeom>
+          <a:solidFill>
+            <a:schemeClr val="bg1"/>
+          </a:solidFill>
+          <a:ln w="12700" cap="flat" cmpd="sng" algn="ctr">
+            <a:solidFill>
+              <a:schemeClr val="tx1"/>
+            </a:solidFill>
+            <a:prstDash val="solid"/>
+            <a:round/>
+            <a:headEnd type="none" w="sm" len="sm"/>
+            <a:tailEnd type="none" w="sm" len="sm"/>
+          </a:ln>
+          <a:effectLst/>
+        </p:spPr>
+        <p:txBody>
+          <a:bodyPr vert="horz" wrap="square" lIns="91440" tIns="45720" rIns="91440" bIns="45720" numCol="1" rtlCol="0" anchor="t" anchorCtr="0" compatLnSpc="1">
+            <a:prstTxWarp prst="textNoShape">
+              <a:avLst/>
+            </a:prstTxWarp>
+          </a:bodyPr>
+          <a:lstStyle/>
+          <a:p>
+            <a:pPr marL="0" marR="0" indent="0" algn="l" defTabSz="914400" rtl="0" eaLnBrk="0" fontAlgn="base" latinLnBrk="0" hangingPunct="0">
+              <a:lnSpc>
+                <a:spcPct val="100000"/>
+              </a:lnSpc>
+              <a:spcBef>
+                <a:spcPct val="0"/>
+              </a:spcBef>
+              <a:spcAft>
+                <a:spcPct val="0"/>
+              </a:spcAft>
+              <a:buClrTx/>
+              <a:buSzTx/>
+              <a:buFontTx/>
+              <a:buNone/>
+              <a:tabLst/>
+            </a:pPr>
+            <a:r>
+              <a:rPr lang="de-DE" dirty="0">
+                <a:latin typeface="+mn-lt"/>
+              </a:rPr>
+              <a:t>Balancer</a:t>
+            </a:r>
+            <a:endParaRPr kumimoji="0" lang="de-DE" sz="2400" b="0" i="0" u="none" strike="noStrike" cap="none" normalizeH="0" baseline="0" dirty="0">
+              <a:ln>
+                <a:noFill/>
+              </a:ln>
+              <a:solidFill>
+                <a:schemeClr val="tx1"/>
+              </a:solidFill>
+              <a:effectLst/>
+              <a:latin typeface="+mn-lt"/>
+            </a:endParaRPr>
+          </a:p>
+        </p:txBody>
+      </p:sp>
+      <p:cxnSp>
+        <p:nvCxnSpPr>
+          <p:cNvPr id="36" name="Gerade Verbindung mit Pfeil 35">
+            <a:extLst>
+              <a:ext uri="{FF2B5EF4-FFF2-40B4-BE49-F238E27FC236}">
+                <a16:creationId xmlns:a16="http://schemas.microsoft.com/office/drawing/2014/main" id="{B9D49564-6AF5-B2E4-DE9B-07DF49117430}"/>
+              </a:ext>
+            </a:extLst>
+          </p:cNvPr>
+          <p:cNvCxnSpPr>
+            <a:cxnSpLocks/>
+            <a:stCxn id="35" idx="3"/>
+            <a:endCxn id="33" idx="1"/>
+          </p:cNvCxnSpPr>
+          <p:nvPr/>
+        </p:nvCxnSpPr>
+        <p:spPr bwMode="auto">
+          <a:xfrm flipH="1">
+            <a:off x="4085890" y="4289256"/>
+            <a:ext cx="388317" cy="284041"/>
+          </a:xfrm>
+          <a:prstGeom prst="straightConnector1">
+            <a:avLst/>
+          </a:prstGeom>
+          <a:solidFill>
+            <a:schemeClr val="accent1"/>
+          </a:solidFill>
+          <a:ln w="12700" cap="flat" cmpd="sng" algn="ctr">
+            <a:solidFill>
+              <a:schemeClr val="tx1"/>
+            </a:solidFill>
+            <a:prstDash val="solid"/>
+            <a:round/>
+            <a:headEnd type="none" w="sm" len="sm"/>
+            <a:tailEnd type="triangle"/>
+          </a:ln>
+          <a:effectLst/>
+        </p:spPr>
+      </p:cxnSp>
+      <p:sp>
+        <p:nvSpPr>
+          <p:cNvPr id="37" name="Rechteck 36">
+            <a:extLst>
+              <a:ext uri="{FF2B5EF4-FFF2-40B4-BE49-F238E27FC236}">
+                <a16:creationId xmlns:a16="http://schemas.microsoft.com/office/drawing/2014/main" id="{C1F0E66E-C8D6-65A4-D7DE-D7FE8C1E9649}"/>
+              </a:ext>
+            </a:extLst>
+          </p:cNvPr>
+          <p:cNvSpPr/>
+          <p:nvPr/>
+        </p:nvSpPr>
+        <p:spPr bwMode="auto">
+          <a:xfrm>
+            <a:off x="6351562" y="3627488"/>
+            <a:ext cx="2160240" cy="2160240"/>
+          </a:xfrm>
+          <a:prstGeom prst="rect">
+            <a:avLst/>
+          </a:prstGeom>
+          <a:solidFill>
+            <a:schemeClr val="bg1"/>
+          </a:solidFill>
+          <a:ln w="12700" cap="flat" cmpd="sng" algn="ctr">
+            <a:solidFill>
+              <a:schemeClr val="tx1"/>
+            </a:solidFill>
+            <a:prstDash val="solid"/>
+            <a:round/>
+            <a:headEnd type="none" w="sm" len="sm"/>
+            <a:tailEnd type="none" w="sm" len="sm"/>
+          </a:ln>
+          <a:effectLst/>
+        </p:spPr>
+        <p:txBody>
+          <a:bodyPr vert="horz" wrap="square" lIns="91440" tIns="45720" rIns="91440" bIns="45720" numCol="1" rtlCol="0" anchor="b" anchorCtr="0" compatLnSpc="1">
+            <a:prstTxWarp prst="textNoShape">
+              <a:avLst/>
+            </a:prstTxWarp>
+          </a:bodyPr>
+          <a:lstStyle/>
+          <a:p>
+            <a:pPr marL="0" marR="0" indent="0" algn="l" defTabSz="914400" rtl="0" eaLnBrk="0" fontAlgn="base" latinLnBrk="0" hangingPunct="0">
+              <a:lnSpc>
+                <a:spcPct val="100000"/>
+              </a:lnSpc>
+              <a:spcBef>
+                <a:spcPct val="0"/>
+              </a:spcBef>
+              <a:spcAft>
+                <a:spcPct val="0"/>
+              </a:spcAft>
+              <a:buClrTx/>
+              <a:buSzTx/>
+              <a:buFontTx/>
+              <a:buNone/>
+              <a:tabLst/>
+            </a:pPr>
+            <a:endParaRPr kumimoji="0" lang="de-DE" sz="2400" b="0" i="0" u="none" strike="noStrike" cap="none" normalizeH="0" baseline="0" dirty="0">
+              <a:ln>
+                <a:noFill/>
+              </a:ln>
+              <a:solidFill>
+                <a:schemeClr val="tx1"/>
+              </a:solidFill>
+              <a:effectLst/>
+              <a:latin typeface="+mn-lt"/>
+            </a:endParaRPr>
+          </a:p>
+        </p:txBody>
+      </p:sp>
+      <p:sp>
+        <p:nvSpPr>
+          <p:cNvPr id="38" name="Würfel 37">
+            <a:extLst>
+              <a:ext uri="{FF2B5EF4-FFF2-40B4-BE49-F238E27FC236}">
+                <a16:creationId xmlns:a16="http://schemas.microsoft.com/office/drawing/2014/main" id="{2AD0A73B-4B6B-E0A2-F779-1BAD8CCE3BF4}"/>
+              </a:ext>
+            </a:extLst>
+          </p:cNvPr>
+          <p:cNvSpPr/>
+          <p:nvPr/>
+        </p:nvSpPr>
+        <p:spPr bwMode="auto">
+          <a:xfrm>
+            <a:off x="6639594" y="4347568"/>
+            <a:ext cx="843458" cy="1296135"/>
+          </a:xfrm>
+          <a:prstGeom prst="cube">
+            <a:avLst/>
+          </a:prstGeom>
+          <a:solidFill>
+            <a:srgbClr val="FF0000"/>
+          </a:solidFill>
+          <a:ln w="12700" cap="flat" cmpd="sng" algn="ctr">
+            <a:solidFill>
+              <a:schemeClr val="tx1"/>
+            </a:solidFill>
+            <a:prstDash val="solid"/>
+            <a:round/>
+            <a:headEnd type="none" w="sm" len="sm"/>
+            <a:tailEnd type="none" w="sm" len="sm"/>
+          </a:ln>
+          <a:effectLst/>
+        </p:spPr>
+        <p:txBody>
+          <a:bodyPr vert="horz" wrap="square" lIns="91440" tIns="45720" rIns="91440" bIns="45720" numCol="1" rtlCol="0" anchor="ctr" anchorCtr="1" compatLnSpc="1">
+            <a:prstTxWarp prst="textNoShape">
+              <a:avLst/>
+            </a:prstTxWarp>
+          </a:bodyPr>
+          <a:lstStyle/>
+          <a:p>
+            <a:pPr marL="0" marR="0" indent="0" algn="l" defTabSz="914400" rtl="0" eaLnBrk="0" fontAlgn="base" latinLnBrk="0" hangingPunct="0">
+              <a:lnSpc>
+                <a:spcPct val="100000"/>
+              </a:lnSpc>
+              <a:spcBef>
+                <a:spcPct val="0"/>
+              </a:spcBef>
+              <a:spcAft>
+                <a:spcPct val="0"/>
+              </a:spcAft>
+              <a:buClrTx/>
+              <a:buSzTx/>
+              <a:buFontTx/>
+              <a:buNone/>
+              <a:tabLst/>
+            </a:pPr>
+            <a:r>
+              <a:rPr kumimoji="0" lang="de-DE" sz="2400" b="0" i="0" u="none" strike="noStrike" cap="none" normalizeH="0" baseline="0" dirty="0">
+                <a:ln>
+                  <a:noFill/>
+                </a:ln>
+                <a:solidFill>
+                  <a:schemeClr val="tx1"/>
+                </a:solidFill>
+                <a:effectLst/>
+                <a:latin typeface="+mn-lt"/>
+              </a:rPr>
+              <a:t>v1</a:t>
+            </a:r>
+          </a:p>
+        </p:txBody>
+      </p:sp>
+      <p:sp>
+        <p:nvSpPr>
+          <p:cNvPr id="39" name="Würfel 38">
+            <a:extLst>
+              <a:ext uri="{FF2B5EF4-FFF2-40B4-BE49-F238E27FC236}">
+                <a16:creationId xmlns:a16="http://schemas.microsoft.com/office/drawing/2014/main" id="{E9A84FF0-6B30-67A0-DB8E-466F36A38154}"/>
+              </a:ext>
+            </a:extLst>
+          </p:cNvPr>
+          <p:cNvSpPr/>
+          <p:nvPr/>
+        </p:nvSpPr>
+        <p:spPr bwMode="auto">
+          <a:xfrm>
+            <a:off x="7359674" y="4339193"/>
+            <a:ext cx="843458" cy="1296135"/>
+          </a:xfrm>
+          <a:prstGeom prst="cube">
+            <a:avLst/>
+          </a:prstGeom>
+          <a:solidFill>
+            <a:schemeClr val="accent4">
+              <a:lumMod val="50000"/>
+              <a:lumOff val="50000"/>
+            </a:schemeClr>
+          </a:solidFill>
+          <a:ln w="12700" cap="flat" cmpd="sng" algn="ctr">
+            <a:solidFill>
+              <a:schemeClr val="tx1"/>
+            </a:solidFill>
+            <a:prstDash val="solid"/>
+            <a:round/>
+            <a:headEnd type="none" w="sm" len="sm"/>
+            <a:tailEnd type="none" w="sm" len="sm"/>
+          </a:ln>
+          <a:effectLst/>
+        </p:spPr>
+        <p:txBody>
+          <a:bodyPr vert="horz" wrap="square" lIns="91440" tIns="45720" rIns="91440" bIns="45720" numCol="1" rtlCol="0" anchor="ctr" anchorCtr="1" compatLnSpc="1">
+            <a:prstTxWarp prst="textNoShape">
+              <a:avLst/>
+            </a:prstTxWarp>
+          </a:bodyPr>
+          <a:lstStyle/>
+          <a:p>
+            <a:pPr marL="0" marR="0" indent="0" algn="l" defTabSz="914400" rtl="0" eaLnBrk="0" fontAlgn="base" latinLnBrk="0" hangingPunct="0">
+              <a:lnSpc>
+                <a:spcPct val="100000"/>
+              </a:lnSpc>
+              <a:spcBef>
+                <a:spcPct val="0"/>
+              </a:spcBef>
+              <a:spcAft>
+                <a:spcPct val="0"/>
+              </a:spcAft>
+              <a:buClrTx/>
+              <a:buSzTx/>
+              <a:buFontTx/>
+              <a:buNone/>
+              <a:tabLst/>
+            </a:pPr>
+            <a:r>
+              <a:rPr lang="de-DE" dirty="0">
+                <a:latin typeface="+mn-lt"/>
+              </a:rPr>
+              <a:t>v2</a:t>
+            </a:r>
+            <a:endParaRPr kumimoji="0" lang="de-DE" sz="2400" b="0" i="0" u="none" strike="noStrike" cap="none" normalizeH="0" baseline="0" dirty="0">
+              <a:ln>
+                <a:noFill/>
+              </a:ln>
+              <a:solidFill>
+                <a:schemeClr val="tx1"/>
+              </a:solidFill>
+              <a:effectLst/>
+              <a:latin typeface="+mn-lt"/>
+            </a:endParaRPr>
+          </a:p>
+        </p:txBody>
+      </p:sp>
+      <p:sp>
+        <p:nvSpPr>
+          <p:cNvPr id="40" name="Würfel 39">
+            <a:extLst>
+              <a:ext uri="{FF2B5EF4-FFF2-40B4-BE49-F238E27FC236}">
+                <a16:creationId xmlns:a16="http://schemas.microsoft.com/office/drawing/2014/main" id="{302B8E49-5E28-90CB-BCB2-FB0385874CC6}"/>
+              </a:ext>
+            </a:extLst>
+          </p:cNvPr>
+          <p:cNvSpPr/>
+          <p:nvPr/>
+        </p:nvSpPr>
+        <p:spPr bwMode="auto">
+          <a:xfrm>
+            <a:off x="6639594" y="3699496"/>
+            <a:ext cx="1552952" cy="574896"/>
+          </a:xfrm>
+          <a:prstGeom prst="cube">
+            <a:avLst/>
+          </a:prstGeom>
+          <a:solidFill>
+            <a:schemeClr val="bg1"/>
+          </a:solidFill>
+          <a:ln w="12700" cap="flat" cmpd="sng" algn="ctr">
+            <a:solidFill>
+              <a:schemeClr val="tx1"/>
+            </a:solidFill>
+            <a:prstDash val="solid"/>
+            <a:round/>
+            <a:headEnd type="none" w="sm" len="sm"/>
+            <a:tailEnd type="none" w="sm" len="sm"/>
+          </a:ln>
+          <a:effectLst/>
+        </p:spPr>
+        <p:txBody>
+          <a:bodyPr vert="horz" wrap="square" lIns="91440" tIns="45720" rIns="91440" bIns="45720" numCol="1" rtlCol="0" anchor="t" anchorCtr="0" compatLnSpc="1">
+            <a:prstTxWarp prst="textNoShape">
+              <a:avLst/>
+            </a:prstTxWarp>
+          </a:bodyPr>
+          <a:lstStyle/>
+          <a:p>
+            <a:pPr marL="0" marR="0" indent="0" algn="l" defTabSz="914400" rtl="0" eaLnBrk="0" fontAlgn="base" latinLnBrk="0" hangingPunct="0">
+              <a:lnSpc>
+                <a:spcPct val="100000"/>
+              </a:lnSpc>
+              <a:spcBef>
+                <a:spcPct val="0"/>
+              </a:spcBef>
+              <a:spcAft>
+                <a:spcPct val="0"/>
+              </a:spcAft>
+              <a:buClrTx/>
+              <a:buSzTx/>
+              <a:buFontTx/>
+              <a:buNone/>
+              <a:tabLst/>
+            </a:pPr>
+            <a:r>
+              <a:rPr lang="de-DE" dirty="0">
+                <a:latin typeface="+mn-lt"/>
+              </a:rPr>
+              <a:t>Balancer</a:t>
+            </a:r>
+            <a:endParaRPr kumimoji="0" lang="de-DE" sz="2400" b="0" i="0" u="none" strike="noStrike" cap="none" normalizeH="0" baseline="0" dirty="0">
+              <a:ln>
+                <a:noFill/>
+              </a:ln>
+              <a:solidFill>
+                <a:schemeClr val="tx1"/>
+              </a:solidFill>
+              <a:effectLst/>
+              <a:latin typeface="+mn-lt"/>
+            </a:endParaRPr>
+          </a:p>
+        </p:txBody>
+      </p:sp>
+      <p:cxnSp>
+        <p:nvCxnSpPr>
+          <p:cNvPr id="41" name="Gerade Verbindung mit Pfeil 40">
+            <a:extLst>
+              <a:ext uri="{FF2B5EF4-FFF2-40B4-BE49-F238E27FC236}">
+                <a16:creationId xmlns:a16="http://schemas.microsoft.com/office/drawing/2014/main" id="{7E10CAC2-B54F-BBE2-BE39-E0349FAF7087}"/>
+              </a:ext>
+            </a:extLst>
+          </p:cNvPr>
+          <p:cNvCxnSpPr>
+            <a:cxnSpLocks/>
+            <a:stCxn id="40" idx="3"/>
+            <a:endCxn id="39" idx="1"/>
+          </p:cNvCxnSpPr>
+          <p:nvPr/>
+        </p:nvCxnSpPr>
+        <p:spPr bwMode="auto">
+          <a:xfrm>
+            <a:off x="7344208" y="4274392"/>
+            <a:ext cx="331763" cy="275666"/>
+          </a:xfrm>
+          <a:prstGeom prst="straightConnector1">
+            <a:avLst/>
+          </a:prstGeom>
+          <a:solidFill>
+            <a:schemeClr val="accent1"/>
+          </a:solidFill>
+          <a:ln w="12700" cap="flat" cmpd="sng" algn="ctr">
+            <a:solidFill>
+              <a:schemeClr val="tx1"/>
+            </a:solidFill>
+            <a:prstDash val="solid"/>
+            <a:round/>
+            <a:headEnd type="none" w="sm" len="sm"/>
+            <a:tailEnd type="triangle"/>
+          </a:ln>
+          <a:effectLst/>
+        </p:spPr>
+      </p:cxnSp>
     </p:spTree>
     <p:extLst>
       <p:ext uri="{BB962C8B-B14F-4D97-AF65-F5344CB8AC3E}">
-        <p14:creationId xmlns:p14="http://schemas.microsoft.com/office/powerpoint/2010/main" val="2422806362"/>
+        <p14:creationId xmlns:p14="http://schemas.microsoft.com/office/powerpoint/2010/main" val="2240043917"/>
       </p:ext>
     </p:extLst>
   </p:cSld>
@@ -6775,7 +10672,7 @@
           <p:cNvPr id="2" name="Titel 1">
             <a:extLst>
               <a:ext uri="{FF2B5EF4-FFF2-40B4-BE49-F238E27FC236}">
-                <a16:creationId xmlns:a16="http://schemas.microsoft.com/office/drawing/2014/main" id="{D99BAD01-A920-7F80-9D35-9B44F14A75EF}"/>
+                <a16:creationId xmlns:a16="http://schemas.microsoft.com/office/drawing/2014/main" id="{29D286B2-C35C-4BC6-9254-B3D2AE464CA4}"/>
               </a:ext>
             </a:extLst>
           </p:cNvPr>
@@ -6805,10 +10702,62 @@
       </p:sp>
       <p:sp>
         <p:nvSpPr>
+          <p:cNvPr id="3" name="Inhaltsplatzhalter 2">
+            <a:extLst>
+              <a:ext uri="{FF2B5EF4-FFF2-40B4-BE49-F238E27FC236}">
+                <a16:creationId xmlns:a16="http://schemas.microsoft.com/office/drawing/2014/main" id="{5841B00E-A256-2C3F-B12E-C474E3991C93}"/>
+              </a:ext>
+            </a:extLst>
+          </p:cNvPr>
+          <p:cNvSpPr>
+            <a:spLocks noGrp="1"/>
+          </p:cNvSpPr>
+          <p:nvPr>
+            <p:ph idx="1"/>
+          </p:nvPr>
+        </p:nvSpPr>
+        <p:spPr>
+          <a:xfrm>
+            <a:off x="303213" y="1844823"/>
+            <a:ext cx="8516937" cy="1656185"/>
+          </a:xfrm>
+        </p:spPr>
+        <p:txBody>
+          <a:bodyPr/>
+          <a:lstStyle/>
+          <a:p>
+            <a:pPr>
+              <a:buFont typeface="Arial" panose="020B0604020202020204" pitchFamily="34" charset="0"/>
+              <a:buChar char="•"/>
+            </a:pPr>
+            <a:r>
+              <a:rPr lang="de-DE" dirty="0"/>
+              <a:t>Neue Version nur für bestimmten Teil der User </a:t>
+            </a:r>
+            <a:r>
+              <a:rPr lang="de-DE" dirty="0" err="1"/>
+              <a:t>released</a:t>
+            </a:r>
+            <a:endParaRPr lang="de-DE" dirty="0"/>
+          </a:p>
+          <a:p>
+            <a:pPr>
+              <a:buFont typeface="Arial" panose="020B0604020202020204" pitchFamily="34" charset="0"/>
+              <a:buChar char="•"/>
+            </a:pPr>
+            <a:r>
+              <a:rPr lang="de-DE" dirty="0"/>
+              <a:t>Test der Version mit Testgruppe</a:t>
+            </a:r>
+          </a:p>
+        </p:txBody>
+      </p:sp>
+      <p:sp>
+        <p:nvSpPr>
           <p:cNvPr id="5" name="Textfeld 4">
             <a:extLst>
               <a:ext uri="{FF2B5EF4-FFF2-40B4-BE49-F238E27FC236}">
-                <a16:creationId xmlns:a16="http://schemas.microsoft.com/office/drawing/2014/main" id="{B391B747-BBA4-21F1-3683-E6C2DC8AA3C6}"/>
+                <a16:creationId xmlns:a16="http://schemas.microsoft.com/office/drawing/2014/main" id="{2329921C-13DB-F6B8-C326-D9583581E977}"/>
               </a:ext>
             </a:extLst>
           </p:cNvPr>
@@ -6842,330 +10791,868 @@
               <a:rPr lang="de-DE" sz="3200" dirty="0">
                 <a:latin typeface="+mj-lt"/>
               </a:rPr>
-              <a:t>Vor und Nachteile</a:t>
+              <a:t>Canary Deploy</a:t>
             </a:r>
           </a:p>
         </p:txBody>
       </p:sp>
       <p:sp>
         <p:nvSpPr>
-          <p:cNvPr id="3" name="Inhaltsplatzhalter 2">
-            <a:extLst>
-              <a:ext uri="{FF2B5EF4-FFF2-40B4-BE49-F238E27FC236}">
-                <a16:creationId xmlns:a16="http://schemas.microsoft.com/office/drawing/2014/main" id="{B3231207-F7BC-F792-92B9-48E8C8E01816}"/>
-              </a:ext>
-            </a:extLst>
-          </p:cNvPr>
-          <p:cNvSpPr>
-            <a:spLocks noGrp="1"/>
-          </p:cNvSpPr>
-          <p:nvPr>
-            <p:ph idx="1"/>
-          </p:nvPr>
+          <p:cNvPr id="4" name="Rechteck 3">
+            <a:extLst>
+              <a:ext uri="{FF2B5EF4-FFF2-40B4-BE49-F238E27FC236}">
+                <a16:creationId xmlns:a16="http://schemas.microsoft.com/office/drawing/2014/main" id="{3A5D56F6-2D51-C947-AF92-9751956C7BBA}"/>
+              </a:ext>
+            </a:extLst>
+          </p:cNvPr>
+          <p:cNvSpPr/>
+          <p:nvPr/>
         </p:nvSpPr>
-        <p:spPr>
+        <p:spPr bwMode="auto">
           <a:xfrm>
-            <a:off x="683568" y="1988840"/>
-            <a:ext cx="3764731" cy="3960440"/>
-          </a:xfrm>
+            <a:off x="611560" y="3645024"/>
+            <a:ext cx="2160240" cy="2160240"/>
+          </a:xfrm>
+          <a:prstGeom prst="rect">
+            <a:avLst/>
+          </a:prstGeom>
+          <a:solidFill>
+            <a:schemeClr val="bg1"/>
+          </a:solidFill>
+          <a:ln w="12700" cap="flat" cmpd="sng" algn="ctr">
+            <a:solidFill>
+              <a:schemeClr val="tx1"/>
+            </a:solidFill>
+            <a:prstDash val="solid"/>
+            <a:round/>
+            <a:headEnd type="none" w="sm" len="sm"/>
+            <a:tailEnd type="none" w="sm" len="sm"/>
+          </a:ln>
+          <a:effectLst/>
         </p:spPr>
         <p:txBody>
-          <a:bodyPr/>
+          <a:bodyPr vert="horz" wrap="square" lIns="91440" tIns="45720" rIns="91440" bIns="45720" numCol="1" rtlCol="0" anchor="b" anchorCtr="0" compatLnSpc="1">
+            <a:prstTxWarp prst="textNoShape">
+              <a:avLst/>
+            </a:prstTxWarp>
+          </a:bodyPr>
           <a:lstStyle/>
           <a:p>
-            <a:pPr>
-              <a:buFont typeface="Arial" panose="020B0604020202020204" pitchFamily="34" charset="0"/>
-              <a:buChar char="•"/>
+            <a:pPr marL="0" marR="0" indent="0" algn="l" defTabSz="914400" rtl="0" eaLnBrk="0" fontAlgn="base" latinLnBrk="0" hangingPunct="0">
+              <a:lnSpc>
+                <a:spcPct val="100000"/>
+              </a:lnSpc>
+              <a:spcBef>
+                <a:spcPct val="0"/>
+              </a:spcBef>
+              <a:spcAft>
+                <a:spcPct val="0"/>
+              </a:spcAft>
+              <a:buClrTx/>
+              <a:buSzTx/>
+              <a:buFontTx/>
+              <a:buNone/>
+              <a:tabLst/>
             </a:pPr>
-            <a:r>
-              <a:rPr lang="de-DE" altLang="de-DE" dirty="0"/>
-              <a:t>Keine Downtime</a:t>
-            </a:r>
-          </a:p>
-          <a:p>
-            <a:pPr>
-              <a:buFont typeface="Arial" panose="020B0604020202020204" pitchFamily="34" charset="0"/>
-              <a:buChar char="•"/>
-            </a:pPr>
-            <a:r>
-              <a:rPr lang="de-DE" altLang="de-DE" dirty="0"/>
-              <a:t>Einfaches Rollback</a:t>
-            </a:r>
-          </a:p>
-          <a:p>
-            <a:pPr>
-              <a:buFont typeface="Arial" panose="020B0604020202020204" pitchFamily="34" charset="0"/>
-              <a:buChar char="•"/>
-            </a:pPr>
-            <a:r>
-              <a:rPr lang="de-DE" altLang="de-DE" dirty="0"/>
-              <a:t>Partieller Deploy</a:t>
-            </a:r>
-          </a:p>
-          <a:p>
-            <a:pPr>
-              <a:buFont typeface="Arial" panose="020B0604020202020204" pitchFamily="34" charset="0"/>
-              <a:buChar char="•"/>
-            </a:pPr>
-            <a:endParaRPr lang="de-DE" altLang="de-DE" dirty="0"/>
+            <a:endParaRPr kumimoji="0" lang="de-DE" sz="2400" b="0" i="0" u="none" strike="noStrike" cap="none" normalizeH="0" baseline="0" dirty="0">
+              <a:ln>
+                <a:noFill/>
+              </a:ln>
+              <a:solidFill>
+                <a:schemeClr val="tx1"/>
+              </a:solidFill>
+              <a:effectLst/>
+              <a:latin typeface="+mn-lt"/>
+            </a:endParaRPr>
+          </a:p>
+        </p:txBody>
+      </p:sp>
+      <p:cxnSp>
+        <p:nvCxnSpPr>
+          <p:cNvPr id="6" name="Gerade Verbindung mit Pfeil 5">
+            <a:extLst>
+              <a:ext uri="{FF2B5EF4-FFF2-40B4-BE49-F238E27FC236}">
+                <a16:creationId xmlns:a16="http://schemas.microsoft.com/office/drawing/2014/main" id="{927DDFAF-5F81-D970-B14E-EC894957BC2C}"/>
+              </a:ext>
+            </a:extLst>
+          </p:cNvPr>
+          <p:cNvCxnSpPr>
+            <a:cxnSpLocks/>
+            <a:stCxn id="4" idx="3"/>
+          </p:cNvCxnSpPr>
+          <p:nvPr/>
+        </p:nvCxnSpPr>
+        <p:spPr bwMode="auto">
+          <a:xfrm>
+            <a:off x="2771800" y="4725144"/>
+            <a:ext cx="709761" cy="0"/>
+          </a:xfrm>
+          <a:prstGeom prst="straightConnector1">
+            <a:avLst/>
+          </a:prstGeom>
+          <a:solidFill>
+            <a:schemeClr val="accent1"/>
+          </a:solidFill>
+          <a:ln w="12700" cap="flat" cmpd="sng" algn="ctr">
+            <a:solidFill>
+              <a:schemeClr val="tx1"/>
+            </a:solidFill>
+            <a:prstDash val="solid"/>
+            <a:round/>
+            <a:headEnd type="none" w="sm" len="sm"/>
+            <a:tailEnd type="triangle"/>
+          </a:ln>
+          <a:effectLst/>
+        </p:spPr>
+      </p:cxnSp>
+      <p:cxnSp>
+        <p:nvCxnSpPr>
+          <p:cNvPr id="7" name="Gerade Verbindung mit Pfeil 6">
+            <a:extLst>
+              <a:ext uri="{FF2B5EF4-FFF2-40B4-BE49-F238E27FC236}">
+                <a16:creationId xmlns:a16="http://schemas.microsoft.com/office/drawing/2014/main" id="{0E2033F2-11E1-E3B2-61AE-C91B7C339156}"/>
+              </a:ext>
+            </a:extLst>
+          </p:cNvPr>
+          <p:cNvCxnSpPr>
+            <a:cxnSpLocks/>
+          </p:cNvCxnSpPr>
+          <p:nvPr/>
+        </p:nvCxnSpPr>
+        <p:spPr bwMode="auto">
+          <a:xfrm>
+            <a:off x="5641801" y="4725144"/>
+            <a:ext cx="709761" cy="0"/>
+          </a:xfrm>
+          <a:prstGeom prst="straightConnector1">
+            <a:avLst/>
+          </a:prstGeom>
+          <a:solidFill>
+            <a:schemeClr val="accent1"/>
+          </a:solidFill>
+          <a:ln w="12700" cap="flat" cmpd="sng" algn="ctr">
+            <a:solidFill>
+              <a:schemeClr val="tx1"/>
+            </a:solidFill>
+            <a:prstDash val="solid"/>
+            <a:round/>
+            <a:headEnd type="none" w="sm" len="sm"/>
+            <a:tailEnd type="triangle"/>
+          </a:ln>
+          <a:effectLst/>
+        </p:spPr>
+      </p:cxnSp>
+      <p:sp>
+        <p:nvSpPr>
+          <p:cNvPr id="22" name="Rechteck 21">
+            <a:extLst>
+              <a:ext uri="{FF2B5EF4-FFF2-40B4-BE49-F238E27FC236}">
+                <a16:creationId xmlns:a16="http://schemas.microsoft.com/office/drawing/2014/main" id="{D7493555-5056-90A1-D559-3B05F43C5BCF}"/>
+              </a:ext>
+            </a:extLst>
+          </p:cNvPr>
+          <p:cNvSpPr/>
+          <p:nvPr/>
+        </p:nvSpPr>
+        <p:spPr bwMode="auto">
+          <a:xfrm>
+            <a:off x="827584" y="4493693"/>
+            <a:ext cx="1728192" cy="504056"/>
+          </a:xfrm>
+          <a:prstGeom prst="rect">
+            <a:avLst/>
+          </a:prstGeom>
+          <a:solidFill>
+            <a:schemeClr val="accent1"/>
+          </a:solidFill>
+          <a:ln w="12700" cap="flat" cmpd="sng" algn="ctr">
+            <a:solidFill>
+              <a:schemeClr val="tx1"/>
+            </a:solidFill>
+            <a:prstDash val="solid"/>
+            <a:round/>
+            <a:headEnd type="none" w="sm" len="sm"/>
+            <a:tailEnd type="none" w="sm" len="sm"/>
+          </a:ln>
+          <a:effectLst/>
+        </p:spPr>
+        <p:txBody>
+          <a:bodyPr vert="horz" wrap="square" lIns="91440" tIns="45720" rIns="91440" bIns="45720" numCol="1" rtlCol="0" anchor="t" anchorCtr="0" compatLnSpc="1">
+            <a:prstTxWarp prst="textNoShape">
+              <a:avLst/>
+            </a:prstTxWarp>
+          </a:bodyPr>
+          <a:lstStyle/>
+          <a:p>
+            <a:pPr algn="r"/>
+            <a:r>
+              <a:rPr kumimoji="0" lang="de-DE" sz="2400" b="0" i="0" u="none" strike="noStrike" cap="none" normalizeH="0" baseline="0" dirty="0">
+                <a:ln>
+                  <a:noFill/>
+                </a:ln>
+                <a:solidFill>
+                  <a:schemeClr val="tx1"/>
+                </a:solidFill>
+                <a:effectLst/>
+                <a:latin typeface="+mn-lt"/>
+              </a:rPr>
+              <a:t>App v1</a:t>
+            </a:r>
           </a:p>
         </p:txBody>
       </p:sp>
       <p:sp>
         <p:nvSpPr>
-          <p:cNvPr id="4" name="Inhaltsplatzhalter 2">
-            <a:extLst>
-              <a:ext uri="{FF2B5EF4-FFF2-40B4-BE49-F238E27FC236}">
-                <a16:creationId xmlns:a16="http://schemas.microsoft.com/office/drawing/2014/main" id="{0EDA6666-E721-7B60-2CB5-59117D00AFAA}"/>
-              </a:ext>
-            </a:extLst>
-          </p:cNvPr>
-          <p:cNvSpPr txBox="1">
-            <a:spLocks/>
-          </p:cNvSpPr>
+          <p:cNvPr id="25" name="Rechteck 24">
+            <a:extLst>
+              <a:ext uri="{FF2B5EF4-FFF2-40B4-BE49-F238E27FC236}">
+                <a16:creationId xmlns:a16="http://schemas.microsoft.com/office/drawing/2014/main" id="{AD14B0D0-44E5-CAC0-CFC4-3464D6FCD332}"/>
+              </a:ext>
+            </a:extLst>
+          </p:cNvPr>
+          <p:cNvSpPr/>
           <p:nvPr/>
         </p:nvSpPr>
         <p:spPr bwMode="auto">
           <a:xfrm>
-            <a:off x="4693773" y="1988840"/>
-            <a:ext cx="3764731" cy="3960440"/>
+            <a:off x="827584" y="3861048"/>
+            <a:ext cx="1728192" cy="504056"/>
           </a:xfrm>
           <a:prstGeom prst="rect">
             <a:avLst/>
           </a:prstGeom>
-          <a:noFill/>
-          <a:ln>
-            <a:noFill/>
+          <a:solidFill>
+            <a:schemeClr val="accent1"/>
+          </a:solidFill>
+          <a:ln w="12700" cap="flat" cmpd="sng" algn="ctr">
+            <a:solidFill>
+              <a:schemeClr val="tx1"/>
+            </a:solidFill>
+            <a:prstDash val="solid"/>
+            <a:round/>
+            <a:headEnd type="none" w="sm" len="sm"/>
+            <a:tailEnd type="none" w="sm" len="sm"/>
           </a:ln>
-          <a:extLst>
-            <a:ext uri="{909E8E84-426E-40DD-AFC4-6F175D3DCCD1}">
-              <a14:hiddenFill xmlns:a14="http://schemas.microsoft.com/office/drawing/2010/main">
-                <a:solidFill>
-                  <a:srgbClr val="FFFFFF"/>
-                </a:solidFill>
-              </a14:hiddenFill>
-            </a:ext>
-            <a:ext uri="{91240B29-F687-4F45-9708-019B960494DF}">
-              <a14:hiddenLine xmlns:a14="http://schemas.microsoft.com/office/drawing/2010/main" w="9525">
-                <a:solidFill>
-                  <a:srgbClr val="000000"/>
-                </a:solidFill>
-                <a:miter lim="800000"/>
-                <a:headEnd/>
-                <a:tailEnd/>
-              </a14:hiddenLine>
-            </a:ext>
-          </a:extLst>
+          <a:effectLst/>
         </p:spPr>
         <p:txBody>
-          <a:bodyPr vert="horz" wrap="square" lIns="92075" tIns="46038" rIns="92075" bIns="46038" numCol="1" anchor="t" anchorCtr="0" compatLnSpc="1">
+          <a:bodyPr vert="horz" wrap="square" lIns="91440" tIns="45720" rIns="91440" bIns="45720" numCol="1" rtlCol="0" anchor="t" anchorCtr="0" compatLnSpc="1">
             <a:prstTxWarp prst="textNoShape">
               <a:avLst/>
             </a:prstTxWarp>
           </a:bodyPr>
-          <a:lstStyle>
-            <a:lvl1pPr marL="342900" indent="-342900" algn="l" rtl="0" eaLnBrk="1" fontAlgn="base" hangingPunct="1">
+          <a:lstStyle/>
+          <a:p>
+            <a:pPr marL="0" marR="0" indent="0" algn="r" defTabSz="914400" rtl="0" eaLnBrk="0" fontAlgn="base" latinLnBrk="0" hangingPunct="0">
+              <a:lnSpc>
+                <a:spcPct val="100000"/>
+              </a:lnSpc>
               <a:spcBef>
-                <a:spcPct val="20000"/>
+                <a:spcPct val="0"/>
               </a:spcBef>
               <a:spcAft>
                 <a:spcPct val="0"/>
               </a:spcAft>
-              <a:buClr>
-                <a:srgbClr val="008C5A"/>
-              </a:buClr>
-              <a:buFont typeface="Monotype Sorts" pitchFamily="2" charset="2"/>
-              <a:buChar char="l"/>
-              <a:defRPr sz="2400">
+              <a:buClrTx/>
+              <a:buSzTx/>
+              <a:buFontTx/>
+              <a:buNone/>
+              <a:tabLst/>
+            </a:pPr>
+            <a:r>
+              <a:rPr kumimoji="0" lang="de-DE" sz="2400" b="0" i="0" u="none" strike="noStrike" cap="none" normalizeH="0" baseline="0" dirty="0">
+                <a:ln>
+                  <a:noFill/>
+                </a:ln>
                 <a:solidFill>
                   <a:schemeClr val="tx1"/>
                 </a:solidFill>
+                <a:effectLst/>
                 <a:latin typeface="+mn-lt"/>
-                <a:ea typeface="+mn-ea"/>
-                <a:cs typeface="+mn-cs"/>
-              </a:defRPr>
-            </a:lvl1pPr>
-            <a:lvl2pPr marL="742950" indent="-285750" algn="l" rtl="0" eaLnBrk="1" fontAlgn="base" hangingPunct="1">
-              <a:spcBef>
-                <a:spcPct val="20000"/>
-              </a:spcBef>
-              <a:spcAft>
-                <a:spcPct val="0"/>
-              </a:spcAft>
-              <a:buClr>
-                <a:srgbClr val="008C5A"/>
-              </a:buClr>
-              <a:buFont typeface="Monotype Sorts" pitchFamily="2" charset="2"/>
-              <a:buChar char="l"/>
-              <a:defRPr sz="2000">
+              </a:rPr>
+              <a:t>App v1</a:t>
+            </a:r>
+          </a:p>
+        </p:txBody>
+      </p:sp>
+      <p:sp>
+        <p:nvSpPr>
+          <p:cNvPr id="26" name="Rechteck 25">
+            <a:extLst>
+              <a:ext uri="{FF2B5EF4-FFF2-40B4-BE49-F238E27FC236}">
+                <a16:creationId xmlns:a16="http://schemas.microsoft.com/office/drawing/2014/main" id="{47919677-0BC4-4B6D-75EE-92E08DC6651D}"/>
+              </a:ext>
+            </a:extLst>
+          </p:cNvPr>
+          <p:cNvSpPr/>
+          <p:nvPr/>
+        </p:nvSpPr>
+        <p:spPr bwMode="auto">
+          <a:xfrm>
+            <a:off x="827584" y="5120331"/>
+            <a:ext cx="1728192" cy="504056"/>
+          </a:xfrm>
+          <a:prstGeom prst="rect">
+            <a:avLst/>
+          </a:prstGeom>
+          <a:solidFill>
+            <a:schemeClr val="accent1"/>
+          </a:solidFill>
+          <a:ln w="12700" cap="flat" cmpd="sng" algn="ctr">
+            <a:solidFill>
+              <a:schemeClr val="tx1"/>
+            </a:solidFill>
+            <a:prstDash val="solid"/>
+            <a:round/>
+            <a:headEnd type="none" w="sm" len="sm"/>
+            <a:tailEnd type="none" w="sm" len="sm"/>
+          </a:ln>
+          <a:effectLst/>
+        </p:spPr>
+        <p:txBody>
+          <a:bodyPr vert="horz" wrap="square" lIns="91440" tIns="45720" rIns="91440" bIns="45720" numCol="1" rtlCol="0" anchor="t" anchorCtr="0" compatLnSpc="1">
+            <a:prstTxWarp prst="textNoShape">
+              <a:avLst/>
+            </a:prstTxWarp>
+          </a:bodyPr>
+          <a:lstStyle/>
+          <a:p>
+            <a:pPr algn="r"/>
+            <a:r>
+              <a:rPr kumimoji="0" lang="de-DE" sz="2400" b="0" i="0" u="none" strike="noStrike" cap="none" normalizeH="0" baseline="0" dirty="0">
+                <a:ln>
+                  <a:noFill/>
+                </a:ln>
                 <a:solidFill>
                   <a:schemeClr val="tx1"/>
                 </a:solidFill>
+                <a:effectLst/>
                 <a:latin typeface="+mn-lt"/>
-              </a:defRPr>
-            </a:lvl2pPr>
-            <a:lvl3pPr marL="1143000" indent="-228600" algn="l" rtl="0" eaLnBrk="1" fontAlgn="base" hangingPunct="1">
+              </a:rPr>
+              <a:t>App v1</a:t>
+            </a:r>
+          </a:p>
+        </p:txBody>
+      </p:sp>
+      <p:sp>
+        <p:nvSpPr>
+          <p:cNvPr id="27" name="Rechteck 26">
+            <a:extLst>
+              <a:ext uri="{FF2B5EF4-FFF2-40B4-BE49-F238E27FC236}">
+                <a16:creationId xmlns:a16="http://schemas.microsoft.com/office/drawing/2014/main" id="{89E861BC-76AB-A9B4-A2CF-1772A115F4F9}"/>
+              </a:ext>
+            </a:extLst>
+          </p:cNvPr>
+          <p:cNvSpPr/>
+          <p:nvPr/>
+        </p:nvSpPr>
+        <p:spPr bwMode="auto">
+          <a:xfrm>
+            <a:off x="3491880" y="3645024"/>
+            <a:ext cx="2160240" cy="2160240"/>
+          </a:xfrm>
+          <a:prstGeom prst="rect">
+            <a:avLst/>
+          </a:prstGeom>
+          <a:solidFill>
+            <a:schemeClr val="bg1"/>
+          </a:solidFill>
+          <a:ln w="12700" cap="flat" cmpd="sng" algn="ctr">
+            <a:solidFill>
+              <a:schemeClr val="tx1"/>
+            </a:solidFill>
+            <a:prstDash val="solid"/>
+            <a:round/>
+            <a:headEnd type="none" w="sm" len="sm"/>
+            <a:tailEnd type="none" w="sm" len="sm"/>
+          </a:ln>
+          <a:effectLst/>
+        </p:spPr>
+        <p:txBody>
+          <a:bodyPr vert="horz" wrap="square" lIns="91440" tIns="45720" rIns="91440" bIns="45720" numCol="1" rtlCol="0" anchor="b" anchorCtr="0" compatLnSpc="1">
+            <a:prstTxWarp prst="textNoShape">
+              <a:avLst/>
+            </a:prstTxWarp>
+          </a:bodyPr>
+          <a:lstStyle/>
+          <a:p>
+            <a:pPr marL="0" marR="0" indent="0" algn="l" defTabSz="914400" rtl="0" eaLnBrk="0" fontAlgn="base" latinLnBrk="0" hangingPunct="0">
+              <a:lnSpc>
+                <a:spcPct val="100000"/>
+              </a:lnSpc>
               <a:spcBef>
-                <a:spcPct val="20000"/>
+                <a:spcPct val="0"/>
               </a:spcBef>
               <a:spcAft>
                 <a:spcPct val="0"/>
               </a:spcAft>
-              <a:buClr>
-                <a:srgbClr val="008C5A"/>
-              </a:buClr>
-              <a:buFont typeface="Monotype Sorts" pitchFamily="2" charset="2"/>
-              <a:buChar char="l"/>
-              <a:defRPr sz="2400">
+              <a:buClrTx/>
+              <a:buSzTx/>
+              <a:buFontTx/>
+              <a:buNone/>
+              <a:tabLst/>
+            </a:pPr>
+            <a:endParaRPr kumimoji="0" lang="de-DE" sz="2400" b="0" i="0" u="none" strike="noStrike" cap="none" normalizeH="0" baseline="0" dirty="0">
+              <a:ln>
+                <a:noFill/>
+              </a:ln>
+              <a:solidFill>
+                <a:schemeClr val="tx1"/>
+              </a:solidFill>
+              <a:effectLst/>
+              <a:latin typeface="+mn-lt"/>
+            </a:endParaRPr>
+          </a:p>
+        </p:txBody>
+      </p:sp>
+      <p:sp>
+        <p:nvSpPr>
+          <p:cNvPr id="28" name="Rechteck 27">
+            <a:extLst>
+              <a:ext uri="{FF2B5EF4-FFF2-40B4-BE49-F238E27FC236}">
+                <a16:creationId xmlns:a16="http://schemas.microsoft.com/office/drawing/2014/main" id="{F4804EA0-32AD-3E25-E9A1-3E62DCF10FB6}"/>
+              </a:ext>
+            </a:extLst>
+          </p:cNvPr>
+          <p:cNvSpPr/>
+          <p:nvPr/>
+        </p:nvSpPr>
+        <p:spPr bwMode="auto">
+          <a:xfrm>
+            <a:off x="3707904" y="4493693"/>
+            <a:ext cx="1728192" cy="504056"/>
+          </a:xfrm>
+          <a:prstGeom prst="rect">
+            <a:avLst/>
+          </a:prstGeom>
+          <a:solidFill>
+            <a:schemeClr val="accent1"/>
+          </a:solidFill>
+          <a:ln w="12700" cap="flat" cmpd="sng" algn="ctr">
+            <a:solidFill>
+              <a:schemeClr val="tx1"/>
+            </a:solidFill>
+            <a:prstDash val="solid"/>
+            <a:round/>
+            <a:headEnd type="none" w="sm" len="sm"/>
+            <a:tailEnd type="none" w="sm" len="sm"/>
+          </a:ln>
+          <a:effectLst/>
+        </p:spPr>
+        <p:txBody>
+          <a:bodyPr vert="horz" wrap="square" lIns="91440" tIns="45720" rIns="91440" bIns="45720" numCol="1" rtlCol="0" anchor="t" anchorCtr="0" compatLnSpc="1">
+            <a:prstTxWarp prst="textNoShape">
+              <a:avLst/>
+            </a:prstTxWarp>
+          </a:bodyPr>
+          <a:lstStyle/>
+          <a:p>
+            <a:pPr algn="r"/>
+            <a:r>
+              <a:rPr kumimoji="0" lang="de-DE" sz="2400" b="0" i="0" u="none" strike="noStrike" cap="none" normalizeH="0" baseline="0" dirty="0">
+                <a:ln>
+                  <a:noFill/>
+                </a:ln>
                 <a:solidFill>
                   <a:schemeClr val="tx1"/>
                 </a:solidFill>
+                <a:effectLst/>
                 <a:latin typeface="+mn-lt"/>
-              </a:defRPr>
-            </a:lvl3pPr>
-            <a:lvl4pPr marL="1562100" indent="-228600" algn="l" rtl="0" eaLnBrk="1" fontAlgn="base" hangingPunct="1">
+              </a:rPr>
+              <a:t>App v1</a:t>
+            </a:r>
+          </a:p>
+        </p:txBody>
+      </p:sp>
+      <p:sp>
+        <p:nvSpPr>
+          <p:cNvPr id="29" name="Rechteck 28">
+            <a:extLst>
+              <a:ext uri="{FF2B5EF4-FFF2-40B4-BE49-F238E27FC236}">
+                <a16:creationId xmlns:a16="http://schemas.microsoft.com/office/drawing/2014/main" id="{2D587887-A493-FCB5-0123-185A116DE8B4}"/>
+              </a:ext>
+            </a:extLst>
+          </p:cNvPr>
+          <p:cNvSpPr/>
+          <p:nvPr/>
+        </p:nvSpPr>
+        <p:spPr bwMode="auto">
+          <a:xfrm>
+            <a:off x="3707904" y="3861048"/>
+            <a:ext cx="1728192" cy="504056"/>
+          </a:xfrm>
+          <a:prstGeom prst="rect">
+            <a:avLst/>
+          </a:prstGeom>
+          <a:solidFill>
+            <a:schemeClr val="accent2"/>
+          </a:solidFill>
+          <a:ln w="12700" cap="flat" cmpd="sng" algn="ctr">
+            <a:solidFill>
+              <a:schemeClr val="tx1"/>
+            </a:solidFill>
+            <a:prstDash val="solid"/>
+            <a:round/>
+            <a:headEnd type="none" w="sm" len="sm"/>
+            <a:tailEnd type="none" w="sm" len="sm"/>
+          </a:ln>
+          <a:effectLst/>
+        </p:spPr>
+        <p:txBody>
+          <a:bodyPr vert="horz" wrap="square" lIns="91440" tIns="45720" rIns="91440" bIns="45720" numCol="1" rtlCol="0" anchor="t" anchorCtr="0" compatLnSpc="1">
+            <a:prstTxWarp prst="textNoShape">
+              <a:avLst/>
+            </a:prstTxWarp>
+          </a:bodyPr>
+          <a:lstStyle/>
+          <a:p>
+            <a:pPr marL="0" marR="0" indent="0" algn="r" defTabSz="914400" rtl="0" eaLnBrk="0" fontAlgn="base" latinLnBrk="0" hangingPunct="0">
+              <a:lnSpc>
+                <a:spcPct val="100000"/>
+              </a:lnSpc>
               <a:spcBef>
-                <a:spcPct val="20000"/>
+                <a:spcPct val="0"/>
               </a:spcBef>
               <a:spcAft>
                 <a:spcPct val="0"/>
               </a:spcAft>
-              <a:buClr>
-                <a:srgbClr val="008C5A"/>
-              </a:buClr>
-              <a:buFont typeface="Monotype Sorts" pitchFamily="2" charset="2"/>
-              <a:buChar char="l"/>
-              <a:defRPr sz="1600">
+              <a:buClrTx/>
+              <a:buSzTx/>
+              <a:buFontTx/>
+              <a:buNone/>
+              <a:tabLst/>
+            </a:pPr>
+            <a:r>
+              <a:rPr kumimoji="0" lang="de-DE" sz="2400" b="0" i="0" u="none" strike="noStrike" cap="none" normalizeH="0" baseline="0" dirty="0">
+                <a:ln>
+                  <a:noFill/>
+                </a:ln>
+                <a:effectLst/>
+                <a:latin typeface="+mn-lt"/>
+              </a:rPr>
+              <a:t>App v2</a:t>
+            </a:r>
+          </a:p>
+        </p:txBody>
+      </p:sp>
+      <p:sp>
+        <p:nvSpPr>
+          <p:cNvPr id="30" name="Rechteck 29">
+            <a:extLst>
+              <a:ext uri="{FF2B5EF4-FFF2-40B4-BE49-F238E27FC236}">
+                <a16:creationId xmlns:a16="http://schemas.microsoft.com/office/drawing/2014/main" id="{30593E9E-C3D1-7DB1-32CF-76D29D8C66CA}"/>
+              </a:ext>
+            </a:extLst>
+          </p:cNvPr>
+          <p:cNvSpPr/>
+          <p:nvPr/>
+        </p:nvSpPr>
+        <p:spPr bwMode="auto">
+          <a:xfrm>
+            <a:off x="3707904" y="5120331"/>
+            <a:ext cx="1728192" cy="504056"/>
+          </a:xfrm>
+          <a:prstGeom prst="rect">
+            <a:avLst/>
+          </a:prstGeom>
+          <a:solidFill>
+            <a:schemeClr val="accent1"/>
+          </a:solidFill>
+          <a:ln w="12700" cap="flat" cmpd="sng" algn="ctr">
+            <a:solidFill>
+              <a:schemeClr val="tx1"/>
+            </a:solidFill>
+            <a:prstDash val="solid"/>
+            <a:round/>
+            <a:headEnd type="none" w="sm" len="sm"/>
+            <a:tailEnd type="none" w="sm" len="sm"/>
+          </a:ln>
+          <a:effectLst/>
+        </p:spPr>
+        <p:txBody>
+          <a:bodyPr vert="horz" wrap="square" lIns="91440" tIns="45720" rIns="91440" bIns="45720" numCol="1" rtlCol="0" anchor="t" anchorCtr="0" compatLnSpc="1">
+            <a:prstTxWarp prst="textNoShape">
+              <a:avLst/>
+            </a:prstTxWarp>
+          </a:bodyPr>
+          <a:lstStyle/>
+          <a:p>
+            <a:pPr algn="r"/>
+            <a:r>
+              <a:rPr kumimoji="0" lang="de-DE" sz="2400" b="0" i="0" u="none" strike="noStrike" cap="none" normalizeH="0" baseline="0" dirty="0">
+                <a:ln>
+                  <a:noFill/>
+                </a:ln>
                 <a:solidFill>
                   <a:schemeClr val="tx1"/>
                 </a:solidFill>
+                <a:effectLst/>
                 <a:latin typeface="+mn-lt"/>
-              </a:defRPr>
-            </a:lvl4pPr>
-            <a:lvl5pPr marL="1981200" indent="-228600" algn="l" rtl="0" eaLnBrk="1" fontAlgn="base" hangingPunct="1">
+              </a:rPr>
+              <a:t>App v1</a:t>
+            </a:r>
+          </a:p>
+        </p:txBody>
+      </p:sp>
+      <p:sp>
+        <p:nvSpPr>
+          <p:cNvPr id="31" name="Rechteck 30">
+            <a:extLst>
+              <a:ext uri="{FF2B5EF4-FFF2-40B4-BE49-F238E27FC236}">
+                <a16:creationId xmlns:a16="http://schemas.microsoft.com/office/drawing/2014/main" id="{23327B73-1CAA-03CF-3CFB-DD35B42FAC8B}"/>
+              </a:ext>
+            </a:extLst>
+          </p:cNvPr>
+          <p:cNvSpPr/>
+          <p:nvPr/>
+        </p:nvSpPr>
+        <p:spPr bwMode="auto">
+          <a:xfrm>
+            <a:off x="6372200" y="3645024"/>
+            <a:ext cx="2160240" cy="2160240"/>
+          </a:xfrm>
+          <a:prstGeom prst="rect">
+            <a:avLst/>
+          </a:prstGeom>
+          <a:solidFill>
+            <a:schemeClr val="bg1"/>
+          </a:solidFill>
+          <a:ln w="12700" cap="flat" cmpd="sng" algn="ctr">
+            <a:solidFill>
+              <a:schemeClr val="tx1"/>
+            </a:solidFill>
+            <a:prstDash val="solid"/>
+            <a:round/>
+            <a:headEnd type="none" w="sm" len="sm"/>
+            <a:tailEnd type="none" w="sm" len="sm"/>
+          </a:ln>
+          <a:effectLst/>
+        </p:spPr>
+        <p:txBody>
+          <a:bodyPr vert="horz" wrap="square" lIns="91440" tIns="45720" rIns="91440" bIns="45720" numCol="1" rtlCol="0" anchor="b" anchorCtr="0" compatLnSpc="1">
+            <a:prstTxWarp prst="textNoShape">
+              <a:avLst/>
+            </a:prstTxWarp>
+          </a:bodyPr>
+          <a:lstStyle/>
+          <a:p>
+            <a:pPr marL="0" marR="0" indent="0" algn="l" defTabSz="914400" rtl="0" eaLnBrk="0" fontAlgn="base" latinLnBrk="0" hangingPunct="0">
+              <a:lnSpc>
+                <a:spcPct val="100000"/>
+              </a:lnSpc>
               <a:spcBef>
-                <a:spcPct val="20000"/>
+                <a:spcPct val="0"/>
               </a:spcBef>
               <a:spcAft>
                 <a:spcPct val="0"/>
               </a:spcAft>
-              <a:buClr>
-                <a:srgbClr val="008C5A"/>
-              </a:buClr>
-              <a:buFont typeface="Monotype Sorts" pitchFamily="2" charset="2"/>
-              <a:buChar char="l"/>
-              <a:defRPr sz="1600">
+              <a:buClrTx/>
+              <a:buSzTx/>
+              <a:buFontTx/>
+              <a:buNone/>
+              <a:tabLst/>
+            </a:pPr>
+            <a:endParaRPr kumimoji="0" lang="de-DE" sz="2400" b="0" i="0" u="none" strike="noStrike" cap="none" normalizeH="0" baseline="0" dirty="0">
+              <a:ln>
+                <a:noFill/>
+              </a:ln>
+              <a:solidFill>
+                <a:schemeClr val="tx1"/>
+              </a:solidFill>
+              <a:effectLst/>
+              <a:latin typeface="+mn-lt"/>
+            </a:endParaRPr>
+          </a:p>
+        </p:txBody>
+      </p:sp>
+      <p:sp>
+        <p:nvSpPr>
+          <p:cNvPr id="32" name="Rechteck 31">
+            <a:extLst>
+              <a:ext uri="{FF2B5EF4-FFF2-40B4-BE49-F238E27FC236}">
+                <a16:creationId xmlns:a16="http://schemas.microsoft.com/office/drawing/2014/main" id="{55B43FFD-2532-985B-3EC9-035FB6D9EBAF}"/>
+              </a:ext>
+            </a:extLst>
+          </p:cNvPr>
+          <p:cNvSpPr/>
+          <p:nvPr/>
+        </p:nvSpPr>
+        <p:spPr bwMode="auto">
+          <a:xfrm>
+            <a:off x="6588224" y="4493693"/>
+            <a:ext cx="1728192" cy="504056"/>
+          </a:xfrm>
+          <a:prstGeom prst="rect">
+            <a:avLst/>
+          </a:prstGeom>
+          <a:solidFill>
+            <a:schemeClr val="accent2"/>
+          </a:solidFill>
+          <a:ln w="12700" cap="flat" cmpd="sng" algn="ctr">
+            <a:solidFill>
+              <a:schemeClr val="tx1"/>
+            </a:solidFill>
+            <a:prstDash val="solid"/>
+            <a:round/>
+            <a:headEnd type="none" w="sm" len="sm"/>
+            <a:tailEnd type="none" w="sm" len="sm"/>
+          </a:ln>
+          <a:effectLst/>
+        </p:spPr>
+        <p:txBody>
+          <a:bodyPr vert="horz" wrap="square" lIns="91440" tIns="45720" rIns="91440" bIns="45720" numCol="1" rtlCol="0" anchor="t" anchorCtr="0" compatLnSpc="1">
+            <a:prstTxWarp prst="textNoShape">
+              <a:avLst/>
+            </a:prstTxWarp>
+          </a:bodyPr>
+          <a:lstStyle/>
+          <a:p>
+            <a:pPr algn="r"/>
+            <a:r>
+              <a:rPr kumimoji="0" lang="de-DE" sz="2400" b="0" i="0" u="none" strike="noStrike" cap="none" normalizeH="0" baseline="0" dirty="0">
+                <a:ln>
+                  <a:noFill/>
+                </a:ln>
                 <a:solidFill>
                   <a:schemeClr val="tx1"/>
                 </a:solidFill>
+                <a:effectLst/>
                 <a:latin typeface="+mn-lt"/>
-              </a:defRPr>
-            </a:lvl5pPr>
-            <a:lvl6pPr marL="2438400" indent="-228600" algn="l" rtl="0" eaLnBrk="1" fontAlgn="base" hangingPunct="1">
+              </a:rPr>
+              <a:t>App v2</a:t>
+            </a:r>
+          </a:p>
+        </p:txBody>
+      </p:sp>
+      <p:sp>
+        <p:nvSpPr>
+          <p:cNvPr id="33" name="Rechteck 32">
+            <a:extLst>
+              <a:ext uri="{FF2B5EF4-FFF2-40B4-BE49-F238E27FC236}">
+                <a16:creationId xmlns:a16="http://schemas.microsoft.com/office/drawing/2014/main" id="{AD96BD31-A6CE-9263-AAF8-3BBDFF327475}"/>
+              </a:ext>
+            </a:extLst>
+          </p:cNvPr>
+          <p:cNvSpPr/>
+          <p:nvPr/>
+        </p:nvSpPr>
+        <p:spPr bwMode="auto">
+          <a:xfrm>
+            <a:off x="6588224" y="3861048"/>
+            <a:ext cx="1728192" cy="504056"/>
+          </a:xfrm>
+          <a:prstGeom prst="rect">
+            <a:avLst/>
+          </a:prstGeom>
+          <a:solidFill>
+            <a:schemeClr val="accent2"/>
+          </a:solidFill>
+          <a:ln w="12700" cap="flat" cmpd="sng" algn="ctr">
+            <a:solidFill>
+              <a:schemeClr val="tx1"/>
+            </a:solidFill>
+            <a:prstDash val="solid"/>
+            <a:round/>
+            <a:headEnd type="none" w="sm" len="sm"/>
+            <a:tailEnd type="none" w="sm" len="sm"/>
+          </a:ln>
+          <a:effectLst/>
+        </p:spPr>
+        <p:txBody>
+          <a:bodyPr vert="horz" wrap="square" lIns="91440" tIns="45720" rIns="91440" bIns="45720" numCol="1" rtlCol="0" anchor="t" anchorCtr="0" compatLnSpc="1">
+            <a:prstTxWarp prst="textNoShape">
+              <a:avLst/>
+            </a:prstTxWarp>
+          </a:bodyPr>
+          <a:lstStyle/>
+          <a:p>
+            <a:pPr marL="0" marR="0" indent="0" algn="r" defTabSz="914400" rtl="0" eaLnBrk="0" fontAlgn="base" latinLnBrk="0" hangingPunct="0">
+              <a:lnSpc>
+                <a:spcPct val="100000"/>
+              </a:lnSpc>
               <a:spcBef>
-                <a:spcPct val="20000"/>
+                <a:spcPct val="0"/>
               </a:spcBef>
               <a:spcAft>
                 <a:spcPct val="0"/>
               </a:spcAft>
-              <a:buClr>
-                <a:srgbClr val="008C5A"/>
-              </a:buClr>
-              <a:buFont typeface="Monotype Sorts" pitchFamily="2" charset="2"/>
-              <a:buChar char="l"/>
-              <a:defRPr sz="1600">
+              <a:buClrTx/>
+              <a:buSzTx/>
+              <a:buFontTx/>
+              <a:buNone/>
+              <a:tabLst/>
+            </a:pPr>
+            <a:r>
+              <a:rPr kumimoji="0" lang="de-DE" sz="2400" b="0" i="0" u="none" strike="noStrike" cap="none" normalizeH="0" baseline="0" dirty="0">
+                <a:ln>
+                  <a:noFill/>
+                </a:ln>
                 <a:solidFill>
                   <a:schemeClr val="tx1"/>
                 </a:solidFill>
+                <a:effectLst/>
                 <a:latin typeface="+mn-lt"/>
-              </a:defRPr>
-            </a:lvl6pPr>
-            <a:lvl7pPr marL="2895600" indent="-228600" algn="l" rtl="0" eaLnBrk="1" fontAlgn="base" hangingPunct="1">
-              <a:spcBef>
-                <a:spcPct val="20000"/>
-              </a:spcBef>
-              <a:spcAft>
-                <a:spcPct val="0"/>
-              </a:spcAft>
-              <a:buClr>
-                <a:srgbClr val="008C5A"/>
-              </a:buClr>
-              <a:buFont typeface="Monotype Sorts" pitchFamily="2" charset="2"/>
-              <a:buChar char="l"/>
-              <a:defRPr sz="1600">
+              </a:rPr>
+              <a:t>App v2</a:t>
+            </a:r>
+          </a:p>
+        </p:txBody>
+      </p:sp>
+      <p:sp>
+        <p:nvSpPr>
+          <p:cNvPr id="34" name="Rechteck 33">
+            <a:extLst>
+              <a:ext uri="{FF2B5EF4-FFF2-40B4-BE49-F238E27FC236}">
+                <a16:creationId xmlns:a16="http://schemas.microsoft.com/office/drawing/2014/main" id="{7BC13513-AC10-90B5-F389-9A1F2616D411}"/>
+              </a:ext>
+            </a:extLst>
+          </p:cNvPr>
+          <p:cNvSpPr/>
+          <p:nvPr/>
+        </p:nvSpPr>
+        <p:spPr bwMode="auto">
+          <a:xfrm>
+            <a:off x="6588224" y="5120331"/>
+            <a:ext cx="1728192" cy="504056"/>
+          </a:xfrm>
+          <a:prstGeom prst="rect">
+            <a:avLst/>
+          </a:prstGeom>
+          <a:solidFill>
+            <a:schemeClr val="accent2"/>
+          </a:solidFill>
+          <a:ln w="12700" cap="flat" cmpd="sng" algn="ctr">
+            <a:solidFill>
+              <a:schemeClr val="tx1"/>
+            </a:solidFill>
+            <a:prstDash val="solid"/>
+            <a:round/>
+            <a:headEnd type="none" w="sm" len="sm"/>
+            <a:tailEnd type="none" w="sm" len="sm"/>
+          </a:ln>
+          <a:effectLst/>
+        </p:spPr>
+        <p:txBody>
+          <a:bodyPr vert="horz" wrap="square" lIns="91440" tIns="45720" rIns="91440" bIns="45720" numCol="1" rtlCol="0" anchor="t" anchorCtr="0" compatLnSpc="1">
+            <a:prstTxWarp prst="textNoShape">
+              <a:avLst/>
+            </a:prstTxWarp>
+          </a:bodyPr>
+          <a:lstStyle/>
+          <a:p>
+            <a:pPr algn="r"/>
+            <a:r>
+              <a:rPr kumimoji="0" lang="de-DE" sz="2400" b="0" i="0" u="none" strike="noStrike" cap="none" normalizeH="0" baseline="0" dirty="0">
+                <a:ln>
+                  <a:noFill/>
+                </a:ln>
                 <a:solidFill>
                   <a:schemeClr val="tx1"/>
                 </a:solidFill>
+                <a:effectLst/>
                 <a:latin typeface="+mn-lt"/>
-              </a:defRPr>
-            </a:lvl7pPr>
-            <a:lvl8pPr marL="3352800" indent="-228600" algn="l" rtl="0" eaLnBrk="1" fontAlgn="base" hangingPunct="1">
-              <a:spcBef>
-                <a:spcPct val="20000"/>
-              </a:spcBef>
-              <a:spcAft>
-                <a:spcPct val="0"/>
-              </a:spcAft>
-              <a:buClr>
-                <a:srgbClr val="008C5A"/>
-              </a:buClr>
-              <a:buFont typeface="Monotype Sorts" pitchFamily="2" charset="2"/>
-              <a:buChar char="l"/>
-              <a:defRPr sz="1600">
-                <a:solidFill>
-                  <a:schemeClr val="tx1"/>
-                </a:solidFill>
-                <a:latin typeface="+mn-lt"/>
-              </a:defRPr>
-            </a:lvl8pPr>
-            <a:lvl9pPr marL="3810000" indent="-228600" algn="l" rtl="0" eaLnBrk="1" fontAlgn="base" hangingPunct="1">
-              <a:spcBef>
-                <a:spcPct val="20000"/>
-              </a:spcBef>
-              <a:spcAft>
-                <a:spcPct val="0"/>
-              </a:spcAft>
-              <a:buClr>
-                <a:srgbClr val="008C5A"/>
-              </a:buClr>
-              <a:buFont typeface="Monotype Sorts" pitchFamily="2" charset="2"/>
-              <a:buChar char="l"/>
-              <a:defRPr sz="1600">
-                <a:solidFill>
-                  <a:schemeClr val="tx1"/>
-                </a:solidFill>
-                <a:latin typeface="+mn-lt"/>
-              </a:defRPr>
-            </a:lvl9pPr>
-          </a:lstStyle>
-          <a:p>
-            <a:pPr>
-              <a:buFont typeface="Arial" panose="020B0604020202020204" pitchFamily="34" charset="0"/>
-              <a:buChar char="•"/>
-            </a:pPr>
-            <a:r>
-              <a:rPr lang="de-DE" altLang="de-DE" kern="0" dirty="0"/>
-              <a:t>Aufwändige Implementierung</a:t>
-            </a:r>
-          </a:p>
-          <a:p>
-            <a:pPr>
-              <a:buFont typeface="Arial" panose="020B0604020202020204" pitchFamily="34" charset="0"/>
-              <a:buChar char="•"/>
-            </a:pPr>
-            <a:r>
-              <a:rPr lang="de-DE" altLang="de-DE" kern="0" dirty="0"/>
-              <a:t>Zufällige Zuweisung zu neuem System</a:t>
-            </a:r>
-          </a:p>
-          <a:p>
-            <a:pPr>
-              <a:buFont typeface="Arial" panose="020B0604020202020204" pitchFamily="34" charset="0"/>
-              <a:buChar char="•"/>
-            </a:pPr>
-            <a:r>
-              <a:rPr lang="de-DE" altLang="de-DE" kern="0" dirty="0"/>
-              <a:t>Teuer</a:t>
+              </a:rPr>
+              <a:t>App v2</a:t>
             </a:r>
           </a:p>
         </p:txBody>
@@ -7173,7 +11660,7 @@
     </p:spTree>
     <p:extLst>
       <p:ext uri="{BB962C8B-B14F-4D97-AF65-F5344CB8AC3E}">
-        <p14:creationId xmlns:p14="http://schemas.microsoft.com/office/powerpoint/2010/main" val="2441999377"/>
+        <p14:creationId xmlns:p14="http://schemas.microsoft.com/office/powerpoint/2010/main" val="2422806362"/>
       </p:ext>
     </p:extLst>
   </p:cSld>

--- a/slides/Tag-3_4-Deployment-Strategien.pptx
+++ b/slides/Tag-3_4-Deployment-Strategien.pptx
@@ -16,14 +16,14 @@
     <p:sldId id="290" r:id="rId4"/>
     <p:sldId id="291" r:id="rId5"/>
     <p:sldId id="292" r:id="rId6"/>
-    <p:sldId id="293" r:id="rId7"/>
+    <p:sldId id="302" r:id="rId7"/>
     <p:sldId id="294" r:id="rId8"/>
-    <p:sldId id="297" r:id="rId9"/>
+    <p:sldId id="301" r:id="rId9"/>
     <p:sldId id="298" r:id="rId10"/>
     <p:sldId id="296" r:id="rId11"/>
-    <p:sldId id="295" r:id="rId12"/>
+    <p:sldId id="303" r:id="rId12"/>
     <p:sldId id="299" r:id="rId13"/>
-    <p:sldId id="300" r:id="rId14"/>
+    <p:sldId id="304" r:id="rId14"/>
   </p:sldIdLst>
   <p:sldSz cx="9144000" cy="6858000" type="screen4x3"/>
   <p:notesSz cx="6784975" cy="9921875"/>
@@ -161,14 +161,14 @@
             <p14:sldId id="290"/>
             <p14:sldId id="291"/>
             <p14:sldId id="292"/>
-            <p14:sldId id="293"/>
+            <p14:sldId id="302"/>
             <p14:sldId id="294"/>
-            <p14:sldId id="297"/>
+            <p14:sldId id="301"/>
             <p14:sldId id="298"/>
             <p14:sldId id="296"/>
-            <p14:sldId id="295"/>
+            <p14:sldId id="303"/>
             <p14:sldId id="299"/>
-            <p14:sldId id="300"/>
+            <p14:sldId id="304"/>
           </p14:sldIdLst>
         </p14:section>
       </p14:sectionLst>
@@ -1300,7 +1300,7 @@
               <a:pPr algn="ctr">
                 <a:defRPr/>
               </a:pPr>
-              <a:t>04.06.2024</a:t>
+              <a:t>06.06.2024</a:t>
             </a:fld>
             <a:endParaRPr lang="de-DE" sz="1000">
               <a:solidFill>
@@ -3346,7 +3346,7 @@
           <p:cNvPr id="2" name="Titel 1">
             <a:extLst>
               <a:ext uri="{FF2B5EF4-FFF2-40B4-BE49-F238E27FC236}">
-                <a16:creationId xmlns:a16="http://schemas.microsoft.com/office/drawing/2014/main" id="{D99BAD01-A920-7F80-9D35-9B44F14A75EF}"/>
+                <a16:creationId xmlns:a16="http://schemas.microsoft.com/office/drawing/2014/main" id="{2D37A3AA-5D50-D381-93DD-F35F9DA17F9F}"/>
               </a:ext>
             </a:extLst>
           </p:cNvPr>
@@ -3376,54 +3376,10 @@
       </p:sp>
       <p:sp>
         <p:nvSpPr>
-          <p:cNvPr id="5" name="Textfeld 4">
-            <a:extLst>
-              <a:ext uri="{FF2B5EF4-FFF2-40B4-BE49-F238E27FC236}">
-                <a16:creationId xmlns:a16="http://schemas.microsoft.com/office/drawing/2014/main" id="{B391B747-BBA4-21F1-3683-E6C2DC8AA3C6}"/>
-              </a:ext>
-            </a:extLst>
-          </p:cNvPr>
-          <p:cNvSpPr txBox="1"/>
-          <p:nvPr/>
-        </p:nvSpPr>
-        <p:spPr bwMode="auto">
-          <a:xfrm>
-            <a:off x="330324" y="1079972"/>
-            <a:ext cx="8462714" cy="584775"/>
-          </a:xfrm>
-          <a:prstGeom prst="rect">
-            <a:avLst/>
-          </a:prstGeom>
-          <a:noFill/>
-          <a:ln w="9525">
-            <a:noFill/>
-            <a:miter lim="800000"/>
-            <a:headEnd/>
-            <a:tailEnd/>
-          </a:ln>
-        </p:spPr>
-        <p:txBody>
-          <a:bodyPr wrap="square" rtlCol="0" anchor="ctr">
-            <a:spAutoFit/>
-          </a:bodyPr>
-          <a:lstStyle/>
-          <a:p>
-            <a:pPr algn="ctr" eaLnBrk="1" hangingPunct="1"/>
-            <a:r>
-              <a:rPr lang="de-DE" sz="3200" dirty="0">
-                <a:latin typeface="+mj-lt"/>
-              </a:rPr>
-              <a:t>Vor und Nachteile</a:t>
-            </a:r>
-          </a:p>
-        </p:txBody>
-      </p:sp>
-      <p:sp>
-        <p:nvSpPr>
           <p:cNvPr id="3" name="Inhaltsplatzhalter 2">
             <a:extLst>
               <a:ext uri="{FF2B5EF4-FFF2-40B4-BE49-F238E27FC236}">
-                <a16:creationId xmlns:a16="http://schemas.microsoft.com/office/drawing/2014/main" id="{B3231207-F7BC-F792-92B9-48E8C8E01816}"/>
+                <a16:creationId xmlns:a16="http://schemas.microsoft.com/office/drawing/2014/main" id="{A9CE9B1E-CEEF-DB0F-DA70-6E5EAE80B685}"/>
               </a:ext>
             </a:extLst>
           </p:cNvPr>
@@ -3434,16 +3390,20 @@
             <p:ph idx="1"/>
           </p:nvPr>
         </p:nvSpPr>
-        <p:spPr>
-          <a:xfrm>
-            <a:off x="683568" y="1988840"/>
-            <a:ext cx="3764731" cy="3960440"/>
-          </a:xfrm>
-        </p:spPr>
+        <p:spPr/>
         <p:txBody>
           <a:bodyPr/>
           <a:lstStyle/>
           <a:p>
+            <a:pPr marL="0" indent="0">
+              <a:buNone/>
+            </a:pPr>
+            <a:r>
+              <a:rPr lang="de-DE" b="1" dirty="0"/>
+              <a:t>Vorteile</a:t>
+            </a:r>
+          </a:p>
+          <a:p>
             <a:pPr>
               <a:buFont typeface="Arial" panose="020B0604020202020204" pitchFamily="34" charset="0"/>
               <a:buChar char="•"/>
@@ -3474,241 +3434,30 @@
             </a:r>
           </a:p>
           <a:p>
+            <a:pPr marL="0" indent="0">
+              <a:buNone/>
+            </a:pPr>
+            <a:endParaRPr lang="de-DE" b="1" dirty="0"/>
+          </a:p>
+          <a:p>
+            <a:pPr marL="0" indent="0">
+              <a:buNone/>
+            </a:pPr>
+            <a:r>
+              <a:rPr lang="de-DE" b="1" dirty="0"/>
+              <a:t>Nachteile</a:t>
+            </a:r>
+          </a:p>
+          <a:p>
             <a:pPr>
               <a:buFont typeface="Arial" panose="020B0604020202020204" pitchFamily="34" charset="0"/>
               <a:buChar char="•"/>
             </a:pPr>
-            <a:endParaRPr lang="de-DE" altLang="de-DE" dirty="0"/>
-          </a:p>
-        </p:txBody>
-      </p:sp>
-      <p:sp>
-        <p:nvSpPr>
-          <p:cNvPr id="4" name="Inhaltsplatzhalter 2">
-            <a:extLst>
-              <a:ext uri="{FF2B5EF4-FFF2-40B4-BE49-F238E27FC236}">
-                <a16:creationId xmlns:a16="http://schemas.microsoft.com/office/drawing/2014/main" id="{0EDA6666-E721-7B60-2CB5-59117D00AFAA}"/>
-              </a:ext>
-            </a:extLst>
-          </p:cNvPr>
-          <p:cNvSpPr txBox="1">
-            <a:spLocks/>
-          </p:cNvSpPr>
-          <p:nvPr/>
-        </p:nvSpPr>
-        <p:spPr bwMode="auto">
-          <a:xfrm>
-            <a:off x="4693773" y="1988840"/>
-            <a:ext cx="3764731" cy="3960440"/>
-          </a:xfrm>
-          <a:prstGeom prst="rect">
-            <a:avLst/>
-          </a:prstGeom>
-          <a:noFill/>
-          <a:ln>
-            <a:noFill/>
-          </a:ln>
-          <a:extLst>
-            <a:ext uri="{909E8E84-426E-40DD-AFC4-6F175D3DCCD1}">
-              <a14:hiddenFill xmlns:a14="http://schemas.microsoft.com/office/drawing/2010/main">
-                <a:solidFill>
-                  <a:srgbClr val="FFFFFF"/>
-                </a:solidFill>
-              </a14:hiddenFill>
-            </a:ext>
-            <a:ext uri="{91240B29-F687-4F45-9708-019B960494DF}">
-              <a14:hiddenLine xmlns:a14="http://schemas.microsoft.com/office/drawing/2010/main" w="9525">
-                <a:solidFill>
-                  <a:srgbClr val="000000"/>
-                </a:solidFill>
-                <a:miter lim="800000"/>
-                <a:headEnd/>
-                <a:tailEnd/>
-              </a14:hiddenLine>
-            </a:ext>
-          </a:extLst>
-        </p:spPr>
-        <p:txBody>
-          <a:bodyPr vert="horz" wrap="square" lIns="92075" tIns="46038" rIns="92075" bIns="46038" numCol="1" anchor="t" anchorCtr="0" compatLnSpc="1">
-            <a:prstTxWarp prst="textNoShape">
-              <a:avLst/>
-            </a:prstTxWarp>
-          </a:bodyPr>
-          <a:lstStyle>
-            <a:lvl1pPr marL="342900" indent="-342900" algn="l" rtl="0" eaLnBrk="1" fontAlgn="base" hangingPunct="1">
-              <a:spcBef>
-                <a:spcPct val="20000"/>
-              </a:spcBef>
-              <a:spcAft>
-                <a:spcPct val="0"/>
-              </a:spcAft>
-              <a:buClr>
-                <a:srgbClr val="008C5A"/>
-              </a:buClr>
-              <a:buFont typeface="Monotype Sorts" pitchFamily="2" charset="2"/>
-              <a:buChar char="l"/>
-              <a:defRPr sz="2400">
-                <a:solidFill>
-                  <a:schemeClr val="tx1"/>
-                </a:solidFill>
-                <a:latin typeface="+mn-lt"/>
-                <a:ea typeface="+mn-ea"/>
-                <a:cs typeface="+mn-cs"/>
-              </a:defRPr>
-            </a:lvl1pPr>
-            <a:lvl2pPr marL="742950" indent="-285750" algn="l" rtl="0" eaLnBrk="1" fontAlgn="base" hangingPunct="1">
-              <a:spcBef>
-                <a:spcPct val="20000"/>
-              </a:spcBef>
-              <a:spcAft>
-                <a:spcPct val="0"/>
-              </a:spcAft>
-              <a:buClr>
-                <a:srgbClr val="008C5A"/>
-              </a:buClr>
-              <a:buFont typeface="Monotype Sorts" pitchFamily="2" charset="2"/>
-              <a:buChar char="l"/>
-              <a:defRPr sz="2000">
-                <a:solidFill>
-                  <a:schemeClr val="tx1"/>
-                </a:solidFill>
-                <a:latin typeface="+mn-lt"/>
-              </a:defRPr>
-            </a:lvl2pPr>
-            <a:lvl3pPr marL="1143000" indent="-228600" algn="l" rtl="0" eaLnBrk="1" fontAlgn="base" hangingPunct="1">
-              <a:spcBef>
-                <a:spcPct val="20000"/>
-              </a:spcBef>
-              <a:spcAft>
-                <a:spcPct val="0"/>
-              </a:spcAft>
-              <a:buClr>
-                <a:srgbClr val="008C5A"/>
-              </a:buClr>
-              <a:buFont typeface="Monotype Sorts" pitchFamily="2" charset="2"/>
-              <a:buChar char="l"/>
-              <a:defRPr sz="2400">
-                <a:solidFill>
-                  <a:schemeClr val="tx1"/>
-                </a:solidFill>
-                <a:latin typeface="+mn-lt"/>
-              </a:defRPr>
-            </a:lvl3pPr>
-            <a:lvl4pPr marL="1562100" indent="-228600" algn="l" rtl="0" eaLnBrk="1" fontAlgn="base" hangingPunct="1">
-              <a:spcBef>
-                <a:spcPct val="20000"/>
-              </a:spcBef>
-              <a:spcAft>
-                <a:spcPct val="0"/>
-              </a:spcAft>
-              <a:buClr>
-                <a:srgbClr val="008C5A"/>
-              </a:buClr>
-              <a:buFont typeface="Monotype Sorts" pitchFamily="2" charset="2"/>
-              <a:buChar char="l"/>
-              <a:defRPr sz="1600">
-                <a:solidFill>
-                  <a:schemeClr val="tx1"/>
-                </a:solidFill>
-                <a:latin typeface="+mn-lt"/>
-              </a:defRPr>
-            </a:lvl4pPr>
-            <a:lvl5pPr marL="1981200" indent="-228600" algn="l" rtl="0" eaLnBrk="1" fontAlgn="base" hangingPunct="1">
-              <a:spcBef>
-                <a:spcPct val="20000"/>
-              </a:spcBef>
-              <a:spcAft>
-                <a:spcPct val="0"/>
-              </a:spcAft>
-              <a:buClr>
-                <a:srgbClr val="008C5A"/>
-              </a:buClr>
-              <a:buFont typeface="Monotype Sorts" pitchFamily="2" charset="2"/>
-              <a:buChar char="l"/>
-              <a:defRPr sz="1600">
-                <a:solidFill>
-                  <a:schemeClr val="tx1"/>
-                </a:solidFill>
-                <a:latin typeface="+mn-lt"/>
-              </a:defRPr>
-            </a:lvl5pPr>
-            <a:lvl6pPr marL="2438400" indent="-228600" algn="l" rtl="0" eaLnBrk="1" fontAlgn="base" hangingPunct="1">
-              <a:spcBef>
-                <a:spcPct val="20000"/>
-              </a:spcBef>
-              <a:spcAft>
-                <a:spcPct val="0"/>
-              </a:spcAft>
-              <a:buClr>
-                <a:srgbClr val="008C5A"/>
-              </a:buClr>
-              <a:buFont typeface="Monotype Sorts" pitchFamily="2" charset="2"/>
-              <a:buChar char="l"/>
-              <a:defRPr sz="1600">
-                <a:solidFill>
-                  <a:schemeClr val="tx1"/>
-                </a:solidFill>
-                <a:latin typeface="+mn-lt"/>
-              </a:defRPr>
-            </a:lvl6pPr>
-            <a:lvl7pPr marL="2895600" indent="-228600" algn="l" rtl="0" eaLnBrk="1" fontAlgn="base" hangingPunct="1">
-              <a:spcBef>
-                <a:spcPct val="20000"/>
-              </a:spcBef>
-              <a:spcAft>
-                <a:spcPct val="0"/>
-              </a:spcAft>
-              <a:buClr>
-                <a:srgbClr val="008C5A"/>
-              </a:buClr>
-              <a:buFont typeface="Monotype Sorts" pitchFamily="2" charset="2"/>
-              <a:buChar char="l"/>
-              <a:defRPr sz="1600">
-                <a:solidFill>
-                  <a:schemeClr val="tx1"/>
-                </a:solidFill>
-                <a:latin typeface="+mn-lt"/>
-              </a:defRPr>
-            </a:lvl7pPr>
-            <a:lvl8pPr marL="3352800" indent="-228600" algn="l" rtl="0" eaLnBrk="1" fontAlgn="base" hangingPunct="1">
-              <a:spcBef>
-                <a:spcPct val="20000"/>
-              </a:spcBef>
-              <a:spcAft>
-                <a:spcPct val="0"/>
-              </a:spcAft>
-              <a:buClr>
-                <a:srgbClr val="008C5A"/>
-              </a:buClr>
-              <a:buFont typeface="Monotype Sorts" pitchFamily="2" charset="2"/>
-              <a:buChar char="l"/>
-              <a:defRPr sz="1600">
-                <a:solidFill>
-                  <a:schemeClr val="tx1"/>
-                </a:solidFill>
-                <a:latin typeface="+mn-lt"/>
-              </a:defRPr>
-            </a:lvl8pPr>
-            <a:lvl9pPr marL="3810000" indent="-228600" algn="l" rtl="0" eaLnBrk="1" fontAlgn="base" hangingPunct="1">
-              <a:spcBef>
-                <a:spcPct val="20000"/>
-              </a:spcBef>
-              <a:spcAft>
-                <a:spcPct val="0"/>
-              </a:spcAft>
-              <a:buClr>
-                <a:srgbClr val="008C5A"/>
-              </a:buClr>
-              <a:buFont typeface="Monotype Sorts" pitchFamily="2" charset="2"/>
-              <a:buChar char="l"/>
-              <a:defRPr sz="1600">
-                <a:solidFill>
-                  <a:schemeClr val="tx1"/>
-                </a:solidFill>
-                <a:latin typeface="+mn-lt"/>
-              </a:defRPr>
-            </a:lvl9pPr>
-          </a:lstStyle>
+            <a:r>
+              <a:rPr lang="de-DE" altLang="de-DE" kern="0" dirty="0"/>
+              <a:t>Aufwändige Implementierung</a:t>
+            </a:r>
+          </a:p>
           <a:p>
             <a:pPr>
               <a:buFont typeface="Arial" panose="020B0604020202020204" pitchFamily="34" charset="0"/>
@@ -3716,7 +3465,7 @@
             </a:pPr>
             <a:r>
               <a:rPr lang="de-DE" altLang="de-DE" kern="0" dirty="0"/>
-              <a:t>Aufwändige Implementierung</a:t>
+              <a:t>Teuer</a:t>
             </a:r>
           </a:p>
           <a:p>
@@ -3725,16 +3474,22 @@
               <a:buChar char="•"/>
             </a:pPr>
             <a:r>
-              <a:rPr lang="de-DE" altLang="de-DE" kern="0" dirty="0"/>
-              <a:t>Teuer</a:t>
-            </a:r>
+              <a:rPr lang="de-DE" dirty="0"/>
+              <a:t>Testgruppe nötig</a:t>
+            </a:r>
+          </a:p>
+          <a:p>
+            <a:pPr marL="0" indent="0">
+              <a:buNone/>
+            </a:pPr>
+            <a:endParaRPr lang="de-DE" dirty="0"/>
           </a:p>
         </p:txBody>
       </p:sp>
     </p:spTree>
     <p:extLst>
       <p:ext uri="{BB962C8B-B14F-4D97-AF65-F5344CB8AC3E}">
-        <p14:creationId xmlns:p14="http://schemas.microsoft.com/office/powerpoint/2010/main" val="1902602858"/>
+        <p14:creationId xmlns:p14="http://schemas.microsoft.com/office/powerpoint/2010/main" val="1813686431"/>
       </p:ext>
     </p:extLst>
   </p:cSld>
@@ -3812,14 +3567,32 @@
         </p:nvSpPr>
         <p:spPr>
           <a:xfrm>
-            <a:off x="303213" y="1844823"/>
-            <a:ext cx="8516937" cy="1296135"/>
+            <a:off x="303213" y="1268769"/>
+            <a:ext cx="8516937" cy="1990304"/>
           </a:xfrm>
         </p:spPr>
         <p:txBody>
           <a:bodyPr/>
           <a:lstStyle/>
           <a:p>
+            <a:pPr marL="0" indent="0">
+              <a:buNone/>
+            </a:pPr>
+            <a:r>
+              <a:rPr lang="de-DE" sz="2400" b="1" dirty="0">
+                <a:latin typeface="+mj-lt"/>
+              </a:rPr>
+              <a:t>Shadow </a:t>
+            </a:r>
+            <a:r>
+              <a:rPr lang="de-DE" sz="2400" b="1" dirty="0" err="1">
+                <a:latin typeface="+mj-lt"/>
+              </a:rPr>
+              <a:t>Deployment</a:t>
+            </a:r>
+            <a:endParaRPr lang="de-DE" b="1" dirty="0"/>
+          </a:p>
+          <a:p>
             <a:pPr>
               <a:buFont typeface="Arial" panose="020B0604020202020204" pitchFamily="34" charset="0"/>
               <a:buChar char="•"/>
@@ -3860,59 +3633,6 @@
               <a:buChar char="•"/>
             </a:pPr>
             <a:endParaRPr lang="de-DE" dirty="0"/>
-          </a:p>
-        </p:txBody>
-      </p:sp>
-      <p:sp>
-        <p:nvSpPr>
-          <p:cNvPr id="5" name="Textfeld 4">
-            <a:extLst>
-              <a:ext uri="{FF2B5EF4-FFF2-40B4-BE49-F238E27FC236}">
-                <a16:creationId xmlns:a16="http://schemas.microsoft.com/office/drawing/2014/main" id="{2329921C-13DB-F6B8-C326-D9583581E977}"/>
-              </a:ext>
-            </a:extLst>
-          </p:cNvPr>
-          <p:cNvSpPr txBox="1"/>
-          <p:nvPr/>
-        </p:nvSpPr>
-        <p:spPr bwMode="auto">
-          <a:xfrm>
-            <a:off x="330324" y="1079972"/>
-            <a:ext cx="8462714" cy="584775"/>
-          </a:xfrm>
-          <a:prstGeom prst="rect">
-            <a:avLst/>
-          </a:prstGeom>
-          <a:noFill/>
-          <a:ln w="9525">
-            <a:noFill/>
-            <a:miter lim="800000"/>
-            <a:headEnd/>
-            <a:tailEnd/>
-          </a:ln>
-        </p:spPr>
-        <p:txBody>
-          <a:bodyPr wrap="square" rtlCol="0" anchor="ctr">
-            <a:spAutoFit/>
-          </a:bodyPr>
-          <a:lstStyle/>
-          <a:p>
-            <a:pPr algn="ctr" eaLnBrk="1" hangingPunct="1"/>
-            <a:r>
-              <a:rPr lang="de-DE" sz="3200" dirty="0">
-                <a:latin typeface="+mj-lt"/>
-              </a:rPr>
-              <a:t>Shadow </a:t>
-            </a:r>
-            <a:r>
-              <a:rPr lang="de-DE" sz="3200" dirty="0" err="1">
-                <a:latin typeface="+mj-lt"/>
-              </a:rPr>
-              <a:t>Deploment</a:t>
-            </a:r>
-            <a:endParaRPr lang="de-DE" sz="3200" dirty="0">
-              <a:latin typeface="+mj-lt"/>
-            </a:endParaRPr>
           </a:p>
         </p:txBody>
       </p:sp>
@@ -5088,7 +4808,7 @@
           <p:cNvPr id="2" name="Titel 1">
             <a:extLst>
               <a:ext uri="{FF2B5EF4-FFF2-40B4-BE49-F238E27FC236}">
-                <a16:creationId xmlns:a16="http://schemas.microsoft.com/office/drawing/2014/main" id="{D99BAD01-A920-7F80-9D35-9B44F14A75EF}"/>
+                <a16:creationId xmlns:a16="http://schemas.microsoft.com/office/drawing/2014/main" id="{ED7C349D-0E7A-EEE6-70A2-FB3361269E62}"/>
               </a:ext>
             </a:extLst>
           </p:cNvPr>
@@ -5118,54 +4838,10 @@
       </p:sp>
       <p:sp>
         <p:nvSpPr>
-          <p:cNvPr id="5" name="Textfeld 4">
-            <a:extLst>
-              <a:ext uri="{FF2B5EF4-FFF2-40B4-BE49-F238E27FC236}">
-                <a16:creationId xmlns:a16="http://schemas.microsoft.com/office/drawing/2014/main" id="{B391B747-BBA4-21F1-3683-E6C2DC8AA3C6}"/>
-              </a:ext>
-            </a:extLst>
-          </p:cNvPr>
-          <p:cNvSpPr txBox="1"/>
-          <p:nvPr/>
-        </p:nvSpPr>
-        <p:spPr bwMode="auto">
-          <a:xfrm>
-            <a:off x="330324" y="1079972"/>
-            <a:ext cx="8462714" cy="584775"/>
-          </a:xfrm>
-          <a:prstGeom prst="rect">
-            <a:avLst/>
-          </a:prstGeom>
-          <a:noFill/>
-          <a:ln w="9525">
-            <a:noFill/>
-            <a:miter lim="800000"/>
-            <a:headEnd/>
-            <a:tailEnd/>
-          </a:ln>
-        </p:spPr>
-        <p:txBody>
-          <a:bodyPr wrap="square" rtlCol="0" anchor="ctr">
-            <a:spAutoFit/>
-          </a:bodyPr>
-          <a:lstStyle/>
-          <a:p>
-            <a:pPr algn="ctr" eaLnBrk="1" hangingPunct="1"/>
-            <a:r>
-              <a:rPr lang="de-DE" sz="3200" dirty="0">
-                <a:latin typeface="+mj-lt"/>
-              </a:rPr>
-              <a:t>Vor und Nachteile</a:t>
-            </a:r>
-          </a:p>
-        </p:txBody>
-      </p:sp>
-      <p:sp>
-        <p:nvSpPr>
           <p:cNvPr id="3" name="Inhaltsplatzhalter 2">
             <a:extLst>
               <a:ext uri="{FF2B5EF4-FFF2-40B4-BE49-F238E27FC236}">
-                <a16:creationId xmlns:a16="http://schemas.microsoft.com/office/drawing/2014/main" id="{B3231207-F7BC-F792-92B9-48E8C8E01816}"/>
+                <a16:creationId xmlns:a16="http://schemas.microsoft.com/office/drawing/2014/main" id="{A30E689A-D887-FBDB-5FD7-0DF3BFC02D5D}"/>
               </a:ext>
             </a:extLst>
           </p:cNvPr>
@@ -5176,16 +4852,20 @@
             <p:ph idx="1"/>
           </p:nvPr>
         </p:nvSpPr>
-        <p:spPr>
-          <a:xfrm>
-            <a:off x="683568" y="1988840"/>
-            <a:ext cx="3764731" cy="3960440"/>
-          </a:xfrm>
-        </p:spPr>
+        <p:spPr/>
         <p:txBody>
           <a:bodyPr/>
           <a:lstStyle/>
           <a:p>
+            <a:pPr marL="0" indent="0">
+              <a:buNone/>
+            </a:pPr>
+            <a:r>
+              <a:rPr lang="de-DE" b="1" dirty="0"/>
+              <a:t>Vorteile</a:t>
+            </a:r>
+          </a:p>
+          <a:p>
             <a:pPr>
               <a:buFont typeface="Arial" panose="020B0604020202020204" pitchFamily="34" charset="0"/>
               <a:buChar char="•"/>
@@ -5215,235 +4895,21 @@
               <a:t>Test unter Volllast</a:t>
             </a:r>
           </a:p>
-        </p:txBody>
-      </p:sp>
-      <p:sp>
-        <p:nvSpPr>
-          <p:cNvPr id="4" name="Inhaltsplatzhalter 2">
-            <a:extLst>
-              <a:ext uri="{FF2B5EF4-FFF2-40B4-BE49-F238E27FC236}">
-                <a16:creationId xmlns:a16="http://schemas.microsoft.com/office/drawing/2014/main" id="{0EDA6666-E721-7B60-2CB5-59117D00AFAA}"/>
-              </a:ext>
-            </a:extLst>
-          </p:cNvPr>
-          <p:cNvSpPr txBox="1">
-            <a:spLocks/>
-          </p:cNvSpPr>
-          <p:nvPr/>
-        </p:nvSpPr>
-        <p:spPr bwMode="auto">
-          <a:xfrm>
-            <a:off x="4693773" y="1988840"/>
-            <a:ext cx="3764731" cy="3960440"/>
-          </a:xfrm>
-          <a:prstGeom prst="rect">
-            <a:avLst/>
-          </a:prstGeom>
-          <a:noFill/>
-          <a:ln>
-            <a:noFill/>
-          </a:ln>
-          <a:extLst>
-            <a:ext uri="{909E8E84-426E-40DD-AFC4-6F175D3DCCD1}">
-              <a14:hiddenFill xmlns:a14="http://schemas.microsoft.com/office/drawing/2010/main">
-                <a:solidFill>
-                  <a:srgbClr val="FFFFFF"/>
-                </a:solidFill>
-              </a14:hiddenFill>
-            </a:ext>
-            <a:ext uri="{91240B29-F687-4F45-9708-019B960494DF}">
-              <a14:hiddenLine xmlns:a14="http://schemas.microsoft.com/office/drawing/2010/main" w="9525">
-                <a:solidFill>
-                  <a:srgbClr val="000000"/>
-                </a:solidFill>
-                <a:miter lim="800000"/>
-                <a:headEnd/>
-                <a:tailEnd/>
-              </a14:hiddenLine>
-            </a:ext>
-          </a:extLst>
-        </p:spPr>
-        <p:txBody>
-          <a:bodyPr vert="horz" wrap="square" lIns="92075" tIns="46038" rIns="92075" bIns="46038" numCol="1" anchor="t" anchorCtr="0" compatLnSpc="1">
-            <a:prstTxWarp prst="textNoShape">
-              <a:avLst/>
-            </a:prstTxWarp>
-          </a:bodyPr>
-          <a:lstStyle>
-            <a:lvl1pPr marL="342900" indent="-342900" algn="l" rtl="0" eaLnBrk="1" fontAlgn="base" hangingPunct="1">
-              <a:spcBef>
-                <a:spcPct val="20000"/>
-              </a:spcBef>
-              <a:spcAft>
-                <a:spcPct val="0"/>
-              </a:spcAft>
-              <a:buClr>
-                <a:srgbClr val="008C5A"/>
-              </a:buClr>
-              <a:buFont typeface="Monotype Sorts" pitchFamily="2" charset="2"/>
-              <a:buChar char="l"/>
-              <a:defRPr sz="2400">
-                <a:solidFill>
-                  <a:schemeClr val="tx1"/>
-                </a:solidFill>
-                <a:latin typeface="+mn-lt"/>
-                <a:ea typeface="+mn-ea"/>
-                <a:cs typeface="+mn-cs"/>
-              </a:defRPr>
-            </a:lvl1pPr>
-            <a:lvl2pPr marL="742950" indent="-285750" algn="l" rtl="0" eaLnBrk="1" fontAlgn="base" hangingPunct="1">
-              <a:spcBef>
-                <a:spcPct val="20000"/>
-              </a:spcBef>
-              <a:spcAft>
-                <a:spcPct val="0"/>
-              </a:spcAft>
-              <a:buClr>
-                <a:srgbClr val="008C5A"/>
-              </a:buClr>
-              <a:buFont typeface="Monotype Sorts" pitchFamily="2" charset="2"/>
-              <a:buChar char="l"/>
-              <a:defRPr sz="2000">
-                <a:solidFill>
-                  <a:schemeClr val="tx1"/>
-                </a:solidFill>
-                <a:latin typeface="+mn-lt"/>
-              </a:defRPr>
-            </a:lvl2pPr>
-            <a:lvl3pPr marL="1143000" indent="-228600" algn="l" rtl="0" eaLnBrk="1" fontAlgn="base" hangingPunct="1">
-              <a:spcBef>
-                <a:spcPct val="20000"/>
-              </a:spcBef>
-              <a:spcAft>
-                <a:spcPct val="0"/>
-              </a:spcAft>
-              <a:buClr>
-                <a:srgbClr val="008C5A"/>
-              </a:buClr>
-              <a:buFont typeface="Monotype Sorts" pitchFamily="2" charset="2"/>
-              <a:buChar char="l"/>
-              <a:defRPr sz="2400">
-                <a:solidFill>
-                  <a:schemeClr val="tx1"/>
-                </a:solidFill>
-                <a:latin typeface="+mn-lt"/>
-              </a:defRPr>
-            </a:lvl3pPr>
-            <a:lvl4pPr marL="1562100" indent="-228600" algn="l" rtl="0" eaLnBrk="1" fontAlgn="base" hangingPunct="1">
-              <a:spcBef>
-                <a:spcPct val="20000"/>
-              </a:spcBef>
-              <a:spcAft>
-                <a:spcPct val="0"/>
-              </a:spcAft>
-              <a:buClr>
-                <a:srgbClr val="008C5A"/>
-              </a:buClr>
-              <a:buFont typeface="Monotype Sorts" pitchFamily="2" charset="2"/>
-              <a:buChar char="l"/>
-              <a:defRPr sz="1600">
-                <a:solidFill>
-                  <a:schemeClr val="tx1"/>
-                </a:solidFill>
-                <a:latin typeface="+mn-lt"/>
-              </a:defRPr>
-            </a:lvl4pPr>
-            <a:lvl5pPr marL="1981200" indent="-228600" algn="l" rtl="0" eaLnBrk="1" fontAlgn="base" hangingPunct="1">
-              <a:spcBef>
-                <a:spcPct val="20000"/>
-              </a:spcBef>
-              <a:spcAft>
-                <a:spcPct val="0"/>
-              </a:spcAft>
-              <a:buClr>
-                <a:srgbClr val="008C5A"/>
-              </a:buClr>
-              <a:buFont typeface="Monotype Sorts" pitchFamily="2" charset="2"/>
-              <a:buChar char="l"/>
-              <a:defRPr sz="1600">
-                <a:solidFill>
-                  <a:schemeClr val="tx1"/>
-                </a:solidFill>
-                <a:latin typeface="+mn-lt"/>
-              </a:defRPr>
-            </a:lvl5pPr>
-            <a:lvl6pPr marL="2438400" indent="-228600" algn="l" rtl="0" eaLnBrk="1" fontAlgn="base" hangingPunct="1">
-              <a:spcBef>
-                <a:spcPct val="20000"/>
-              </a:spcBef>
-              <a:spcAft>
-                <a:spcPct val="0"/>
-              </a:spcAft>
-              <a:buClr>
-                <a:srgbClr val="008C5A"/>
-              </a:buClr>
-              <a:buFont typeface="Monotype Sorts" pitchFamily="2" charset="2"/>
-              <a:buChar char="l"/>
-              <a:defRPr sz="1600">
-                <a:solidFill>
-                  <a:schemeClr val="tx1"/>
-                </a:solidFill>
-                <a:latin typeface="+mn-lt"/>
-              </a:defRPr>
-            </a:lvl6pPr>
-            <a:lvl7pPr marL="2895600" indent="-228600" algn="l" rtl="0" eaLnBrk="1" fontAlgn="base" hangingPunct="1">
-              <a:spcBef>
-                <a:spcPct val="20000"/>
-              </a:spcBef>
-              <a:spcAft>
-                <a:spcPct val="0"/>
-              </a:spcAft>
-              <a:buClr>
-                <a:srgbClr val="008C5A"/>
-              </a:buClr>
-              <a:buFont typeface="Monotype Sorts" pitchFamily="2" charset="2"/>
-              <a:buChar char="l"/>
-              <a:defRPr sz="1600">
-                <a:solidFill>
-                  <a:schemeClr val="tx1"/>
-                </a:solidFill>
-                <a:latin typeface="+mn-lt"/>
-              </a:defRPr>
-            </a:lvl7pPr>
-            <a:lvl8pPr marL="3352800" indent="-228600" algn="l" rtl="0" eaLnBrk="1" fontAlgn="base" hangingPunct="1">
-              <a:spcBef>
-                <a:spcPct val="20000"/>
-              </a:spcBef>
-              <a:spcAft>
-                <a:spcPct val="0"/>
-              </a:spcAft>
-              <a:buClr>
-                <a:srgbClr val="008C5A"/>
-              </a:buClr>
-              <a:buFont typeface="Monotype Sorts" pitchFamily="2" charset="2"/>
-              <a:buChar char="l"/>
-              <a:defRPr sz="1600">
-                <a:solidFill>
-                  <a:schemeClr val="tx1"/>
-                </a:solidFill>
-                <a:latin typeface="+mn-lt"/>
-              </a:defRPr>
-            </a:lvl8pPr>
-            <a:lvl9pPr marL="3810000" indent="-228600" algn="l" rtl="0" eaLnBrk="1" fontAlgn="base" hangingPunct="1">
-              <a:spcBef>
-                <a:spcPct val="20000"/>
-              </a:spcBef>
-              <a:spcAft>
-                <a:spcPct val="0"/>
-              </a:spcAft>
-              <a:buClr>
-                <a:srgbClr val="008C5A"/>
-              </a:buClr>
-              <a:buFont typeface="Monotype Sorts" pitchFamily="2" charset="2"/>
-              <a:buChar char="l"/>
-              <a:defRPr sz="1600">
-                <a:solidFill>
-                  <a:schemeClr val="tx1"/>
-                </a:solidFill>
-                <a:latin typeface="+mn-lt"/>
-              </a:defRPr>
-            </a:lvl9pPr>
-          </a:lstStyle>
+          <a:p>
+            <a:pPr marL="0" indent="0">
+              <a:buNone/>
+            </a:pPr>
+            <a:endParaRPr lang="de-DE" b="1" dirty="0"/>
+          </a:p>
+          <a:p>
+            <a:pPr marL="0" indent="0">
+              <a:buNone/>
+            </a:pPr>
+            <a:r>
+              <a:rPr lang="de-DE" b="1" dirty="0"/>
+              <a:t>Nachteile</a:t>
+            </a:r>
+          </a:p>
           <a:p>
             <a:pPr>
               <a:buFont typeface="Arial" panose="020B0604020202020204" pitchFamily="34" charset="0"/>
@@ -5473,13 +4939,19 @@
               <a:rPr lang="de-DE" altLang="de-DE" kern="0" dirty="0"/>
               <a:t>Nur Test kein Update</a:t>
             </a:r>
+          </a:p>
+          <a:p>
+            <a:pPr marL="0" indent="0">
+              <a:buNone/>
+            </a:pPr>
+            <a:endParaRPr lang="de-DE" b="1" dirty="0"/>
           </a:p>
         </p:txBody>
       </p:sp>
     </p:spTree>
     <p:extLst>
       <p:ext uri="{BB962C8B-B14F-4D97-AF65-F5344CB8AC3E}">
-        <p14:creationId xmlns:p14="http://schemas.microsoft.com/office/powerpoint/2010/main" val="118415372"/>
+        <p14:creationId xmlns:p14="http://schemas.microsoft.com/office/powerpoint/2010/main" val="1580441489"/>
       </p:ext>
     </p:extLst>
   </p:cSld>
@@ -5562,14 +5034,44 @@
         </p:nvSpPr>
         <p:spPr>
           <a:xfrm>
-            <a:off x="303213" y="1916832"/>
-            <a:ext cx="8516937" cy="1413470"/>
+            <a:off x="303213" y="1223442"/>
+            <a:ext cx="8516937" cy="1845518"/>
           </a:xfrm>
         </p:spPr>
         <p:txBody>
           <a:bodyPr/>
           <a:lstStyle/>
           <a:p>
+            <a:pPr marL="0" indent="0">
+              <a:buNone/>
+            </a:pPr>
+            <a:r>
+              <a:rPr lang="en-US" sz="2400" b="1" dirty="0" err="1">
+                <a:latin typeface="+mj-lt"/>
+              </a:rPr>
+              <a:t>Depl</a:t>
+            </a:r>
+            <a:r>
+              <a:rPr lang="de-DE" sz="2400" b="1" dirty="0" err="1">
+                <a:latin typeface="+mj-lt"/>
+              </a:rPr>
+              <a:t>oyment</a:t>
+            </a:r>
+            <a:r>
+              <a:rPr lang="de-DE" sz="2400" b="1" dirty="0">
+                <a:latin typeface="+mj-lt"/>
+              </a:rPr>
+              <a:t> mit </a:t>
+            </a:r>
+            <a:r>
+              <a:rPr lang="de-DE" sz="2400" b="1" dirty="0" err="1">
+                <a:latin typeface="+mj-lt"/>
+              </a:rPr>
+              <a:t>Gitlabs</a:t>
+            </a:r>
+            <a:endParaRPr lang="de-DE" altLang="de-DE" b="1" dirty="0"/>
+          </a:p>
+          <a:p>
             <a:pPr>
               <a:buFont typeface="Arial" panose="020B0604020202020204" pitchFamily="34" charset="0"/>
               <a:buChar char="•"/>
@@ -5598,71 +5100,6 @@
               <a:rPr lang="de-DE" altLang="de-DE" dirty="0"/>
               <a:t>Fast jeder Workflow</a:t>
             </a:r>
-          </a:p>
-        </p:txBody>
-      </p:sp>
-      <p:sp>
-        <p:nvSpPr>
-          <p:cNvPr id="2" name="Textfeld 1">
-            <a:extLst>
-              <a:ext uri="{FF2B5EF4-FFF2-40B4-BE49-F238E27FC236}">
-                <a16:creationId xmlns:a16="http://schemas.microsoft.com/office/drawing/2014/main" id="{48052CC9-2A6B-52A9-F7D1-AFAA2971A0E7}"/>
-              </a:ext>
-            </a:extLst>
-          </p:cNvPr>
-          <p:cNvSpPr txBox="1"/>
-          <p:nvPr/>
-        </p:nvSpPr>
-        <p:spPr bwMode="auto">
-          <a:xfrm>
-            <a:off x="330324" y="1079972"/>
-            <a:ext cx="8462714" cy="584775"/>
-          </a:xfrm>
-          <a:prstGeom prst="rect">
-            <a:avLst/>
-          </a:prstGeom>
-          <a:noFill/>
-          <a:ln w="9525">
-            <a:noFill/>
-            <a:miter lim="800000"/>
-            <a:headEnd/>
-            <a:tailEnd/>
-          </a:ln>
-        </p:spPr>
-        <p:txBody>
-          <a:bodyPr wrap="square" rtlCol="0" anchor="ctr">
-            <a:spAutoFit/>
-          </a:bodyPr>
-          <a:lstStyle/>
-          <a:p>
-            <a:pPr algn="ctr" eaLnBrk="1" hangingPunct="1"/>
-            <a:r>
-              <a:rPr lang="en-US" sz="3200" dirty="0" err="1">
-                <a:latin typeface="+mj-lt"/>
-              </a:rPr>
-              <a:t>Depl</a:t>
-            </a:r>
-            <a:r>
-              <a:rPr lang="de-DE" sz="3200" dirty="0" err="1">
-                <a:latin typeface="+mj-lt"/>
-              </a:rPr>
-              <a:t>oyment</a:t>
-            </a:r>
-            <a:r>
-              <a:rPr lang="de-DE" sz="3200" dirty="0">
-                <a:latin typeface="+mj-lt"/>
-              </a:rPr>
-              <a:t> mit </a:t>
-            </a:r>
-            <a:r>
-              <a:rPr lang="de-DE" sz="3200" dirty="0" err="1">
-                <a:latin typeface="+mj-lt"/>
-              </a:rPr>
-              <a:t>Gitlabs</a:t>
-            </a:r>
-            <a:endParaRPr lang="de-DE" sz="3200" dirty="0">
-              <a:latin typeface="+mj-lt"/>
-            </a:endParaRPr>
           </a:p>
         </p:txBody>
       </p:sp>
@@ -5694,7 +5131,7 @@
         </p:blipFill>
         <p:spPr>
           <a:xfrm>
-            <a:off x="270423" y="4338413"/>
+            <a:off x="270423" y="4050381"/>
             <a:ext cx="2141337" cy="1970908"/>
           </a:xfrm>
           <a:prstGeom prst="rect">
@@ -5716,7 +5153,7 @@
         </p:nvSpPr>
         <p:spPr bwMode="auto">
           <a:xfrm>
-            <a:off x="3851920" y="4149080"/>
+            <a:off x="3851920" y="3861048"/>
             <a:ext cx="2141337" cy="2160241"/>
           </a:xfrm>
           <a:prstGeom prst="rect">
@@ -5787,7 +5224,7 @@
         </p:nvSpPr>
         <p:spPr bwMode="auto">
           <a:xfrm>
-            <a:off x="3995936" y="4293097"/>
+            <a:off x="3995936" y="4005065"/>
             <a:ext cx="1844477" cy="864095"/>
           </a:xfrm>
           <a:prstGeom prst="rect">
@@ -5861,7 +5298,7 @@
         </p:nvSpPr>
         <p:spPr bwMode="auto">
           <a:xfrm>
-            <a:off x="4499992" y="5445224"/>
+            <a:off x="4499992" y="5157192"/>
             <a:ext cx="864096" cy="720080"/>
           </a:xfrm>
           <a:prstGeom prst="flowChartMagneticDisk">
@@ -5935,7 +5372,7 @@
         </p:nvSpPr>
         <p:spPr bwMode="auto">
           <a:xfrm>
-            <a:off x="6751143" y="4149080"/>
+            <a:off x="6751143" y="3861048"/>
             <a:ext cx="2141337" cy="2160241"/>
           </a:xfrm>
           <a:prstGeom prst="rect">
@@ -6006,7 +5443,7 @@
         </p:nvSpPr>
         <p:spPr bwMode="auto">
           <a:xfrm>
-            <a:off x="6895159" y="4293097"/>
+            <a:off x="6895159" y="4005065"/>
             <a:ext cx="1844477" cy="864095"/>
           </a:xfrm>
           <a:prstGeom prst="rect">
@@ -6090,7 +5527,7 @@
         </p:nvSpPr>
         <p:spPr bwMode="auto">
           <a:xfrm>
-            <a:off x="7399215" y="5445224"/>
+            <a:off x="7399215" y="5157192"/>
             <a:ext cx="864096" cy="720080"/>
           </a:xfrm>
           <a:prstGeom prst="flowChartMagneticDisk">
@@ -6168,7 +5605,7 @@
         </p:nvCxnSpPr>
         <p:spPr bwMode="auto">
           <a:xfrm rot="5400000" flipH="1" flipV="1">
-            <a:off x="3037174" y="2452999"/>
+            <a:off x="3037174" y="2164967"/>
             <a:ext cx="189333" cy="3581497"/>
           </a:xfrm>
           <a:prstGeom prst="bentConnector3">
@@ -6209,7 +5646,7 @@
         </p:nvCxnSpPr>
         <p:spPr bwMode="auto">
           <a:xfrm rot="5400000" flipH="1" flipV="1">
-            <a:off x="4486786" y="1003387"/>
+            <a:off x="4486786" y="715355"/>
             <a:ext cx="189333" cy="6480720"/>
           </a:xfrm>
           <a:prstGeom prst="bentConnector3">
@@ -6308,7 +5745,7 @@
         </p:nvSpPr>
         <p:spPr>
           <a:xfrm>
-            <a:off x="303213" y="1887487"/>
+            <a:off x="303213" y="1268760"/>
             <a:ext cx="8516937" cy="4494263"/>
           </a:xfrm>
         </p:spPr>
@@ -6316,6 +5753,30 @@
           <a:bodyPr/>
           <a:lstStyle/>
           <a:p>
+            <a:pPr marL="0" indent="0">
+              <a:buNone/>
+            </a:pPr>
+            <a:r>
+              <a:rPr lang="de-DE" sz="2400" b="1" dirty="0">
+                <a:latin typeface="+mj-lt"/>
+              </a:rPr>
+              <a:t>Verschiedene </a:t>
+            </a:r>
+            <a:r>
+              <a:rPr lang="de-DE" sz="2400" b="1" dirty="0" err="1">
+                <a:latin typeface="+mj-lt"/>
+              </a:rPr>
+              <a:t>Deployment</a:t>
+            </a:r>
+            <a:r>
+              <a:rPr lang="de-DE" sz="2400" b="1" dirty="0">
+                <a:latin typeface="+mj-lt"/>
+              </a:rPr>
+              <a:t> Strategien</a:t>
+            </a:r>
+            <a:endParaRPr lang="de-DE" b="1" dirty="0"/>
+          </a:p>
+          <a:p>
             <a:pPr>
               <a:buFont typeface="Arial" panose="020B0604020202020204" pitchFamily="34" charset="0"/>
               <a:buChar char="•"/>
@@ -6378,62 +5839,6 @@
               <a:t>Deployment</a:t>
             </a:r>
             <a:endParaRPr lang="de-DE" dirty="0"/>
-          </a:p>
-        </p:txBody>
-      </p:sp>
-      <p:sp>
-        <p:nvSpPr>
-          <p:cNvPr id="4" name="Textfeld 3">
-            <a:extLst>
-              <a:ext uri="{FF2B5EF4-FFF2-40B4-BE49-F238E27FC236}">
-                <a16:creationId xmlns:a16="http://schemas.microsoft.com/office/drawing/2014/main" id="{CDC265E2-64EC-6E98-0426-B7D891263531}"/>
-              </a:ext>
-            </a:extLst>
-          </p:cNvPr>
-          <p:cNvSpPr txBox="1"/>
-          <p:nvPr/>
-        </p:nvSpPr>
-        <p:spPr bwMode="auto">
-          <a:xfrm>
-            <a:off x="330324" y="1079972"/>
-            <a:ext cx="8462714" cy="584775"/>
-          </a:xfrm>
-          <a:prstGeom prst="rect">
-            <a:avLst/>
-          </a:prstGeom>
-          <a:noFill/>
-          <a:ln w="9525">
-            <a:noFill/>
-            <a:miter lim="800000"/>
-            <a:headEnd/>
-            <a:tailEnd/>
-          </a:ln>
-        </p:spPr>
-        <p:txBody>
-          <a:bodyPr wrap="square" rtlCol="0" anchor="ctr">
-            <a:spAutoFit/>
-          </a:bodyPr>
-          <a:lstStyle/>
-          <a:p>
-            <a:pPr algn="ctr" eaLnBrk="1" hangingPunct="1"/>
-            <a:r>
-              <a:rPr lang="de-DE" sz="3200" dirty="0">
-                <a:latin typeface="+mj-lt"/>
-              </a:rPr>
-              <a:t>Verschiedene </a:t>
-            </a:r>
-            <a:r>
-              <a:rPr lang="de-DE" sz="3200" dirty="0" err="1">
-                <a:latin typeface="+mj-lt"/>
-              </a:rPr>
-              <a:t>Deployment</a:t>
-            </a:r>
-            <a:r>
-              <a:rPr lang="de-DE" sz="3200" dirty="0">
-                <a:latin typeface="+mj-lt"/>
-              </a:rPr>
-              <a:t> Strategien</a:t>
-            </a:r>
           </a:p>
         </p:txBody>
       </p:sp>
@@ -6518,14 +5923,38 @@
         </p:nvSpPr>
         <p:spPr>
           <a:xfrm>
-            <a:off x="303213" y="1844824"/>
-            <a:ext cx="8516937" cy="1080120"/>
+            <a:off x="303213" y="1268759"/>
+            <a:ext cx="8516937" cy="1728191"/>
           </a:xfrm>
         </p:spPr>
         <p:txBody>
           <a:bodyPr/>
           <a:lstStyle/>
           <a:p>
+            <a:pPr marL="0" indent="0">
+              <a:buNone/>
+            </a:pPr>
+            <a:r>
+              <a:rPr lang="de-DE" sz="2400" b="1" dirty="0" err="1">
+                <a:latin typeface="+mj-lt"/>
+              </a:rPr>
+              <a:t>Recreate</a:t>
+            </a:r>
+            <a:r>
+              <a:rPr lang="de-DE" sz="2400" b="1" dirty="0">
+                <a:latin typeface="+mj-lt"/>
+              </a:rPr>
+              <a:t> </a:t>
+            </a:r>
+            <a:r>
+              <a:rPr lang="de-DE" sz="2400" b="1" dirty="0" err="1">
+                <a:latin typeface="+mj-lt"/>
+              </a:rPr>
+              <a:t>Deployment</a:t>
+            </a:r>
+            <a:endParaRPr lang="de-DE" b="1" dirty="0"/>
+          </a:p>
+          <a:p>
             <a:pPr>
               <a:buFont typeface="Arial" panose="020B0604020202020204" pitchFamily="34" charset="0"/>
               <a:buChar char="•"/>
@@ -6559,65 +5988,6 @@
               <a:buChar char="•"/>
             </a:pPr>
             <a:endParaRPr lang="de-DE" dirty="0"/>
-          </a:p>
-        </p:txBody>
-      </p:sp>
-      <p:sp>
-        <p:nvSpPr>
-          <p:cNvPr id="5" name="Textfeld 4">
-            <a:extLst>
-              <a:ext uri="{FF2B5EF4-FFF2-40B4-BE49-F238E27FC236}">
-                <a16:creationId xmlns:a16="http://schemas.microsoft.com/office/drawing/2014/main" id="{2329921C-13DB-F6B8-C326-D9583581E977}"/>
-              </a:ext>
-            </a:extLst>
-          </p:cNvPr>
-          <p:cNvSpPr txBox="1"/>
-          <p:nvPr/>
-        </p:nvSpPr>
-        <p:spPr bwMode="auto">
-          <a:xfrm>
-            <a:off x="330324" y="1079972"/>
-            <a:ext cx="8462714" cy="584775"/>
-          </a:xfrm>
-          <a:prstGeom prst="rect">
-            <a:avLst/>
-          </a:prstGeom>
-          <a:noFill/>
-          <a:ln w="9525">
-            <a:noFill/>
-            <a:miter lim="800000"/>
-            <a:headEnd/>
-            <a:tailEnd/>
-          </a:ln>
-        </p:spPr>
-        <p:txBody>
-          <a:bodyPr wrap="square" rtlCol="0" anchor="ctr">
-            <a:spAutoFit/>
-          </a:bodyPr>
-          <a:lstStyle/>
-          <a:p>
-            <a:pPr algn="ctr" eaLnBrk="1" hangingPunct="1"/>
-            <a:r>
-              <a:rPr lang="de-DE" sz="3200" dirty="0" err="1">
-                <a:latin typeface="+mj-lt"/>
-              </a:rPr>
-              <a:t>Recreate</a:t>
-            </a:r>
-            <a:r>
-              <a:rPr lang="de-DE" sz="3200" dirty="0">
-                <a:latin typeface="+mj-lt"/>
-              </a:rPr>
-              <a:t> </a:t>
-            </a:r>
-            <a:r>
-              <a:rPr lang="de-DE" sz="3200" dirty="0" err="1">
-                <a:latin typeface="+mj-lt"/>
-              </a:rPr>
-              <a:t>Deployment</a:t>
-            </a:r>
-            <a:endParaRPr lang="de-DE" sz="3200" dirty="0">
-              <a:latin typeface="+mj-lt"/>
-            </a:endParaRPr>
           </a:p>
         </p:txBody>
       </p:sp>
@@ -7286,7 +6656,7 @@
           <p:cNvPr id="2" name="Titel 1">
             <a:extLst>
               <a:ext uri="{FF2B5EF4-FFF2-40B4-BE49-F238E27FC236}">
-                <a16:creationId xmlns:a16="http://schemas.microsoft.com/office/drawing/2014/main" id="{D99BAD01-A920-7F80-9D35-9B44F14A75EF}"/>
+                <a16:creationId xmlns:a16="http://schemas.microsoft.com/office/drawing/2014/main" id="{80BF4B68-F404-4DA6-CCFF-19FBA248EFD8}"/>
               </a:ext>
             </a:extLst>
           </p:cNvPr>
@@ -7316,54 +6686,10 @@
       </p:sp>
       <p:sp>
         <p:nvSpPr>
-          <p:cNvPr id="5" name="Textfeld 4">
-            <a:extLst>
-              <a:ext uri="{FF2B5EF4-FFF2-40B4-BE49-F238E27FC236}">
-                <a16:creationId xmlns:a16="http://schemas.microsoft.com/office/drawing/2014/main" id="{B391B747-BBA4-21F1-3683-E6C2DC8AA3C6}"/>
-              </a:ext>
-            </a:extLst>
-          </p:cNvPr>
-          <p:cNvSpPr txBox="1"/>
-          <p:nvPr/>
-        </p:nvSpPr>
-        <p:spPr bwMode="auto">
-          <a:xfrm>
-            <a:off x="330324" y="1079972"/>
-            <a:ext cx="8462714" cy="584775"/>
-          </a:xfrm>
-          <a:prstGeom prst="rect">
-            <a:avLst/>
-          </a:prstGeom>
-          <a:noFill/>
-          <a:ln w="9525">
-            <a:noFill/>
-            <a:miter lim="800000"/>
-            <a:headEnd/>
-            <a:tailEnd/>
-          </a:ln>
-        </p:spPr>
-        <p:txBody>
-          <a:bodyPr wrap="square" rtlCol="0" anchor="ctr">
-            <a:spAutoFit/>
-          </a:bodyPr>
-          <a:lstStyle/>
-          <a:p>
-            <a:pPr algn="ctr" eaLnBrk="1" hangingPunct="1"/>
-            <a:r>
-              <a:rPr lang="de-DE" sz="3200" dirty="0">
-                <a:latin typeface="+mj-lt"/>
-              </a:rPr>
-              <a:t>Vor und Nachteile</a:t>
-            </a:r>
-          </a:p>
-        </p:txBody>
-      </p:sp>
-      <p:sp>
-        <p:nvSpPr>
           <p:cNvPr id="3" name="Inhaltsplatzhalter 2">
             <a:extLst>
               <a:ext uri="{FF2B5EF4-FFF2-40B4-BE49-F238E27FC236}">
-                <a16:creationId xmlns:a16="http://schemas.microsoft.com/office/drawing/2014/main" id="{B3231207-F7BC-F792-92B9-48E8C8E01816}"/>
+                <a16:creationId xmlns:a16="http://schemas.microsoft.com/office/drawing/2014/main" id="{25FCE850-397A-115C-DE7E-93A25C221F78}"/>
               </a:ext>
             </a:extLst>
           </p:cNvPr>
@@ -7374,16 +6700,20 @@
             <p:ph idx="1"/>
           </p:nvPr>
         </p:nvSpPr>
-        <p:spPr>
-          <a:xfrm>
-            <a:off x="683568" y="1988840"/>
-            <a:ext cx="3764731" cy="3960440"/>
-          </a:xfrm>
-        </p:spPr>
+        <p:spPr/>
         <p:txBody>
           <a:bodyPr/>
           <a:lstStyle/>
           <a:p>
+            <a:pPr marL="0" indent="0">
+              <a:buNone/>
+            </a:pPr>
+            <a:r>
+              <a:rPr lang="de-DE" b="1" dirty="0"/>
+              <a:t>Vorteile</a:t>
+            </a:r>
+          </a:p>
+          <a:p>
             <a:pPr>
               <a:buFont typeface="Arial" panose="020B0604020202020204" pitchFamily="34" charset="0"/>
               <a:buChar char="•"/>
@@ -7403,235 +6733,21 @@
               <a:t>Günstig</a:t>
             </a:r>
           </a:p>
-        </p:txBody>
-      </p:sp>
-      <p:sp>
-        <p:nvSpPr>
-          <p:cNvPr id="4" name="Inhaltsplatzhalter 2">
-            <a:extLst>
-              <a:ext uri="{FF2B5EF4-FFF2-40B4-BE49-F238E27FC236}">
-                <a16:creationId xmlns:a16="http://schemas.microsoft.com/office/drawing/2014/main" id="{0EDA6666-E721-7B60-2CB5-59117D00AFAA}"/>
-              </a:ext>
-            </a:extLst>
-          </p:cNvPr>
-          <p:cNvSpPr txBox="1">
-            <a:spLocks/>
-          </p:cNvSpPr>
-          <p:nvPr/>
-        </p:nvSpPr>
-        <p:spPr bwMode="auto">
-          <a:xfrm>
-            <a:off x="4693773" y="1988840"/>
-            <a:ext cx="3764731" cy="3960440"/>
-          </a:xfrm>
-          <a:prstGeom prst="rect">
-            <a:avLst/>
-          </a:prstGeom>
-          <a:noFill/>
-          <a:ln>
-            <a:noFill/>
-          </a:ln>
-          <a:extLst>
-            <a:ext uri="{909E8E84-426E-40DD-AFC4-6F175D3DCCD1}">
-              <a14:hiddenFill xmlns:a14="http://schemas.microsoft.com/office/drawing/2010/main">
-                <a:solidFill>
-                  <a:srgbClr val="FFFFFF"/>
-                </a:solidFill>
-              </a14:hiddenFill>
-            </a:ext>
-            <a:ext uri="{91240B29-F687-4F45-9708-019B960494DF}">
-              <a14:hiddenLine xmlns:a14="http://schemas.microsoft.com/office/drawing/2010/main" w="9525">
-                <a:solidFill>
-                  <a:srgbClr val="000000"/>
-                </a:solidFill>
-                <a:miter lim="800000"/>
-                <a:headEnd/>
-                <a:tailEnd/>
-              </a14:hiddenLine>
-            </a:ext>
-          </a:extLst>
-        </p:spPr>
-        <p:txBody>
-          <a:bodyPr vert="horz" wrap="square" lIns="92075" tIns="46038" rIns="92075" bIns="46038" numCol="1" anchor="t" anchorCtr="0" compatLnSpc="1">
-            <a:prstTxWarp prst="textNoShape">
-              <a:avLst/>
-            </a:prstTxWarp>
-          </a:bodyPr>
-          <a:lstStyle>
-            <a:lvl1pPr marL="342900" indent="-342900" algn="l" rtl="0" eaLnBrk="1" fontAlgn="base" hangingPunct="1">
-              <a:spcBef>
-                <a:spcPct val="20000"/>
-              </a:spcBef>
-              <a:spcAft>
-                <a:spcPct val="0"/>
-              </a:spcAft>
-              <a:buClr>
-                <a:srgbClr val="008C5A"/>
-              </a:buClr>
-              <a:buFont typeface="Monotype Sorts" pitchFamily="2" charset="2"/>
-              <a:buChar char="l"/>
-              <a:defRPr sz="2400">
-                <a:solidFill>
-                  <a:schemeClr val="tx1"/>
-                </a:solidFill>
-                <a:latin typeface="+mn-lt"/>
-                <a:ea typeface="+mn-ea"/>
-                <a:cs typeface="+mn-cs"/>
-              </a:defRPr>
-            </a:lvl1pPr>
-            <a:lvl2pPr marL="742950" indent="-285750" algn="l" rtl="0" eaLnBrk="1" fontAlgn="base" hangingPunct="1">
-              <a:spcBef>
-                <a:spcPct val="20000"/>
-              </a:spcBef>
-              <a:spcAft>
-                <a:spcPct val="0"/>
-              </a:spcAft>
-              <a:buClr>
-                <a:srgbClr val="008C5A"/>
-              </a:buClr>
-              <a:buFont typeface="Monotype Sorts" pitchFamily="2" charset="2"/>
-              <a:buChar char="l"/>
-              <a:defRPr sz="2000">
-                <a:solidFill>
-                  <a:schemeClr val="tx1"/>
-                </a:solidFill>
-                <a:latin typeface="+mn-lt"/>
-              </a:defRPr>
-            </a:lvl2pPr>
-            <a:lvl3pPr marL="1143000" indent="-228600" algn="l" rtl="0" eaLnBrk="1" fontAlgn="base" hangingPunct="1">
-              <a:spcBef>
-                <a:spcPct val="20000"/>
-              </a:spcBef>
-              <a:spcAft>
-                <a:spcPct val="0"/>
-              </a:spcAft>
-              <a:buClr>
-                <a:srgbClr val="008C5A"/>
-              </a:buClr>
-              <a:buFont typeface="Monotype Sorts" pitchFamily="2" charset="2"/>
-              <a:buChar char="l"/>
-              <a:defRPr sz="2400">
-                <a:solidFill>
-                  <a:schemeClr val="tx1"/>
-                </a:solidFill>
-                <a:latin typeface="+mn-lt"/>
-              </a:defRPr>
-            </a:lvl3pPr>
-            <a:lvl4pPr marL="1562100" indent="-228600" algn="l" rtl="0" eaLnBrk="1" fontAlgn="base" hangingPunct="1">
-              <a:spcBef>
-                <a:spcPct val="20000"/>
-              </a:spcBef>
-              <a:spcAft>
-                <a:spcPct val="0"/>
-              </a:spcAft>
-              <a:buClr>
-                <a:srgbClr val="008C5A"/>
-              </a:buClr>
-              <a:buFont typeface="Monotype Sorts" pitchFamily="2" charset="2"/>
-              <a:buChar char="l"/>
-              <a:defRPr sz="1600">
-                <a:solidFill>
-                  <a:schemeClr val="tx1"/>
-                </a:solidFill>
-                <a:latin typeface="+mn-lt"/>
-              </a:defRPr>
-            </a:lvl4pPr>
-            <a:lvl5pPr marL="1981200" indent="-228600" algn="l" rtl="0" eaLnBrk="1" fontAlgn="base" hangingPunct="1">
-              <a:spcBef>
-                <a:spcPct val="20000"/>
-              </a:spcBef>
-              <a:spcAft>
-                <a:spcPct val="0"/>
-              </a:spcAft>
-              <a:buClr>
-                <a:srgbClr val="008C5A"/>
-              </a:buClr>
-              <a:buFont typeface="Monotype Sorts" pitchFamily="2" charset="2"/>
-              <a:buChar char="l"/>
-              <a:defRPr sz="1600">
-                <a:solidFill>
-                  <a:schemeClr val="tx1"/>
-                </a:solidFill>
-                <a:latin typeface="+mn-lt"/>
-              </a:defRPr>
-            </a:lvl5pPr>
-            <a:lvl6pPr marL="2438400" indent="-228600" algn="l" rtl="0" eaLnBrk="1" fontAlgn="base" hangingPunct="1">
-              <a:spcBef>
-                <a:spcPct val="20000"/>
-              </a:spcBef>
-              <a:spcAft>
-                <a:spcPct val="0"/>
-              </a:spcAft>
-              <a:buClr>
-                <a:srgbClr val="008C5A"/>
-              </a:buClr>
-              <a:buFont typeface="Monotype Sorts" pitchFamily="2" charset="2"/>
-              <a:buChar char="l"/>
-              <a:defRPr sz="1600">
-                <a:solidFill>
-                  <a:schemeClr val="tx1"/>
-                </a:solidFill>
-                <a:latin typeface="+mn-lt"/>
-              </a:defRPr>
-            </a:lvl6pPr>
-            <a:lvl7pPr marL="2895600" indent="-228600" algn="l" rtl="0" eaLnBrk="1" fontAlgn="base" hangingPunct="1">
-              <a:spcBef>
-                <a:spcPct val="20000"/>
-              </a:spcBef>
-              <a:spcAft>
-                <a:spcPct val="0"/>
-              </a:spcAft>
-              <a:buClr>
-                <a:srgbClr val="008C5A"/>
-              </a:buClr>
-              <a:buFont typeface="Monotype Sorts" pitchFamily="2" charset="2"/>
-              <a:buChar char="l"/>
-              <a:defRPr sz="1600">
-                <a:solidFill>
-                  <a:schemeClr val="tx1"/>
-                </a:solidFill>
-                <a:latin typeface="+mn-lt"/>
-              </a:defRPr>
-            </a:lvl7pPr>
-            <a:lvl8pPr marL="3352800" indent="-228600" algn="l" rtl="0" eaLnBrk="1" fontAlgn="base" hangingPunct="1">
-              <a:spcBef>
-                <a:spcPct val="20000"/>
-              </a:spcBef>
-              <a:spcAft>
-                <a:spcPct val="0"/>
-              </a:spcAft>
-              <a:buClr>
-                <a:srgbClr val="008C5A"/>
-              </a:buClr>
-              <a:buFont typeface="Monotype Sorts" pitchFamily="2" charset="2"/>
-              <a:buChar char="l"/>
-              <a:defRPr sz="1600">
-                <a:solidFill>
-                  <a:schemeClr val="tx1"/>
-                </a:solidFill>
-                <a:latin typeface="+mn-lt"/>
-              </a:defRPr>
-            </a:lvl8pPr>
-            <a:lvl9pPr marL="3810000" indent="-228600" algn="l" rtl="0" eaLnBrk="1" fontAlgn="base" hangingPunct="1">
-              <a:spcBef>
-                <a:spcPct val="20000"/>
-              </a:spcBef>
-              <a:spcAft>
-                <a:spcPct val="0"/>
-              </a:spcAft>
-              <a:buClr>
-                <a:srgbClr val="008C5A"/>
-              </a:buClr>
-              <a:buFont typeface="Monotype Sorts" pitchFamily="2" charset="2"/>
-              <a:buChar char="l"/>
-              <a:defRPr sz="1600">
-                <a:solidFill>
-                  <a:schemeClr val="tx1"/>
-                </a:solidFill>
-                <a:latin typeface="+mn-lt"/>
-              </a:defRPr>
-            </a:lvl9pPr>
-          </a:lstStyle>
+          <a:p>
+            <a:pPr marL="0" indent="0">
+              <a:buNone/>
+            </a:pPr>
+            <a:endParaRPr lang="de-DE" dirty="0"/>
+          </a:p>
+          <a:p>
+            <a:pPr marL="0" indent="0">
+              <a:buNone/>
+            </a:pPr>
+            <a:r>
+              <a:rPr lang="de-DE" b="1" dirty="0"/>
+              <a:t>Nachteile</a:t>
+            </a:r>
+          </a:p>
           <a:p>
             <a:pPr>
               <a:buFont typeface="Arial" panose="020B0604020202020204" pitchFamily="34" charset="0"/>
@@ -7667,7 +6783,7 @@
     </p:spTree>
     <p:extLst>
       <p:ext uri="{BB962C8B-B14F-4D97-AF65-F5344CB8AC3E}">
-        <p14:creationId xmlns:p14="http://schemas.microsoft.com/office/powerpoint/2010/main" val="424821774"/>
+        <p14:creationId xmlns:p14="http://schemas.microsoft.com/office/powerpoint/2010/main" val="3074310903"/>
       </p:ext>
     </p:extLst>
   </p:cSld>
@@ -7745,14 +6861,32 @@
         </p:nvSpPr>
         <p:spPr>
           <a:xfrm>
-            <a:off x="303213" y="1844823"/>
-            <a:ext cx="8516937" cy="1296135"/>
+            <a:off x="303213" y="1268760"/>
+            <a:ext cx="8516937" cy="1911987"/>
           </a:xfrm>
         </p:spPr>
         <p:txBody>
           <a:bodyPr/>
           <a:lstStyle/>
           <a:p>
+            <a:pPr marL="0" indent="0">
+              <a:buNone/>
+            </a:pPr>
+            <a:r>
+              <a:rPr lang="de-DE" sz="2400" b="1" dirty="0">
+                <a:latin typeface="+mj-lt"/>
+              </a:rPr>
+              <a:t>Blue-Green </a:t>
+            </a:r>
+            <a:r>
+              <a:rPr lang="de-DE" sz="2400" b="1" dirty="0" err="1">
+                <a:latin typeface="+mj-lt"/>
+              </a:rPr>
+              <a:t>Deployment</a:t>
+            </a:r>
+            <a:endParaRPr lang="de-DE" b="1" dirty="0"/>
+          </a:p>
+          <a:p>
             <a:pPr>
               <a:buFont typeface="Arial" panose="020B0604020202020204" pitchFamily="34" charset="0"/>
               <a:buChar char="•"/>
@@ -7788,59 +6922,6 @@
               <a:buChar char="•"/>
             </a:pPr>
             <a:endParaRPr lang="de-DE" dirty="0"/>
-          </a:p>
-        </p:txBody>
-      </p:sp>
-      <p:sp>
-        <p:nvSpPr>
-          <p:cNvPr id="5" name="Textfeld 4">
-            <a:extLst>
-              <a:ext uri="{FF2B5EF4-FFF2-40B4-BE49-F238E27FC236}">
-                <a16:creationId xmlns:a16="http://schemas.microsoft.com/office/drawing/2014/main" id="{2329921C-13DB-F6B8-C326-D9583581E977}"/>
-              </a:ext>
-            </a:extLst>
-          </p:cNvPr>
-          <p:cNvSpPr txBox="1"/>
-          <p:nvPr/>
-        </p:nvSpPr>
-        <p:spPr bwMode="auto">
-          <a:xfrm>
-            <a:off x="330324" y="1079972"/>
-            <a:ext cx="8462714" cy="584775"/>
-          </a:xfrm>
-          <a:prstGeom prst="rect">
-            <a:avLst/>
-          </a:prstGeom>
-          <a:noFill/>
-          <a:ln w="9525">
-            <a:noFill/>
-            <a:miter lim="800000"/>
-            <a:headEnd/>
-            <a:tailEnd/>
-          </a:ln>
-        </p:spPr>
-        <p:txBody>
-          <a:bodyPr wrap="square" rtlCol="0" anchor="ctr">
-            <a:spAutoFit/>
-          </a:bodyPr>
-          <a:lstStyle/>
-          <a:p>
-            <a:pPr algn="ctr" eaLnBrk="1" hangingPunct="1"/>
-            <a:r>
-              <a:rPr lang="de-DE" sz="3200" dirty="0">
-                <a:latin typeface="+mj-lt"/>
-              </a:rPr>
-              <a:t>Blue-Green </a:t>
-            </a:r>
-            <a:r>
-              <a:rPr lang="de-DE" sz="3200" dirty="0" err="1">
-                <a:latin typeface="+mj-lt"/>
-              </a:rPr>
-              <a:t>Deployment</a:t>
-            </a:r>
-            <a:endParaRPr lang="de-DE" sz="3200" dirty="0">
-              <a:latin typeface="+mj-lt"/>
-            </a:endParaRPr>
           </a:p>
         </p:txBody>
       </p:sp>
@@ -8968,7 +8049,7 @@
           <p:cNvPr id="2" name="Titel 1">
             <a:extLst>
               <a:ext uri="{FF2B5EF4-FFF2-40B4-BE49-F238E27FC236}">
-                <a16:creationId xmlns:a16="http://schemas.microsoft.com/office/drawing/2014/main" id="{D99BAD01-A920-7F80-9D35-9B44F14A75EF}"/>
+                <a16:creationId xmlns:a16="http://schemas.microsoft.com/office/drawing/2014/main" id="{EF591ABD-50D5-A755-735A-235A68CBB955}"/>
               </a:ext>
             </a:extLst>
           </p:cNvPr>
@@ -8985,58 +8066,10 @@
           <a:lstStyle/>
           <a:p>
             <a:r>
-              <a:rPr lang="en-US" altLang="de-DE" dirty="0" err="1"/>
-              <a:t>Deplo</a:t>
-            </a:r>
-            <a:r>
-              <a:rPr lang="de-DE" altLang="de-DE" dirty="0" err="1"/>
-              <a:t>yment</a:t>
+              <a:rPr lang="en-US" altLang="de-DE" dirty="0"/>
+              <a:t>Deployment</a:t>
             </a:r>
             <a:endParaRPr lang="de-DE" dirty="0"/>
-          </a:p>
-        </p:txBody>
-      </p:sp>
-      <p:sp>
-        <p:nvSpPr>
-          <p:cNvPr id="5" name="Textfeld 4">
-            <a:extLst>
-              <a:ext uri="{FF2B5EF4-FFF2-40B4-BE49-F238E27FC236}">
-                <a16:creationId xmlns:a16="http://schemas.microsoft.com/office/drawing/2014/main" id="{B391B747-BBA4-21F1-3683-E6C2DC8AA3C6}"/>
-              </a:ext>
-            </a:extLst>
-          </p:cNvPr>
-          <p:cNvSpPr txBox="1"/>
-          <p:nvPr/>
-        </p:nvSpPr>
-        <p:spPr bwMode="auto">
-          <a:xfrm>
-            <a:off x="330324" y="1079972"/>
-            <a:ext cx="8462714" cy="584775"/>
-          </a:xfrm>
-          <a:prstGeom prst="rect">
-            <a:avLst/>
-          </a:prstGeom>
-          <a:noFill/>
-          <a:ln w="9525">
-            <a:noFill/>
-            <a:miter lim="800000"/>
-            <a:headEnd/>
-            <a:tailEnd/>
-          </a:ln>
-        </p:spPr>
-        <p:txBody>
-          <a:bodyPr wrap="square" rtlCol="0" anchor="ctr">
-            <a:spAutoFit/>
-          </a:bodyPr>
-          <a:lstStyle/>
-          <a:p>
-            <a:pPr algn="ctr" eaLnBrk="1" hangingPunct="1"/>
-            <a:r>
-              <a:rPr lang="de-DE" sz="3200" dirty="0">
-                <a:latin typeface="+mj-lt"/>
-              </a:rPr>
-              <a:t>Vor und Nachteile</a:t>
-            </a:r>
           </a:p>
         </p:txBody>
       </p:sp>
@@ -9045,7 +8078,7 @@
           <p:cNvPr id="3" name="Inhaltsplatzhalter 2">
             <a:extLst>
               <a:ext uri="{FF2B5EF4-FFF2-40B4-BE49-F238E27FC236}">
-                <a16:creationId xmlns:a16="http://schemas.microsoft.com/office/drawing/2014/main" id="{B3231207-F7BC-F792-92B9-48E8C8E01816}"/>
+                <a16:creationId xmlns:a16="http://schemas.microsoft.com/office/drawing/2014/main" id="{9BBCCEE5-8221-F691-5CC6-404256896B0E}"/>
               </a:ext>
             </a:extLst>
           </p:cNvPr>
@@ -9056,16 +8089,20 @@
             <p:ph idx="1"/>
           </p:nvPr>
         </p:nvSpPr>
-        <p:spPr>
-          <a:xfrm>
-            <a:off x="683568" y="1988840"/>
-            <a:ext cx="3764731" cy="3960440"/>
-          </a:xfrm>
-        </p:spPr>
+        <p:spPr/>
         <p:txBody>
           <a:bodyPr/>
           <a:lstStyle/>
           <a:p>
+            <a:pPr marL="0" indent="0">
+              <a:buNone/>
+            </a:pPr>
+            <a:r>
+              <a:rPr lang="de-DE" b="1" dirty="0"/>
+              <a:t>Vorteile</a:t>
+            </a:r>
+          </a:p>
+          <a:p>
             <a:pPr>
               <a:buFont typeface="Arial" panose="020B0604020202020204" pitchFamily="34" charset="0"/>
               <a:buChar char="•"/>
@@ -9096,241 +8133,20 @@
             </a:r>
           </a:p>
           <a:p>
-            <a:pPr>
-              <a:buFont typeface="Arial" panose="020B0604020202020204" pitchFamily="34" charset="0"/>
-              <a:buChar char="•"/>
-            </a:pPr>
-            <a:endParaRPr lang="de-DE" altLang="de-DE" dirty="0"/>
-          </a:p>
-        </p:txBody>
-      </p:sp>
-      <p:sp>
-        <p:nvSpPr>
-          <p:cNvPr id="4" name="Inhaltsplatzhalter 2">
-            <a:extLst>
-              <a:ext uri="{FF2B5EF4-FFF2-40B4-BE49-F238E27FC236}">
-                <a16:creationId xmlns:a16="http://schemas.microsoft.com/office/drawing/2014/main" id="{0EDA6666-E721-7B60-2CB5-59117D00AFAA}"/>
-              </a:ext>
-            </a:extLst>
-          </p:cNvPr>
-          <p:cNvSpPr txBox="1">
-            <a:spLocks/>
-          </p:cNvSpPr>
-          <p:nvPr/>
-        </p:nvSpPr>
-        <p:spPr bwMode="auto">
-          <a:xfrm>
-            <a:off x="4693773" y="1988840"/>
-            <a:ext cx="3764731" cy="3960440"/>
-          </a:xfrm>
-          <a:prstGeom prst="rect">
-            <a:avLst/>
-          </a:prstGeom>
-          <a:noFill/>
-          <a:ln>
-            <a:noFill/>
-          </a:ln>
-          <a:extLst>
-            <a:ext uri="{909E8E84-426E-40DD-AFC4-6F175D3DCCD1}">
-              <a14:hiddenFill xmlns:a14="http://schemas.microsoft.com/office/drawing/2010/main">
-                <a:solidFill>
-                  <a:srgbClr val="FFFFFF"/>
-                </a:solidFill>
-              </a14:hiddenFill>
-            </a:ext>
-            <a:ext uri="{91240B29-F687-4F45-9708-019B960494DF}">
-              <a14:hiddenLine xmlns:a14="http://schemas.microsoft.com/office/drawing/2010/main" w="9525">
-                <a:solidFill>
-                  <a:srgbClr val="000000"/>
-                </a:solidFill>
-                <a:miter lim="800000"/>
-                <a:headEnd/>
-                <a:tailEnd/>
-              </a14:hiddenLine>
-            </a:ext>
-          </a:extLst>
-        </p:spPr>
-        <p:txBody>
-          <a:bodyPr vert="horz" wrap="square" lIns="92075" tIns="46038" rIns="92075" bIns="46038" numCol="1" anchor="t" anchorCtr="0" compatLnSpc="1">
-            <a:prstTxWarp prst="textNoShape">
-              <a:avLst/>
-            </a:prstTxWarp>
-          </a:bodyPr>
-          <a:lstStyle>
-            <a:lvl1pPr marL="342900" indent="-342900" algn="l" rtl="0" eaLnBrk="1" fontAlgn="base" hangingPunct="1">
-              <a:spcBef>
-                <a:spcPct val="20000"/>
-              </a:spcBef>
-              <a:spcAft>
-                <a:spcPct val="0"/>
-              </a:spcAft>
-              <a:buClr>
-                <a:srgbClr val="008C5A"/>
-              </a:buClr>
-              <a:buFont typeface="Monotype Sorts" pitchFamily="2" charset="2"/>
-              <a:buChar char="l"/>
-              <a:defRPr sz="2400">
-                <a:solidFill>
-                  <a:schemeClr val="tx1"/>
-                </a:solidFill>
-                <a:latin typeface="+mn-lt"/>
-                <a:ea typeface="+mn-ea"/>
-                <a:cs typeface="+mn-cs"/>
-              </a:defRPr>
-            </a:lvl1pPr>
-            <a:lvl2pPr marL="742950" indent="-285750" algn="l" rtl="0" eaLnBrk="1" fontAlgn="base" hangingPunct="1">
-              <a:spcBef>
-                <a:spcPct val="20000"/>
-              </a:spcBef>
-              <a:spcAft>
-                <a:spcPct val="0"/>
-              </a:spcAft>
-              <a:buClr>
-                <a:srgbClr val="008C5A"/>
-              </a:buClr>
-              <a:buFont typeface="Monotype Sorts" pitchFamily="2" charset="2"/>
-              <a:buChar char="l"/>
-              <a:defRPr sz="2000">
-                <a:solidFill>
-                  <a:schemeClr val="tx1"/>
-                </a:solidFill>
-                <a:latin typeface="+mn-lt"/>
-              </a:defRPr>
-            </a:lvl2pPr>
-            <a:lvl3pPr marL="1143000" indent="-228600" algn="l" rtl="0" eaLnBrk="1" fontAlgn="base" hangingPunct="1">
-              <a:spcBef>
-                <a:spcPct val="20000"/>
-              </a:spcBef>
-              <a:spcAft>
-                <a:spcPct val="0"/>
-              </a:spcAft>
-              <a:buClr>
-                <a:srgbClr val="008C5A"/>
-              </a:buClr>
-              <a:buFont typeface="Monotype Sorts" pitchFamily="2" charset="2"/>
-              <a:buChar char="l"/>
-              <a:defRPr sz="2400">
-                <a:solidFill>
-                  <a:schemeClr val="tx1"/>
-                </a:solidFill>
-                <a:latin typeface="+mn-lt"/>
-              </a:defRPr>
-            </a:lvl3pPr>
-            <a:lvl4pPr marL="1562100" indent="-228600" algn="l" rtl="0" eaLnBrk="1" fontAlgn="base" hangingPunct="1">
-              <a:spcBef>
-                <a:spcPct val="20000"/>
-              </a:spcBef>
-              <a:spcAft>
-                <a:spcPct val="0"/>
-              </a:spcAft>
-              <a:buClr>
-                <a:srgbClr val="008C5A"/>
-              </a:buClr>
-              <a:buFont typeface="Monotype Sorts" pitchFamily="2" charset="2"/>
-              <a:buChar char="l"/>
-              <a:defRPr sz="1600">
-                <a:solidFill>
-                  <a:schemeClr val="tx1"/>
-                </a:solidFill>
-                <a:latin typeface="+mn-lt"/>
-              </a:defRPr>
-            </a:lvl4pPr>
-            <a:lvl5pPr marL="1981200" indent="-228600" algn="l" rtl="0" eaLnBrk="1" fontAlgn="base" hangingPunct="1">
-              <a:spcBef>
-                <a:spcPct val="20000"/>
-              </a:spcBef>
-              <a:spcAft>
-                <a:spcPct val="0"/>
-              </a:spcAft>
-              <a:buClr>
-                <a:srgbClr val="008C5A"/>
-              </a:buClr>
-              <a:buFont typeface="Monotype Sorts" pitchFamily="2" charset="2"/>
-              <a:buChar char="l"/>
-              <a:defRPr sz="1600">
-                <a:solidFill>
-                  <a:schemeClr val="tx1"/>
-                </a:solidFill>
-                <a:latin typeface="+mn-lt"/>
-              </a:defRPr>
-            </a:lvl5pPr>
-            <a:lvl6pPr marL="2438400" indent="-228600" algn="l" rtl="0" eaLnBrk="1" fontAlgn="base" hangingPunct="1">
-              <a:spcBef>
-                <a:spcPct val="20000"/>
-              </a:spcBef>
-              <a:spcAft>
-                <a:spcPct val="0"/>
-              </a:spcAft>
-              <a:buClr>
-                <a:srgbClr val="008C5A"/>
-              </a:buClr>
-              <a:buFont typeface="Monotype Sorts" pitchFamily="2" charset="2"/>
-              <a:buChar char="l"/>
-              <a:defRPr sz="1600">
-                <a:solidFill>
-                  <a:schemeClr val="tx1"/>
-                </a:solidFill>
-                <a:latin typeface="+mn-lt"/>
-              </a:defRPr>
-            </a:lvl6pPr>
-            <a:lvl7pPr marL="2895600" indent="-228600" algn="l" rtl="0" eaLnBrk="1" fontAlgn="base" hangingPunct="1">
-              <a:spcBef>
-                <a:spcPct val="20000"/>
-              </a:spcBef>
-              <a:spcAft>
-                <a:spcPct val="0"/>
-              </a:spcAft>
-              <a:buClr>
-                <a:srgbClr val="008C5A"/>
-              </a:buClr>
-              <a:buFont typeface="Monotype Sorts" pitchFamily="2" charset="2"/>
-              <a:buChar char="l"/>
-              <a:defRPr sz="1600">
-                <a:solidFill>
-                  <a:schemeClr val="tx1"/>
-                </a:solidFill>
-                <a:latin typeface="+mn-lt"/>
-              </a:defRPr>
-            </a:lvl7pPr>
-            <a:lvl8pPr marL="3352800" indent="-228600" algn="l" rtl="0" eaLnBrk="1" fontAlgn="base" hangingPunct="1">
-              <a:spcBef>
-                <a:spcPct val="20000"/>
-              </a:spcBef>
-              <a:spcAft>
-                <a:spcPct val="0"/>
-              </a:spcAft>
-              <a:buClr>
-                <a:srgbClr val="008C5A"/>
-              </a:buClr>
-              <a:buFont typeface="Monotype Sorts" pitchFamily="2" charset="2"/>
-              <a:buChar char="l"/>
-              <a:defRPr sz="1600">
-                <a:solidFill>
-                  <a:schemeClr val="tx1"/>
-                </a:solidFill>
-                <a:latin typeface="+mn-lt"/>
-              </a:defRPr>
-            </a:lvl8pPr>
-            <a:lvl9pPr marL="3810000" indent="-228600" algn="l" rtl="0" eaLnBrk="1" fontAlgn="base" hangingPunct="1">
-              <a:spcBef>
-                <a:spcPct val="20000"/>
-              </a:spcBef>
-              <a:spcAft>
-                <a:spcPct val="0"/>
-              </a:spcAft>
-              <a:buClr>
-                <a:srgbClr val="008C5A"/>
-              </a:buClr>
-              <a:buFont typeface="Monotype Sorts" pitchFamily="2" charset="2"/>
-              <a:buChar char="l"/>
-              <a:defRPr sz="1600">
-                <a:solidFill>
-                  <a:schemeClr val="tx1"/>
-                </a:solidFill>
-                <a:latin typeface="+mn-lt"/>
-              </a:defRPr>
-            </a:lvl9pPr>
-          </a:lstStyle>
+            <a:pPr marL="0" indent="0">
+              <a:buNone/>
+            </a:pPr>
+            <a:endParaRPr lang="de-DE" dirty="0"/>
+          </a:p>
+          <a:p>
+            <a:pPr marL="0" indent="0">
+              <a:buNone/>
+            </a:pPr>
+            <a:r>
+              <a:rPr lang="de-DE" b="1" dirty="0"/>
+              <a:t>Nachteile</a:t>
+            </a:r>
+          </a:p>
           <a:p>
             <a:pPr>
               <a:buFont typeface="Arial" panose="020B0604020202020204" pitchFamily="34" charset="0"/>
@@ -9366,7 +8182,7 @@
     </p:spTree>
     <p:extLst>
       <p:ext uri="{BB962C8B-B14F-4D97-AF65-F5344CB8AC3E}">
-        <p14:creationId xmlns:p14="http://schemas.microsoft.com/office/powerpoint/2010/main" val="2441999377"/>
+        <p14:creationId xmlns:p14="http://schemas.microsoft.com/office/powerpoint/2010/main" val="617239567"/>
       </p:ext>
     </p:extLst>
   </p:cSld>
@@ -9444,7 +8260,7 @@
         </p:nvSpPr>
         <p:spPr>
           <a:xfrm>
-            <a:off x="303213" y="1844823"/>
+            <a:off x="303213" y="1268769"/>
             <a:ext cx="8516937" cy="1296135"/>
           </a:xfrm>
         </p:spPr>
@@ -9452,6 +8268,30 @@
           <a:bodyPr/>
           <a:lstStyle/>
           <a:p>
+            <a:pPr marL="0" indent="0">
+              <a:buNone/>
+            </a:pPr>
+            <a:r>
+              <a:rPr lang="de-DE" sz="2400" b="1" dirty="0" err="1">
+                <a:latin typeface="+mj-lt"/>
+              </a:rPr>
+              <a:t>Red</a:t>
+            </a:r>
+            <a:r>
+              <a:rPr lang="de-DE" sz="2400" b="1" dirty="0">
+                <a:latin typeface="+mj-lt"/>
+              </a:rPr>
+              <a:t>-Black </a:t>
+            </a:r>
+            <a:r>
+              <a:rPr lang="de-DE" sz="2400" b="1" dirty="0" err="1">
+                <a:latin typeface="+mj-lt"/>
+              </a:rPr>
+              <a:t>Deployment</a:t>
+            </a:r>
+            <a:endParaRPr lang="de-DE" b="1" dirty="0"/>
+          </a:p>
+          <a:p>
             <a:pPr>
               <a:buFont typeface="Arial" panose="020B0604020202020204" pitchFamily="34" charset="0"/>
               <a:buChar char="•"/>
@@ -9477,65 +8317,6 @@
               <a:buChar char="•"/>
             </a:pPr>
             <a:endParaRPr lang="de-DE" dirty="0"/>
-          </a:p>
-        </p:txBody>
-      </p:sp>
-      <p:sp>
-        <p:nvSpPr>
-          <p:cNvPr id="5" name="Textfeld 4">
-            <a:extLst>
-              <a:ext uri="{FF2B5EF4-FFF2-40B4-BE49-F238E27FC236}">
-                <a16:creationId xmlns:a16="http://schemas.microsoft.com/office/drawing/2014/main" id="{2329921C-13DB-F6B8-C326-D9583581E977}"/>
-              </a:ext>
-            </a:extLst>
-          </p:cNvPr>
-          <p:cNvSpPr txBox="1"/>
-          <p:nvPr/>
-        </p:nvSpPr>
-        <p:spPr bwMode="auto">
-          <a:xfrm>
-            <a:off x="330324" y="1079972"/>
-            <a:ext cx="8462714" cy="584775"/>
-          </a:xfrm>
-          <a:prstGeom prst="rect">
-            <a:avLst/>
-          </a:prstGeom>
-          <a:noFill/>
-          <a:ln w="9525">
-            <a:noFill/>
-            <a:miter lim="800000"/>
-            <a:headEnd/>
-            <a:tailEnd/>
-          </a:ln>
-        </p:spPr>
-        <p:txBody>
-          <a:bodyPr wrap="square" rtlCol="0" anchor="ctr">
-            <a:spAutoFit/>
-          </a:bodyPr>
-          <a:lstStyle/>
-          <a:p>
-            <a:pPr algn="ctr" eaLnBrk="1" hangingPunct="1"/>
-            <a:r>
-              <a:rPr lang="de-DE" sz="3200" dirty="0" err="1">
-                <a:latin typeface="+mj-lt"/>
-              </a:rPr>
-              <a:t>Red</a:t>
-            </a:r>
-            <a:r>
-              <a:rPr lang="de-DE" sz="3200" dirty="0">
-                <a:latin typeface="+mj-lt"/>
-              </a:rPr>
-              <a:t>-Black </a:t>
-            </a:r>
-            <a:r>
-              <a:rPr lang="de-DE" sz="3200" dirty="0" err="1">
-                <a:latin typeface="+mj-lt"/>
-              </a:rPr>
-              <a:t>Deployment</a:t>
-            </a:r>
-            <a:endParaRPr lang="de-DE" sz="3200" dirty="0">
-              <a:latin typeface="+mj-lt"/>
-            </a:endParaRPr>
           </a:p>
         </p:txBody>
       </p:sp>
@@ -10718,7 +9499,7 @@
         </p:nvSpPr>
         <p:spPr>
           <a:xfrm>
-            <a:off x="303213" y="1844823"/>
+            <a:off x="303213" y="1268760"/>
             <a:ext cx="8516937" cy="1656185"/>
           </a:xfrm>
         </p:spPr>
@@ -10726,6 +9507,24 @@
           <a:bodyPr/>
           <a:lstStyle/>
           <a:p>
+            <a:pPr marL="0" indent="0">
+              <a:buNone/>
+            </a:pPr>
+            <a:r>
+              <a:rPr lang="de-DE" sz="2400" b="1" dirty="0">
+                <a:latin typeface="+mj-lt"/>
+              </a:rPr>
+              <a:t>Canary </a:t>
+            </a:r>
+            <a:r>
+              <a:rPr lang="de-DE" sz="2400" b="1" dirty="0" err="1">
+                <a:latin typeface="+mj-lt"/>
+              </a:rPr>
+              <a:t>Deployment</a:t>
+            </a:r>
+            <a:endParaRPr lang="de-DE" b="1" dirty="0"/>
+          </a:p>
+          <a:p>
             <a:pPr>
               <a:buFont typeface="Arial" panose="020B0604020202020204" pitchFamily="34" charset="0"/>
               <a:buChar char="•"/>
@@ -10748,50 +9547,6 @@
             <a:r>
               <a:rPr lang="de-DE" dirty="0"/>
               <a:t>Test der Version mit Testgruppe</a:t>
-            </a:r>
-          </a:p>
-        </p:txBody>
-      </p:sp>
-      <p:sp>
-        <p:nvSpPr>
-          <p:cNvPr id="5" name="Textfeld 4">
-            <a:extLst>
-              <a:ext uri="{FF2B5EF4-FFF2-40B4-BE49-F238E27FC236}">
-                <a16:creationId xmlns:a16="http://schemas.microsoft.com/office/drawing/2014/main" id="{2329921C-13DB-F6B8-C326-D9583581E977}"/>
-              </a:ext>
-            </a:extLst>
-          </p:cNvPr>
-          <p:cNvSpPr txBox="1"/>
-          <p:nvPr/>
-        </p:nvSpPr>
-        <p:spPr bwMode="auto">
-          <a:xfrm>
-            <a:off x="330324" y="1079972"/>
-            <a:ext cx="8462714" cy="584775"/>
-          </a:xfrm>
-          <a:prstGeom prst="rect">
-            <a:avLst/>
-          </a:prstGeom>
-          <a:noFill/>
-          <a:ln w="9525">
-            <a:noFill/>
-            <a:miter lim="800000"/>
-            <a:headEnd/>
-            <a:tailEnd/>
-          </a:ln>
-        </p:spPr>
-        <p:txBody>
-          <a:bodyPr wrap="square" rtlCol="0" anchor="ctr">
-            <a:spAutoFit/>
-          </a:bodyPr>
-          <a:lstStyle/>
-          <a:p>
-            <a:pPr algn="ctr" eaLnBrk="1" hangingPunct="1"/>
-            <a:r>
-              <a:rPr lang="de-DE" sz="3200" dirty="0">
-                <a:latin typeface="+mj-lt"/>
-              </a:rPr>
-              <a:t>Canary Deploy</a:t>
             </a:r>
           </a:p>
         </p:txBody>
